--- a/slides/Corepac Performance.pptx
+++ b/slides/Corepac Performance.pptx
@@ -278,7 +278,7 @@
               <a:pPr>
                 <a:defRPr/>
               </a:pPr>
-              <a:t>1/17/2012</a:t>
+              <a:t>2/28/2012</a:t>
             </a:fld>
             <a:endParaRPr lang="en-US" dirty="0"/>
           </a:p>
@@ -2213,7 +2213,15 @@
                 <a:spcPct val="0"/>
               </a:spcBef>
             </a:pPr>
-            <a:endParaRPr lang="en-US" smtClean="0"/>
+            <a:r>
+              <a:rPr lang="en-US" dirty="0" smtClean="0"/>
+              <a:t>Should the</a:t>
+            </a:r>
+            <a:r>
+              <a:rPr lang="en-US" baseline="0" dirty="0" smtClean="0"/>
+              <a:t> EXECUTEs be sequential here?  E1, E2. E3, etc.</a:t>
+            </a:r>
+            <a:endParaRPr lang="en-US" dirty="0" smtClean="0"/>
           </a:p>
         </p:txBody>
       </p:sp>
@@ -2581,7 +2589,11 @@
           </a:bodyPr>
           <a:lstStyle/>
           <a:p>
-            <a:endParaRPr lang="en-US"/>
+            <a:r>
+              <a:rPr lang="en-US" dirty="0" smtClean="0"/>
+              <a:t>Indicate here how many cycles this code processing will require (15 cycles)</a:t>
+            </a:r>
+            <a:endParaRPr lang="en-US" dirty="0"/>
           </a:p>
         </p:txBody>
       </p:sp>
@@ -3867,35 +3879,35 @@
           <a:p>
             <a:pPr lvl="0"/>
             <a:r>
-              <a:rPr lang="en-US" smtClean="0"/>
+              <a:rPr lang="en-US" dirty="0" smtClean="0"/>
               <a:t>Click to edit Master text styles</a:t>
             </a:r>
           </a:p>
           <a:p>
             <a:pPr lvl="1"/>
             <a:r>
-              <a:rPr lang="en-US" smtClean="0"/>
+              <a:rPr lang="en-US" dirty="0" smtClean="0"/>
               <a:t>Second level</a:t>
             </a:r>
           </a:p>
           <a:p>
             <a:pPr lvl="2"/>
             <a:r>
-              <a:rPr lang="en-US" smtClean="0"/>
+              <a:rPr lang="en-US" dirty="0" smtClean="0"/>
               <a:t>Third level</a:t>
             </a:r>
           </a:p>
           <a:p>
             <a:pPr lvl="3"/>
             <a:r>
-              <a:rPr lang="en-US" smtClean="0"/>
+              <a:rPr lang="en-US" dirty="0" smtClean="0"/>
               <a:t>Fourth level</a:t>
             </a:r>
           </a:p>
           <a:p>
             <a:pPr lvl="4"/>
             <a:r>
-              <a:rPr lang="en-US" smtClean="0"/>
+              <a:rPr lang="en-US" dirty="0" smtClean="0"/>
               <a:t>Fifth level</a:t>
             </a:r>
           </a:p>
@@ -3989,7 +4001,7 @@
       </p:pic>
       <p:sp>
         <p:nvSpPr>
-          <p:cNvPr id="10" name="Rectangle 9"/>
+          <p:cNvPr id="7" name="Rectangle 6"/>
           <p:cNvSpPr/>
           <p:nvPr userDrawn="1">
             <p:custDataLst>
@@ -3999,8 +4011,8 @@
         </p:nvSpPr>
         <p:spPr>
           <a:xfrm>
-            <a:off x="7930120" y="6498264"/>
-            <a:ext cx="856260" cy="276999"/>
+            <a:off x="7405897" y="6520036"/>
+            <a:ext cx="1357103" cy="240066"/>
           </a:xfrm>
           <a:prstGeom prst="rect">
             <a:avLst/>
@@ -4025,6 +4037,26 @@
               <a:defRPr/>
             </a:pPr>
             <a:r>
+              <a:rPr lang="en-US" sz="1200" b="1" dirty="0" smtClean="0">
+                <a:ln w="10541" cmpd="sng">
+                  <a:solidFill>
+                    <a:srgbClr val="7D7D7D">
+                      <a:tint val="100000"/>
+                      <a:shade val="100000"/>
+                      <a:satMod val="110000"/>
+                    </a:srgbClr>
+                  </a:solidFill>
+                  <a:prstDash val="solid"/>
+                </a:ln>
+                <a:solidFill>
+                  <a:srgbClr val="000000"/>
+                </a:solidFill>
+                <a:latin typeface="Calibri"/>
+                <a:cs typeface="Arial" charset="0"/>
+              </a:rPr>
+              <a:t>Multicore </a:t>
+            </a:r>
+            <a:r>
               <a:rPr lang="en-US" sz="1200" b="1" dirty="0">
                 <a:ln w="10541" cmpd="sng">
                   <a:solidFill>
@@ -4042,7 +4074,7 @@
                 <a:latin typeface="Calibri"/>
                 <a:cs typeface="Arial" charset="0"/>
               </a:rPr>
-              <a:t>CI Training</a:t>
+              <a:t>Training</a:t>
             </a:r>
           </a:p>
         </p:txBody>
@@ -5666,7 +5698,7 @@
               <a:rPr lang="en-US" sz="2000" dirty="0" smtClean="0">
                 <a:latin typeface="+mj-lt"/>
               </a:rPr>
-              <a:t>Efficient instruction scheduling maximizes functional unit throughput.</a:t>
+              <a:t>Software pipeline enables efficient instruction scheduling to maximize functional unit throughput.</a:t>
             </a:r>
           </a:p>
           <a:p>
@@ -6484,13 +6516,13 @@
                 <a:defRPr/>
               </a:pPr>
               <a:r>
-                <a:rPr lang="en-US" sz="2000" dirty="0" err="1">
+                <a:rPr lang="en-US" sz="2000" dirty="0">
                   <a:latin typeface="+mj-lt"/>
                 </a:rPr>
                 <a:t>R</a:t>
               </a:r>
               <a:r>
-                <a:rPr lang="en-US" sz="2000" dirty="0" err="1" smtClean="0">
+                <a:rPr lang="en-US" sz="2000" dirty="0" smtClean="0">
                   <a:latin typeface="+mj-lt"/>
                 </a:rPr>
                 <a:t>egs</a:t>
@@ -6567,13 +6599,13 @@
                 <a:defRPr/>
               </a:pPr>
               <a:r>
-                <a:rPr lang="en-US" sz="2000" dirty="0" err="1">
+                <a:rPr lang="en-US" sz="2000" dirty="0">
                   <a:latin typeface="+mj-lt"/>
                 </a:rPr>
                 <a:t>R</a:t>
               </a:r>
               <a:r>
-                <a:rPr lang="en-US" sz="2000" dirty="0" err="1" smtClean="0">
+                <a:rPr lang="en-US" sz="2000" dirty="0" smtClean="0">
                   <a:latin typeface="+mj-lt"/>
                 </a:rPr>
                 <a:t>egs</a:t>
@@ -17734,50 +17766,50 @@
           <a:lstStyle/>
           <a:p>
             <a:r>
-              <a:rPr lang="en-US" sz="2800">
+              <a:rPr lang="en-US" sz="2800" dirty="0" smtClean="0">
                 <a:latin typeface="Calibri" pitchFamily="34" charset="0"/>
               </a:rPr>
               <a:t>How many cycles would</a:t>
             </a:r>
             <a:br>
-              <a:rPr lang="en-US" sz="2800">
+              <a:rPr lang="en-US" sz="2800" dirty="0" smtClean="0">
                 <a:latin typeface="Calibri" pitchFamily="34" charset="0"/>
               </a:rPr>
             </a:br>
             <a:r>
-              <a:rPr lang="en-US" sz="2800">
+              <a:rPr lang="en-US" sz="2800" dirty="0" smtClean="0">
                 <a:latin typeface="Calibri" pitchFamily="34" charset="0"/>
               </a:rPr>
               <a:t>it take to perform this</a:t>
             </a:r>
             <a:br>
-              <a:rPr lang="en-US" sz="2800">
+              <a:rPr lang="en-US" sz="2800" dirty="0" smtClean="0">
                 <a:latin typeface="Calibri" pitchFamily="34" charset="0"/>
               </a:rPr>
             </a:br>
             <a:r>
-              <a:rPr lang="en-US" sz="2800">
+              <a:rPr lang="en-US" sz="2800" dirty="0" smtClean="0">
                 <a:latin typeface="Calibri" pitchFamily="34" charset="0"/>
               </a:rPr>
-              <a:t>loop 5 times?</a:t>
+              <a:t>loop five times?</a:t>
             </a:r>
           </a:p>
           <a:p>
             <a:r>
-              <a:rPr lang="en-US" sz="2800">
+              <a:rPr lang="en-US" sz="2800" dirty="0" smtClean="0">
                 <a:latin typeface="Calibri" pitchFamily="34" charset="0"/>
               </a:rPr>
-              <a:t>(Disregard delay-slots).</a:t>
+              <a:t>(Disregard delay slots).</a:t>
             </a:r>
           </a:p>
           <a:p>
-            <a:endParaRPr lang="en-US" sz="2800">
+            <a:endParaRPr lang="en-US" sz="2800" dirty="0">
               <a:latin typeface="Calibri" pitchFamily="34" charset="0"/>
             </a:endParaRPr>
           </a:p>
           <a:p>
             <a:r>
-              <a:rPr lang="en-US" sz="2800">
+              <a:rPr lang="en-US" sz="2800" dirty="0">
                 <a:latin typeface="Calibri" pitchFamily="34" charset="0"/>
               </a:rPr>
               <a:t>     5 x 3 = 15 cycles</a:t>
@@ -17815,13 +17847,14 @@
               <a:defRPr/>
             </a:pPr>
             <a:r>
-              <a:rPr lang="en-US" sz="2400" dirty="0">
+              <a:rPr lang="en-US" sz="2400" dirty="0" smtClean="0">
                 <a:latin typeface="+mj-lt"/>
-                <a:ea typeface="+mj-ea"/>
-                <a:cs typeface="+mj-cs"/>
               </a:rPr>
-              <a:t>A typical DSP MAC operation- dot product</a:t>
+              <a:t>Dot product; A typical DSP MAC operation.</a:t>
             </a:r>
+            <a:endParaRPr lang="en-US" sz="2400" dirty="0">
+              <a:latin typeface="+mj-lt"/>
+            </a:endParaRPr>
           </a:p>
         </p:txBody>
       </p:sp>

--- a/slides/Corepac Performance.pptx
+++ b/slides/Corepac Performance.pptx
@@ -39,7 +39,7 @@
     <p:sldId id="293" r:id="rId30"/>
   </p:sldIdLst>
   <p:sldSz cx="9144000" cy="6858000" type="screen4x3"/>
-  <p:notesSz cx="7315200" cy="9601200"/>
+  <p:notesSz cx="7010400" cy="9296400"/>
   <p:custDataLst>
     <p:tags r:id="rId32"/>
   </p:custDataLst>
@@ -206,14 +206,14 @@
         <p:spPr>
           <a:xfrm>
             <a:off x="0" y="0"/>
-            <a:ext cx="3170583" cy="480388"/>
+            <a:ext cx="3038475" cy="465138"/>
           </a:xfrm>
           <a:prstGeom prst="rect">
             <a:avLst/>
           </a:prstGeom>
         </p:spPr>
         <p:txBody>
-          <a:bodyPr vert="horz" lIns="96653" tIns="48327" rIns="96653" bIns="48327" rtlCol="0"/>
+          <a:bodyPr vert="horz" lIns="93177" tIns="46589" rIns="93177" bIns="46589" rtlCol="0"/>
           <a:lstStyle>
             <a:lvl1pPr algn="l" fontAlgn="auto">
               <a:spcBef>
@@ -247,15 +247,15 @@
         </p:nvSpPr>
         <p:spPr>
           <a:xfrm>
-            <a:off x="4142962" y="0"/>
-            <a:ext cx="3170583" cy="480388"/>
+            <a:off x="3970338" y="0"/>
+            <a:ext cx="3038475" cy="465138"/>
           </a:xfrm>
           <a:prstGeom prst="rect">
             <a:avLst/>
           </a:prstGeom>
         </p:spPr>
         <p:txBody>
-          <a:bodyPr vert="horz" lIns="96653" tIns="48327" rIns="96653" bIns="48327" rtlCol="0"/>
+          <a:bodyPr vert="horz" lIns="93177" tIns="46589" rIns="93177" bIns="46589" rtlCol="0"/>
           <a:lstStyle>
             <a:lvl1pPr algn="r" fontAlgn="auto">
               <a:spcBef>
@@ -278,7 +278,7 @@
               <a:pPr>
                 <a:defRPr/>
               </a:pPr>
-              <a:t>2/28/2012</a:t>
+              <a:t>4/30/2012</a:t>
             </a:fld>
             <a:endParaRPr lang="en-US" dirty="0"/>
           </a:p>
@@ -296,8 +296,8 @@
         </p:nvSpPr>
         <p:spPr>
           <a:xfrm>
-            <a:off x="1257300" y="719138"/>
-            <a:ext cx="4800600" cy="3600450"/>
+            <a:off x="1181100" y="696913"/>
+            <a:ext cx="4648200" cy="3486150"/>
           </a:xfrm>
           <a:prstGeom prst="rect">
             <a:avLst/>
@@ -310,7 +310,7 @@
           </a:ln>
         </p:spPr>
         <p:txBody>
-          <a:bodyPr vert="horz" lIns="96653" tIns="48327" rIns="96653" bIns="48327" rtlCol="0" anchor="ctr"/>
+          <a:bodyPr vert="horz" lIns="93177" tIns="46589" rIns="93177" bIns="46589" rtlCol="0" anchor="ctr"/>
           <a:lstStyle/>
           <a:p>
             <a:pPr lvl="0"/>
@@ -330,15 +330,15 @@
         </p:nvSpPr>
         <p:spPr>
           <a:xfrm>
-            <a:off x="732183" y="4561226"/>
-            <a:ext cx="5850835" cy="4320213"/>
+            <a:off x="701675" y="4416425"/>
+            <a:ext cx="5607050" cy="4183063"/>
           </a:xfrm>
           <a:prstGeom prst="rect">
             <a:avLst/>
           </a:prstGeom>
         </p:spPr>
         <p:txBody>
-          <a:bodyPr vert="horz" lIns="96653" tIns="48327" rIns="96653" bIns="48327" rtlCol="0">
+          <a:bodyPr vert="horz" lIns="93177" tIns="46589" rIns="93177" bIns="46589" rtlCol="0">
             <a:normAutofit/>
           </a:bodyPr>
           <a:lstStyle/>
@@ -391,15 +391,15 @@
         </p:nvSpPr>
         <p:spPr>
           <a:xfrm>
-            <a:off x="0" y="9119173"/>
-            <a:ext cx="3170583" cy="480388"/>
+            <a:off x="0" y="8829675"/>
+            <a:ext cx="3038475" cy="465138"/>
           </a:xfrm>
           <a:prstGeom prst="rect">
             <a:avLst/>
           </a:prstGeom>
         </p:spPr>
         <p:txBody>
-          <a:bodyPr vert="horz" lIns="96653" tIns="48327" rIns="96653" bIns="48327" rtlCol="0" anchor="b"/>
+          <a:bodyPr vert="horz" lIns="93177" tIns="46589" rIns="93177" bIns="46589" rtlCol="0" anchor="b"/>
           <a:lstStyle>
             <a:lvl1pPr algn="l" fontAlgn="auto">
               <a:spcBef>
@@ -433,15 +433,15 @@
         </p:nvSpPr>
         <p:spPr>
           <a:xfrm>
-            <a:off x="4142962" y="9119173"/>
-            <a:ext cx="3170583" cy="480388"/>
+            <a:off x="3970338" y="8829675"/>
+            <a:ext cx="3038475" cy="465138"/>
           </a:xfrm>
           <a:prstGeom prst="rect">
             <a:avLst/>
           </a:prstGeom>
         </p:spPr>
         <p:txBody>
-          <a:bodyPr vert="horz" lIns="96653" tIns="48327" rIns="96653" bIns="48327" rtlCol="0" anchor="b"/>
+          <a:bodyPr vert="horz" lIns="93177" tIns="46589" rIns="93177" bIns="46589" rtlCol="0" anchor="b"/>
           <a:lstStyle>
             <a:lvl1pPr algn="r" fontAlgn="auto">
               <a:spcBef>
@@ -625,8 +625,8 @@
         </p:nvSpPr>
         <p:spPr bwMode="auto">
           <a:xfrm>
-            <a:off x="4143375" y="9118601"/>
-            <a:ext cx="3170238" cy="481013"/>
+            <a:off x="3970734" y="8829121"/>
+            <a:ext cx="3038145" cy="465743"/>
           </a:xfrm>
           <a:prstGeom prst="rect">
             <a:avLst/>
@@ -640,17 +640,17 @@
           </a:ln>
         </p:spPr>
         <p:txBody>
-          <a:bodyPr lIns="95711" tIns="47855" rIns="95711" bIns="47855" anchor="b"/>
+          <a:bodyPr lIns="92269" tIns="46134" rIns="92269" bIns="46134" anchor="b"/>
           <a:lstStyle/>
           <a:p>
-            <a:pPr defTabSz="955535"/>
+            <a:pPr defTabSz="921175"/>
             <a:fld id="{730B64B5-317C-48D6-B403-17D10F6A2C5F}" type="slidenum">
               <a:rPr lang="en-US" sz="1200">
                 <a:solidFill>
                   <a:srgbClr val="000000"/>
                 </a:solidFill>
               </a:rPr>
-              <a:pPr defTabSz="955535"/>
+              <a:pPr defTabSz="921175"/>
               <a:t>1</a:t>
             </a:fld>
             <a:endParaRPr lang="en-US" sz="1200" dirty="0">
@@ -690,7 +690,7 @@
           <a:ln/>
         </p:spPr>
         <p:txBody>
-          <a:bodyPr lIns="95711" tIns="47855" rIns="95711" bIns="47855"/>
+          <a:bodyPr lIns="92269" tIns="46134" rIns="92269" bIns="46134"/>
           <a:lstStyle/>
           <a:p>
             <a:pPr eaLnBrk="1" hangingPunct="1"/>
@@ -714,1382 +714,6 @@
 </file>
 
 <file path=ppt/notesSlides/notesSlide10.xml><?xml version="1.0" encoding="utf-8"?>
-<p:notes xmlns:a="http://schemas.openxmlformats.org/drawingml/2006/main" xmlns:r="http://schemas.openxmlformats.org/officeDocument/2006/relationships" xmlns:p="http://schemas.openxmlformats.org/presentationml/2006/main">
-  <p:cSld>
-    <p:spTree>
-      <p:nvGrpSpPr>
-        <p:cNvPr id="1" name=""/>
-        <p:cNvGrpSpPr/>
-        <p:nvPr/>
-      </p:nvGrpSpPr>
-      <p:grpSpPr>
-        <a:xfrm>
-          <a:off x="0" y="0"/>
-          <a:ext cx="0" cy="0"/>
-          <a:chOff x="0" y="0"/>
-          <a:chExt cx="0" cy="0"/>
-        </a:xfrm>
-      </p:grpSpPr>
-      <p:sp>
-        <p:nvSpPr>
-          <p:cNvPr id="2" name="Slide Image Placeholder 1"/>
-          <p:cNvSpPr>
-            <a:spLocks noGrp="1" noRot="1" noChangeAspect="1"/>
-          </p:cNvSpPr>
-          <p:nvPr>
-            <p:ph type="sldImg"/>
-          </p:nvPr>
-        </p:nvSpPr>
-        <p:spPr/>
-      </p:sp>
-      <p:sp>
-        <p:nvSpPr>
-          <p:cNvPr id="3" name="Notes Placeholder 2"/>
-          <p:cNvSpPr>
-            <a:spLocks noGrp="1"/>
-          </p:cNvSpPr>
-          <p:nvPr>
-            <p:ph type="body" idx="1"/>
-          </p:nvPr>
-        </p:nvSpPr>
-        <p:spPr/>
-        <p:txBody>
-          <a:bodyPr>
-            <a:normAutofit/>
-          </a:bodyPr>
-          <a:lstStyle/>
-          <a:p>
-            <a:endParaRPr lang="en-US"/>
-          </a:p>
-        </p:txBody>
-      </p:sp>
-      <p:sp>
-        <p:nvSpPr>
-          <p:cNvPr id="4" name="Slide Number Placeholder 3"/>
-          <p:cNvSpPr>
-            <a:spLocks noGrp="1"/>
-          </p:cNvSpPr>
-          <p:nvPr>
-            <p:ph type="sldNum" sz="quarter" idx="10"/>
-          </p:nvPr>
-        </p:nvSpPr>
-        <p:spPr/>
-        <p:txBody>
-          <a:bodyPr/>
-          <a:lstStyle/>
-          <a:p>
-            <a:pPr>
-              <a:defRPr/>
-            </a:pPr>
-            <a:fld id="{5703B4A2-C126-47DB-8BAB-ECD4F18747C5}" type="slidenum">
-              <a:rPr lang="en-US" smtClean="0"/>
-              <a:pPr>
-                <a:defRPr/>
-              </a:pPr>
-              <a:t>10</a:t>
-            </a:fld>
-            <a:endParaRPr lang="en-US" dirty="0"/>
-          </a:p>
-        </p:txBody>
-      </p:sp>
-    </p:spTree>
-  </p:cSld>
-  <p:clrMapOvr>
-    <a:masterClrMapping/>
-  </p:clrMapOvr>
-</p:notes>
-</file>
-
-<file path=ppt/notesSlides/notesSlide11.xml><?xml version="1.0" encoding="utf-8"?>
-<p:notes xmlns:a="http://schemas.openxmlformats.org/drawingml/2006/main" xmlns:r="http://schemas.openxmlformats.org/officeDocument/2006/relationships" xmlns:p="http://schemas.openxmlformats.org/presentationml/2006/main">
-  <p:cSld>
-    <p:spTree>
-      <p:nvGrpSpPr>
-        <p:cNvPr id="1" name=""/>
-        <p:cNvGrpSpPr/>
-        <p:nvPr/>
-      </p:nvGrpSpPr>
-      <p:grpSpPr>
-        <a:xfrm>
-          <a:off x="0" y="0"/>
-          <a:ext cx="0" cy="0"/>
-          <a:chOff x="0" y="0"/>
-          <a:chExt cx="0" cy="0"/>
-        </a:xfrm>
-      </p:grpSpPr>
-      <p:sp>
-        <p:nvSpPr>
-          <p:cNvPr id="2" name="Slide Image Placeholder 1"/>
-          <p:cNvSpPr>
-            <a:spLocks noGrp="1" noRot="1" noChangeAspect="1"/>
-          </p:cNvSpPr>
-          <p:nvPr>
-            <p:ph type="sldImg"/>
-          </p:nvPr>
-        </p:nvSpPr>
-        <p:spPr/>
-      </p:sp>
-      <p:sp>
-        <p:nvSpPr>
-          <p:cNvPr id="3" name="Notes Placeholder 2"/>
-          <p:cNvSpPr>
-            <a:spLocks noGrp="1"/>
-          </p:cNvSpPr>
-          <p:nvPr>
-            <p:ph type="body" idx="1"/>
-          </p:nvPr>
-        </p:nvSpPr>
-        <p:spPr/>
-        <p:txBody>
-          <a:bodyPr>
-            <a:normAutofit/>
-          </a:bodyPr>
-          <a:lstStyle/>
-          <a:p>
-            <a:endParaRPr lang="en-US"/>
-          </a:p>
-        </p:txBody>
-      </p:sp>
-      <p:sp>
-        <p:nvSpPr>
-          <p:cNvPr id="4" name="Slide Number Placeholder 3"/>
-          <p:cNvSpPr>
-            <a:spLocks noGrp="1"/>
-          </p:cNvSpPr>
-          <p:nvPr>
-            <p:ph type="sldNum" sz="quarter" idx="10"/>
-          </p:nvPr>
-        </p:nvSpPr>
-        <p:spPr/>
-        <p:txBody>
-          <a:bodyPr/>
-          <a:lstStyle/>
-          <a:p>
-            <a:pPr>
-              <a:defRPr/>
-            </a:pPr>
-            <a:fld id="{5703B4A2-C126-47DB-8BAB-ECD4F18747C5}" type="slidenum">
-              <a:rPr lang="en-US" smtClean="0"/>
-              <a:pPr>
-                <a:defRPr/>
-              </a:pPr>
-              <a:t>11</a:t>
-            </a:fld>
-            <a:endParaRPr lang="en-US" dirty="0"/>
-          </a:p>
-        </p:txBody>
-      </p:sp>
-    </p:spTree>
-  </p:cSld>
-  <p:clrMapOvr>
-    <a:masterClrMapping/>
-  </p:clrMapOvr>
-</p:notes>
-</file>
-
-<file path=ppt/notesSlides/notesSlide12.xml><?xml version="1.0" encoding="utf-8"?>
-<p:notes xmlns:a="http://schemas.openxmlformats.org/drawingml/2006/main" xmlns:r="http://schemas.openxmlformats.org/officeDocument/2006/relationships" xmlns:p="http://schemas.openxmlformats.org/presentationml/2006/main">
-  <p:cSld>
-    <p:spTree>
-      <p:nvGrpSpPr>
-        <p:cNvPr id="1" name=""/>
-        <p:cNvGrpSpPr/>
-        <p:nvPr/>
-      </p:nvGrpSpPr>
-      <p:grpSpPr>
-        <a:xfrm>
-          <a:off x="0" y="0"/>
-          <a:ext cx="0" cy="0"/>
-          <a:chOff x="0" y="0"/>
-          <a:chExt cx="0" cy="0"/>
-        </a:xfrm>
-      </p:grpSpPr>
-      <p:sp>
-        <p:nvSpPr>
-          <p:cNvPr id="2" name="Slide Image Placeholder 1"/>
-          <p:cNvSpPr>
-            <a:spLocks noGrp="1" noRot="1" noChangeAspect="1"/>
-          </p:cNvSpPr>
-          <p:nvPr>
-            <p:ph type="sldImg"/>
-          </p:nvPr>
-        </p:nvSpPr>
-        <p:spPr/>
-      </p:sp>
-      <p:sp>
-        <p:nvSpPr>
-          <p:cNvPr id="3" name="Notes Placeholder 2"/>
-          <p:cNvSpPr>
-            <a:spLocks noGrp="1"/>
-          </p:cNvSpPr>
-          <p:nvPr>
-            <p:ph type="body" idx="1"/>
-          </p:nvPr>
-        </p:nvSpPr>
-        <p:spPr/>
-        <p:txBody>
-          <a:bodyPr>
-            <a:normAutofit/>
-          </a:bodyPr>
-          <a:lstStyle/>
-          <a:p>
-            <a:endParaRPr lang="en-US"/>
-          </a:p>
-        </p:txBody>
-      </p:sp>
-      <p:sp>
-        <p:nvSpPr>
-          <p:cNvPr id="4" name="Slide Number Placeholder 3"/>
-          <p:cNvSpPr>
-            <a:spLocks noGrp="1"/>
-          </p:cNvSpPr>
-          <p:nvPr>
-            <p:ph type="sldNum" sz="quarter" idx="10"/>
-          </p:nvPr>
-        </p:nvSpPr>
-        <p:spPr/>
-        <p:txBody>
-          <a:bodyPr/>
-          <a:lstStyle/>
-          <a:p>
-            <a:pPr>
-              <a:defRPr/>
-            </a:pPr>
-            <a:fld id="{5703B4A2-C126-47DB-8BAB-ECD4F18747C5}" type="slidenum">
-              <a:rPr lang="en-US" smtClean="0"/>
-              <a:pPr>
-                <a:defRPr/>
-              </a:pPr>
-              <a:t>12</a:t>
-            </a:fld>
-            <a:endParaRPr lang="en-US" dirty="0"/>
-          </a:p>
-        </p:txBody>
-      </p:sp>
-    </p:spTree>
-  </p:cSld>
-  <p:clrMapOvr>
-    <a:masterClrMapping/>
-  </p:clrMapOvr>
-</p:notes>
-</file>
-
-<file path=ppt/notesSlides/notesSlide13.xml><?xml version="1.0" encoding="utf-8"?>
-<p:notes xmlns:a="http://schemas.openxmlformats.org/drawingml/2006/main" xmlns:r="http://schemas.openxmlformats.org/officeDocument/2006/relationships" xmlns:p="http://schemas.openxmlformats.org/presentationml/2006/main">
-  <p:cSld>
-    <p:spTree>
-      <p:nvGrpSpPr>
-        <p:cNvPr id="1" name=""/>
-        <p:cNvGrpSpPr/>
-        <p:nvPr/>
-      </p:nvGrpSpPr>
-      <p:grpSpPr>
-        <a:xfrm>
-          <a:off x="0" y="0"/>
-          <a:ext cx="0" cy="0"/>
-          <a:chOff x="0" y="0"/>
-          <a:chExt cx="0" cy="0"/>
-        </a:xfrm>
-      </p:grpSpPr>
-      <p:sp>
-        <p:nvSpPr>
-          <p:cNvPr id="2" name="Slide Image Placeholder 1"/>
-          <p:cNvSpPr>
-            <a:spLocks noGrp="1" noRot="1" noChangeAspect="1"/>
-          </p:cNvSpPr>
-          <p:nvPr>
-            <p:ph type="sldImg"/>
-          </p:nvPr>
-        </p:nvSpPr>
-        <p:spPr/>
-      </p:sp>
-      <p:sp>
-        <p:nvSpPr>
-          <p:cNvPr id="3" name="Notes Placeholder 2"/>
-          <p:cNvSpPr>
-            <a:spLocks noGrp="1"/>
-          </p:cNvSpPr>
-          <p:nvPr>
-            <p:ph type="body" idx="1"/>
-          </p:nvPr>
-        </p:nvSpPr>
-        <p:spPr/>
-        <p:txBody>
-          <a:bodyPr>
-            <a:normAutofit/>
-          </a:bodyPr>
-          <a:lstStyle/>
-          <a:p>
-            <a:endParaRPr lang="en-US"/>
-          </a:p>
-        </p:txBody>
-      </p:sp>
-      <p:sp>
-        <p:nvSpPr>
-          <p:cNvPr id="4" name="Slide Number Placeholder 3"/>
-          <p:cNvSpPr>
-            <a:spLocks noGrp="1"/>
-          </p:cNvSpPr>
-          <p:nvPr>
-            <p:ph type="sldNum" sz="quarter" idx="10"/>
-          </p:nvPr>
-        </p:nvSpPr>
-        <p:spPr/>
-        <p:txBody>
-          <a:bodyPr/>
-          <a:lstStyle/>
-          <a:p>
-            <a:pPr>
-              <a:defRPr/>
-            </a:pPr>
-            <a:fld id="{5703B4A2-C126-47DB-8BAB-ECD4F18747C5}" type="slidenum">
-              <a:rPr lang="en-US" smtClean="0"/>
-              <a:pPr>
-                <a:defRPr/>
-              </a:pPr>
-              <a:t>13</a:t>
-            </a:fld>
-            <a:endParaRPr lang="en-US" dirty="0"/>
-          </a:p>
-        </p:txBody>
-      </p:sp>
-    </p:spTree>
-  </p:cSld>
-  <p:clrMapOvr>
-    <a:masterClrMapping/>
-  </p:clrMapOvr>
-</p:notes>
-</file>
-
-<file path=ppt/notesSlides/notesSlide14.xml><?xml version="1.0" encoding="utf-8"?>
-<p:notes xmlns:a="http://schemas.openxmlformats.org/drawingml/2006/main" xmlns:r="http://schemas.openxmlformats.org/officeDocument/2006/relationships" xmlns:p="http://schemas.openxmlformats.org/presentationml/2006/main">
-  <p:cSld>
-    <p:spTree>
-      <p:nvGrpSpPr>
-        <p:cNvPr id="1" name=""/>
-        <p:cNvGrpSpPr/>
-        <p:nvPr/>
-      </p:nvGrpSpPr>
-      <p:grpSpPr>
-        <a:xfrm>
-          <a:off x="0" y="0"/>
-          <a:ext cx="0" cy="0"/>
-          <a:chOff x="0" y="0"/>
-          <a:chExt cx="0" cy="0"/>
-        </a:xfrm>
-      </p:grpSpPr>
-      <p:sp>
-        <p:nvSpPr>
-          <p:cNvPr id="2" name="Slide Image Placeholder 1"/>
-          <p:cNvSpPr>
-            <a:spLocks noGrp="1" noRot="1" noChangeAspect="1"/>
-          </p:cNvSpPr>
-          <p:nvPr>
-            <p:ph type="sldImg"/>
-          </p:nvPr>
-        </p:nvSpPr>
-        <p:spPr/>
-      </p:sp>
-      <p:sp>
-        <p:nvSpPr>
-          <p:cNvPr id="3" name="Notes Placeholder 2"/>
-          <p:cNvSpPr>
-            <a:spLocks noGrp="1"/>
-          </p:cNvSpPr>
-          <p:nvPr>
-            <p:ph type="body" idx="1"/>
-          </p:nvPr>
-        </p:nvSpPr>
-        <p:spPr/>
-        <p:txBody>
-          <a:bodyPr>
-            <a:normAutofit/>
-          </a:bodyPr>
-          <a:lstStyle/>
-          <a:p>
-            <a:endParaRPr lang="en-US"/>
-          </a:p>
-        </p:txBody>
-      </p:sp>
-      <p:sp>
-        <p:nvSpPr>
-          <p:cNvPr id="4" name="Slide Number Placeholder 3"/>
-          <p:cNvSpPr>
-            <a:spLocks noGrp="1"/>
-          </p:cNvSpPr>
-          <p:nvPr>
-            <p:ph type="sldNum" sz="quarter" idx="10"/>
-          </p:nvPr>
-        </p:nvSpPr>
-        <p:spPr/>
-        <p:txBody>
-          <a:bodyPr/>
-          <a:lstStyle/>
-          <a:p>
-            <a:pPr>
-              <a:defRPr/>
-            </a:pPr>
-            <a:fld id="{5703B4A2-C126-47DB-8BAB-ECD4F18747C5}" type="slidenum">
-              <a:rPr lang="en-US" smtClean="0"/>
-              <a:pPr>
-                <a:defRPr/>
-              </a:pPr>
-              <a:t>14</a:t>
-            </a:fld>
-            <a:endParaRPr lang="en-US" dirty="0"/>
-          </a:p>
-        </p:txBody>
-      </p:sp>
-    </p:spTree>
-  </p:cSld>
-  <p:clrMapOvr>
-    <a:masterClrMapping/>
-  </p:clrMapOvr>
-</p:notes>
-</file>
-
-<file path=ppt/notesSlides/notesSlide15.xml><?xml version="1.0" encoding="utf-8"?>
-<p:notes xmlns:a="http://schemas.openxmlformats.org/drawingml/2006/main" xmlns:r="http://schemas.openxmlformats.org/officeDocument/2006/relationships" xmlns:p="http://schemas.openxmlformats.org/presentationml/2006/main">
-  <p:cSld>
-    <p:spTree>
-      <p:nvGrpSpPr>
-        <p:cNvPr id="1" name=""/>
-        <p:cNvGrpSpPr/>
-        <p:nvPr/>
-      </p:nvGrpSpPr>
-      <p:grpSpPr>
-        <a:xfrm>
-          <a:off x="0" y="0"/>
-          <a:ext cx="0" cy="0"/>
-          <a:chOff x="0" y="0"/>
-          <a:chExt cx="0" cy="0"/>
-        </a:xfrm>
-      </p:grpSpPr>
-      <p:sp>
-        <p:nvSpPr>
-          <p:cNvPr id="2" name="Slide Image Placeholder 1"/>
-          <p:cNvSpPr>
-            <a:spLocks noGrp="1" noRot="1" noChangeAspect="1"/>
-          </p:cNvSpPr>
-          <p:nvPr>
-            <p:ph type="sldImg"/>
-          </p:nvPr>
-        </p:nvSpPr>
-        <p:spPr/>
-      </p:sp>
-      <p:sp>
-        <p:nvSpPr>
-          <p:cNvPr id="3" name="Notes Placeholder 2"/>
-          <p:cNvSpPr>
-            <a:spLocks noGrp="1"/>
-          </p:cNvSpPr>
-          <p:nvPr>
-            <p:ph type="body" idx="1"/>
-          </p:nvPr>
-        </p:nvSpPr>
-        <p:spPr/>
-        <p:txBody>
-          <a:bodyPr>
-            <a:normAutofit/>
-          </a:bodyPr>
-          <a:lstStyle/>
-          <a:p>
-            <a:endParaRPr lang="en-US"/>
-          </a:p>
-        </p:txBody>
-      </p:sp>
-      <p:sp>
-        <p:nvSpPr>
-          <p:cNvPr id="4" name="Slide Number Placeholder 3"/>
-          <p:cNvSpPr>
-            <a:spLocks noGrp="1"/>
-          </p:cNvSpPr>
-          <p:nvPr>
-            <p:ph type="sldNum" sz="quarter" idx="10"/>
-          </p:nvPr>
-        </p:nvSpPr>
-        <p:spPr/>
-        <p:txBody>
-          <a:bodyPr/>
-          <a:lstStyle/>
-          <a:p>
-            <a:pPr>
-              <a:defRPr/>
-            </a:pPr>
-            <a:fld id="{5703B4A2-C126-47DB-8BAB-ECD4F18747C5}" type="slidenum">
-              <a:rPr lang="en-US" smtClean="0"/>
-              <a:pPr>
-                <a:defRPr/>
-              </a:pPr>
-              <a:t>15</a:t>
-            </a:fld>
-            <a:endParaRPr lang="en-US" dirty="0"/>
-          </a:p>
-        </p:txBody>
-      </p:sp>
-    </p:spTree>
-  </p:cSld>
-  <p:clrMapOvr>
-    <a:masterClrMapping/>
-  </p:clrMapOvr>
-</p:notes>
-</file>
-
-<file path=ppt/notesSlides/notesSlide16.xml><?xml version="1.0" encoding="utf-8"?>
-<p:notes xmlns:a="http://schemas.openxmlformats.org/drawingml/2006/main" xmlns:r="http://schemas.openxmlformats.org/officeDocument/2006/relationships" xmlns:p="http://schemas.openxmlformats.org/presentationml/2006/main">
-  <p:cSld>
-    <p:spTree>
-      <p:nvGrpSpPr>
-        <p:cNvPr id="1" name=""/>
-        <p:cNvGrpSpPr/>
-        <p:nvPr/>
-      </p:nvGrpSpPr>
-      <p:grpSpPr>
-        <a:xfrm>
-          <a:off x="0" y="0"/>
-          <a:ext cx="0" cy="0"/>
-          <a:chOff x="0" y="0"/>
-          <a:chExt cx="0" cy="0"/>
-        </a:xfrm>
-      </p:grpSpPr>
-      <p:sp>
-        <p:nvSpPr>
-          <p:cNvPr id="34818" name="Rectangle 5"/>
-          <p:cNvSpPr>
-            <a:spLocks noGrp="1" noChangeArrowheads="1"/>
-          </p:cNvSpPr>
-          <p:nvPr>
-            <p:ph type="sldNum" sz="quarter" idx="5"/>
-          </p:nvPr>
-        </p:nvSpPr>
-        <p:spPr bwMode="auto">
-          <a:ln>
-            <a:miter lim="800000"/>
-            <a:headEnd/>
-            <a:tailEnd/>
-          </a:ln>
-        </p:spPr>
-        <p:txBody>
-          <a:bodyPr wrap="square" numCol="1" anchorCtr="0" compatLnSpc="1">
-            <a:prstTxWarp prst="textNoShape">
-              <a:avLst/>
-            </a:prstTxWarp>
-          </a:bodyPr>
-          <a:lstStyle/>
-          <a:p>
-            <a:pPr fontAlgn="base">
-              <a:spcBef>
-                <a:spcPct val="0"/>
-              </a:spcBef>
-              <a:spcAft>
-                <a:spcPct val="0"/>
-              </a:spcAft>
-              <a:defRPr/>
-            </a:pPr>
-            <a:fld id="{E887EC15-0CB4-4158-B18A-F07C15A4E490}" type="slidenum">
-              <a:rPr lang="en-US" smtClean="0"/>
-              <a:pPr fontAlgn="base">
-                <a:spcBef>
-                  <a:spcPct val="0"/>
-                </a:spcBef>
-                <a:spcAft>
-                  <a:spcPct val="0"/>
-                </a:spcAft>
-                <a:defRPr/>
-              </a:pPr>
-              <a:t>16</a:t>
-            </a:fld>
-            <a:endParaRPr lang="en-US" smtClean="0"/>
-          </a:p>
-        </p:txBody>
-      </p:sp>
-      <p:sp>
-        <p:nvSpPr>
-          <p:cNvPr id="35843" name="Rectangle 2"/>
-          <p:cNvSpPr>
-            <a:spLocks noGrp="1" noRot="1" noChangeAspect="1" noChangeArrowheads="1" noTextEdit="1"/>
-          </p:cNvSpPr>
-          <p:nvPr>
-            <p:ph type="sldImg"/>
-          </p:nvPr>
-        </p:nvSpPr>
-        <p:spPr bwMode="auto">
-          <a:xfrm>
-            <a:off x="1271588" y="733425"/>
-            <a:ext cx="4772025" cy="3579813"/>
-          </a:xfrm>
-          <a:noFill/>
-          <a:ln>
-            <a:solidFill>
-              <a:srgbClr val="000000"/>
-            </a:solidFill>
-            <a:miter lim="800000"/>
-            <a:headEnd/>
-            <a:tailEnd/>
-          </a:ln>
-        </p:spPr>
-      </p:sp>
-      <p:sp>
-        <p:nvSpPr>
-          <p:cNvPr id="35844" name="Rectangle 3"/>
-          <p:cNvSpPr>
-            <a:spLocks noGrp="1" noChangeArrowheads="1"/>
-          </p:cNvSpPr>
-          <p:nvPr>
-            <p:ph type="body" idx="1"/>
-          </p:nvPr>
-        </p:nvSpPr>
-        <p:spPr bwMode="auto">
-          <a:xfrm>
-            <a:off x="977348" y="4559587"/>
-            <a:ext cx="5360504" cy="4320212"/>
-          </a:xfrm>
-          <a:noFill/>
-        </p:spPr>
-        <p:txBody>
-          <a:bodyPr wrap="square" lIns="97266" tIns="48633" rIns="97266" bIns="48633" numCol="1" anchor="t" anchorCtr="0" compatLnSpc="1">
-            <a:prstTxWarp prst="textNoShape">
-              <a:avLst/>
-            </a:prstTxWarp>
-          </a:bodyPr>
-          <a:lstStyle/>
-          <a:p>
-            <a:pPr marL="187725" indent="-187725" eaLnBrk="1" hangingPunct="1">
-              <a:spcBef>
-                <a:spcPct val="0"/>
-              </a:spcBef>
-            </a:pPr>
-            <a:endParaRPr lang="en-US" dirty="0" smtClean="0"/>
-          </a:p>
-        </p:txBody>
-      </p:sp>
-    </p:spTree>
-  </p:cSld>
-  <p:clrMapOvr>
-    <a:masterClrMapping/>
-  </p:clrMapOvr>
-</p:notes>
-</file>
-
-<file path=ppt/notesSlides/notesSlide17.xml><?xml version="1.0" encoding="utf-8"?>
-<p:notes xmlns:a="http://schemas.openxmlformats.org/drawingml/2006/main" xmlns:r="http://schemas.openxmlformats.org/officeDocument/2006/relationships" xmlns:p="http://schemas.openxmlformats.org/presentationml/2006/main">
-  <p:cSld>
-    <p:spTree>
-      <p:nvGrpSpPr>
-        <p:cNvPr id="1" name=""/>
-        <p:cNvGrpSpPr/>
-        <p:nvPr/>
-      </p:nvGrpSpPr>
-      <p:grpSpPr>
-        <a:xfrm>
-          <a:off x="0" y="0"/>
-          <a:ext cx="0" cy="0"/>
-          <a:chOff x="0" y="0"/>
-          <a:chExt cx="0" cy="0"/>
-        </a:xfrm>
-      </p:grpSpPr>
-      <p:sp>
-        <p:nvSpPr>
-          <p:cNvPr id="2" name="Slide Image Placeholder 1"/>
-          <p:cNvSpPr>
-            <a:spLocks noGrp="1" noRot="1" noChangeAspect="1"/>
-          </p:cNvSpPr>
-          <p:nvPr>
-            <p:ph type="sldImg"/>
-          </p:nvPr>
-        </p:nvSpPr>
-        <p:spPr/>
-      </p:sp>
-      <p:sp>
-        <p:nvSpPr>
-          <p:cNvPr id="3" name="Notes Placeholder 2"/>
-          <p:cNvSpPr>
-            <a:spLocks noGrp="1"/>
-          </p:cNvSpPr>
-          <p:nvPr>
-            <p:ph type="body" idx="1"/>
-          </p:nvPr>
-        </p:nvSpPr>
-        <p:spPr/>
-        <p:txBody>
-          <a:bodyPr>
-            <a:normAutofit/>
-          </a:bodyPr>
-          <a:lstStyle/>
-          <a:p>
-            <a:endParaRPr lang="en-US"/>
-          </a:p>
-        </p:txBody>
-      </p:sp>
-      <p:sp>
-        <p:nvSpPr>
-          <p:cNvPr id="4" name="Slide Number Placeholder 3"/>
-          <p:cNvSpPr>
-            <a:spLocks noGrp="1"/>
-          </p:cNvSpPr>
-          <p:nvPr>
-            <p:ph type="sldNum" sz="quarter" idx="10"/>
-          </p:nvPr>
-        </p:nvSpPr>
-        <p:spPr/>
-        <p:txBody>
-          <a:bodyPr/>
-          <a:lstStyle/>
-          <a:p>
-            <a:pPr>
-              <a:defRPr/>
-            </a:pPr>
-            <a:fld id="{5703B4A2-C126-47DB-8BAB-ECD4F18747C5}" type="slidenum">
-              <a:rPr lang="en-US" smtClean="0"/>
-              <a:pPr>
-                <a:defRPr/>
-              </a:pPr>
-              <a:t>17</a:t>
-            </a:fld>
-            <a:endParaRPr lang="en-US" dirty="0"/>
-          </a:p>
-        </p:txBody>
-      </p:sp>
-    </p:spTree>
-  </p:cSld>
-  <p:clrMapOvr>
-    <a:masterClrMapping/>
-  </p:clrMapOvr>
-</p:notes>
-</file>
-
-<file path=ppt/notesSlides/notesSlide18.xml><?xml version="1.0" encoding="utf-8"?>
-<p:notes xmlns:a="http://schemas.openxmlformats.org/drawingml/2006/main" xmlns:r="http://schemas.openxmlformats.org/officeDocument/2006/relationships" xmlns:p="http://schemas.openxmlformats.org/presentationml/2006/main">
-  <p:cSld>
-    <p:spTree>
-      <p:nvGrpSpPr>
-        <p:cNvPr id="1" name=""/>
-        <p:cNvGrpSpPr/>
-        <p:nvPr/>
-      </p:nvGrpSpPr>
-      <p:grpSpPr>
-        <a:xfrm>
-          <a:off x="0" y="0"/>
-          <a:ext cx="0" cy="0"/>
-          <a:chOff x="0" y="0"/>
-          <a:chExt cx="0" cy="0"/>
-        </a:xfrm>
-      </p:grpSpPr>
-      <p:sp>
-        <p:nvSpPr>
-          <p:cNvPr id="35842" name="Rectangle 5"/>
-          <p:cNvSpPr>
-            <a:spLocks noGrp="1" noChangeArrowheads="1"/>
-          </p:cNvSpPr>
-          <p:nvPr>
-            <p:ph type="sldNum" sz="quarter" idx="5"/>
-          </p:nvPr>
-        </p:nvSpPr>
-        <p:spPr bwMode="auto">
-          <a:ln>
-            <a:miter lim="800000"/>
-            <a:headEnd/>
-            <a:tailEnd/>
-          </a:ln>
-        </p:spPr>
-        <p:txBody>
-          <a:bodyPr wrap="square" numCol="1" anchorCtr="0" compatLnSpc="1">
-            <a:prstTxWarp prst="textNoShape">
-              <a:avLst/>
-            </a:prstTxWarp>
-          </a:bodyPr>
-          <a:lstStyle/>
-          <a:p>
-            <a:pPr fontAlgn="base">
-              <a:spcBef>
-                <a:spcPct val="0"/>
-              </a:spcBef>
-              <a:spcAft>
-                <a:spcPct val="0"/>
-              </a:spcAft>
-              <a:defRPr/>
-            </a:pPr>
-            <a:fld id="{628C5B2A-4867-4A22-A8AA-EF690E038E58}" type="slidenum">
-              <a:rPr lang="en-US" smtClean="0"/>
-              <a:pPr fontAlgn="base">
-                <a:spcBef>
-                  <a:spcPct val="0"/>
-                </a:spcBef>
-                <a:spcAft>
-                  <a:spcPct val="0"/>
-                </a:spcAft>
-                <a:defRPr/>
-              </a:pPr>
-              <a:t>18</a:t>
-            </a:fld>
-            <a:endParaRPr lang="en-US" smtClean="0"/>
-          </a:p>
-        </p:txBody>
-      </p:sp>
-      <p:sp>
-        <p:nvSpPr>
-          <p:cNvPr id="36867" name="Rectangle 2"/>
-          <p:cNvSpPr>
-            <a:spLocks noGrp="1" noRot="1" noChangeAspect="1" noChangeArrowheads="1" noTextEdit="1"/>
-          </p:cNvSpPr>
-          <p:nvPr>
-            <p:ph type="sldImg"/>
-          </p:nvPr>
-        </p:nvSpPr>
-        <p:spPr bwMode="auto">
-          <a:xfrm>
-            <a:off x="1270000" y="733425"/>
-            <a:ext cx="4776788" cy="3581400"/>
-          </a:xfrm>
-          <a:noFill/>
-          <a:ln>
-            <a:solidFill>
-              <a:srgbClr val="000000"/>
-            </a:solidFill>
-            <a:miter lim="800000"/>
-            <a:headEnd/>
-            <a:tailEnd/>
-          </a:ln>
-        </p:spPr>
-      </p:sp>
-      <p:sp>
-        <p:nvSpPr>
-          <p:cNvPr id="36868" name="Rectangle 3"/>
-          <p:cNvSpPr>
-            <a:spLocks noGrp="1" noChangeArrowheads="1"/>
-          </p:cNvSpPr>
-          <p:nvPr>
-            <p:ph type="body" idx="1"/>
-          </p:nvPr>
-        </p:nvSpPr>
-        <p:spPr bwMode="auto">
-          <a:xfrm>
-            <a:off x="977348" y="4559587"/>
-            <a:ext cx="5360504" cy="4320212"/>
-          </a:xfrm>
-          <a:noFill/>
-        </p:spPr>
-        <p:txBody>
-          <a:bodyPr wrap="square" lIns="97278" tIns="48639" rIns="97278" bIns="48639" numCol="1" anchor="t" anchorCtr="0" compatLnSpc="1">
-            <a:prstTxWarp prst="textNoShape">
-              <a:avLst/>
-            </a:prstTxWarp>
-          </a:bodyPr>
-          <a:lstStyle/>
-          <a:p>
-            <a:pPr eaLnBrk="1" hangingPunct="1">
-              <a:spcBef>
-                <a:spcPct val="0"/>
-              </a:spcBef>
-            </a:pPr>
-            <a:endParaRPr lang="en-US" smtClean="0"/>
-          </a:p>
-        </p:txBody>
-      </p:sp>
-    </p:spTree>
-  </p:cSld>
-  <p:clrMapOvr>
-    <a:masterClrMapping/>
-  </p:clrMapOvr>
-</p:notes>
-</file>
-
-<file path=ppt/notesSlides/notesSlide19.xml><?xml version="1.0" encoding="utf-8"?>
-<p:notes xmlns:a="http://schemas.openxmlformats.org/drawingml/2006/main" xmlns:r="http://schemas.openxmlformats.org/officeDocument/2006/relationships" xmlns:p="http://schemas.openxmlformats.org/presentationml/2006/main">
-  <p:cSld>
-    <p:spTree>
-      <p:nvGrpSpPr>
-        <p:cNvPr id="1" name=""/>
-        <p:cNvGrpSpPr/>
-        <p:nvPr/>
-      </p:nvGrpSpPr>
-      <p:grpSpPr>
-        <a:xfrm>
-          <a:off x="0" y="0"/>
-          <a:ext cx="0" cy="0"/>
-          <a:chOff x="0" y="0"/>
-          <a:chExt cx="0" cy="0"/>
-        </a:xfrm>
-      </p:grpSpPr>
-      <p:sp>
-        <p:nvSpPr>
-          <p:cNvPr id="37890" name="Rectangle 5"/>
-          <p:cNvSpPr>
-            <a:spLocks noGrp="1" noChangeArrowheads="1"/>
-          </p:cNvSpPr>
-          <p:nvPr>
-            <p:ph type="sldNum" sz="quarter" idx="5"/>
-          </p:nvPr>
-        </p:nvSpPr>
-        <p:spPr bwMode="auto">
-          <a:ln>
-            <a:miter lim="800000"/>
-            <a:headEnd/>
-            <a:tailEnd/>
-          </a:ln>
-        </p:spPr>
-        <p:txBody>
-          <a:bodyPr wrap="square" numCol="1" anchorCtr="0" compatLnSpc="1">
-            <a:prstTxWarp prst="textNoShape">
-              <a:avLst/>
-            </a:prstTxWarp>
-          </a:bodyPr>
-          <a:lstStyle/>
-          <a:p>
-            <a:pPr fontAlgn="base">
-              <a:spcBef>
-                <a:spcPct val="0"/>
-              </a:spcBef>
-              <a:spcAft>
-                <a:spcPct val="0"/>
-              </a:spcAft>
-              <a:defRPr/>
-            </a:pPr>
-            <a:fld id="{ACD24D8B-6FC8-414B-A0AB-8553BFA876F3}" type="slidenum">
-              <a:rPr lang="en-US" smtClean="0"/>
-              <a:pPr fontAlgn="base">
-                <a:spcBef>
-                  <a:spcPct val="0"/>
-                </a:spcBef>
-                <a:spcAft>
-                  <a:spcPct val="0"/>
-                </a:spcAft>
-                <a:defRPr/>
-              </a:pPr>
-              <a:t>19</a:t>
-            </a:fld>
-            <a:endParaRPr lang="en-US" smtClean="0"/>
-          </a:p>
-        </p:txBody>
-      </p:sp>
-      <p:sp>
-        <p:nvSpPr>
-          <p:cNvPr id="38915" name="Rectangle 2"/>
-          <p:cNvSpPr>
-            <a:spLocks noGrp="1" noRot="1" noChangeAspect="1" noChangeArrowheads="1" noTextEdit="1"/>
-          </p:cNvSpPr>
-          <p:nvPr>
-            <p:ph type="sldImg"/>
-          </p:nvPr>
-        </p:nvSpPr>
-        <p:spPr bwMode="auto">
-          <a:xfrm>
-            <a:off x="1270000" y="733425"/>
-            <a:ext cx="4776788" cy="3581400"/>
-          </a:xfrm>
-          <a:noFill/>
-          <a:ln>
-            <a:solidFill>
-              <a:srgbClr val="000000"/>
-            </a:solidFill>
-            <a:miter lim="800000"/>
-            <a:headEnd/>
-            <a:tailEnd/>
-          </a:ln>
-        </p:spPr>
-      </p:sp>
-      <p:sp>
-        <p:nvSpPr>
-          <p:cNvPr id="38916" name="Rectangle 3"/>
-          <p:cNvSpPr>
-            <a:spLocks noGrp="1" noChangeArrowheads="1"/>
-          </p:cNvSpPr>
-          <p:nvPr>
-            <p:ph type="body" idx="1"/>
-          </p:nvPr>
-        </p:nvSpPr>
-        <p:spPr bwMode="auto">
-          <a:xfrm>
-            <a:off x="977348" y="4559587"/>
-            <a:ext cx="5360504" cy="4320212"/>
-          </a:xfrm>
-          <a:noFill/>
-        </p:spPr>
-        <p:txBody>
-          <a:bodyPr wrap="square" lIns="97278" tIns="48639" rIns="97278" bIns="48639" numCol="1" anchor="t" anchorCtr="0" compatLnSpc="1">
-            <a:prstTxWarp prst="textNoShape">
-              <a:avLst/>
-            </a:prstTxWarp>
-          </a:bodyPr>
-          <a:lstStyle/>
-          <a:p>
-            <a:pPr eaLnBrk="1" hangingPunct="1">
-              <a:spcBef>
-                <a:spcPct val="0"/>
-              </a:spcBef>
-            </a:pPr>
-            <a:endParaRPr lang="en-US" smtClean="0"/>
-          </a:p>
-        </p:txBody>
-      </p:sp>
-    </p:spTree>
-  </p:cSld>
-  <p:clrMapOvr>
-    <a:masterClrMapping/>
-  </p:clrMapOvr>
-</p:notes>
-</file>
-
-<file path=ppt/notesSlides/notesSlide2.xml><?xml version="1.0" encoding="utf-8"?>
-<p:notes xmlns:a="http://schemas.openxmlformats.org/drawingml/2006/main" xmlns:r="http://schemas.openxmlformats.org/officeDocument/2006/relationships" xmlns:p="http://schemas.openxmlformats.org/presentationml/2006/main">
-  <p:cSld>
-    <p:spTree>
-      <p:nvGrpSpPr>
-        <p:cNvPr id="1" name=""/>
-        <p:cNvGrpSpPr/>
-        <p:nvPr/>
-      </p:nvGrpSpPr>
-      <p:grpSpPr>
-        <a:xfrm>
-          <a:off x="0" y="0"/>
-          <a:ext cx="0" cy="0"/>
-          <a:chOff x="0" y="0"/>
-          <a:chExt cx="0" cy="0"/>
-        </a:xfrm>
-      </p:grpSpPr>
-      <p:sp>
-        <p:nvSpPr>
-          <p:cNvPr id="2" name="Slide Image Placeholder 1"/>
-          <p:cNvSpPr>
-            <a:spLocks noGrp="1" noRot="1" noChangeAspect="1"/>
-          </p:cNvSpPr>
-          <p:nvPr>
-            <p:ph type="sldImg"/>
-          </p:nvPr>
-        </p:nvSpPr>
-        <p:spPr/>
-      </p:sp>
-      <p:sp>
-        <p:nvSpPr>
-          <p:cNvPr id="3" name="Notes Placeholder 2"/>
-          <p:cNvSpPr>
-            <a:spLocks noGrp="1"/>
-          </p:cNvSpPr>
-          <p:nvPr>
-            <p:ph type="body" idx="1"/>
-          </p:nvPr>
-        </p:nvSpPr>
-        <p:spPr/>
-        <p:txBody>
-          <a:bodyPr>
-            <a:normAutofit/>
-          </a:bodyPr>
-          <a:lstStyle/>
-          <a:p>
-            <a:endParaRPr lang="en-US"/>
-          </a:p>
-        </p:txBody>
-      </p:sp>
-      <p:sp>
-        <p:nvSpPr>
-          <p:cNvPr id="4" name="Slide Number Placeholder 3"/>
-          <p:cNvSpPr>
-            <a:spLocks noGrp="1"/>
-          </p:cNvSpPr>
-          <p:nvPr>
-            <p:ph type="sldNum" sz="quarter" idx="10"/>
-          </p:nvPr>
-        </p:nvSpPr>
-        <p:spPr/>
-        <p:txBody>
-          <a:bodyPr/>
-          <a:lstStyle/>
-          <a:p>
-            <a:pPr>
-              <a:defRPr/>
-            </a:pPr>
-            <a:fld id="{5703B4A2-C126-47DB-8BAB-ECD4F18747C5}" type="slidenum">
-              <a:rPr lang="en-US" smtClean="0"/>
-              <a:pPr>
-                <a:defRPr/>
-              </a:pPr>
-              <a:t>2</a:t>
-            </a:fld>
-            <a:endParaRPr lang="en-US" dirty="0"/>
-          </a:p>
-        </p:txBody>
-      </p:sp>
-    </p:spTree>
-  </p:cSld>
-  <p:clrMapOvr>
-    <a:masterClrMapping/>
-  </p:clrMapOvr>
-</p:notes>
-</file>
-
-<file path=ppt/notesSlides/notesSlide20.xml><?xml version="1.0" encoding="utf-8"?>
-<p:notes xmlns:a="http://schemas.openxmlformats.org/drawingml/2006/main" xmlns:r="http://schemas.openxmlformats.org/officeDocument/2006/relationships" xmlns:p="http://schemas.openxmlformats.org/presentationml/2006/main">
-  <p:cSld>
-    <p:spTree>
-      <p:nvGrpSpPr>
-        <p:cNvPr id="1" name=""/>
-        <p:cNvGrpSpPr/>
-        <p:nvPr/>
-      </p:nvGrpSpPr>
-      <p:grpSpPr>
-        <a:xfrm>
-          <a:off x="0" y="0"/>
-          <a:ext cx="0" cy="0"/>
-          <a:chOff x="0" y="0"/>
-          <a:chExt cx="0" cy="0"/>
-        </a:xfrm>
-      </p:grpSpPr>
-      <p:sp>
-        <p:nvSpPr>
-          <p:cNvPr id="38914" name="Rectangle 5"/>
-          <p:cNvSpPr>
-            <a:spLocks noGrp="1" noChangeArrowheads="1"/>
-          </p:cNvSpPr>
-          <p:nvPr>
-            <p:ph type="sldNum" sz="quarter" idx="5"/>
-          </p:nvPr>
-        </p:nvSpPr>
-        <p:spPr bwMode="auto">
-          <a:ln>
-            <a:miter lim="800000"/>
-            <a:headEnd/>
-            <a:tailEnd/>
-          </a:ln>
-        </p:spPr>
-        <p:txBody>
-          <a:bodyPr wrap="square" numCol="1" anchorCtr="0" compatLnSpc="1">
-            <a:prstTxWarp prst="textNoShape">
-              <a:avLst/>
-            </a:prstTxWarp>
-          </a:bodyPr>
-          <a:lstStyle/>
-          <a:p>
-            <a:pPr fontAlgn="base">
-              <a:spcBef>
-                <a:spcPct val="0"/>
-              </a:spcBef>
-              <a:spcAft>
-                <a:spcPct val="0"/>
-              </a:spcAft>
-              <a:defRPr/>
-            </a:pPr>
-            <a:fld id="{5070DA82-A62E-44C7-BCBF-9761B2390FC0}" type="slidenum">
-              <a:rPr lang="en-US" smtClean="0"/>
-              <a:pPr fontAlgn="base">
-                <a:spcBef>
-                  <a:spcPct val="0"/>
-                </a:spcBef>
-                <a:spcAft>
-                  <a:spcPct val="0"/>
-                </a:spcAft>
-                <a:defRPr/>
-              </a:pPr>
-              <a:t>20</a:t>
-            </a:fld>
-            <a:endParaRPr lang="en-US" smtClean="0"/>
-          </a:p>
-        </p:txBody>
-      </p:sp>
-      <p:sp>
-        <p:nvSpPr>
-          <p:cNvPr id="39939" name="Rectangle 2"/>
-          <p:cNvSpPr>
-            <a:spLocks noGrp="1" noRot="1" noChangeAspect="1" noChangeArrowheads="1" noTextEdit="1"/>
-          </p:cNvSpPr>
-          <p:nvPr>
-            <p:ph type="sldImg"/>
-          </p:nvPr>
-        </p:nvSpPr>
-        <p:spPr bwMode="auto">
-          <a:xfrm>
-            <a:off x="1270000" y="733425"/>
-            <a:ext cx="4776788" cy="3581400"/>
-          </a:xfrm>
-          <a:noFill/>
-          <a:ln>
-            <a:solidFill>
-              <a:srgbClr val="000000"/>
-            </a:solidFill>
-            <a:miter lim="800000"/>
-            <a:headEnd/>
-            <a:tailEnd/>
-          </a:ln>
-        </p:spPr>
-      </p:sp>
-      <p:sp>
-        <p:nvSpPr>
-          <p:cNvPr id="39940" name="Rectangle 3"/>
-          <p:cNvSpPr>
-            <a:spLocks noGrp="1" noChangeArrowheads="1"/>
-          </p:cNvSpPr>
-          <p:nvPr>
-            <p:ph type="body" idx="1"/>
-          </p:nvPr>
-        </p:nvSpPr>
-        <p:spPr bwMode="auto">
-          <a:xfrm>
-            <a:off x="977348" y="4559587"/>
-            <a:ext cx="5360504" cy="4320212"/>
-          </a:xfrm>
-          <a:noFill/>
-        </p:spPr>
-        <p:txBody>
-          <a:bodyPr wrap="square" lIns="97278" tIns="48639" rIns="97278" bIns="48639" numCol="1" anchor="t" anchorCtr="0" compatLnSpc="1">
-            <a:prstTxWarp prst="textNoShape">
-              <a:avLst/>
-            </a:prstTxWarp>
-          </a:bodyPr>
-          <a:lstStyle/>
-          <a:p>
-            <a:pPr eaLnBrk="1" hangingPunct="1">
-              <a:spcBef>
-                <a:spcPct val="0"/>
-              </a:spcBef>
-            </a:pPr>
-            <a:endParaRPr lang="en-US" smtClean="0"/>
-          </a:p>
-        </p:txBody>
-      </p:sp>
-    </p:spTree>
-  </p:cSld>
-  <p:clrMapOvr>
-    <a:masterClrMapping/>
-  </p:clrMapOvr>
-</p:notes>
-</file>
-
-<file path=ppt/notesSlides/notesSlide21.xml><?xml version="1.0" encoding="utf-8"?>
-<p:notes xmlns:a="http://schemas.openxmlformats.org/drawingml/2006/main" xmlns:r="http://schemas.openxmlformats.org/officeDocument/2006/relationships" xmlns:p="http://schemas.openxmlformats.org/presentationml/2006/main">
-  <p:cSld>
-    <p:spTree>
-      <p:nvGrpSpPr>
-        <p:cNvPr id="1" name=""/>
-        <p:cNvGrpSpPr/>
-        <p:nvPr/>
-      </p:nvGrpSpPr>
-      <p:grpSpPr>
-        <a:xfrm>
-          <a:off x="0" y="0"/>
-          <a:ext cx="0" cy="0"/>
-          <a:chOff x="0" y="0"/>
-          <a:chExt cx="0" cy="0"/>
-        </a:xfrm>
-      </p:grpSpPr>
-      <p:sp>
-        <p:nvSpPr>
-          <p:cNvPr id="39938" name="Rectangle 5"/>
-          <p:cNvSpPr>
-            <a:spLocks noGrp="1" noChangeArrowheads="1"/>
-          </p:cNvSpPr>
-          <p:nvPr>
-            <p:ph type="sldNum" sz="quarter" idx="5"/>
-          </p:nvPr>
-        </p:nvSpPr>
-        <p:spPr bwMode="auto">
-          <a:ln>
-            <a:miter lim="800000"/>
-            <a:headEnd/>
-            <a:tailEnd/>
-          </a:ln>
-        </p:spPr>
-        <p:txBody>
-          <a:bodyPr wrap="square" numCol="1" anchorCtr="0" compatLnSpc="1">
-            <a:prstTxWarp prst="textNoShape">
-              <a:avLst/>
-            </a:prstTxWarp>
-          </a:bodyPr>
-          <a:lstStyle/>
-          <a:p>
-            <a:pPr fontAlgn="base">
-              <a:spcBef>
-                <a:spcPct val="0"/>
-              </a:spcBef>
-              <a:spcAft>
-                <a:spcPct val="0"/>
-              </a:spcAft>
-              <a:defRPr/>
-            </a:pPr>
-            <a:fld id="{581E89B5-50EC-4037-A00C-5882DAB9C0A6}" type="slidenum">
-              <a:rPr lang="en-US" smtClean="0"/>
-              <a:pPr fontAlgn="base">
-                <a:spcBef>
-                  <a:spcPct val="0"/>
-                </a:spcBef>
-                <a:spcAft>
-                  <a:spcPct val="0"/>
-                </a:spcAft>
-                <a:defRPr/>
-              </a:pPr>
-              <a:t>21</a:t>
-            </a:fld>
-            <a:endParaRPr lang="en-US" smtClean="0"/>
-          </a:p>
-        </p:txBody>
-      </p:sp>
-      <p:sp>
-        <p:nvSpPr>
-          <p:cNvPr id="40963" name="Rectangle 2"/>
-          <p:cNvSpPr>
-            <a:spLocks noGrp="1" noRot="1" noChangeAspect="1" noChangeArrowheads="1" noTextEdit="1"/>
-          </p:cNvSpPr>
-          <p:nvPr>
-            <p:ph type="sldImg"/>
-          </p:nvPr>
-        </p:nvSpPr>
-        <p:spPr bwMode="auto">
-          <a:xfrm>
-            <a:off x="1270000" y="733425"/>
-            <a:ext cx="4776788" cy="3581400"/>
-          </a:xfrm>
-          <a:noFill/>
-          <a:ln>
-            <a:solidFill>
-              <a:srgbClr val="000000"/>
-            </a:solidFill>
-            <a:miter lim="800000"/>
-            <a:headEnd/>
-            <a:tailEnd/>
-          </a:ln>
-        </p:spPr>
-      </p:sp>
-      <p:sp>
-        <p:nvSpPr>
-          <p:cNvPr id="40964" name="Rectangle 3"/>
-          <p:cNvSpPr>
-            <a:spLocks noGrp="1" noChangeArrowheads="1"/>
-          </p:cNvSpPr>
-          <p:nvPr>
-            <p:ph type="body" idx="1"/>
-          </p:nvPr>
-        </p:nvSpPr>
-        <p:spPr bwMode="auto">
-          <a:xfrm>
-            <a:off x="977348" y="4559587"/>
-            <a:ext cx="5360504" cy="4320212"/>
-          </a:xfrm>
-          <a:noFill/>
-        </p:spPr>
-        <p:txBody>
-          <a:bodyPr wrap="square" lIns="97278" tIns="48639" rIns="97278" bIns="48639" numCol="1" anchor="t" anchorCtr="0" compatLnSpc="1">
-            <a:prstTxWarp prst="textNoShape">
-              <a:avLst/>
-            </a:prstTxWarp>
-          </a:bodyPr>
-          <a:lstStyle/>
-          <a:p>
-            <a:pPr eaLnBrk="1" hangingPunct="1">
-              <a:spcBef>
-                <a:spcPct val="0"/>
-              </a:spcBef>
-            </a:pPr>
-            <a:endParaRPr lang="en-US" smtClean="0"/>
-          </a:p>
-        </p:txBody>
-      </p:sp>
-    </p:spTree>
-  </p:cSld>
-  <p:clrMapOvr>
-    <a:masterClrMapping/>
-  </p:clrMapOvr>
-</p:notes>
-</file>
-
-<file path=ppt/notesSlides/notesSlide22.xml><?xml version="1.0" encoding="utf-8"?>
 <p:notes xmlns:a="http://schemas.openxmlformats.org/drawingml/2006/main" xmlns:r="http://schemas.openxmlformats.org/officeDocument/2006/relationships" xmlns:p="http://schemas.openxmlformats.org/presentationml/2006/main">
   <p:cSld>
     <p:spTree>
@@ -2169,8 +793,8 @@
         </p:nvSpPr>
         <p:spPr bwMode="auto">
           <a:xfrm>
-            <a:off x="1270000" y="733425"/>
-            <a:ext cx="4776788" cy="3581400"/>
+            <a:off x="1193800" y="709613"/>
+            <a:ext cx="4624388" cy="3468687"/>
           </a:xfrm>
           <a:noFill/>
           <a:ln>
@@ -2195,13 +819,13 @@
         </p:nvSpPr>
         <p:spPr bwMode="auto">
           <a:xfrm>
-            <a:off x="977348" y="4559587"/>
-            <a:ext cx="5360504" cy="4320212"/>
+            <a:off x="936625" y="4414838"/>
+            <a:ext cx="5137150" cy="4183062"/>
           </a:xfrm>
           <a:noFill/>
         </p:spPr>
         <p:txBody>
-          <a:bodyPr wrap="square" lIns="97278" tIns="48639" rIns="97278" bIns="48639" numCol="1" anchor="t" anchorCtr="0" compatLnSpc="1">
+          <a:bodyPr wrap="square" lIns="93780" tIns="46890" rIns="93780" bIns="46890" numCol="1" anchor="t" anchorCtr="0" compatLnSpc="1">
             <a:prstTxWarp prst="textNoShape">
               <a:avLst/>
             </a:prstTxWarp>
@@ -2213,15 +837,7 @@
                 <a:spcPct val="0"/>
               </a:spcBef>
             </a:pPr>
-            <a:r>
-              <a:rPr lang="en-US" dirty="0" smtClean="0"/>
-              <a:t>Should the</a:t>
-            </a:r>
-            <a:r>
-              <a:rPr lang="en-US" baseline="0" dirty="0" smtClean="0"/>
-              <a:t> EXECUTEs be sequential here?  E1, E2. E3, etc.</a:t>
-            </a:r>
-            <a:endParaRPr lang="en-US" dirty="0" smtClean="0"/>
+            <a:endParaRPr lang="en-US" smtClean="0"/>
           </a:p>
         </p:txBody>
       </p:sp>
@@ -2233,7 +849,7 @@
 </p:notes>
 </file>
 
-<file path=ppt/notesSlides/notesSlide23.xml><?xml version="1.0" encoding="utf-8"?>
+<file path=ppt/notesSlides/notesSlide11.xml><?xml version="1.0" encoding="utf-8"?>
 <p:notes xmlns:a="http://schemas.openxmlformats.org/drawingml/2006/main" xmlns:r="http://schemas.openxmlformats.org/officeDocument/2006/relationships" xmlns:p="http://schemas.openxmlformats.org/presentationml/2006/main">
   <p:cSld>
     <p:spTree>
@@ -2313,8 +929,8 @@
         </p:nvSpPr>
         <p:spPr bwMode="auto">
           <a:xfrm>
-            <a:off x="1270000" y="733425"/>
-            <a:ext cx="4776788" cy="3581400"/>
+            <a:off x="1193800" y="709613"/>
+            <a:ext cx="4624388" cy="3468687"/>
           </a:xfrm>
           <a:noFill/>
           <a:ln>
@@ -2339,13 +955,13 @@
         </p:nvSpPr>
         <p:spPr bwMode="auto">
           <a:xfrm>
-            <a:off x="977348" y="4559587"/>
-            <a:ext cx="5360504" cy="4320212"/>
+            <a:off x="936625" y="4414838"/>
+            <a:ext cx="5137150" cy="4183062"/>
           </a:xfrm>
           <a:noFill/>
         </p:spPr>
         <p:txBody>
-          <a:bodyPr wrap="square" lIns="97278" tIns="48639" rIns="97278" bIns="48639" numCol="1" anchor="t" anchorCtr="0" compatLnSpc="1">
+          <a:bodyPr wrap="square" lIns="93780" tIns="46890" rIns="93780" bIns="46890" numCol="1" anchor="t" anchorCtr="0" compatLnSpc="1">
             <a:prstTxWarp prst="textNoShape">
               <a:avLst/>
             </a:prstTxWarp>
@@ -2369,272 +985,7 @@
 </p:notes>
 </file>
 
-<file path=ppt/notesSlides/notesSlide24.xml><?xml version="1.0" encoding="utf-8"?>
-<p:notes xmlns:a="http://schemas.openxmlformats.org/drawingml/2006/main" xmlns:r="http://schemas.openxmlformats.org/officeDocument/2006/relationships" xmlns:p="http://schemas.openxmlformats.org/presentationml/2006/main">
-  <p:cSld>
-    <p:spTree>
-      <p:nvGrpSpPr>
-        <p:cNvPr id="1" name=""/>
-        <p:cNvGrpSpPr/>
-        <p:nvPr/>
-      </p:nvGrpSpPr>
-      <p:grpSpPr>
-        <a:xfrm>
-          <a:off x="0" y="0"/>
-          <a:ext cx="0" cy="0"/>
-          <a:chOff x="0" y="0"/>
-          <a:chExt cx="0" cy="0"/>
-        </a:xfrm>
-      </p:grpSpPr>
-      <p:sp>
-        <p:nvSpPr>
-          <p:cNvPr id="2" name="Slide Image Placeholder 1"/>
-          <p:cNvSpPr>
-            <a:spLocks noGrp="1" noRot="1" noChangeAspect="1"/>
-          </p:cNvSpPr>
-          <p:nvPr>
-            <p:ph type="sldImg"/>
-          </p:nvPr>
-        </p:nvSpPr>
-        <p:spPr/>
-      </p:sp>
-      <p:sp>
-        <p:nvSpPr>
-          <p:cNvPr id="3" name="Notes Placeholder 2"/>
-          <p:cNvSpPr>
-            <a:spLocks noGrp="1"/>
-          </p:cNvSpPr>
-          <p:nvPr>
-            <p:ph type="body" idx="1"/>
-          </p:nvPr>
-        </p:nvSpPr>
-        <p:spPr/>
-        <p:txBody>
-          <a:bodyPr>
-            <a:normAutofit/>
-          </a:bodyPr>
-          <a:lstStyle/>
-          <a:p>
-            <a:endParaRPr lang="en-US"/>
-          </a:p>
-        </p:txBody>
-      </p:sp>
-      <p:sp>
-        <p:nvSpPr>
-          <p:cNvPr id="4" name="Slide Number Placeholder 3"/>
-          <p:cNvSpPr>
-            <a:spLocks noGrp="1"/>
-          </p:cNvSpPr>
-          <p:nvPr>
-            <p:ph type="sldNum" sz="quarter" idx="10"/>
-          </p:nvPr>
-        </p:nvSpPr>
-        <p:spPr/>
-        <p:txBody>
-          <a:bodyPr/>
-          <a:lstStyle/>
-          <a:p>
-            <a:pPr>
-              <a:defRPr/>
-            </a:pPr>
-            <a:fld id="{5703B4A2-C126-47DB-8BAB-ECD4F18747C5}" type="slidenum">
-              <a:rPr lang="en-US" smtClean="0"/>
-              <a:pPr>
-                <a:defRPr/>
-              </a:pPr>
-              <a:t>24</a:t>
-            </a:fld>
-            <a:endParaRPr lang="en-US" dirty="0"/>
-          </a:p>
-        </p:txBody>
-      </p:sp>
-    </p:spTree>
-  </p:cSld>
-  <p:clrMapOvr>
-    <a:masterClrMapping/>
-  </p:clrMapOvr>
-</p:notes>
-</file>
-
-<file path=ppt/notesSlides/notesSlide25.xml><?xml version="1.0" encoding="utf-8"?>
-<p:notes xmlns:a="http://schemas.openxmlformats.org/drawingml/2006/main" xmlns:r="http://schemas.openxmlformats.org/officeDocument/2006/relationships" xmlns:p="http://schemas.openxmlformats.org/presentationml/2006/main">
-  <p:cSld>
-    <p:spTree>
-      <p:nvGrpSpPr>
-        <p:cNvPr id="1" name=""/>
-        <p:cNvGrpSpPr/>
-        <p:nvPr/>
-      </p:nvGrpSpPr>
-      <p:grpSpPr>
-        <a:xfrm>
-          <a:off x="0" y="0"/>
-          <a:ext cx="0" cy="0"/>
-          <a:chOff x="0" y="0"/>
-          <a:chExt cx="0" cy="0"/>
-        </a:xfrm>
-      </p:grpSpPr>
-      <p:sp>
-        <p:nvSpPr>
-          <p:cNvPr id="2" name="Slide Image Placeholder 1"/>
-          <p:cNvSpPr>
-            <a:spLocks noGrp="1" noRot="1" noChangeAspect="1"/>
-          </p:cNvSpPr>
-          <p:nvPr>
-            <p:ph type="sldImg"/>
-          </p:nvPr>
-        </p:nvSpPr>
-        <p:spPr/>
-      </p:sp>
-      <p:sp>
-        <p:nvSpPr>
-          <p:cNvPr id="3" name="Notes Placeholder 2"/>
-          <p:cNvSpPr>
-            <a:spLocks noGrp="1"/>
-          </p:cNvSpPr>
-          <p:nvPr>
-            <p:ph type="body" idx="1"/>
-          </p:nvPr>
-        </p:nvSpPr>
-        <p:spPr/>
-        <p:txBody>
-          <a:bodyPr>
-            <a:normAutofit/>
-          </a:bodyPr>
-          <a:lstStyle/>
-          <a:p>
-            <a:endParaRPr lang="en-US"/>
-          </a:p>
-        </p:txBody>
-      </p:sp>
-      <p:sp>
-        <p:nvSpPr>
-          <p:cNvPr id="4" name="Slide Number Placeholder 3"/>
-          <p:cNvSpPr>
-            <a:spLocks noGrp="1"/>
-          </p:cNvSpPr>
-          <p:nvPr>
-            <p:ph type="sldNum" sz="quarter" idx="10"/>
-          </p:nvPr>
-        </p:nvSpPr>
-        <p:spPr/>
-        <p:txBody>
-          <a:bodyPr/>
-          <a:lstStyle/>
-          <a:p>
-            <a:pPr>
-              <a:defRPr/>
-            </a:pPr>
-            <a:fld id="{5703B4A2-C126-47DB-8BAB-ECD4F18747C5}" type="slidenum">
-              <a:rPr lang="en-US" smtClean="0"/>
-              <a:pPr>
-                <a:defRPr/>
-              </a:pPr>
-              <a:t>25</a:t>
-            </a:fld>
-            <a:endParaRPr lang="en-US" dirty="0"/>
-          </a:p>
-        </p:txBody>
-      </p:sp>
-    </p:spTree>
-  </p:cSld>
-  <p:clrMapOvr>
-    <a:masterClrMapping/>
-  </p:clrMapOvr>
-</p:notes>
-</file>
-
-<file path=ppt/notesSlides/notesSlide26.xml><?xml version="1.0" encoding="utf-8"?>
-<p:notes xmlns:a="http://schemas.openxmlformats.org/drawingml/2006/main" xmlns:r="http://schemas.openxmlformats.org/officeDocument/2006/relationships" xmlns:p="http://schemas.openxmlformats.org/presentationml/2006/main">
-  <p:cSld>
-    <p:spTree>
-      <p:nvGrpSpPr>
-        <p:cNvPr id="1" name=""/>
-        <p:cNvGrpSpPr/>
-        <p:nvPr/>
-      </p:nvGrpSpPr>
-      <p:grpSpPr>
-        <a:xfrm>
-          <a:off x="0" y="0"/>
-          <a:ext cx="0" cy="0"/>
-          <a:chOff x="0" y="0"/>
-          <a:chExt cx="0" cy="0"/>
-        </a:xfrm>
-      </p:grpSpPr>
-      <p:sp>
-        <p:nvSpPr>
-          <p:cNvPr id="2" name="Slide Image Placeholder 1"/>
-          <p:cNvSpPr>
-            <a:spLocks noGrp="1" noRot="1" noChangeAspect="1"/>
-          </p:cNvSpPr>
-          <p:nvPr>
-            <p:ph type="sldImg"/>
-          </p:nvPr>
-        </p:nvSpPr>
-        <p:spPr/>
-      </p:sp>
-      <p:sp>
-        <p:nvSpPr>
-          <p:cNvPr id="3" name="Notes Placeholder 2"/>
-          <p:cNvSpPr>
-            <a:spLocks noGrp="1"/>
-          </p:cNvSpPr>
-          <p:nvPr>
-            <p:ph type="body" idx="1"/>
-          </p:nvPr>
-        </p:nvSpPr>
-        <p:spPr/>
-        <p:txBody>
-          <a:bodyPr>
-            <a:normAutofit/>
-          </a:bodyPr>
-          <a:lstStyle/>
-          <a:p>
-            <a:r>
-              <a:rPr lang="en-US" dirty="0" smtClean="0"/>
-              <a:t>Indicate here how many cycles this code processing will require (15 cycles)</a:t>
-            </a:r>
-            <a:endParaRPr lang="en-US" dirty="0"/>
-          </a:p>
-        </p:txBody>
-      </p:sp>
-      <p:sp>
-        <p:nvSpPr>
-          <p:cNvPr id="4" name="Slide Number Placeholder 3"/>
-          <p:cNvSpPr>
-            <a:spLocks noGrp="1"/>
-          </p:cNvSpPr>
-          <p:nvPr>
-            <p:ph type="sldNum" sz="quarter" idx="10"/>
-          </p:nvPr>
-        </p:nvSpPr>
-        <p:spPr/>
-        <p:txBody>
-          <a:bodyPr/>
-          <a:lstStyle/>
-          <a:p>
-            <a:pPr>
-              <a:defRPr/>
-            </a:pPr>
-            <a:fld id="{5703B4A2-C126-47DB-8BAB-ECD4F18747C5}" type="slidenum">
-              <a:rPr lang="en-US" smtClean="0"/>
-              <a:pPr>
-                <a:defRPr/>
-              </a:pPr>
-              <a:t>26</a:t>
-            </a:fld>
-            <a:endParaRPr lang="en-US" dirty="0"/>
-          </a:p>
-        </p:txBody>
-      </p:sp>
-    </p:spTree>
-  </p:cSld>
-  <p:clrMapOvr>
-    <a:masterClrMapping/>
-  </p:clrMapOvr>
-</p:notes>
-</file>
-
-<file path=ppt/notesSlides/notesSlide27.xml><?xml version="1.0" encoding="utf-8"?>
+<file path=ppt/notesSlides/notesSlide12.xml><?xml version="1.0" encoding="utf-8"?>
 <p:notes xmlns:a="http://schemas.openxmlformats.org/drawingml/2006/main" xmlns:r="http://schemas.openxmlformats.org/officeDocument/2006/relationships" xmlns:p="http://schemas.openxmlformats.org/presentationml/2006/main">
   <p:cSld>
     <p:spTree>
@@ -2721,268 +1072,7 @@
 </p:notes>
 </file>
 
-<file path=ppt/notesSlides/notesSlide28.xml><?xml version="1.0" encoding="utf-8"?>
-<p:notes xmlns:a="http://schemas.openxmlformats.org/drawingml/2006/main" xmlns:r="http://schemas.openxmlformats.org/officeDocument/2006/relationships" xmlns:p="http://schemas.openxmlformats.org/presentationml/2006/main">
-  <p:cSld>
-    <p:spTree>
-      <p:nvGrpSpPr>
-        <p:cNvPr id="1" name=""/>
-        <p:cNvGrpSpPr/>
-        <p:nvPr/>
-      </p:nvGrpSpPr>
-      <p:grpSpPr>
-        <a:xfrm>
-          <a:off x="0" y="0"/>
-          <a:ext cx="0" cy="0"/>
-          <a:chOff x="0" y="0"/>
-          <a:chExt cx="0" cy="0"/>
-        </a:xfrm>
-      </p:grpSpPr>
-      <p:sp>
-        <p:nvSpPr>
-          <p:cNvPr id="2" name="Slide Image Placeholder 1"/>
-          <p:cNvSpPr>
-            <a:spLocks noGrp="1" noRot="1" noChangeAspect="1"/>
-          </p:cNvSpPr>
-          <p:nvPr>
-            <p:ph type="sldImg"/>
-          </p:nvPr>
-        </p:nvSpPr>
-        <p:spPr/>
-      </p:sp>
-      <p:sp>
-        <p:nvSpPr>
-          <p:cNvPr id="3" name="Notes Placeholder 2"/>
-          <p:cNvSpPr>
-            <a:spLocks noGrp="1"/>
-          </p:cNvSpPr>
-          <p:nvPr>
-            <p:ph type="body" idx="1"/>
-          </p:nvPr>
-        </p:nvSpPr>
-        <p:spPr/>
-        <p:txBody>
-          <a:bodyPr>
-            <a:normAutofit/>
-          </a:bodyPr>
-          <a:lstStyle/>
-          <a:p>
-            <a:endParaRPr lang="en-US"/>
-          </a:p>
-        </p:txBody>
-      </p:sp>
-      <p:sp>
-        <p:nvSpPr>
-          <p:cNvPr id="4" name="Slide Number Placeholder 3"/>
-          <p:cNvSpPr>
-            <a:spLocks noGrp="1"/>
-          </p:cNvSpPr>
-          <p:nvPr>
-            <p:ph type="sldNum" sz="quarter" idx="10"/>
-          </p:nvPr>
-        </p:nvSpPr>
-        <p:spPr/>
-        <p:txBody>
-          <a:bodyPr/>
-          <a:lstStyle/>
-          <a:p>
-            <a:pPr>
-              <a:defRPr/>
-            </a:pPr>
-            <a:fld id="{5703B4A2-C126-47DB-8BAB-ECD4F18747C5}" type="slidenum">
-              <a:rPr lang="en-US" smtClean="0"/>
-              <a:pPr>
-                <a:defRPr/>
-              </a:pPr>
-              <a:t>28</a:t>
-            </a:fld>
-            <a:endParaRPr lang="en-US" dirty="0"/>
-          </a:p>
-        </p:txBody>
-      </p:sp>
-    </p:spTree>
-  </p:cSld>
-  <p:clrMapOvr>
-    <a:masterClrMapping/>
-  </p:clrMapOvr>
-</p:notes>
-</file>
-
-<file path=ppt/notesSlides/notesSlide29.xml><?xml version="1.0" encoding="utf-8"?>
-<p:notes xmlns:a="http://schemas.openxmlformats.org/drawingml/2006/main" xmlns:r="http://schemas.openxmlformats.org/officeDocument/2006/relationships" xmlns:p="http://schemas.openxmlformats.org/presentationml/2006/main">
-  <p:cSld>
-    <p:spTree>
-      <p:nvGrpSpPr>
-        <p:cNvPr id="1" name=""/>
-        <p:cNvGrpSpPr/>
-        <p:nvPr/>
-      </p:nvGrpSpPr>
-      <p:grpSpPr>
-        <a:xfrm>
-          <a:off x="0" y="0"/>
-          <a:ext cx="0" cy="0"/>
-          <a:chOff x="0" y="0"/>
-          <a:chExt cx="0" cy="0"/>
-        </a:xfrm>
-      </p:grpSpPr>
-      <p:sp>
-        <p:nvSpPr>
-          <p:cNvPr id="2" name="Slide Image Placeholder 1"/>
-          <p:cNvSpPr>
-            <a:spLocks noGrp="1" noRot="1" noChangeAspect="1"/>
-          </p:cNvSpPr>
-          <p:nvPr>
-            <p:ph type="sldImg"/>
-          </p:nvPr>
-        </p:nvSpPr>
-        <p:spPr/>
-      </p:sp>
-      <p:sp>
-        <p:nvSpPr>
-          <p:cNvPr id="3" name="Notes Placeholder 2"/>
-          <p:cNvSpPr>
-            <a:spLocks noGrp="1"/>
-          </p:cNvSpPr>
-          <p:nvPr>
-            <p:ph type="body" idx="1"/>
-          </p:nvPr>
-        </p:nvSpPr>
-        <p:spPr/>
-        <p:txBody>
-          <a:bodyPr>
-            <a:normAutofit/>
-          </a:bodyPr>
-          <a:lstStyle/>
-          <a:p>
-            <a:endParaRPr lang="en-US"/>
-          </a:p>
-        </p:txBody>
-      </p:sp>
-      <p:sp>
-        <p:nvSpPr>
-          <p:cNvPr id="4" name="Slide Number Placeholder 3"/>
-          <p:cNvSpPr>
-            <a:spLocks noGrp="1"/>
-          </p:cNvSpPr>
-          <p:nvPr>
-            <p:ph type="sldNum" sz="quarter" idx="10"/>
-          </p:nvPr>
-        </p:nvSpPr>
-        <p:spPr/>
-        <p:txBody>
-          <a:bodyPr/>
-          <a:lstStyle/>
-          <a:p>
-            <a:pPr>
-              <a:defRPr/>
-            </a:pPr>
-            <a:fld id="{5703B4A2-C126-47DB-8BAB-ECD4F18747C5}" type="slidenum">
-              <a:rPr lang="en-US" smtClean="0"/>
-              <a:pPr>
-                <a:defRPr/>
-              </a:pPr>
-              <a:t>29</a:t>
-            </a:fld>
-            <a:endParaRPr lang="en-US" dirty="0"/>
-          </a:p>
-        </p:txBody>
-      </p:sp>
-    </p:spTree>
-  </p:cSld>
-  <p:clrMapOvr>
-    <a:masterClrMapping/>
-  </p:clrMapOvr>
-</p:notes>
-</file>
-
-<file path=ppt/notesSlides/notesSlide3.xml><?xml version="1.0" encoding="utf-8"?>
-<p:notes xmlns:a="http://schemas.openxmlformats.org/drawingml/2006/main" xmlns:r="http://schemas.openxmlformats.org/officeDocument/2006/relationships" xmlns:p="http://schemas.openxmlformats.org/presentationml/2006/main">
-  <p:cSld>
-    <p:spTree>
-      <p:nvGrpSpPr>
-        <p:cNvPr id="1" name=""/>
-        <p:cNvGrpSpPr/>
-        <p:nvPr/>
-      </p:nvGrpSpPr>
-      <p:grpSpPr>
-        <a:xfrm>
-          <a:off x="0" y="0"/>
-          <a:ext cx="0" cy="0"/>
-          <a:chOff x="0" y="0"/>
-          <a:chExt cx="0" cy="0"/>
-        </a:xfrm>
-      </p:grpSpPr>
-      <p:sp>
-        <p:nvSpPr>
-          <p:cNvPr id="2" name="Slide Image Placeholder 1"/>
-          <p:cNvSpPr>
-            <a:spLocks noGrp="1" noRot="1" noChangeAspect="1"/>
-          </p:cNvSpPr>
-          <p:nvPr>
-            <p:ph type="sldImg"/>
-          </p:nvPr>
-        </p:nvSpPr>
-        <p:spPr/>
-      </p:sp>
-      <p:sp>
-        <p:nvSpPr>
-          <p:cNvPr id="3" name="Notes Placeholder 2"/>
-          <p:cNvSpPr>
-            <a:spLocks noGrp="1"/>
-          </p:cNvSpPr>
-          <p:nvPr>
-            <p:ph type="body" idx="1"/>
-          </p:nvPr>
-        </p:nvSpPr>
-        <p:spPr/>
-        <p:txBody>
-          <a:bodyPr>
-            <a:normAutofit/>
-          </a:bodyPr>
-          <a:lstStyle/>
-          <a:p>
-            <a:endParaRPr lang="en-US"/>
-          </a:p>
-        </p:txBody>
-      </p:sp>
-      <p:sp>
-        <p:nvSpPr>
-          <p:cNvPr id="4" name="Slide Number Placeholder 3"/>
-          <p:cNvSpPr>
-            <a:spLocks noGrp="1"/>
-          </p:cNvSpPr>
-          <p:nvPr>
-            <p:ph type="sldNum" sz="quarter" idx="10"/>
-          </p:nvPr>
-        </p:nvSpPr>
-        <p:spPr/>
-        <p:txBody>
-          <a:bodyPr/>
-          <a:lstStyle/>
-          <a:p>
-            <a:pPr>
-              <a:defRPr/>
-            </a:pPr>
-            <a:fld id="{5703B4A2-C126-47DB-8BAB-ECD4F18747C5}" type="slidenum">
-              <a:rPr lang="en-US" smtClean="0"/>
-              <a:pPr>
-                <a:defRPr/>
-              </a:pPr>
-              <a:t>3</a:t>
-            </a:fld>
-            <a:endParaRPr lang="en-US" dirty="0"/>
-          </a:p>
-        </p:txBody>
-      </p:sp>
-    </p:spTree>
-  </p:cSld>
-  <p:clrMapOvr>
-    <a:masterClrMapping/>
-  </p:clrMapOvr>
-</p:notes>
-</file>
-
-<file path=ppt/notesSlides/notesSlide4.xml><?xml version="1.0" encoding="utf-8"?>
+<file path=ppt/notesSlides/notesSlide2.xml><?xml version="1.0" encoding="utf-8"?>
 <p:notes xmlns:a="http://schemas.openxmlformats.org/drawingml/2006/main" xmlns:r="http://schemas.openxmlformats.org/officeDocument/2006/relationships" xmlns:p="http://schemas.openxmlformats.org/presentationml/2006/main">
   <p:cSld>
     <p:spTree>
@@ -3062,8 +1152,8 @@
         </p:nvSpPr>
         <p:spPr bwMode="auto">
           <a:xfrm>
-            <a:off x="1271588" y="733425"/>
-            <a:ext cx="4772025" cy="3579813"/>
+            <a:off x="1193800" y="709613"/>
+            <a:ext cx="4622800" cy="3467100"/>
           </a:xfrm>
           <a:noFill/>
           <a:ln>
@@ -3088,8 +1178,8 @@
         </p:nvSpPr>
         <p:spPr bwMode="auto">
           <a:xfrm>
-            <a:off x="977348" y="4559587"/>
-            <a:ext cx="5360504" cy="4320212"/>
+            <a:off x="936625" y="4414838"/>
+            <a:ext cx="5137150" cy="4183062"/>
           </a:xfrm>
           <a:noFill/>
         </p:spPr>
@@ -3118,7 +1208,7 @@
 </p:notes>
 </file>
 
-<file path=ppt/notesSlides/notesSlide5.xml><?xml version="1.0" encoding="utf-8"?>
+<file path=ppt/notesSlides/notesSlide3.xml><?xml version="1.0" encoding="utf-8"?>
 <p:notes xmlns:a="http://schemas.openxmlformats.org/drawingml/2006/main" xmlns:r="http://schemas.openxmlformats.org/officeDocument/2006/relationships" xmlns:p="http://schemas.openxmlformats.org/presentationml/2006/main">
   <p:cSld>
     <p:spTree>
@@ -3198,8 +1288,8 @@
         </p:nvSpPr>
         <p:spPr bwMode="auto">
           <a:xfrm>
-            <a:off x="1266825" y="727075"/>
-            <a:ext cx="4781550" cy="3586163"/>
+            <a:off x="1189038" y="703263"/>
+            <a:ext cx="4632325" cy="3473450"/>
           </a:xfrm>
           <a:noFill/>
           <a:ln>
@@ -3224,13 +1314,13 @@
         </p:nvSpPr>
         <p:spPr bwMode="auto">
           <a:xfrm>
-            <a:off x="477078" y="4643203"/>
-            <a:ext cx="6599583" cy="4564505"/>
+            <a:off x="457200" y="4495800"/>
+            <a:ext cx="6324600" cy="4419600"/>
           </a:xfrm>
           <a:noFill/>
         </p:spPr>
         <p:txBody>
-          <a:bodyPr wrap="square" lIns="94846" tIns="47422" rIns="94846" bIns="47422" numCol="1" anchor="t" anchorCtr="0" compatLnSpc="1">
+          <a:bodyPr wrap="square" lIns="91435" tIns="45717" rIns="91435" bIns="45717" numCol="1" anchor="t" anchorCtr="0" compatLnSpc="1">
             <a:prstTxWarp prst="textNoShape">
               <a:avLst/>
             </a:prstTxWarp>
@@ -3254,7 +1344,7 @@
 </p:notes>
 </file>
 
-<file path=ppt/notesSlides/notesSlide6.xml><?xml version="1.0" encoding="utf-8"?>
+<file path=ppt/notesSlides/notesSlide4.xml><?xml version="1.0" encoding="utf-8"?>
 <p:notes xmlns:a="http://schemas.openxmlformats.org/drawingml/2006/main" xmlns:r="http://schemas.openxmlformats.org/officeDocument/2006/relationships" xmlns:p="http://schemas.openxmlformats.org/presentationml/2006/main">
   <p:cSld>
     <p:spTree>
@@ -3334,8 +1424,8 @@
         </p:nvSpPr>
         <p:spPr bwMode="auto">
           <a:xfrm>
-            <a:off x="1271588" y="733425"/>
-            <a:ext cx="4772025" cy="3579813"/>
+            <a:off x="1193800" y="709613"/>
+            <a:ext cx="4622800" cy="3467100"/>
           </a:xfrm>
           <a:noFill/>
           <a:ln>
@@ -3360,13 +1450,285 @@
         </p:nvSpPr>
         <p:spPr bwMode="auto">
           <a:xfrm>
-            <a:off x="977348" y="4559587"/>
-            <a:ext cx="5360504" cy="4320212"/>
+            <a:off x="936625" y="4414838"/>
+            <a:ext cx="5137150" cy="4183062"/>
           </a:xfrm>
           <a:noFill/>
         </p:spPr>
         <p:txBody>
-          <a:bodyPr wrap="square" lIns="97266" tIns="48633" rIns="97266" bIns="48633" numCol="1" anchor="t" anchorCtr="0" compatLnSpc="1">
+          <a:bodyPr wrap="square" lIns="93768" tIns="46884" rIns="93768" bIns="46884" numCol="1" anchor="t" anchorCtr="0" compatLnSpc="1">
+            <a:prstTxWarp prst="textNoShape">
+              <a:avLst/>
+            </a:prstTxWarp>
+          </a:bodyPr>
+          <a:lstStyle/>
+          <a:p>
+            <a:pPr eaLnBrk="1" hangingPunct="1">
+              <a:spcBef>
+                <a:spcPct val="0"/>
+              </a:spcBef>
+            </a:pPr>
+            <a:endParaRPr lang="en-US" smtClean="0"/>
+          </a:p>
+        </p:txBody>
+      </p:sp>
+    </p:spTree>
+  </p:cSld>
+  <p:clrMapOvr>
+    <a:masterClrMapping/>
+  </p:clrMapOvr>
+</p:notes>
+</file>
+
+<file path=ppt/notesSlides/notesSlide5.xml><?xml version="1.0" encoding="utf-8"?>
+<p:notes xmlns:a="http://schemas.openxmlformats.org/drawingml/2006/main" xmlns:r="http://schemas.openxmlformats.org/officeDocument/2006/relationships" xmlns:p="http://schemas.openxmlformats.org/presentationml/2006/main">
+  <p:cSld>
+    <p:spTree>
+      <p:nvGrpSpPr>
+        <p:cNvPr id="1" name=""/>
+        <p:cNvGrpSpPr/>
+        <p:nvPr/>
+      </p:nvGrpSpPr>
+      <p:grpSpPr>
+        <a:xfrm>
+          <a:off x="0" y="0"/>
+          <a:ext cx="0" cy="0"/>
+          <a:chOff x="0" y="0"/>
+          <a:chExt cx="0" cy="0"/>
+        </a:xfrm>
+      </p:grpSpPr>
+      <p:sp>
+        <p:nvSpPr>
+          <p:cNvPr id="34818" name="Rectangle 5"/>
+          <p:cNvSpPr>
+            <a:spLocks noGrp="1" noChangeArrowheads="1"/>
+          </p:cNvSpPr>
+          <p:nvPr>
+            <p:ph type="sldNum" sz="quarter" idx="5"/>
+          </p:nvPr>
+        </p:nvSpPr>
+        <p:spPr bwMode="auto">
+          <a:ln>
+            <a:miter lim="800000"/>
+            <a:headEnd/>
+            <a:tailEnd/>
+          </a:ln>
+        </p:spPr>
+        <p:txBody>
+          <a:bodyPr wrap="square" numCol="1" anchorCtr="0" compatLnSpc="1">
+            <a:prstTxWarp prst="textNoShape">
+              <a:avLst/>
+            </a:prstTxWarp>
+          </a:bodyPr>
+          <a:lstStyle/>
+          <a:p>
+            <a:pPr fontAlgn="base">
+              <a:spcBef>
+                <a:spcPct val="0"/>
+              </a:spcBef>
+              <a:spcAft>
+                <a:spcPct val="0"/>
+              </a:spcAft>
+              <a:defRPr/>
+            </a:pPr>
+            <a:fld id="{E887EC15-0CB4-4158-B18A-F07C15A4E490}" type="slidenum">
+              <a:rPr lang="en-US" smtClean="0"/>
+              <a:pPr fontAlgn="base">
+                <a:spcBef>
+                  <a:spcPct val="0"/>
+                </a:spcBef>
+                <a:spcAft>
+                  <a:spcPct val="0"/>
+                </a:spcAft>
+                <a:defRPr/>
+              </a:pPr>
+              <a:t>16</a:t>
+            </a:fld>
+            <a:endParaRPr lang="en-US" smtClean="0"/>
+          </a:p>
+        </p:txBody>
+      </p:sp>
+      <p:sp>
+        <p:nvSpPr>
+          <p:cNvPr id="35843" name="Rectangle 2"/>
+          <p:cNvSpPr>
+            <a:spLocks noGrp="1" noRot="1" noChangeAspect="1" noChangeArrowheads="1" noTextEdit="1"/>
+          </p:cNvSpPr>
+          <p:nvPr>
+            <p:ph type="sldImg"/>
+          </p:nvPr>
+        </p:nvSpPr>
+        <p:spPr bwMode="auto">
+          <a:xfrm>
+            <a:off x="1193800" y="709613"/>
+            <a:ext cx="4622800" cy="3467100"/>
+          </a:xfrm>
+          <a:noFill/>
+          <a:ln>
+            <a:solidFill>
+              <a:srgbClr val="000000"/>
+            </a:solidFill>
+            <a:miter lim="800000"/>
+            <a:headEnd/>
+            <a:tailEnd/>
+          </a:ln>
+        </p:spPr>
+      </p:sp>
+      <p:sp>
+        <p:nvSpPr>
+          <p:cNvPr id="35844" name="Rectangle 3"/>
+          <p:cNvSpPr>
+            <a:spLocks noGrp="1" noChangeArrowheads="1"/>
+          </p:cNvSpPr>
+          <p:nvPr>
+            <p:ph type="body" idx="1"/>
+          </p:nvPr>
+        </p:nvSpPr>
+        <p:spPr bwMode="auto">
+          <a:xfrm>
+            <a:off x="936625" y="4414838"/>
+            <a:ext cx="5137150" cy="4183062"/>
+          </a:xfrm>
+          <a:noFill/>
+        </p:spPr>
+        <p:txBody>
+          <a:bodyPr wrap="square" lIns="93768" tIns="46884" rIns="93768" bIns="46884" numCol="1" anchor="t" anchorCtr="0" compatLnSpc="1">
+            <a:prstTxWarp prst="textNoShape">
+              <a:avLst/>
+            </a:prstTxWarp>
+          </a:bodyPr>
+          <a:lstStyle/>
+          <a:p>
+            <a:pPr marL="180975" indent="-180975" eaLnBrk="1" hangingPunct="1">
+              <a:spcBef>
+                <a:spcPct val="0"/>
+              </a:spcBef>
+            </a:pPr>
+            <a:endParaRPr lang="en-US" smtClean="0"/>
+          </a:p>
+        </p:txBody>
+      </p:sp>
+    </p:spTree>
+  </p:cSld>
+  <p:clrMapOvr>
+    <a:masterClrMapping/>
+  </p:clrMapOvr>
+</p:notes>
+</file>
+
+<file path=ppt/notesSlides/notesSlide6.xml><?xml version="1.0" encoding="utf-8"?>
+<p:notes xmlns:a="http://schemas.openxmlformats.org/drawingml/2006/main" xmlns:r="http://schemas.openxmlformats.org/officeDocument/2006/relationships" xmlns:p="http://schemas.openxmlformats.org/presentationml/2006/main">
+  <p:cSld>
+    <p:spTree>
+      <p:nvGrpSpPr>
+        <p:cNvPr id="1" name=""/>
+        <p:cNvGrpSpPr/>
+        <p:nvPr/>
+      </p:nvGrpSpPr>
+      <p:grpSpPr>
+        <a:xfrm>
+          <a:off x="0" y="0"/>
+          <a:ext cx="0" cy="0"/>
+          <a:chOff x="0" y="0"/>
+          <a:chExt cx="0" cy="0"/>
+        </a:xfrm>
+      </p:grpSpPr>
+      <p:sp>
+        <p:nvSpPr>
+          <p:cNvPr id="35842" name="Rectangle 5"/>
+          <p:cNvSpPr>
+            <a:spLocks noGrp="1" noChangeArrowheads="1"/>
+          </p:cNvSpPr>
+          <p:nvPr>
+            <p:ph type="sldNum" sz="quarter" idx="5"/>
+          </p:nvPr>
+        </p:nvSpPr>
+        <p:spPr bwMode="auto">
+          <a:ln>
+            <a:miter lim="800000"/>
+            <a:headEnd/>
+            <a:tailEnd/>
+          </a:ln>
+        </p:spPr>
+        <p:txBody>
+          <a:bodyPr wrap="square" numCol="1" anchorCtr="0" compatLnSpc="1">
+            <a:prstTxWarp prst="textNoShape">
+              <a:avLst/>
+            </a:prstTxWarp>
+          </a:bodyPr>
+          <a:lstStyle/>
+          <a:p>
+            <a:pPr fontAlgn="base">
+              <a:spcBef>
+                <a:spcPct val="0"/>
+              </a:spcBef>
+              <a:spcAft>
+                <a:spcPct val="0"/>
+              </a:spcAft>
+              <a:defRPr/>
+            </a:pPr>
+            <a:fld id="{628C5B2A-4867-4A22-A8AA-EF690E038E58}" type="slidenum">
+              <a:rPr lang="en-US" smtClean="0"/>
+              <a:pPr fontAlgn="base">
+                <a:spcBef>
+                  <a:spcPct val="0"/>
+                </a:spcBef>
+                <a:spcAft>
+                  <a:spcPct val="0"/>
+                </a:spcAft>
+                <a:defRPr/>
+              </a:pPr>
+              <a:t>18</a:t>
+            </a:fld>
+            <a:endParaRPr lang="en-US" smtClean="0"/>
+          </a:p>
+        </p:txBody>
+      </p:sp>
+      <p:sp>
+        <p:nvSpPr>
+          <p:cNvPr id="36867" name="Rectangle 2"/>
+          <p:cNvSpPr>
+            <a:spLocks noGrp="1" noRot="1" noChangeAspect="1" noChangeArrowheads="1" noTextEdit="1"/>
+          </p:cNvSpPr>
+          <p:nvPr>
+            <p:ph type="sldImg"/>
+          </p:nvPr>
+        </p:nvSpPr>
+        <p:spPr bwMode="auto">
+          <a:xfrm>
+            <a:off x="1193800" y="709613"/>
+            <a:ext cx="4624388" cy="3468687"/>
+          </a:xfrm>
+          <a:noFill/>
+          <a:ln>
+            <a:solidFill>
+              <a:srgbClr val="000000"/>
+            </a:solidFill>
+            <a:miter lim="800000"/>
+            <a:headEnd/>
+            <a:tailEnd/>
+          </a:ln>
+        </p:spPr>
+      </p:sp>
+      <p:sp>
+        <p:nvSpPr>
+          <p:cNvPr id="36868" name="Rectangle 3"/>
+          <p:cNvSpPr>
+            <a:spLocks noGrp="1" noChangeArrowheads="1"/>
+          </p:cNvSpPr>
+          <p:nvPr>
+            <p:ph type="body" idx="1"/>
+          </p:nvPr>
+        </p:nvSpPr>
+        <p:spPr bwMode="auto">
+          <a:xfrm>
+            <a:off x="936625" y="4414838"/>
+            <a:ext cx="5137150" cy="4183062"/>
+          </a:xfrm>
+          <a:noFill/>
+        </p:spPr>
+        <p:txBody>
+          <a:bodyPr wrap="square" lIns="93780" tIns="46890" rIns="93780" bIns="46890" numCol="1" anchor="t" anchorCtr="0" compatLnSpc="1">
             <a:prstTxWarp prst="textNoShape">
               <a:avLst/>
             </a:prstTxWarp>
@@ -3409,63 +1771,112 @@
       </p:grpSpPr>
       <p:sp>
         <p:nvSpPr>
-          <p:cNvPr id="2" name="Slide Image Placeholder 1"/>
+          <p:cNvPr id="37890" name="Rectangle 5"/>
           <p:cNvSpPr>
-            <a:spLocks noGrp="1" noRot="1" noChangeAspect="1"/>
+            <a:spLocks noGrp="1" noChangeArrowheads="1"/>
+          </p:cNvSpPr>
+          <p:nvPr>
+            <p:ph type="sldNum" sz="quarter" idx="5"/>
+          </p:nvPr>
+        </p:nvSpPr>
+        <p:spPr bwMode="auto">
+          <a:ln>
+            <a:miter lim="800000"/>
+            <a:headEnd/>
+            <a:tailEnd/>
+          </a:ln>
+        </p:spPr>
+        <p:txBody>
+          <a:bodyPr wrap="square" numCol="1" anchorCtr="0" compatLnSpc="1">
+            <a:prstTxWarp prst="textNoShape">
+              <a:avLst/>
+            </a:prstTxWarp>
+          </a:bodyPr>
+          <a:lstStyle/>
+          <a:p>
+            <a:pPr fontAlgn="base">
+              <a:spcBef>
+                <a:spcPct val="0"/>
+              </a:spcBef>
+              <a:spcAft>
+                <a:spcPct val="0"/>
+              </a:spcAft>
+              <a:defRPr/>
+            </a:pPr>
+            <a:fld id="{ACD24D8B-6FC8-414B-A0AB-8553BFA876F3}" type="slidenum">
+              <a:rPr lang="en-US" smtClean="0"/>
+              <a:pPr fontAlgn="base">
+                <a:spcBef>
+                  <a:spcPct val="0"/>
+                </a:spcBef>
+                <a:spcAft>
+                  <a:spcPct val="0"/>
+                </a:spcAft>
+                <a:defRPr/>
+              </a:pPr>
+              <a:t>19</a:t>
+            </a:fld>
+            <a:endParaRPr lang="en-US" smtClean="0"/>
+          </a:p>
+        </p:txBody>
+      </p:sp>
+      <p:sp>
+        <p:nvSpPr>
+          <p:cNvPr id="38915" name="Rectangle 2"/>
+          <p:cNvSpPr>
+            <a:spLocks noGrp="1" noRot="1" noChangeAspect="1" noChangeArrowheads="1" noTextEdit="1"/>
           </p:cNvSpPr>
           <p:nvPr>
             <p:ph type="sldImg"/>
           </p:nvPr>
         </p:nvSpPr>
-        <p:spPr/>
+        <p:spPr bwMode="auto">
+          <a:xfrm>
+            <a:off x="1193800" y="709613"/>
+            <a:ext cx="4624388" cy="3468687"/>
+          </a:xfrm>
+          <a:noFill/>
+          <a:ln>
+            <a:solidFill>
+              <a:srgbClr val="000000"/>
+            </a:solidFill>
+            <a:miter lim="800000"/>
+            <a:headEnd/>
+            <a:tailEnd/>
+          </a:ln>
+        </p:spPr>
       </p:sp>
       <p:sp>
         <p:nvSpPr>
-          <p:cNvPr id="3" name="Notes Placeholder 2"/>
+          <p:cNvPr id="38916" name="Rectangle 3"/>
           <p:cNvSpPr>
-            <a:spLocks noGrp="1"/>
+            <a:spLocks noGrp="1" noChangeArrowheads="1"/>
           </p:cNvSpPr>
           <p:nvPr>
             <p:ph type="body" idx="1"/>
           </p:nvPr>
         </p:nvSpPr>
-        <p:spPr/>
+        <p:spPr bwMode="auto">
+          <a:xfrm>
+            <a:off x="936625" y="4414838"/>
+            <a:ext cx="5137150" cy="4183062"/>
+          </a:xfrm>
+          <a:noFill/>
+        </p:spPr>
         <p:txBody>
-          <a:bodyPr>
-            <a:normAutofit/>
+          <a:bodyPr wrap="square" lIns="93780" tIns="46890" rIns="93780" bIns="46890" numCol="1" anchor="t" anchorCtr="0" compatLnSpc="1">
+            <a:prstTxWarp prst="textNoShape">
+              <a:avLst/>
+            </a:prstTxWarp>
           </a:bodyPr>
           <a:lstStyle/>
           <a:p>
-            <a:endParaRPr lang="en-US"/>
-          </a:p>
-        </p:txBody>
-      </p:sp>
-      <p:sp>
-        <p:nvSpPr>
-          <p:cNvPr id="4" name="Slide Number Placeholder 3"/>
-          <p:cNvSpPr>
-            <a:spLocks noGrp="1"/>
-          </p:cNvSpPr>
-          <p:nvPr>
-            <p:ph type="sldNum" sz="quarter" idx="10"/>
-          </p:nvPr>
-        </p:nvSpPr>
-        <p:spPr/>
-        <p:txBody>
-          <a:bodyPr/>
-          <a:lstStyle/>
-          <a:p>
-            <a:pPr>
-              <a:defRPr/>
+            <a:pPr eaLnBrk="1" hangingPunct="1">
+              <a:spcBef>
+                <a:spcPct val="0"/>
+              </a:spcBef>
             </a:pPr>
-            <a:fld id="{5703B4A2-C126-47DB-8BAB-ECD4F18747C5}" type="slidenum">
-              <a:rPr lang="en-US" smtClean="0"/>
-              <a:pPr>
-                <a:defRPr/>
-              </a:pPr>
-              <a:t>7</a:t>
-            </a:fld>
-            <a:endParaRPr lang="en-US" dirty="0"/>
+            <a:endParaRPr lang="en-US" smtClean="0"/>
           </a:p>
         </p:txBody>
       </p:sp>
@@ -3496,63 +1907,112 @@
       </p:grpSpPr>
       <p:sp>
         <p:nvSpPr>
-          <p:cNvPr id="2" name="Slide Image Placeholder 1"/>
+          <p:cNvPr id="38914" name="Rectangle 5"/>
           <p:cNvSpPr>
-            <a:spLocks noGrp="1" noRot="1" noChangeAspect="1"/>
+            <a:spLocks noGrp="1" noChangeArrowheads="1"/>
+          </p:cNvSpPr>
+          <p:nvPr>
+            <p:ph type="sldNum" sz="quarter" idx="5"/>
+          </p:nvPr>
+        </p:nvSpPr>
+        <p:spPr bwMode="auto">
+          <a:ln>
+            <a:miter lim="800000"/>
+            <a:headEnd/>
+            <a:tailEnd/>
+          </a:ln>
+        </p:spPr>
+        <p:txBody>
+          <a:bodyPr wrap="square" numCol="1" anchorCtr="0" compatLnSpc="1">
+            <a:prstTxWarp prst="textNoShape">
+              <a:avLst/>
+            </a:prstTxWarp>
+          </a:bodyPr>
+          <a:lstStyle/>
+          <a:p>
+            <a:pPr fontAlgn="base">
+              <a:spcBef>
+                <a:spcPct val="0"/>
+              </a:spcBef>
+              <a:spcAft>
+                <a:spcPct val="0"/>
+              </a:spcAft>
+              <a:defRPr/>
+            </a:pPr>
+            <a:fld id="{5070DA82-A62E-44C7-BCBF-9761B2390FC0}" type="slidenum">
+              <a:rPr lang="en-US" smtClean="0"/>
+              <a:pPr fontAlgn="base">
+                <a:spcBef>
+                  <a:spcPct val="0"/>
+                </a:spcBef>
+                <a:spcAft>
+                  <a:spcPct val="0"/>
+                </a:spcAft>
+                <a:defRPr/>
+              </a:pPr>
+              <a:t>20</a:t>
+            </a:fld>
+            <a:endParaRPr lang="en-US" smtClean="0"/>
+          </a:p>
+        </p:txBody>
+      </p:sp>
+      <p:sp>
+        <p:nvSpPr>
+          <p:cNvPr id="39939" name="Rectangle 2"/>
+          <p:cNvSpPr>
+            <a:spLocks noGrp="1" noRot="1" noChangeAspect="1" noChangeArrowheads="1" noTextEdit="1"/>
           </p:cNvSpPr>
           <p:nvPr>
             <p:ph type="sldImg"/>
           </p:nvPr>
         </p:nvSpPr>
-        <p:spPr/>
+        <p:spPr bwMode="auto">
+          <a:xfrm>
+            <a:off x="1193800" y="709613"/>
+            <a:ext cx="4624388" cy="3468687"/>
+          </a:xfrm>
+          <a:noFill/>
+          <a:ln>
+            <a:solidFill>
+              <a:srgbClr val="000000"/>
+            </a:solidFill>
+            <a:miter lim="800000"/>
+            <a:headEnd/>
+            <a:tailEnd/>
+          </a:ln>
+        </p:spPr>
       </p:sp>
       <p:sp>
         <p:nvSpPr>
-          <p:cNvPr id="3" name="Notes Placeholder 2"/>
+          <p:cNvPr id="39940" name="Rectangle 3"/>
           <p:cNvSpPr>
-            <a:spLocks noGrp="1"/>
+            <a:spLocks noGrp="1" noChangeArrowheads="1"/>
           </p:cNvSpPr>
           <p:nvPr>
             <p:ph type="body" idx="1"/>
           </p:nvPr>
         </p:nvSpPr>
-        <p:spPr/>
+        <p:spPr bwMode="auto">
+          <a:xfrm>
+            <a:off x="936625" y="4414838"/>
+            <a:ext cx="5137150" cy="4183062"/>
+          </a:xfrm>
+          <a:noFill/>
+        </p:spPr>
         <p:txBody>
-          <a:bodyPr>
-            <a:normAutofit/>
+          <a:bodyPr wrap="square" lIns="93780" tIns="46890" rIns="93780" bIns="46890" numCol="1" anchor="t" anchorCtr="0" compatLnSpc="1">
+            <a:prstTxWarp prst="textNoShape">
+              <a:avLst/>
+            </a:prstTxWarp>
           </a:bodyPr>
           <a:lstStyle/>
           <a:p>
-            <a:endParaRPr lang="en-US"/>
-          </a:p>
-        </p:txBody>
-      </p:sp>
-      <p:sp>
-        <p:nvSpPr>
-          <p:cNvPr id="4" name="Slide Number Placeholder 3"/>
-          <p:cNvSpPr>
-            <a:spLocks noGrp="1"/>
-          </p:cNvSpPr>
-          <p:nvPr>
-            <p:ph type="sldNum" sz="quarter" idx="10"/>
-          </p:nvPr>
-        </p:nvSpPr>
-        <p:spPr/>
-        <p:txBody>
-          <a:bodyPr/>
-          <a:lstStyle/>
-          <a:p>
-            <a:pPr>
-              <a:defRPr/>
+            <a:pPr eaLnBrk="1" hangingPunct="1">
+              <a:spcBef>
+                <a:spcPct val="0"/>
+              </a:spcBef>
             </a:pPr>
-            <a:fld id="{5703B4A2-C126-47DB-8BAB-ECD4F18747C5}" type="slidenum">
-              <a:rPr lang="en-US" smtClean="0"/>
-              <a:pPr>
-                <a:defRPr/>
-              </a:pPr>
-              <a:t>8</a:t>
-            </a:fld>
-            <a:endParaRPr lang="en-US" dirty="0"/>
+            <a:endParaRPr lang="en-US" smtClean="0"/>
           </a:p>
         </p:txBody>
       </p:sp>
@@ -3583,63 +2043,112 @@
       </p:grpSpPr>
       <p:sp>
         <p:nvSpPr>
-          <p:cNvPr id="2" name="Slide Image Placeholder 1"/>
+          <p:cNvPr id="39938" name="Rectangle 5"/>
           <p:cNvSpPr>
-            <a:spLocks noGrp="1" noRot="1" noChangeAspect="1"/>
+            <a:spLocks noGrp="1" noChangeArrowheads="1"/>
+          </p:cNvSpPr>
+          <p:nvPr>
+            <p:ph type="sldNum" sz="quarter" idx="5"/>
+          </p:nvPr>
+        </p:nvSpPr>
+        <p:spPr bwMode="auto">
+          <a:ln>
+            <a:miter lim="800000"/>
+            <a:headEnd/>
+            <a:tailEnd/>
+          </a:ln>
+        </p:spPr>
+        <p:txBody>
+          <a:bodyPr wrap="square" numCol="1" anchorCtr="0" compatLnSpc="1">
+            <a:prstTxWarp prst="textNoShape">
+              <a:avLst/>
+            </a:prstTxWarp>
+          </a:bodyPr>
+          <a:lstStyle/>
+          <a:p>
+            <a:pPr fontAlgn="base">
+              <a:spcBef>
+                <a:spcPct val="0"/>
+              </a:spcBef>
+              <a:spcAft>
+                <a:spcPct val="0"/>
+              </a:spcAft>
+              <a:defRPr/>
+            </a:pPr>
+            <a:fld id="{581E89B5-50EC-4037-A00C-5882DAB9C0A6}" type="slidenum">
+              <a:rPr lang="en-US" smtClean="0"/>
+              <a:pPr fontAlgn="base">
+                <a:spcBef>
+                  <a:spcPct val="0"/>
+                </a:spcBef>
+                <a:spcAft>
+                  <a:spcPct val="0"/>
+                </a:spcAft>
+                <a:defRPr/>
+              </a:pPr>
+              <a:t>21</a:t>
+            </a:fld>
+            <a:endParaRPr lang="en-US" smtClean="0"/>
+          </a:p>
+        </p:txBody>
+      </p:sp>
+      <p:sp>
+        <p:nvSpPr>
+          <p:cNvPr id="40963" name="Rectangle 2"/>
+          <p:cNvSpPr>
+            <a:spLocks noGrp="1" noRot="1" noChangeAspect="1" noChangeArrowheads="1" noTextEdit="1"/>
           </p:cNvSpPr>
           <p:nvPr>
             <p:ph type="sldImg"/>
           </p:nvPr>
         </p:nvSpPr>
-        <p:spPr/>
+        <p:spPr bwMode="auto">
+          <a:xfrm>
+            <a:off x="1193800" y="709613"/>
+            <a:ext cx="4624388" cy="3468687"/>
+          </a:xfrm>
+          <a:noFill/>
+          <a:ln>
+            <a:solidFill>
+              <a:srgbClr val="000000"/>
+            </a:solidFill>
+            <a:miter lim="800000"/>
+            <a:headEnd/>
+            <a:tailEnd/>
+          </a:ln>
+        </p:spPr>
       </p:sp>
       <p:sp>
         <p:nvSpPr>
-          <p:cNvPr id="3" name="Notes Placeholder 2"/>
+          <p:cNvPr id="40964" name="Rectangle 3"/>
           <p:cNvSpPr>
-            <a:spLocks noGrp="1"/>
+            <a:spLocks noGrp="1" noChangeArrowheads="1"/>
           </p:cNvSpPr>
           <p:nvPr>
             <p:ph type="body" idx="1"/>
           </p:nvPr>
         </p:nvSpPr>
-        <p:spPr/>
+        <p:spPr bwMode="auto">
+          <a:xfrm>
+            <a:off x="936625" y="4414838"/>
+            <a:ext cx="5137150" cy="4183062"/>
+          </a:xfrm>
+          <a:noFill/>
+        </p:spPr>
         <p:txBody>
-          <a:bodyPr>
-            <a:normAutofit/>
+          <a:bodyPr wrap="square" lIns="93780" tIns="46890" rIns="93780" bIns="46890" numCol="1" anchor="t" anchorCtr="0" compatLnSpc="1">
+            <a:prstTxWarp prst="textNoShape">
+              <a:avLst/>
+            </a:prstTxWarp>
           </a:bodyPr>
           <a:lstStyle/>
           <a:p>
-            <a:endParaRPr lang="en-US"/>
-          </a:p>
-        </p:txBody>
-      </p:sp>
-      <p:sp>
-        <p:nvSpPr>
-          <p:cNvPr id="4" name="Slide Number Placeholder 3"/>
-          <p:cNvSpPr>
-            <a:spLocks noGrp="1"/>
-          </p:cNvSpPr>
-          <p:nvPr>
-            <p:ph type="sldNum" sz="quarter" idx="10"/>
-          </p:nvPr>
-        </p:nvSpPr>
-        <p:spPr/>
-        <p:txBody>
-          <a:bodyPr/>
-          <a:lstStyle/>
-          <a:p>
-            <a:pPr>
-              <a:defRPr/>
+            <a:pPr eaLnBrk="1" hangingPunct="1">
+              <a:spcBef>
+                <a:spcPct val="0"/>
+              </a:spcBef>
             </a:pPr>
-            <a:fld id="{5703B4A2-C126-47DB-8BAB-ECD4F18747C5}" type="slidenum">
-              <a:rPr lang="en-US" smtClean="0"/>
-              <a:pPr>
-                <a:defRPr/>
-              </a:pPr>
-              <a:t>9</a:t>
-            </a:fld>
-            <a:endParaRPr lang="en-US" dirty="0"/>
+            <a:endParaRPr lang="en-US" smtClean="0"/>
           </a:p>
         </p:txBody>
       </p:sp>
@@ -3773,6 +2282,13 @@
   <p:clrMapOvr>
     <a:masterClrMapping/>
   </p:clrMapOvr>
+  <p:timing>
+    <p:tnLst>
+      <p:par>
+        <p:cTn id="1" dur="indefinite" restart="never" nodeType="tmRoot"/>
+      </p:par>
+    </p:tnLst>
+  </p:timing>
 </p:sldLayout>
 </file>
 
@@ -4001,7 +2517,7 @@
       </p:pic>
       <p:sp>
         <p:nvSpPr>
-          <p:cNvPr id="7" name="Rectangle 6"/>
+          <p:cNvPr id="10" name="Rectangle 9"/>
           <p:cNvSpPr/>
           <p:nvPr userDrawn="1">
             <p:custDataLst>
@@ -4011,8 +2527,8 @@
         </p:nvSpPr>
         <p:spPr>
           <a:xfrm>
-            <a:off x="7405897" y="6520036"/>
-            <a:ext cx="1357103" cy="240066"/>
+            <a:off x="7425271" y="6498264"/>
+            <a:ext cx="1357103" cy="276999"/>
           </a:xfrm>
           <a:prstGeom prst="rect">
             <a:avLst/>
@@ -4504,7 +3020,15 @@
             <a:pPr eaLnBrk="1" hangingPunct="1"/>
             <a:r>
               <a:rPr lang="en-US" b="0" dirty="0" smtClean="0"/>
-              <a:t>C66x CorePac: Achieving </a:t>
+              <a:t>C66x </a:t>
+            </a:r>
+            <a:r>
+              <a:rPr lang="en-US" b="0" dirty="0" err="1" smtClean="0"/>
+              <a:t>CorePac</a:t>
+            </a:r>
+            <a:r>
+              <a:rPr lang="en-US" b="0" dirty="0" smtClean="0"/>
+              <a:t>: Achieving</a:t>
             </a:r>
             <a:br>
               <a:rPr lang="en-US" b="0" dirty="0" smtClean="0"/>
@@ -4607,32 +3131,34 @@
       </p:sp>
       <p:pic>
         <p:nvPicPr>
-          <p:cNvPr id="12" name="Picture 11" descr="S_instructions.jpg">
-            <a:hlinkClick r:id="rId5"/>
-          </p:cNvPr>
+          <p:cNvPr id="9218" name="Picture 2"/>
           <p:cNvPicPr>
-            <a:picLocks noChangeAspect="1"/>
+            <a:picLocks noChangeAspect="1" noChangeArrowheads="1"/>
           </p:cNvPicPr>
-          <p:nvPr>
-            <p:custDataLst>
-              <p:tags r:id="rId2"/>
-            </p:custDataLst>
-          </p:nvPr>
+          <p:nvPr/>
         </p:nvPicPr>
         <p:blipFill>
-          <a:blip r:embed="rId6" cstate="print"/>
+          <a:blip r:embed="rId3" cstate="print"/>
+          <a:srcRect b="1765"/>
           <a:stretch>
             <a:fillRect/>
           </a:stretch>
         </p:blipFill>
-        <p:spPr>
+        <p:spPr bwMode="auto">
           <a:xfrm>
-            <a:off x="990600" y="762000"/>
-            <a:ext cx="7157356" cy="6095999"/>
+            <a:off x="204787" y="838200"/>
+            <a:ext cx="8024813" cy="5915118"/>
           </a:xfrm>
           <a:prstGeom prst="rect">
             <a:avLst/>
           </a:prstGeom>
+          <a:noFill/>
+          <a:ln w="9525">
+            <a:noFill/>
+            <a:miter lim="800000"/>
+            <a:headEnd/>
+            <a:tailEnd/>
+          </a:ln>
         </p:spPr>
       </p:pic>
     </p:spTree>
@@ -4688,7 +3214,9 @@
             <a:srgbClr val="FFFF00"/>
           </a:solidFill>
           <a:ln w="9525" cap="flat" cmpd="sng" algn="ctr">
-            <a:noFill/>
+            <a:solidFill>
+              <a:schemeClr val="tx1"/>
+            </a:solidFill>
             <a:prstDash val="solid"/>
             <a:round/>
             <a:headEnd type="none" w="med" len="med"/>
@@ -4981,7 +3509,23 @@
             </a:pPr>
             <a:r>
               <a:rPr lang="en-US" sz="2000" dirty="0" smtClean="0"/>
-              <a:t>Performs 4 additions of two sets of 4 16-bit numbers packed into 64-bit registers.</a:t>
+              <a:t>Performs </a:t>
+            </a:r>
+            <a:r>
+              <a:rPr lang="en-US" sz="2000" dirty="0" smtClean="0"/>
+              <a:t>four </a:t>
+            </a:r>
+            <a:r>
+              <a:rPr lang="en-US" sz="2000" dirty="0" smtClean="0"/>
+              <a:t>additions of two sets of </a:t>
+            </a:r>
+            <a:r>
+              <a:rPr lang="en-US" sz="2000" dirty="0" smtClean="0"/>
+              <a:t>four </a:t>
+            </a:r>
+            <a:r>
+              <a:rPr lang="en-US" sz="2000" dirty="0" smtClean="0"/>
+              <a:t>16-bit numbers packed into 64-bit registers.</a:t>
             </a:r>
           </a:p>
           <a:p>
@@ -4993,7 +3537,27 @@
             </a:pPr>
             <a:r>
               <a:rPr lang="en-US" sz="2000" dirty="0" smtClean="0"/>
-              <a:t>The 4 results are rounded to 4 packed 16-bit values</a:t>
+              <a:t>The </a:t>
+            </a:r>
+            <a:r>
+              <a:rPr lang="en-US" sz="2000" dirty="0" smtClean="0"/>
+              <a:t>four </a:t>
+            </a:r>
+            <a:r>
+              <a:rPr lang="en-US" sz="2000" dirty="0" smtClean="0"/>
+              <a:t>results are rounded to </a:t>
+            </a:r>
+            <a:r>
+              <a:rPr lang="en-US" sz="2000" dirty="0" smtClean="0"/>
+              <a:t>four </a:t>
+            </a:r>
+            <a:r>
+              <a:rPr lang="en-US" sz="2000" dirty="0" smtClean="0"/>
+              <a:t>packed 16-bit </a:t>
+            </a:r>
+            <a:r>
+              <a:rPr lang="en-US" sz="2000" dirty="0" smtClean="0"/>
+              <a:t>values</a:t>
             </a:r>
           </a:p>
           <a:p>
@@ -5006,6 +3570,10 @@
             <a:r>
               <a:rPr lang="en-US" sz="2000" dirty="0" smtClean="0"/>
               <a:t>unit = .L1, .L2, .S1, .S2 </a:t>
+            </a:r>
+            <a:r>
+              <a:rPr lang="en-US" sz="2000" dirty="0" smtClean="0"/>
+              <a:t/>
             </a:r>
             <a:br>
               <a:rPr lang="en-US" sz="2000" dirty="0" smtClean="0"/>
@@ -5045,7 +3613,23 @@
             </a:pPr>
             <a:r>
               <a:rPr lang="en-US" sz="2000" dirty="0" smtClean="0"/>
-              <a:t>Performs 4 multiplications of two sets of 4 32-bit numbers packed into 128-bit registers.</a:t>
+              <a:t>Performs </a:t>
+            </a:r>
+            <a:r>
+              <a:rPr lang="en-US" sz="2000" dirty="0" smtClean="0"/>
+              <a:t>four </a:t>
+            </a:r>
+            <a:r>
+              <a:rPr lang="en-US" sz="2000" dirty="0" smtClean="0"/>
+              <a:t>multiplications of two sets of </a:t>
+            </a:r>
+            <a:r>
+              <a:rPr lang="en-US" sz="2000" dirty="0" smtClean="0"/>
+              <a:t>four </a:t>
+            </a:r>
+            <a:r>
+              <a:rPr lang="en-US" sz="2000" dirty="0" smtClean="0"/>
+              <a:t>32-bit numbers packed into 128-bit registers.</a:t>
             </a:r>
           </a:p>
           <a:p>
@@ -5057,7 +3641,15 @@
             </a:pPr>
             <a:r>
               <a:rPr lang="en-US" sz="2000" dirty="0" smtClean="0"/>
-              <a:t>The 4 results are packed 32-bit values.</a:t>
+              <a:t>The </a:t>
+            </a:r>
+            <a:r>
+              <a:rPr lang="en-US" sz="2000" dirty="0" smtClean="0"/>
+              <a:t>four </a:t>
+            </a:r>
+            <a:r>
+              <a:rPr lang="en-US" sz="2000" dirty="0" smtClean="0"/>
+              <a:t>results are packed 32-bit values.</a:t>
             </a:r>
           </a:p>
           <a:p>
@@ -5069,24 +3661,13 @@
             </a:pPr>
             <a:r>
               <a:rPr lang="en-US" sz="2000" dirty="0" smtClean="0"/>
-              <a:t>unit = .M1 or .M2</a:t>
+              <a:t>unit = .M1 or .</a:t>
             </a:r>
-          </a:p>
-          <a:p>
-            <a:pPr marL="514350" indent="-514350" algn="l" eaLnBrk="1" fontAlgn="auto" hangingPunct="1">
-              <a:spcAft>
-                <a:spcPts val="0"/>
-              </a:spcAft>
-              <a:buFont typeface="Arial" pitchFamily="34" charset="0"/>
-              <a:buNone/>
-              <a:defRPr/>
-            </a:pPr>
-            <a:endParaRPr lang="en-US" sz="2400" b="1" dirty="0" smtClean="0">
-              <a:solidFill>
-                <a:schemeClr val="tx1"/>
-              </a:solidFill>
-              <a:latin typeface="+mj-lt"/>
-            </a:endParaRPr>
+            <a:r>
+              <a:rPr lang="en-US" sz="2000" dirty="0" smtClean="0"/>
+              <a:t>M2</a:t>
+            </a:r>
+            <a:endParaRPr lang="en-US" sz="2000" dirty="0" smtClean="0"/>
           </a:p>
         </p:txBody>
       </p:sp>
@@ -5285,7 +3866,19 @@
               <a:rPr lang="en-US" sz="2400" dirty="0" smtClean="0">
                 <a:latin typeface="+mj-lt"/>
               </a:rPr>
-              <a:t>Results in 1x2 signed complex vector.</a:t>
+              <a:t>Results in </a:t>
+            </a:r>
+            <a:r>
+              <a:rPr lang="en-US" sz="2400" dirty="0" smtClean="0">
+                <a:latin typeface="+mj-lt"/>
+              </a:rPr>
+              <a:t>2x1 </a:t>
+            </a:r>
+            <a:r>
+              <a:rPr lang="en-US" sz="2400" dirty="0" smtClean="0">
+                <a:latin typeface="+mj-lt"/>
+              </a:rPr>
+              <a:t>signed complex vector.</a:t>
             </a:r>
           </a:p>
           <a:p>
@@ -5299,7 +3892,13 @@
               <a:rPr lang="en-US" sz="2400" dirty="0" smtClean="0">
                 <a:latin typeface="+mj-lt"/>
               </a:rPr>
-              <a:t>All values are 16-bit (16-bit real/16-bit Imaginary)</a:t>
+              <a:t>All values are 16-bit (16-bit real/16-bit Imaginary</a:t>
+            </a:r>
+            <a:r>
+              <a:rPr lang="en-US" sz="2400" dirty="0" smtClean="0">
+                <a:latin typeface="+mj-lt"/>
+              </a:rPr>
+              <a:t>)</a:t>
             </a:r>
           </a:p>
           <a:p>
@@ -5310,11 +3909,16 @@
               <a:defRPr/>
             </a:pPr>
             <a:r>
-              <a:rPr lang="en-US" sz="2400" dirty="0" smtClean="0">
-                <a:latin typeface="+mj-lt"/>
-              </a:rPr>
-              <a:t>unit = .M1 or .M2</a:t>
+              <a:rPr lang="en-US" sz="2400" dirty="0" smtClean="0"/>
+              <a:t>unit = .M1 or .</a:t>
             </a:r>
+            <a:r>
+              <a:rPr lang="en-US" sz="2400" dirty="0" smtClean="0"/>
+              <a:t>M2</a:t>
+            </a:r>
+            <a:endParaRPr lang="en-US" sz="2400" dirty="0" smtClean="0">
+              <a:latin typeface="+mj-lt"/>
+            </a:endParaRPr>
           </a:p>
           <a:p>
             <a:pPr marL="514350" indent="-514350" algn="l" eaLnBrk="1" fontAlgn="auto" hangingPunct="1">
@@ -5346,7 +3950,7 @@
                 </a:solidFill>
                 <a:latin typeface="+mj-lt"/>
               </a:rPr>
-              <a:t>How many multiplications are complex multiplication, where each complex multiplication has the following?</a:t>
+              <a:t>How many multiplications are complex multiplication, where each complex multiplication has the following:</a:t>
             </a:r>
           </a:p>
           <a:p>
@@ -5357,9 +3961,7 @@
               <a:defRPr/>
             </a:pPr>
             <a:r>
-              <a:rPr lang="en-US" sz="2400" dirty="0" smtClean="0">
-                <a:latin typeface="+mj-lt"/>
-              </a:rPr>
+              <a:rPr lang="en-US" sz="2400" dirty="0" smtClean="0"/>
               <a:t>4 complex multiplications (4 real multiplications each)</a:t>
             </a:r>
           </a:p>
@@ -5371,9 +3973,7 @@
               <a:defRPr/>
             </a:pPr>
             <a:r>
-              <a:rPr lang="en-US" sz="2400" dirty="0" smtClean="0">
-                <a:latin typeface="+mj-lt"/>
-              </a:rPr>
+              <a:rPr lang="en-US" sz="2400" dirty="0" smtClean="0"/>
               <a:t>Two M units (16 multiplications each) = 32 multiplications</a:t>
             </a:r>
           </a:p>
@@ -5385,20 +3985,8 @@
               <a:defRPr/>
             </a:pPr>
             <a:r>
-              <a:rPr lang="en-US" sz="2400" dirty="0" smtClean="0">
-                <a:latin typeface="+mj-lt"/>
-              </a:rPr>
-              <a:t>Core cycles per second (1.25 </a:t>
-            </a:r>
-            <a:r>
               <a:rPr lang="en-US" sz="2400" dirty="0" smtClean="0"/>
-              <a:t>G</a:t>
-            </a:r>
-            <a:r>
-              <a:rPr lang="en-US" sz="2400" dirty="0" smtClean="0">
-                <a:latin typeface="+mj-lt"/>
-              </a:rPr>
-              <a:t>)</a:t>
+              <a:t>Core cycles per second (1.25 G)</a:t>
             </a:r>
           </a:p>
           <a:p>
@@ -5409,18 +3997,9 @@
               <a:defRPr/>
             </a:pPr>
             <a:r>
-              <a:rPr lang="en-US" sz="2400" dirty="0" smtClean="0">
-                <a:latin typeface="+mj-lt"/>
-              </a:rPr>
-              <a:t>Total multiplications per second = 40 </a:t>
+              <a:rPr lang="en-US" sz="2400" dirty="0" smtClean="0"/>
+              <a:t>Total multiplications per second = 40 G multiplications</a:t>
             </a:r>
-            <a:r>
-              <a:rPr lang="en-US" sz="2400" dirty="0" smtClean="0"/>
-              <a:t>G multiplications</a:t>
-            </a:r>
-            <a:endParaRPr lang="en-US" sz="2400" dirty="0" smtClean="0">
-              <a:latin typeface="+mj-lt"/>
-            </a:endParaRPr>
           </a:p>
           <a:p>
             <a:pPr marL="811213" lvl="1" indent="-514350" eaLnBrk="1" fontAlgn="auto" hangingPunct="1">
@@ -5430,12 +4009,7 @@
               <a:defRPr/>
             </a:pPr>
             <a:r>
-              <a:rPr lang="en-US" sz="2400" dirty="0" smtClean="0">
-                <a:solidFill>
-                  <a:schemeClr val="tx1"/>
-                </a:solidFill>
-                <a:latin typeface="+mj-lt"/>
-              </a:rPr>
+              <a:rPr lang="en-US" sz="2400" dirty="0" smtClean="0"/>
               <a:t>8 cores = 320 G multiplications</a:t>
             </a:r>
           </a:p>
@@ -5695,27 +4269,14 @@
               <a:defRPr/>
             </a:pPr>
             <a:r>
-              <a:rPr lang="en-US" sz="2000" dirty="0" smtClean="0">
-                <a:latin typeface="+mj-lt"/>
-              </a:rPr>
-              <a:t>Software pipeline enables efficient instruction scheduling to maximize functional unit throughput.</a:t>
+              <a:rPr lang="en-US" sz="2000" dirty="0" smtClean="0"/>
+              <a:t>Software pipeline enables efficient instruction scheduling to maximize functional unit throughput</a:t>
             </a:r>
-          </a:p>
-          <a:p>
-            <a:pPr marL="514350" indent="-514350" algn="l" eaLnBrk="1" fontAlgn="auto" hangingPunct="1">
-              <a:spcAft>
-                <a:spcPts val="0"/>
-              </a:spcAft>
-              <a:buFont typeface="Arial" pitchFamily="34" charset="0"/>
-              <a:buChar char="•"/>
-              <a:defRPr/>
-            </a:pPr>
-            <a:endParaRPr lang="en-US" sz="2400" b="1" dirty="0" smtClean="0">
-              <a:solidFill>
-                <a:schemeClr val="tx1"/>
-              </a:solidFill>
-              <a:latin typeface="+mj-lt"/>
-            </a:endParaRPr>
+            <a:r>
+              <a:rPr lang="en-US" sz="2000" dirty="0" smtClean="0"/>
+              <a:t>.</a:t>
+            </a:r>
+            <a:endParaRPr lang="en-US" sz="2000" dirty="0" smtClean="0"/>
           </a:p>
         </p:txBody>
       </p:sp>
@@ -5772,7 +4333,9 @@
             <a:srgbClr val="FFFF00"/>
           </a:solidFill>
           <a:ln w="9525" cap="flat" cmpd="sng" algn="ctr">
-            <a:noFill/>
+            <a:solidFill>
+              <a:schemeClr val="tx1"/>
+            </a:solidFill>
             <a:prstDash val="solid"/>
             <a:round/>
             <a:headEnd type="none" w="med" len="med"/>
@@ -6303,11 +4866,7 @@
         <p:nvGrpSpPr>
           <p:cNvPr id="46" name="Group 45"/>
           <p:cNvGrpSpPr/>
-          <p:nvPr>
-            <p:custDataLst>
-              <p:tags r:id="rId2"/>
-            </p:custDataLst>
-          </p:nvPr>
+          <p:nvPr/>
         </p:nvGrpSpPr>
         <p:grpSpPr>
           <a:xfrm>
@@ -6516,13 +5075,13 @@
                 <a:defRPr/>
               </a:pPr>
               <a:r>
-                <a:rPr lang="en-US" sz="2000" dirty="0">
+                <a:rPr lang="en-US" sz="2000" dirty="0" err="1">
                   <a:latin typeface="+mj-lt"/>
                 </a:rPr>
                 <a:t>R</a:t>
               </a:r>
               <a:r>
-                <a:rPr lang="en-US" sz="2000" dirty="0" smtClean="0">
+                <a:rPr lang="en-US" sz="2000" dirty="0" err="1" smtClean="0">
                   <a:latin typeface="+mj-lt"/>
                 </a:rPr>
                 <a:t>egs</a:t>
@@ -6599,13 +5158,13 @@
                 <a:defRPr/>
               </a:pPr>
               <a:r>
-                <a:rPr lang="en-US" sz="2000" dirty="0">
+                <a:rPr lang="en-US" sz="2000" dirty="0" err="1">
                   <a:latin typeface="+mj-lt"/>
                 </a:rPr>
                 <a:t>R</a:t>
               </a:r>
               <a:r>
-                <a:rPr lang="en-US" sz="2000" dirty="0" smtClean="0">
+                <a:rPr lang="en-US" sz="2000" dirty="0" err="1" smtClean="0">
                   <a:latin typeface="+mj-lt"/>
                 </a:rPr>
                 <a:t>egs</a:t>
@@ -7084,11 +5643,7 @@
         <p:nvGrpSpPr>
           <p:cNvPr id="47" name="Group 46"/>
           <p:cNvGrpSpPr/>
-          <p:nvPr>
-            <p:custDataLst>
-              <p:tags r:id="rId3"/>
-            </p:custDataLst>
-          </p:nvPr>
+          <p:nvPr/>
         </p:nvGrpSpPr>
         <p:grpSpPr>
           <a:xfrm>
@@ -7864,7 +6419,7 @@
       </p:sp>
       <p:sp>
         <p:nvSpPr>
-          <p:cNvPr id="44" name="PPTShape_0"/>
+          <p:cNvPr id="44" name="Rectangle 6"/>
           <p:cNvSpPr>
             <a:spLocks noChangeArrowheads="1"/>
           </p:cNvSpPr>
@@ -7929,7 +6484,7 @@
       </p:sp>
       <p:sp>
         <p:nvSpPr>
-          <p:cNvPr id="45" name="PPTShape_1"/>
+          <p:cNvPr id="45" name="Line 7"/>
           <p:cNvSpPr>
             <a:spLocks noChangeShapeType="1"/>
           </p:cNvSpPr>
@@ -8015,7 +6570,9 @@
             <a:srgbClr val="FFFF00"/>
           </a:solidFill>
           <a:ln w="9525" cap="flat" cmpd="sng" algn="ctr">
-            <a:noFill/>
+            <a:solidFill>
+              <a:schemeClr val="tx1"/>
+            </a:solidFill>
             <a:prstDash val="solid"/>
             <a:round/>
             <a:headEnd type="none" w="med" len="med"/>
@@ -11916,214 +10473,6 @@
       </p:sp>
       <p:sp>
         <p:nvSpPr>
-          <p:cNvPr id="20484" name="Rectangle 175"/>
-          <p:cNvSpPr>
-            <a:spLocks noChangeArrowheads="1"/>
-          </p:cNvSpPr>
-          <p:nvPr/>
-        </p:nvSpPr>
-        <p:spPr bwMode="auto">
-          <a:xfrm>
-            <a:off x="1873250" y="2130425"/>
-            <a:ext cx="6495368" cy="1939635"/>
-          </a:xfrm>
-          <a:prstGeom prst="rect">
-            <a:avLst/>
-          </a:prstGeom>
-          <a:noFill/>
-          <a:ln w="9525">
-            <a:noFill/>
-            <a:miter lim="800000"/>
-            <a:headEnd/>
-            <a:tailEnd/>
-          </a:ln>
-        </p:spPr>
-        <p:txBody>
-          <a:bodyPr wrap="square" lIns="92075" tIns="46038" rIns="92075" bIns="46038">
-            <a:spAutoFit/>
-          </a:bodyPr>
-          <a:lstStyle/>
-          <a:p>
-            <a:pPr>
-              <a:tabLst>
-                <a:tab pos="744538" algn="ctr"/>
-                <a:tab pos="1371600" algn="ctr"/>
-                <a:tab pos="1998663" algn="ctr"/>
-                <a:tab pos="2573338" algn="ctr"/>
-                <a:tab pos="3200400" algn="ctr"/>
-                <a:tab pos="3775075" algn="ctr"/>
-                <a:tab pos="4349750" algn="ctr"/>
-                <a:tab pos="4911725" algn="ctr"/>
-              </a:tabLst>
-            </a:pPr>
-            <a:r>
-              <a:rPr lang="en-US" sz="2000" dirty="0">
-                <a:solidFill>
-                  <a:schemeClr val="tx2"/>
-                </a:solidFill>
-                <a:latin typeface="Courier New" pitchFamily="49" charset="0"/>
-              </a:rPr>
-              <a:t>PG	PS	PW	PR</a:t>
-            </a:r>
-            <a:r>
-              <a:rPr lang="en-US" sz="2000" dirty="0">
-                <a:latin typeface="Courier New" pitchFamily="49" charset="0"/>
-              </a:rPr>
-              <a:t>	D	E</a:t>
-            </a:r>
-          </a:p>
-          <a:p>
-            <a:pPr>
-              <a:tabLst>
-                <a:tab pos="744538" algn="ctr"/>
-                <a:tab pos="1371600" algn="ctr"/>
-                <a:tab pos="1998663" algn="ctr"/>
-                <a:tab pos="2573338" algn="ctr"/>
-                <a:tab pos="3200400" algn="ctr"/>
-                <a:tab pos="3775075" algn="ctr"/>
-                <a:tab pos="4349750" algn="ctr"/>
-                <a:tab pos="4911725" algn="ctr"/>
-              </a:tabLst>
-            </a:pPr>
-            <a:r>
-              <a:rPr lang="en-US" sz="2000" dirty="0">
-                <a:solidFill>
-                  <a:srgbClr val="4D4D4D"/>
-                </a:solidFill>
-                <a:latin typeface="Courier New" pitchFamily="49" charset="0"/>
-              </a:rPr>
-              <a:t>	PG	PS	PW	PR	D</a:t>
-            </a:r>
-            <a:r>
-              <a:rPr lang="en-US" sz="2000">
-                <a:solidFill>
-                  <a:srgbClr val="4D4D4D"/>
-                </a:solidFill>
-                <a:latin typeface="Courier New" pitchFamily="49" charset="0"/>
-              </a:rPr>
-              <a:t>	</a:t>
-            </a:r>
-            <a:r>
-              <a:rPr lang="en-US" sz="2000" smtClean="0">
-                <a:solidFill>
-                  <a:srgbClr val="4D4D4D"/>
-                </a:solidFill>
-                <a:latin typeface="Courier New" pitchFamily="49" charset="0"/>
-              </a:rPr>
-              <a:t>E    </a:t>
-            </a:r>
-            <a:endParaRPr lang="en-US" sz="2000" dirty="0">
-              <a:solidFill>
-                <a:srgbClr val="4D4D4D"/>
-              </a:solidFill>
-              <a:latin typeface="Courier New" pitchFamily="49" charset="0"/>
-            </a:endParaRPr>
-          </a:p>
-          <a:p>
-            <a:pPr>
-              <a:tabLst>
-                <a:tab pos="744538" algn="ctr"/>
-                <a:tab pos="1371600" algn="ctr"/>
-                <a:tab pos="1998663" algn="ctr"/>
-                <a:tab pos="2573338" algn="ctr"/>
-                <a:tab pos="3200400" algn="ctr"/>
-                <a:tab pos="3775075" algn="ctr"/>
-                <a:tab pos="4349750" algn="ctr"/>
-                <a:tab pos="4911725" algn="ctr"/>
-              </a:tabLst>
-            </a:pPr>
-            <a:r>
-              <a:rPr lang="en-US" sz="2000" dirty="0">
-                <a:solidFill>
-                  <a:srgbClr val="4D4D4D"/>
-                </a:solidFill>
-                <a:latin typeface="Courier New" pitchFamily="49" charset="0"/>
-              </a:rPr>
-              <a:t>		PG	PS	PW	PR	D	E</a:t>
-            </a:r>
-          </a:p>
-          <a:p>
-            <a:pPr>
-              <a:tabLst>
-                <a:tab pos="744538" algn="ctr"/>
-                <a:tab pos="1371600" algn="ctr"/>
-                <a:tab pos="1998663" algn="ctr"/>
-                <a:tab pos="2573338" algn="ctr"/>
-                <a:tab pos="3200400" algn="ctr"/>
-                <a:tab pos="3775075" algn="ctr"/>
-                <a:tab pos="4349750" algn="ctr"/>
-                <a:tab pos="4911725" algn="ctr"/>
-              </a:tabLst>
-            </a:pPr>
-            <a:r>
-              <a:rPr lang="en-US" sz="2000" dirty="0">
-                <a:solidFill>
-                  <a:srgbClr val="4D4D4D"/>
-                </a:solidFill>
-                <a:latin typeface="Courier New" pitchFamily="49" charset="0"/>
-              </a:rPr>
-              <a:t>			PG	PS	PW	PR	D	</a:t>
-            </a:r>
-            <a:r>
-              <a:rPr lang="en-US" sz="2000" dirty="0" smtClean="0">
-                <a:solidFill>
-                  <a:srgbClr val="4D4D4D"/>
-                </a:solidFill>
-                <a:latin typeface="Courier New" pitchFamily="49" charset="0"/>
-              </a:rPr>
-              <a:t>E</a:t>
-            </a:r>
-          </a:p>
-          <a:p>
-            <a:pPr>
-              <a:tabLst>
-                <a:tab pos="744538" algn="ctr"/>
-                <a:tab pos="1371600" algn="ctr"/>
-                <a:tab pos="1998663" algn="ctr"/>
-                <a:tab pos="2573338" algn="ctr"/>
-                <a:tab pos="3200400" algn="ctr"/>
-                <a:tab pos="3775075" algn="ctr"/>
-                <a:tab pos="4349750" algn="ctr"/>
-                <a:tab pos="4911725" algn="ctr"/>
-              </a:tabLst>
-            </a:pPr>
-            <a:r>
-              <a:rPr lang="en-US" sz="2000" dirty="0" smtClean="0">
-                <a:solidFill>
-                  <a:srgbClr val="4D4D4D"/>
-                </a:solidFill>
-                <a:latin typeface="Courier New" pitchFamily="49" charset="0"/>
-              </a:rPr>
-              <a:t>      			PG	PS	PW	PR	D	E</a:t>
-            </a:r>
-          </a:p>
-          <a:p>
-            <a:pPr>
-              <a:tabLst>
-                <a:tab pos="744538" algn="ctr"/>
-                <a:tab pos="1371600" algn="ctr"/>
-                <a:tab pos="1998663" algn="ctr"/>
-                <a:tab pos="2573338" algn="ctr"/>
-                <a:tab pos="3200400" algn="ctr"/>
-                <a:tab pos="3775075" algn="ctr"/>
-                <a:tab pos="4349750" algn="ctr"/>
-                <a:tab pos="4911725" algn="ctr"/>
-              </a:tabLst>
-            </a:pPr>
-            <a:r>
-              <a:rPr lang="en-US" sz="2000" dirty="0" smtClean="0">
-                <a:solidFill>
-                  <a:srgbClr val="4D4D4D"/>
-                </a:solidFill>
-                <a:latin typeface="Courier New" pitchFamily="49" charset="0"/>
-              </a:rPr>
-              <a:t>		 			PG	PS	PW	PR	D   E</a:t>
-            </a:r>
-          </a:p>
-        </p:txBody>
-      </p:sp>
-      <p:sp>
-        <p:nvSpPr>
           <p:cNvPr id="20485" name="Rectangle 176"/>
           <p:cNvSpPr>
             <a:spLocks noChangeArrowheads="1"/>
@@ -12760,6 +11109,205 @@
           </a:p>
         </p:txBody>
       </p:sp>
+      <p:sp>
+        <p:nvSpPr>
+          <p:cNvPr id="22" name="Rectangle 175"/>
+          <p:cNvSpPr>
+            <a:spLocks noChangeArrowheads="1"/>
+          </p:cNvSpPr>
+          <p:nvPr/>
+        </p:nvSpPr>
+        <p:spPr bwMode="auto">
+          <a:xfrm>
+            <a:off x="1873250" y="2130425"/>
+            <a:ext cx="6495368" cy="1939635"/>
+          </a:xfrm>
+          <a:prstGeom prst="rect">
+            <a:avLst/>
+          </a:prstGeom>
+          <a:noFill/>
+          <a:ln w="9525">
+            <a:noFill/>
+            <a:miter lim="800000"/>
+            <a:headEnd/>
+            <a:tailEnd/>
+          </a:ln>
+        </p:spPr>
+        <p:txBody>
+          <a:bodyPr wrap="square" lIns="92075" tIns="46038" rIns="92075" bIns="46038">
+            <a:spAutoFit/>
+          </a:bodyPr>
+          <a:lstStyle/>
+          <a:p>
+            <a:pPr>
+              <a:tabLst>
+                <a:tab pos="744538" algn="ctr"/>
+                <a:tab pos="1371600" algn="ctr"/>
+                <a:tab pos="1998663" algn="ctr"/>
+                <a:tab pos="2573338" algn="ctr"/>
+                <a:tab pos="3200400" algn="ctr"/>
+                <a:tab pos="3775075" algn="ctr"/>
+                <a:tab pos="4349750" algn="ctr"/>
+                <a:tab pos="4911725" algn="ctr"/>
+              </a:tabLst>
+            </a:pPr>
+            <a:r>
+              <a:rPr lang="en-US" sz="2000" dirty="0">
+                <a:solidFill>
+                  <a:schemeClr val="tx2"/>
+                </a:solidFill>
+                <a:latin typeface="Courier New" pitchFamily="49" charset="0"/>
+              </a:rPr>
+              <a:t>PG	PS	PW	PR</a:t>
+            </a:r>
+            <a:r>
+              <a:rPr lang="en-US" sz="2000" dirty="0">
+                <a:latin typeface="Courier New" pitchFamily="49" charset="0"/>
+              </a:rPr>
+              <a:t>	D	E</a:t>
+            </a:r>
+          </a:p>
+          <a:p>
+            <a:pPr>
+              <a:tabLst>
+                <a:tab pos="744538" algn="ctr"/>
+                <a:tab pos="1371600" algn="ctr"/>
+                <a:tab pos="1998663" algn="ctr"/>
+                <a:tab pos="2573338" algn="ctr"/>
+                <a:tab pos="3200400" algn="ctr"/>
+                <a:tab pos="3775075" algn="ctr"/>
+                <a:tab pos="4349750" algn="ctr"/>
+                <a:tab pos="4911725" algn="ctr"/>
+              </a:tabLst>
+            </a:pPr>
+            <a:r>
+              <a:rPr lang="en-US" sz="2000" dirty="0">
+                <a:solidFill>
+                  <a:srgbClr val="4D4D4D"/>
+                </a:solidFill>
+                <a:latin typeface="Courier New" pitchFamily="49" charset="0"/>
+              </a:rPr>
+              <a:t>	PG	PS	PW	PR	D	</a:t>
+            </a:r>
+            <a:r>
+              <a:rPr lang="en-US" sz="2000" dirty="0" smtClean="0">
+                <a:solidFill>
+                  <a:srgbClr val="4D4D4D"/>
+                </a:solidFill>
+                <a:latin typeface="Courier New" pitchFamily="49" charset="0"/>
+              </a:rPr>
+              <a:t>E    </a:t>
+            </a:r>
+            <a:endParaRPr lang="en-US" sz="2000" dirty="0">
+              <a:solidFill>
+                <a:srgbClr val="4D4D4D"/>
+              </a:solidFill>
+              <a:latin typeface="Courier New" pitchFamily="49" charset="0"/>
+            </a:endParaRPr>
+          </a:p>
+          <a:p>
+            <a:pPr>
+              <a:tabLst>
+                <a:tab pos="744538" algn="ctr"/>
+                <a:tab pos="1371600" algn="ctr"/>
+                <a:tab pos="1998663" algn="ctr"/>
+                <a:tab pos="2573338" algn="ctr"/>
+                <a:tab pos="3200400" algn="ctr"/>
+                <a:tab pos="3775075" algn="ctr"/>
+                <a:tab pos="4349750" algn="ctr"/>
+                <a:tab pos="4911725" algn="ctr"/>
+              </a:tabLst>
+            </a:pPr>
+            <a:r>
+              <a:rPr lang="en-US" sz="2000" dirty="0">
+                <a:solidFill>
+                  <a:srgbClr val="4D4D4D"/>
+                </a:solidFill>
+                <a:latin typeface="Courier New" pitchFamily="49" charset="0"/>
+              </a:rPr>
+              <a:t>		PG	PS	PW	PR	D	E</a:t>
+            </a:r>
+          </a:p>
+          <a:p>
+            <a:pPr>
+              <a:tabLst>
+                <a:tab pos="744538" algn="ctr"/>
+                <a:tab pos="1371600" algn="ctr"/>
+                <a:tab pos="1998663" algn="ctr"/>
+                <a:tab pos="2573338" algn="ctr"/>
+                <a:tab pos="3200400" algn="ctr"/>
+                <a:tab pos="3775075" algn="ctr"/>
+                <a:tab pos="4349750" algn="ctr"/>
+                <a:tab pos="4911725" algn="ctr"/>
+              </a:tabLst>
+            </a:pPr>
+            <a:r>
+              <a:rPr lang="en-US" sz="2000" dirty="0">
+                <a:solidFill>
+                  <a:srgbClr val="4D4D4D"/>
+                </a:solidFill>
+                <a:latin typeface="Courier New" pitchFamily="49" charset="0"/>
+              </a:rPr>
+              <a:t>			PG	PS	PW	PR	D	</a:t>
+            </a:r>
+            <a:r>
+              <a:rPr lang="en-US" sz="2000" dirty="0" smtClean="0">
+                <a:solidFill>
+                  <a:srgbClr val="4D4D4D"/>
+                </a:solidFill>
+                <a:latin typeface="Courier New" pitchFamily="49" charset="0"/>
+              </a:rPr>
+              <a:t>E</a:t>
+            </a:r>
+          </a:p>
+          <a:p>
+            <a:pPr>
+              <a:tabLst>
+                <a:tab pos="744538" algn="ctr"/>
+                <a:tab pos="1371600" algn="ctr"/>
+                <a:tab pos="1998663" algn="ctr"/>
+                <a:tab pos="2573338" algn="ctr"/>
+                <a:tab pos="3200400" algn="ctr"/>
+                <a:tab pos="3775075" algn="ctr"/>
+                <a:tab pos="4349750" algn="ctr"/>
+                <a:tab pos="4911725" algn="ctr"/>
+              </a:tabLst>
+            </a:pPr>
+            <a:r>
+              <a:rPr lang="en-US" sz="2000" dirty="0" smtClean="0">
+                <a:solidFill>
+                  <a:srgbClr val="4D4D4D"/>
+                </a:solidFill>
+                <a:latin typeface="Courier New" pitchFamily="49" charset="0"/>
+              </a:rPr>
+              <a:t>      			PG	PS	PW	PR	D	E</a:t>
+            </a:r>
+          </a:p>
+          <a:p>
+            <a:pPr>
+              <a:tabLst>
+                <a:tab pos="744538" algn="ctr"/>
+                <a:tab pos="1371600" algn="ctr"/>
+                <a:tab pos="1998663" algn="ctr"/>
+                <a:tab pos="2573338" algn="ctr"/>
+                <a:tab pos="3200400" algn="ctr"/>
+                <a:tab pos="3775075" algn="ctr"/>
+                <a:tab pos="4349750" algn="ctr"/>
+                <a:tab pos="4911725" algn="ctr"/>
+              </a:tabLst>
+            </a:pPr>
+            <a:r>
+              <a:rPr lang="en-US" sz="2000" dirty="0" smtClean="0">
+                <a:solidFill>
+                  <a:srgbClr val="4D4D4D"/>
+                </a:solidFill>
+                <a:latin typeface="Courier New" pitchFamily="49" charset="0"/>
+              </a:rPr>
+              <a:t>		 			PG	PS	PW	PR	D   E</a:t>
+            </a:r>
+          </a:p>
+        </p:txBody>
+      </p:sp>
     </p:spTree>
     <p:custDataLst>
       <p:tags r:id="rId1"/>
@@ -12802,7 +11350,7 @@
                                           </p:stCondLst>
                                         </p:cTn>
                                         <p:tgtEl>
-                                          <p:spTgt spid="20484"/>
+                                          <p:spTgt spid="22"/>
                                         </p:tgtEl>
                                         <p:attrNameLst>
                                           <p:attrName>style.visibility</p:attrName>
@@ -12816,7 +11364,7 @@
                                       <p:cBhvr>
                                         <p:cTn id="7" dur="1000"/>
                                         <p:tgtEl>
-                                          <p:spTgt spid="20484"/>
+                                          <p:spTgt spid="22"/>
                                         </p:tgtEl>
                                       </p:cBhvr>
                                     </p:animEffect>
@@ -12896,8 +11444,8 @@
       </p:par>
     </p:tnLst>
     <p:bldLst>
-      <p:bldP spid="20484" grpId="0"/>
       <p:bldP spid="32962" grpId="0" autoUpdateAnimBg="0"/>
+      <p:bldP spid="22" grpId="0"/>
     </p:bldLst>
   </p:timing>
 </p:sld>
@@ -14702,7 +13250,7 @@
                             </p:stCondLst>
                             <p:childTnLst>
                               <p:par>
-                                <p:cTn id="5" presetID="22" presetClass="entr" presetSubtype="8" fill="hold" grpId="0" nodeType="clickEffect">
+                                <p:cTn id="5" presetID="10" presetClass="entr" presetSubtype="0" fill="hold" nodeType="clickEffect">
                                   <p:stCondLst>
                                     <p:cond delay="0"/>
                                   </p:stCondLst>
@@ -14715,7 +13263,7 @@
                                           </p:stCondLst>
                                         </p:cTn>
                                         <p:tgtEl>
-                                          <p:spTgt spid="23555"/>
+                                          <p:spTgt spid="23554"/>
                                         </p:tgtEl>
                                         <p:attrNameLst>
                                           <p:attrName>style.visibility</p:attrName>
@@ -14725,11 +13273,11 @@
                                         <p:strVal val="visible"/>
                                       </p:to>
                                     </p:set>
-                                    <p:animEffect transition="in" filter="wipe(left)">
+                                    <p:animEffect transition="in" filter="fade">
                                       <p:cBhvr>
-                                        <p:cTn id="7" dur="2000"/>
+                                        <p:cTn id="7" dur="1000"/>
                                         <p:tgtEl>
-                                          <p:spTgt spid="23555"/>
+                                          <p:spTgt spid="23554"/>
                                         </p:tgtEl>
                                       </p:cBhvr>
                                     </p:animEffect>
@@ -14755,7 +13303,7 @@
                             </p:stCondLst>
                             <p:childTnLst>
                               <p:par>
-                                <p:cTn id="10" presetID="10" presetClass="entr" presetSubtype="0" fill="hold" nodeType="clickEffect">
+                                <p:cTn id="10" presetID="1" presetClass="entr" presetSubtype="0" fill="hold" grpId="0" nodeType="clickEffect">
                                   <p:stCondLst>
                                     <p:cond delay="0"/>
                                   </p:stCondLst>
@@ -14763,59 +13311,6 @@
                                     <p:set>
                                       <p:cBhvr>
                                         <p:cTn id="11" dur="1" fill="hold">
-                                          <p:stCondLst>
-                                            <p:cond delay="0"/>
-                                          </p:stCondLst>
-                                        </p:cTn>
-                                        <p:tgtEl>
-                                          <p:spTgt spid="23554"/>
-                                        </p:tgtEl>
-                                        <p:attrNameLst>
-                                          <p:attrName>style.visibility</p:attrName>
-                                        </p:attrNameLst>
-                                      </p:cBhvr>
-                                      <p:to>
-                                        <p:strVal val="visible"/>
-                                      </p:to>
-                                    </p:set>
-                                    <p:animEffect transition="in" filter="fade">
-                                      <p:cBhvr>
-                                        <p:cTn id="12" dur="1000"/>
-                                        <p:tgtEl>
-                                          <p:spTgt spid="23554"/>
-                                        </p:tgtEl>
-                                      </p:cBhvr>
-                                    </p:animEffect>
-                                  </p:childTnLst>
-                                </p:cTn>
-                              </p:par>
-                            </p:childTnLst>
-                          </p:cTn>
-                        </p:par>
-                      </p:childTnLst>
-                    </p:cTn>
-                  </p:par>
-                  <p:par>
-                    <p:cTn id="13" fill="hold">
-                      <p:stCondLst>
-                        <p:cond delay="indefinite"/>
-                      </p:stCondLst>
-                      <p:childTnLst>
-                        <p:par>
-                          <p:cTn id="14" fill="hold">
-                            <p:stCondLst>
-                              <p:cond delay="0"/>
-                            </p:stCondLst>
-                            <p:childTnLst>
-                              <p:par>
-                                <p:cTn id="15" presetID="1" presetClass="entr" presetSubtype="0" fill="hold" grpId="0" nodeType="clickEffect">
-                                  <p:stCondLst>
-                                    <p:cond delay="0"/>
-                                  </p:stCondLst>
-                                  <p:childTnLst>
-                                    <p:set>
-                                      <p:cBhvr>
-                                        <p:cTn id="16" dur="1" fill="hold">
                                           <p:stCondLst>
                                             <p:cond delay="499"/>
                                           </p:stCondLst>
@@ -14862,7 +13357,6 @@
       </p:par>
     </p:tnLst>
     <p:bldLst>
-      <p:bldP spid="23555" grpId="0"/>
       <p:bldP spid="39081" grpId="0" autoUpdateAnimBg="0"/>
     </p:bldLst>
   </p:timing>
@@ -15601,14 +14095,14 @@
                         </a:spcAft>
                       </a:pPr>
                       <a:r>
-                        <a:rPr lang="en-US" sz="1800">
+                        <a:rPr lang="en-US" sz="1800" dirty="0">
                           <a:latin typeface="Calibri"/>
                           <a:ea typeface="Calibri"/>
                           <a:cs typeface="Times New Roman"/>
                         </a:rPr>
                         <a:t>Single Cycle</a:t>
                       </a:r>
-                      <a:endParaRPr lang="en-US" sz="900">
+                      <a:endParaRPr lang="en-US" sz="900" dirty="0">
                         <a:latin typeface="Calibri"/>
                         <a:ea typeface="Calibri"/>
                         <a:cs typeface="Times New Roman"/>
@@ -15652,6 +14146,9 @@
                       <a:headEnd type="none" w="med" len="med"/>
                       <a:tailEnd type="none" w="med" len="med"/>
                     </a:lnB>
+                    <a:solidFill>
+                      <a:schemeClr val="bg1"/>
+                    </a:solidFill>
                   </a:tcPr>
                 </a:tc>
                 <a:tc>
@@ -15738,6 +14235,9 @@
                       <a:headEnd type="none" w="med" len="med"/>
                       <a:tailEnd type="none" w="med" len="med"/>
                     </a:lnB>
+                    <a:solidFill>
+                      <a:schemeClr val="bg1"/>
+                    </a:solidFill>
                   </a:tcPr>
                 </a:tc>
                 <a:tc>
@@ -15808,6 +14308,9 @@
                       <a:headEnd type="none" w="med" len="med"/>
                       <a:tailEnd type="none" w="med" len="med"/>
                     </a:lnB>
+                    <a:solidFill>
+                      <a:schemeClr val="bg1"/>
+                    </a:solidFill>
                   </a:tcPr>
                 </a:tc>
               </a:tr>
@@ -15912,6 +14415,9 @@
                       <a:headEnd type="none" w="med" len="med"/>
                       <a:tailEnd type="none" w="med" len="med"/>
                     </a:lnB>
+                    <a:solidFill>
+                      <a:schemeClr val="bg1"/>
+                    </a:solidFill>
                   </a:tcPr>
                 </a:tc>
                 <a:tc>
@@ -15982,6 +14488,9 @@
                       <a:headEnd type="none" w="med" len="med"/>
                       <a:tailEnd type="none" w="med" len="med"/>
                     </a:lnB>
+                    <a:solidFill>
+                      <a:schemeClr val="bg1"/>
+                    </a:solidFill>
                   </a:tcPr>
                 </a:tc>
                 <a:tc>
@@ -16052,6 +14561,9 @@
                       <a:headEnd type="none" w="med" len="med"/>
                       <a:tailEnd type="none" w="med" len="med"/>
                     </a:lnB>
+                    <a:solidFill>
+                      <a:schemeClr val="bg1"/>
+                    </a:solidFill>
                   </a:tcPr>
                 </a:tc>
               </a:tr>
@@ -16073,14 +14585,14 @@
                         </a:spcAft>
                       </a:pPr>
                       <a:r>
-                        <a:rPr lang="en-US" sz="1800">
+                        <a:rPr lang="en-US" sz="1800" dirty="0">
                           <a:latin typeface="Calibri"/>
                           <a:ea typeface="Calibri"/>
                           <a:cs typeface="Times New Roman"/>
                         </a:rPr>
                         <a:t>Legacy floating point multiplication</a:t>
                       </a:r>
-                      <a:endParaRPr lang="en-US" sz="900">
+                      <a:endParaRPr lang="en-US" sz="900" dirty="0">
                         <a:latin typeface="Calibri"/>
                         <a:ea typeface="Calibri"/>
                         <a:cs typeface="Times New Roman"/>
@@ -16124,6 +14636,9 @@
                       <a:headEnd type="none" w="med" len="med"/>
                       <a:tailEnd type="none" w="med" len="med"/>
                     </a:lnB>
+                    <a:solidFill>
+                      <a:schemeClr val="bg1"/>
+                    </a:solidFill>
                   </a:tcPr>
                 </a:tc>
                 <a:tc>
@@ -16143,14 +14658,14 @@
                         </a:spcAft>
                       </a:pPr>
                       <a:r>
-                        <a:rPr lang="en-US" sz="1800">
+                        <a:rPr lang="en-US" sz="1800" dirty="0">
                           <a:latin typeface="Calibri"/>
                           <a:ea typeface="Calibri"/>
                           <a:cs typeface="Times New Roman"/>
                         </a:rPr>
                         <a:t>MPYSP</a:t>
                       </a:r>
-                      <a:endParaRPr lang="en-US" sz="900">
+                      <a:endParaRPr lang="en-US" sz="900" dirty="0">
                         <a:latin typeface="Calibri"/>
                         <a:ea typeface="Calibri"/>
                         <a:cs typeface="Times New Roman"/>
@@ -16194,6 +14709,9 @@
                       <a:headEnd type="none" w="med" len="med"/>
                       <a:tailEnd type="none" w="med" len="med"/>
                     </a:lnB>
+                    <a:solidFill>
+                      <a:schemeClr val="bg1"/>
+                    </a:solidFill>
                   </a:tcPr>
                 </a:tc>
                 <a:tc>
@@ -16264,6 +14782,9 @@
                       <a:headEnd type="none" w="med" len="med"/>
                       <a:tailEnd type="none" w="med" len="med"/>
                     </a:lnB>
+                    <a:solidFill>
+                      <a:schemeClr val="bg1"/>
+                    </a:solidFill>
                   </a:tcPr>
                 </a:tc>
               </a:tr>
@@ -16336,6 +14857,9 @@
                       <a:headEnd type="none" w="med" len="med"/>
                       <a:tailEnd type="none" w="med" len="med"/>
                     </a:lnB>
+                    <a:solidFill>
+                      <a:schemeClr val="bg1"/>
+                    </a:solidFill>
                   </a:tcPr>
                 </a:tc>
                 <a:tc>
@@ -16355,14 +14879,14 @@
                         </a:spcAft>
                       </a:pPr>
                       <a:r>
-                        <a:rPr lang="en-US" sz="1800">
+                        <a:rPr lang="en-US" sz="1800" dirty="0">
                           <a:latin typeface="Calibri"/>
                           <a:ea typeface="Calibri"/>
                           <a:cs typeface="Times New Roman"/>
                         </a:rPr>
                         <a:t>LDW </a:t>
                       </a:r>
-                      <a:endParaRPr lang="en-US" sz="900">
+                      <a:endParaRPr lang="en-US" sz="900" dirty="0">
                         <a:latin typeface="Calibri"/>
                         <a:ea typeface="Calibri"/>
                         <a:cs typeface="Times New Roman"/>
@@ -16406,6 +14930,9 @@
                       <a:headEnd type="none" w="med" len="med"/>
                       <a:tailEnd type="none" w="med" len="med"/>
                     </a:lnB>
+                    <a:solidFill>
+                      <a:schemeClr val="bg1"/>
+                    </a:solidFill>
                   </a:tcPr>
                 </a:tc>
                 <a:tc>
@@ -16476,6 +15003,9 @@
                       <a:headEnd type="none" w="med" len="med"/>
                       <a:tailEnd type="none" w="med" len="med"/>
                     </a:lnB>
+                    <a:solidFill>
+                      <a:schemeClr val="bg1"/>
+                    </a:solidFill>
                   </a:tcPr>
                 </a:tc>
               </a:tr>
@@ -16548,6 +15078,9 @@
                       <a:headEnd type="none" w="med" len="med"/>
                       <a:tailEnd type="none" w="med" len="med"/>
                     </a:lnB>
+                    <a:solidFill>
+                      <a:schemeClr val="bg1"/>
+                    </a:solidFill>
                   </a:tcPr>
                 </a:tc>
                 <a:tc>
@@ -16618,6 +15151,9 @@
                       <a:headEnd type="none" w="med" len="med"/>
                       <a:tailEnd type="none" w="med" len="med"/>
                     </a:lnB>
+                    <a:solidFill>
+                      <a:schemeClr val="bg1"/>
+                    </a:solidFill>
                   </a:tcPr>
                 </a:tc>
                 <a:tc>
@@ -16688,6 +15224,9 @@
                       <a:headEnd type="none" w="med" len="med"/>
                       <a:tailEnd type="none" w="med" len="med"/>
                     </a:lnB>
+                    <a:solidFill>
+                      <a:schemeClr val="bg1"/>
+                    </a:solidFill>
                   </a:tcPr>
                 </a:tc>
               </a:tr>
@@ -16741,416 +15280,9 @@
   <p:timing>
     <p:tnLst>
       <p:par>
-        <p:cTn id="1" dur="indefinite" restart="never" nodeType="tmRoot">
-          <p:childTnLst>
-            <p:seq concurrent="1" nextAc="seek">
-              <p:cTn id="2" dur="indefinite" nodeType="mainSeq">
-                <p:childTnLst>
-                  <p:par>
-                    <p:cTn id="3" fill="hold">
-                      <p:stCondLst>
-                        <p:cond delay="indefinite"/>
-                      </p:stCondLst>
-                      <p:childTnLst>
-                        <p:par>
-                          <p:cTn id="4" fill="hold">
-                            <p:stCondLst>
-                              <p:cond delay="0"/>
-                            </p:stCondLst>
-                            <p:childTnLst>
-                              <p:par>
-                                <p:cTn id="5" presetID="10" presetClass="entr" presetSubtype="0" fill="hold" grpId="0" nodeType="clickEffect">
-                                  <p:stCondLst>
-                                    <p:cond delay="0"/>
-                                  </p:stCondLst>
-                                  <p:childTnLst>
-                                    <p:set>
-                                      <p:cBhvr>
-                                        <p:cTn id="6" dur="1" fill="hold">
-                                          <p:stCondLst>
-                                            <p:cond delay="0"/>
-                                          </p:stCondLst>
-                                        </p:cTn>
-                                        <p:tgtEl>
-                                          <p:spTgt spid="6"/>
-                                        </p:tgtEl>
-                                        <p:attrNameLst>
-                                          <p:attrName>style.visibility</p:attrName>
-                                        </p:attrNameLst>
-                                      </p:cBhvr>
-                                      <p:to>
-                                        <p:strVal val="visible"/>
-                                      </p:to>
-                                    </p:set>
-                                    <p:animEffect transition="in" filter="fade">
-                                      <p:cBhvr>
-                                        <p:cTn id="7" dur="1000"/>
-                                        <p:tgtEl>
-                                          <p:spTgt spid="6"/>
-                                        </p:tgtEl>
-                                      </p:cBhvr>
-                                    </p:animEffect>
-                                  </p:childTnLst>
-                                </p:cTn>
-                              </p:par>
-                            </p:childTnLst>
-                          </p:cTn>
-                        </p:par>
-                      </p:childTnLst>
-                    </p:cTn>
-                  </p:par>
-                  <p:par>
-                    <p:cTn id="8" fill="hold">
-                      <p:stCondLst>
-                        <p:cond delay="indefinite"/>
-                      </p:stCondLst>
-                      <p:childTnLst>
-                        <p:par>
-                          <p:cTn id="9" fill="hold">
-                            <p:stCondLst>
-                              <p:cond delay="0"/>
-                            </p:stCondLst>
-                            <p:childTnLst>
-                              <p:par>
-                                <p:cTn id="10" presetID="1" presetClass="exit" presetSubtype="0" fill="hold" grpId="1" nodeType="clickEffect">
-                                  <p:stCondLst>
-                                    <p:cond delay="0"/>
-                                  </p:stCondLst>
-                                  <p:childTnLst>
-                                    <p:set>
-                                      <p:cBhvr>
-                                        <p:cTn id="11" dur="1" fill="hold">
-                                          <p:stCondLst>
-                                            <p:cond delay="0"/>
-                                          </p:stCondLst>
-                                        </p:cTn>
-                                        <p:tgtEl>
-                                          <p:spTgt spid="6"/>
-                                        </p:tgtEl>
-                                        <p:attrNameLst>
-                                          <p:attrName>style.visibility</p:attrName>
-                                        </p:attrNameLst>
-                                      </p:cBhvr>
-                                      <p:to>
-                                        <p:strVal val="hidden"/>
-                                      </p:to>
-                                    </p:set>
-                                  </p:childTnLst>
-                                </p:cTn>
-                              </p:par>
-                              <p:par>
-                                <p:cTn id="12" presetID="10" presetClass="entr" presetSubtype="0" fill="hold" grpId="0" nodeType="withEffect">
-                                  <p:stCondLst>
-                                    <p:cond delay="0"/>
-                                  </p:stCondLst>
-                                  <p:childTnLst>
-                                    <p:set>
-                                      <p:cBhvr>
-                                        <p:cTn id="13" dur="1" fill="hold">
-                                          <p:stCondLst>
-                                            <p:cond delay="0"/>
-                                          </p:stCondLst>
-                                        </p:cTn>
-                                        <p:tgtEl>
-                                          <p:spTgt spid="7"/>
-                                        </p:tgtEl>
-                                        <p:attrNameLst>
-                                          <p:attrName>style.visibility</p:attrName>
-                                        </p:attrNameLst>
-                                      </p:cBhvr>
-                                      <p:to>
-                                        <p:strVal val="visible"/>
-                                      </p:to>
-                                    </p:set>
-                                    <p:animEffect transition="in" filter="fade">
-                                      <p:cBhvr>
-                                        <p:cTn id="14" dur="1000"/>
-                                        <p:tgtEl>
-                                          <p:spTgt spid="7"/>
-                                        </p:tgtEl>
-                                      </p:cBhvr>
-                                    </p:animEffect>
-                                  </p:childTnLst>
-                                </p:cTn>
-                              </p:par>
-                            </p:childTnLst>
-                          </p:cTn>
-                        </p:par>
-                      </p:childTnLst>
-                    </p:cTn>
-                  </p:par>
-                  <p:par>
-                    <p:cTn id="15" fill="hold">
-                      <p:stCondLst>
-                        <p:cond delay="indefinite"/>
-                      </p:stCondLst>
-                      <p:childTnLst>
-                        <p:par>
-                          <p:cTn id="16" fill="hold">
-                            <p:stCondLst>
-                              <p:cond delay="0"/>
-                            </p:stCondLst>
-                            <p:childTnLst>
-                              <p:par>
-                                <p:cTn id="17" presetID="1" presetClass="exit" presetSubtype="0" fill="hold" grpId="1" nodeType="clickEffect">
-                                  <p:stCondLst>
-                                    <p:cond delay="0"/>
-                                  </p:stCondLst>
-                                  <p:childTnLst>
-                                    <p:set>
-                                      <p:cBhvr>
-                                        <p:cTn id="18" dur="1" fill="hold">
-                                          <p:stCondLst>
-                                            <p:cond delay="0"/>
-                                          </p:stCondLst>
-                                        </p:cTn>
-                                        <p:tgtEl>
-                                          <p:spTgt spid="7"/>
-                                        </p:tgtEl>
-                                        <p:attrNameLst>
-                                          <p:attrName>style.visibility</p:attrName>
-                                        </p:attrNameLst>
-                                      </p:cBhvr>
-                                      <p:to>
-                                        <p:strVal val="hidden"/>
-                                      </p:to>
-                                    </p:set>
-                                  </p:childTnLst>
-                                </p:cTn>
-                              </p:par>
-                              <p:par>
-                                <p:cTn id="19" presetID="10" presetClass="entr" presetSubtype="0" fill="hold" grpId="0" nodeType="withEffect">
-                                  <p:stCondLst>
-                                    <p:cond delay="0"/>
-                                  </p:stCondLst>
-                                  <p:childTnLst>
-                                    <p:set>
-                                      <p:cBhvr>
-                                        <p:cTn id="20" dur="1" fill="hold">
-                                          <p:stCondLst>
-                                            <p:cond delay="0"/>
-                                          </p:stCondLst>
-                                        </p:cTn>
-                                        <p:tgtEl>
-                                          <p:spTgt spid="8"/>
-                                        </p:tgtEl>
-                                        <p:attrNameLst>
-                                          <p:attrName>style.visibility</p:attrName>
-                                        </p:attrNameLst>
-                                      </p:cBhvr>
-                                      <p:to>
-                                        <p:strVal val="visible"/>
-                                      </p:to>
-                                    </p:set>
-                                    <p:animEffect transition="in" filter="fade">
-                                      <p:cBhvr>
-                                        <p:cTn id="21" dur="1000"/>
-                                        <p:tgtEl>
-                                          <p:spTgt spid="8"/>
-                                        </p:tgtEl>
-                                      </p:cBhvr>
-                                    </p:animEffect>
-                                  </p:childTnLst>
-                                </p:cTn>
-                              </p:par>
-                            </p:childTnLst>
-                          </p:cTn>
-                        </p:par>
-                      </p:childTnLst>
-                    </p:cTn>
-                  </p:par>
-                  <p:par>
-                    <p:cTn id="22" fill="hold">
-                      <p:stCondLst>
-                        <p:cond delay="indefinite"/>
-                      </p:stCondLst>
-                      <p:childTnLst>
-                        <p:par>
-                          <p:cTn id="23" fill="hold">
-                            <p:stCondLst>
-                              <p:cond delay="0"/>
-                            </p:stCondLst>
-                            <p:childTnLst>
-                              <p:par>
-                                <p:cTn id="24" presetID="1" presetClass="exit" presetSubtype="0" fill="hold" grpId="1" nodeType="clickEffect">
-                                  <p:stCondLst>
-                                    <p:cond delay="0"/>
-                                  </p:stCondLst>
-                                  <p:childTnLst>
-                                    <p:set>
-                                      <p:cBhvr>
-                                        <p:cTn id="25" dur="1" fill="hold">
-                                          <p:stCondLst>
-                                            <p:cond delay="0"/>
-                                          </p:stCondLst>
-                                        </p:cTn>
-                                        <p:tgtEl>
-                                          <p:spTgt spid="8"/>
-                                        </p:tgtEl>
-                                        <p:attrNameLst>
-                                          <p:attrName>style.visibility</p:attrName>
-                                        </p:attrNameLst>
-                                      </p:cBhvr>
-                                      <p:to>
-                                        <p:strVal val="hidden"/>
-                                      </p:to>
-                                    </p:set>
-                                  </p:childTnLst>
-                                </p:cTn>
-                              </p:par>
-                              <p:par>
-                                <p:cTn id="26" presetID="10" presetClass="entr" presetSubtype="0" fill="hold" grpId="0" nodeType="withEffect">
-                                  <p:stCondLst>
-                                    <p:cond delay="0"/>
-                                  </p:stCondLst>
-                                  <p:childTnLst>
-                                    <p:set>
-                                      <p:cBhvr>
-                                        <p:cTn id="27" dur="1" fill="hold">
-                                          <p:stCondLst>
-                                            <p:cond delay="0"/>
-                                          </p:stCondLst>
-                                        </p:cTn>
-                                        <p:tgtEl>
-                                          <p:spTgt spid="9"/>
-                                        </p:tgtEl>
-                                        <p:attrNameLst>
-                                          <p:attrName>style.visibility</p:attrName>
-                                        </p:attrNameLst>
-                                      </p:cBhvr>
-                                      <p:to>
-                                        <p:strVal val="visible"/>
-                                      </p:to>
-                                    </p:set>
-                                    <p:animEffect transition="in" filter="fade">
-                                      <p:cBhvr>
-                                        <p:cTn id="28" dur="1000"/>
-                                        <p:tgtEl>
-                                          <p:spTgt spid="9"/>
-                                        </p:tgtEl>
-                                      </p:cBhvr>
-                                    </p:animEffect>
-                                  </p:childTnLst>
-                                </p:cTn>
-                              </p:par>
-                            </p:childTnLst>
-                          </p:cTn>
-                        </p:par>
-                      </p:childTnLst>
-                    </p:cTn>
-                  </p:par>
-                  <p:par>
-                    <p:cTn id="29" fill="hold">
-                      <p:stCondLst>
-                        <p:cond delay="indefinite"/>
-                      </p:stCondLst>
-                      <p:childTnLst>
-                        <p:par>
-                          <p:cTn id="30" fill="hold">
-                            <p:stCondLst>
-                              <p:cond delay="0"/>
-                            </p:stCondLst>
-                            <p:childTnLst>
-                              <p:par>
-                                <p:cTn id="31" presetID="1" presetClass="exit" presetSubtype="0" fill="hold" grpId="1" nodeType="clickEffect">
-                                  <p:stCondLst>
-                                    <p:cond delay="0"/>
-                                  </p:stCondLst>
-                                  <p:childTnLst>
-                                    <p:set>
-                                      <p:cBhvr>
-                                        <p:cTn id="32" dur="1" fill="hold">
-                                          <p:stCondLst>
-                                            <p:cond delay="0"/>
-                                          </p:stCondLst>
-                                        </p:cTn>
-                                        <p:tgtEl>
-                                          <p:spTgt spid="9"/>
-                                        </p:tgtEl>
-                                        <p:attrNameLst>
-                                          <p:attrName>style.visibility</p:attrName>
-                                        </p:attrNameLst>
-                                      </p:cBhvr>
-                                      <p:to>
-                                        <p:strVal val="hidden"/>
-                                      </p:to>
-                                    </p:set>
-                                  </p:childTnLst>
-                                </p:cTn>
-                              </p:par>
-                              <p:par>
-                                <p:cTn id="33" presetID="10" presetClass="entr" presetSubtype="0" fill="hold" grpId="0" nodeType="withEffect">
-                                  <p:stCondLst>
-                                    <p:cond delay="0"/>
-                                  </p:stCondLst>
-                                  <p:childTnLst>
-                                    <p:set>
-                                      <p:cBhvr>
-                                        <p:cTn id="34" dur="1" fill="hold">
-                                          <p:stCondLst>
-                                            <p:cond delay="0"/>
-                                          </p:stCondLst>
-                                        </p:cTn>
-                                        <p:tgtEl>
-                                          <p:spTgt spid="10"/>
-                                        </p:tgtEl>
-                                        <p:attrNameLst>
-                                          <p:attrName>style.visibility</p:attrName>
-                                        </p:attrNameLst>
-                                      </p:cBhvr>
-                                      <p:to>
-                                        <p:strVal val="visible"/>
-                                      </p:to>
-                                    </p:set>
-                                    <p:animEffect transition="in" filter="fade">
-                                      <p:cBhvr>
-                                        <p:cTn id="35" dur="1000"/>
-                                        <p:tgtEl>
-                                          <p:spTgt spid="10"/>
-                                        </p:tgtEl>
-                                      </p:cBhvr>
-                                    </p:animEffect>
-                                  </p:childTnLst>
-                                </p:cTn>
-                              </p:par>
-                            </p:childTnLst>
-                          </p:cTn>
-                        </p:par>
-                      </p:childTnLst>
-                    </p:cTn>
-                  </p:par>
-                </p:childTnLst>
-              </p:cTn>
-              <p:prevCondLst>
-                <p:cond evt="onPrev" delay="0">
-                  <p:tgtEl>
-                    <p:sldTgt/>
-                  </p:tgtEl>
-                </p:cond>
-              </p:prevCondLst>
-              <p:nextCondLst>
-                <p:cond evt="onNext" delay="0">
-                  <p:tgtEl>
-                    <p:sldTgt/>
-                  </p:tgtEl>
-                </p:cond>
-              </p:nextCondLst>
-            </p:seq>
-          </p:childTnLst>
-        </p:cTn>
+        <p:cTn id="1" dur="indefinite" restart="never" nodeType="tmRoot"/>
       </p:par>
     </p:tnLst>
-    <p:bldLst>
-      <p:bldP spid="6" grpId="0" animBg="1"/>
-      <p:bldP spid="6" grpId="1" animBg="1"/>
-      <p:bldP spid="7" grpId="0" animBg="1"/>
-      <p:bldP spid="7" grpId="1" animBg="1"/>
-      <p:bldP spid="8" grpId="0" animBg="1"/>
-      <p:bldP spid="8" grpId="1" animBg="1"/>
-      <p:bldP spid="9" grpId="0" animBg="1"/>
-      <p:bldP spid="9" grpId="1" animBg="1"/>
-      <p:bldP spid="10" grpId="0" animBg="1"/>
-    </p:bldLst>
   </p:timing>
 </p:sld>
 </file>
@@ -17457,7 +15589,7 @@
       </p:sp>
       <p:sp>
         <p:nvSpPr>
-          <p:cNvPr id="5" name="PPTShape_0"/>
+          <p:cNvPr id="5" name="Rectangle 2"/>
           <p:cNvSpPr txBox="1">
             <a:spLocks noChangeArrowheads="1"/>
           </p:cNvSpPr>
@@ -17485,40 +15617,10 @@
               <a:defRPr/>
             </a:pPr>
             <a:r>
-              <a:rPr lang="en-US" sz="2400" dirty="0" smtClean="0">
-                <a:latin typeface="+mj-lt"/>
-              </a:rPr>
-              <a:t>Dot product; </a:t>
+              <a:rPr lang="en-US" sz="2400" dirty="0" smtClean="0"/>
+              <a:t>Dot product; A typical DSP MAC operation.</a:t>
             </a:r>
-            <a:r>
-              <a:rPr lang="en-US" sz="2400" dirty="0" smtClean="0">
-                <a:latin typeface="+mj-lt"/>
-                <a:ea typeface="+mj-ea"/>
-                <a:cs typeface="+mj-cs"/>
-              </a:rPr>
-              <a:t>A </a:t>
-            </a:r>
-            <a:r>
-              <a:rPr lang="en-US" sz="2400" dirty="0">
-                <a:latin typeface="+mj-lt"/>
-                <a:ea typeface="+mj-ea"/>
-                <a:cs typeface="+mj-cs"/>
-              </a:rPr>
-              <a:t>typical DSP MAC </a:t>
-            </a:r>
-            <a:r>
-              <a:rPr lang="en-US" sz="2400" dirty="0" smtClean="0">
-                <a:latin typeface="+mj-lt"/>
-                <a:ea typeface="+mj-ea"/>
-                <a:cs typeface="+mj-cs"/>
-              </a:rPr>
-              <a:t>operation.</a:t>
-            </a:r>
-            <a:endParaRPr lang="en-US" sz="2400" dirty="0">
-              <a:latin typeface="+mj-lt"/>
-              <a:ea typeface="+mj-ea"/>
-              <a:cs typeface="+mj-cs"/>
-            </a:endParaRPr>
+            <a:endParaRPr lang="en-US" sz="2400" dirty="0"/>
           </a:p>
         </p:txBody>
       </p:sp>
@@ -17766,40 +15868,64 @@
           <a:lstStyle/>
           <a:p>
             <a:r>
-              <a:rPr lang="en-US" sz="2800" dirty="0" smtClean="0">
+              <a:rPr lang="en-US" sz="2800" dirty="0">
                 <a:latin typeface="Calibri" pitchFamily="34" charset="0"/>
               </a:rPr>
               <a:t>How many cycles would</a:t>
             </a:r>
             <a:br>
-              <a:rPr lang="en-US" sz="2800" dirty="0" smtClean="0">
+              <a:rPr lang="en-US" sz="2800" dirty="0">
                 <a:latin typeface="Calibri" pitchFamily="34" charset="0"/>
               </a:rPr>
             </a:br>
             <a:r>
-              <a:rPr lang="en-US" sz="2800" dirty="0" smtClean="0">
+              <a:rPr lang="en-US" sz="2800" dirty="0">
                 <a:latin typeface="Calibri" pitchFamily="34" charset="0"/>
               </a:rPr>
               <a:t>it take to perform this</a:t>
             </a:r>
             <a:br>
-              <a:rPr lang="en-US" sz="2800" dirty="0" smtClean="0">
+              <a:rPr lang="en-US" sz="2800" dirty="0">
                 <a:latin typeface="Calibri" pitchFamily="34" charset="0"/>
               </a:rPr>
             </a:br>
             <a:r>
+              <a:rPr lang="en-US" sz="2800" dirty="0">
+                <a:latin typeface="Calibri" pitchFamily="34" charset="0"/>
+              </a:rPr>
+              <a:t>loop </a:t>
+            </a:r>
+            <a:r>
               <a:rPr lang="en-US" sz="2800" dirty="0" smtClean="0">
                 <a:latin typeface="Calibri" pitchFamily="34" charset="0"/>
               </a:rPr>
-              <a:t>loop five times?</a:t>
+              <a:t>five </a:t>
+            </a:r>
+            <a:r>
+              <a:rPr lang="en-US" sz="2800" dirty="0">
+                <a:latin typeface="Calibri" pitchFamily="34" charset="0"/>
+              </a:rPr>
+              <a:t>times?</a:t>
             </a:r>
           </a:p>
           <a:p>
             <a:r>
+              <a:rPr lang="en-US" sz="2800" dirty="0">
+                <a:latin typeface="Calibri" pitchFamily="34" charset="0"/>
+              </a:rPr>
+              <a:t>(Disregard </a:t>
+            </a:r>
+            <a:r>
               <a:rPr lang="en-US" sz="2800" dirty="0" smtClean="0">
                 <a:latin typeface="Calibri" pitchFamily="34" charset="0"/>
               </a:rPr>
-              <a:t>(Disregard delay slots).</a:t>
+              <a:t>delay slots</a:t>
+            </a:r>
+            <a:r>
+              <a:rPr lang="en-US" sz="2800" dirty="0">
+                <a:latin typeface="Calibri" pitchFamily="34" charset="0"/>
+              </a:rPr>
+              <a:t>).</a:t>
             </a:r>
           </a:p>
           <a:p>
@@ -17819,7 +15945,7 @@
       </p:sp>
       <p:sp>
         <p:nvSpPr>
-          <p:cNvPr id="5" name="PPTShape_0"/>
+          <p:cNvPr id="5" name="Rectangle 2"/>
           <p:cNvSpPr txBox="1">
             <a:spLocks noChangeArrowheads="1"/>
           </p:cNvSpPr>
@@ -17847,14 +15973,10 @@
               <a:defRPr/>
             </a:pPr>
             <a:r>
-              <a:rPr lang="en-US" sz="2400" dirty="0" smtClean="0">
-                <a:latin typeface="+mj-lt"/>
-              </a:rPr>
+              <a:rPr lang="en-US" sz="2400" dirty="0" smtClean="0"/>
               <a:t>Dot product; A typical DSP MAC operation.</a:t>
             </a:r>
-            <a:endParaRPr lang="en-US" sz="2400" dirty="0">
-              <a:latin typeface="+mj-lt"/>
-            </a:endParaRPr>
+            <a:endParaRPr lang="en-US" sz="2400" dirty="0"/>
           </a:p>
         </p:txBody>
       </p:sp>
@@ -17923,11 +16045,7 @@
           <p:cNvGrpSpPr>
             <a:grpSpLocks/>
           </p:cNvGrpSpPr>
-          <p:nvPr>
-            <p:custDataLst>
-              <p:tags r:id="rId2"/>
-            </p:custDataLst>
-          </p:nvPr>
+          <p:nvPr/>
         </p:nvGrpSpPr>
         <p:grpSpPr bwMode="auto">
           <a:xfrm>
@@ -18264,11 +16382,7 @@
           <p:cNvGrpSpPr>
             <a:grpSpLocks/>
           </p:cNvGrpSpPr>
-          <p:nvPr>
-            <p:custDataLst>
-              <p:tags r:id="rId3"/>
-            </p:custDataLst>
-          </p:nvPr>
+          <p:nvPr/>
         </p:nvGrpSpPr>
         <p:grpSpPr bwMode="auto">
           <a:xfrm>
@@ -18484,11 +16598,7 @@
           <p:cNvGrpSpPr>
             <a:grpSpLocks/>
           </p:cNvGrpSpPr>
-          <p:nvPr>
-            <p:custDataLst>
-              <p:tags r:id="rId4"/>
-            </p:custDataLst>
-          </p:nvPr>
+          <p:nvPr/>
         </p:nvGrpSpPr>
         <p:grpSpPr bwMode="auto">
           <a:xfrm>
@@ -19011,11 +17121,7 @@
           <p:cNvGrpSpPr>
             <a:grpSpLocks/>
           </p:cNvGrpSpPr>
-          <p:nvPr>
-            <p:custDataLst>
-              <p:tags r:id="rId5"/>
-            </p:custDataLst>
-          </p:nvPr>
+          <p:nvPr/>
         </p:nvGrpSpPr>
         <p:grpSpPr bwMode="auto">
           <a:xfrm>
@@ -19535,11 +17641,7 @@
           <p:cNvGrpSpPr>
             <a:grpSpLocks/>
           </p:cNvGrpSpPr>
-          <p:nvPr>
-            <p:custDataLst>
-              <p:tags r:id="rId6"/>
-            </p:custDataLst>
-          </p:nvPr>
+          <p:nvPr/>
         </p:nvGrpSpPr>
         <p:grpSpPr bwMode="auto">
           <a:xfrm>
@@ -21199,11 +19301,7 @@
           <p:cNvGrpSpPr>
             <a:grpSpLocks/>
           </p:cNvGrpSpPr>
-          <p:nvPr>
-            <p:custDataLst>
-              <p:tags r:id="rId7"/>
-            </p:custDataLst>
-          </p:nvPr>
+          <p:nvPr/>
         </p:nvGrpSpPr>
         <p:grpSpPr bwMode="auto">
           <a:xfrm>
@@ -28986,14 +27084,34 @@
             </a:r>
           </a:p>
           <a:p>
-            <a:pPr marL="514350" indent="-514350" eaLnBrk="1" fontAlgn="auto" hangingPunct="1">
+            <a:pPr marL="514350" indent="-514350" algn="l" eaLnBrk="1" fontAlgn="auto" hangingPunct="1">
               <a:spcAft>
                 <a:spcPts val="0"/>
               </a:spcAft>
-              <a:buNone/>
+              <a:buFont typeface="Arial" pitchFamily="34" charset="0"/>
+              <a:buChar char="•"/>
               <a:defRPr/>
             </a:pPr>
-            <a:endParaRPr lang="en-US" sz="2400" dirty="0" smtClean="0">
+            <a:endParaRPr lang="en-US" sz="2400" b="1" dirty="0" smtClean="0">
+              <a:solidFill>
+                <a:schemeClr val="tx1"/>
+              </a:solidFill>
+              <a:latin typeface="+mj-lt"/>
+            </a:endParaRPr>
+          </a:p>
+          <a:p>
+            <a:pPr marL="514350" indent="-514350" algn="l" eaLnBrk="1" fontAlgn="auto" hangingPunct="1">
+              <a:spcAft>
+                <a:spcPts val="0"/>
+              </a:spcAft>
+              <a:buFont typeface="Arial" pitchFamily="34" charset="0"/>
+              <a:buChar char="•"/>
+              <a:defRPr/>
+            </a:pPr>
+            <a:endParaRPr lang="en-US" sz="2400" b="1" dirty="0" smtClean="0">
+              <a:solidFill>
+                <a:schemeClr val="tx1"/>
+              </a:solidFill>
               <a:latin typeface="+mj-lt"/>
             </a:endParaRPr>
           </a:p>
@@ -29002,24 +27120,9 @@
               <a:spcAft>
                 <a:spcPts val="0"/>
               </a:spcAft>
-              <a:buNone/>
               <a:defRPr/>
             </a:pPr>
-            <a:endParaRPr lang="en-US" sz="2400" dirty="0" smtClean="0">
-              <a:latin typeface="+mj-lt"/>
-            </a:endParaRPr>
-          </a:p>
-          <a:p>
-            <a:pPr marL="514350" indent="-514350" eaLnBrk="1" fontAlgn="auto" hangingPunct="1">
-              <a:spcAft>
-                <a:spcPts val="0"/>
-              </a:spcAft>
-              <a:buNone/>
-              <a:defRPr/>
-            </a:pPr>
-            <a:endParaRPr lang="en-US" sz="2400" dirty="0" smtClean="0">
-              <a:latin typeface="+mj-lt"/>
-            </a:endParaRPr>
+            <a:endParaRPr lang="en-US" sz="2400" dirty="0" smtClean="0"/>
           </a:p>
           <a:p>
             <a:pPr marL="514350" indent="-514350" eaLnBrk="1" fontAlgn="auto" hangingPunct="1">
@@ -29030,27 +27133,38 @@
               <a:defRPr/>
             </a:pPr>
             <a:r>
-              <a:rPr lang="en-US" sz="2400" dirty="0" smtClean="0">
-                <a:latin typeface="+mj-lt"/>
-              </a:rPr>
-              <a:t>	NOTE: For more information on SPLOOP, refer to Chapter 8 of the </a:t>
+              <a:rPr lang="en-US" sz="2400" dirty="0" smtClean="0"/>
+              <a:t>	</a:t>
+            </a:r>
+            <a:r>
+              <a:rPr lang="en-US" sz="2400" dirty="0" smtClean="0"/>
+              <a:t>NOTE</a:t>
+            </a:r>
+            <a:r>
+              <a:rPr lang="en-US" sz="2400" dirty="0" smtClean="0"/>
+              <a:t>: For more information on SPLOOP, refer to Chapter 8 of the </a:t>
             </a:r>
             <a:r>
               <a:rPr lang="en-US" sz="2400" dirty="0" smtClean="0">
-                <a:hlinkClick r:id="rId4"/>
+                <a:hlinkClick r:id="rId3"/>
               </a:rPr>
               <a:t>C66x CPU and Instruction Set Reference Guide</a:t>
             </a:r>
             <a:r>
               <a:rPr lang="en-US" sz="2400" dirty="0" smtClean="0"/>
-              <a:t>.</a:t>
+              <a:t>. </a:t>
             </a:r>
-            <a:r>
-              <a:rPr lang="en-US" sz="2400" dirty="0" smtClean="0">
-                <a:latin typeface="+mj-lt"/>
-              </a:rPr>
-              <a:t> </a:t>
-            </a:r>
+            <a:endParaRPr lang="en-US" sz="2400" b="1" dirty="0" smtClean="0"/>
+          </a:p>
+          <a:p>
+            <a:pPr marL="514350" indent="-514350" algn="l" eaLnBrk="1" fontAlgn="auto" hangingPunct="1">
+              <a:spcAft>
+                <a:spcPts val="0"/>
+              </a:spcAft>
+              <a:buFont typeface="Arial" pitchFamily="34" charset="0"/>
+              <a:buChar char="•"/>
+              <a:defRPr/>
+            </a:pPr>
             <a:endParaRPr lang="en-US" sz="2400" b="1" dirty="0" smtClean="0">
               <a:solidFill>
                 <a:schemeClr val="tx1"/>
@@ -29139,7 +27253,7 @@
             </a:r>
             <a:r>
               <a:rPr lang="en-US" dirty="0" smtClean="0">
-                <a:hlinkClick r:id="rId4"/>
+                <a:hlinkClick r:id="rId3"/>
               </a:rPr>
               <a:t>C66x CPU and Instruction Set Reference Guide</a:t>
             </a:r>
@@ -29151,14 +27265,18 @@
           <a:p>
             <a:r>
               <a:rPr lang="en-US" dirty="0" smtClean="0"/>
-              <a:t>For questions regarding topics covered in this training, visit the support forums at the</a:t>
+              <a:t>For </a:t>
+            </a:r>
+            <a:r>
+              <a:rPr lang="en-US" dirty="0" smtClean="0"/>
+              <a:t>questions regarding topics covered in this training, visit the support forums at the</a:t>
             </a:r>
             <a:br>
               <a:rPr lang="en-US" dirty="0" smtClean="0"/>
             </a:br>
             <a:r>
               <a:rPr lang="en-US" dirty="0" smtClean="0">
-                <a:hlinkClick r:id="rId5"/>
+                <a:hlinkClick r:id="rId4"/>
               </a:rPr>
               <a:t>TI E2E Community</a:t>
             </a:r>
@@ -29225,7 +27343,9 @@
             <a:srgbClr val="FFFF00"/>
           </a:solidFill>
           <a:ln w="9525" cap="flat" cmpd="sng" algn="ctr">
-            <a:noFill/>
+            <a:solidFill>
+              <a:schemeClr val="tx1"/>
+            </a:solidFill>
             <a:prstDash val="solid"/>
             <a:round/>
             <a:headEnd type="none" w="med" len="med"/>
@@ -30589,20 +28709,17 @@
                 <a:t> </a:t>
               </a:r>
               <a:r>
-                <a:rPr lang="en-US" sz="1400" dirty="0">
+                <a:rPr lang="en-US" dirty="0" err="1">
                   <a:latin typeface="+mj-lt"/>
                 </a:rPr>
-                <a:t>Reg </a:t>
+                <a:t>Reg</a:t>
               </a:r>
               <a:r>
-                <a:rPr lang="en-US" sz="1400" dirty="0" smtClean="0">
+                <a:rPr lang="en-US" dirty="0">
                   <a:latin typeface="+mj-lt"/>
                 </a:rPr>
-                <a:t>A [32]</a:t>
+                <a:t> A</a:t>
               </a:r>
-              <a:endParaRPr lang="en-US" sz="1400" dirty="0">
-                <a:latin typeface="+mj-lt"/>
-              </a:endParaRPr>
             </a:p>
           </p:txBody>
         </p:sp>
@@ -30646,20 +28763,23 @@
                 </a:lnSpc>
               </a:pPr>
               <a:r>
-                <a:rPr lang="en-US" sz="1400" dirty="0">
+                <a:rPr lang="en-US" dirty="0">
                   <a:latin typeface="+mj-lt"/>
                 </a:rPr>
-                <a:t> Reg </a:t>
+                <a:t> </a:t>
               </a:r>
               <a:r>
-                <a:rPr lang="en-US" sz="1400" dirty="0" smtClean="0">
+                <a:rPr lang="en-US" dirty="0" err="1">
                   <a:latin typeface="+mj-lt"/>
                 </a:rPr>
-                <a:t>B [32]</a:t>
+                <a:t>Reg</a:t>
               </a:r>
-              <a:endParaRPr lang="en-US" sz="1400" dirty="0">
-                <a:latin typeface="+mj-lt"/>
-              </a:endParaRPr>
+              <a:r>
+                <a:rPr lang="en-US" dirty="0">
+                  <a:latin typeface="+mj-lt"/>
+                </a:rPr>
+                <a:t> B</a:t>
+              </a:r>
             </a:p>
           </p:txBody>
         </p:sp>
@@ -31402,8 +29522,17 @@
               <a:rPr lang="en-US" dirty="0" smtClean="0">
                 <a:latin typeface="Arial Narrow" pitchFamily="34" charset="0"/>
               </a:rPr>
-              <a:t>Two registers</a:t>
+              <a:t>Two </a:t>
             </a:r>
+            <a:r>
+              <a:rPr lang="en-US" dirty="0" smtClean="0">
+                <a:latin typeface="Arial Narrow" pitchFamily="34" charset="0"/>
+              </a:rPr>
+              <a:t>register sets</a:t>
+            </a:r>
+            <a:endParaRPr lang="en-US" dirty="0" smtClean="0">
+              <a:latin typeface="Arial Narrow" pitchFamily="34" charset="0"/>
+            </a:endParaRPr>
           </a:p>
           <a:p>
             <a:pPr marL="800100" lvl="2" indent="-342900">
@@ -31484,195 +29613,6 @@
               </a:rPr>
               <a:t>L2 memory (Cache/RAM)</a:t>
             </a:r>
-          </a:p>
-        </p:txBody>
-      </p:sp>
-      <p:sp>
-        <p:nvSpPr>
-          <p:cNvPr id="47" name="Rectangle 46"/>
-          <p:cNvSpPr/>
-          <p:nvPr/>
-        </p:nvSpPr>
-        <p:spPr bwMode="auto">
-          <a:xfrm>
-            <a:off x="430305" y="2895600"/>
-            <a:ext cx="1920240" cy="1524000"/>
-          </a:xfrm>
-          <a:prstGeom prst="rect">
-            <a:avLst/>
-          </a:prstGeom>
-          <a:noFill/>
-          <a:ln w="63500" cap="flat" cmpd="sng" algn="ctr">
-            <a:solidFill>
-              <a:srgbClr val="FFFF00"/>
-            </a:solidFill>
-            <a:prstDash val="solid"/>
-            <a:round/>
-            <a:headEnd type="none" w="med" len="med"/>
-            <a:tailEnd type="none" w="med" len="med"/>
-          </a:ln>
-          <a:effectLst/>
-        </p:spPr>
-        <p:txBody>
-          <a:bodyPr vert="horz" wrap="square" lIns="91440" tIns="45720" rIns="91440" bIns="45720" numCol="1" rtlCol="0" anchor="t" anchorCtr="0" compatLnSpc="1">
-            <a:prstTxWarp prst="textNoShape">
-              <a:avLst/>
-            </a:prstTxWarp>
-          </a:bodyPr>
-          <a:lstStyle/>
-          <a:p>
-            <a:pPr marL="0" marR="0" indent="0" algn="l" defTabSz="914400" rtl="0" eaLnBrk="0" fontAlgn="base" latinLnBrk="0" hangingPunct="0">
-              <a:lnSpc>
-                <a:spcPct val="100000"/>
-              </a:lnSpc>
-              <a:spcBef>
-                <a:spcPct val="0"/>
-              </a:spcBef>
-              <a:spcAft>
-                <a:spcPct val="0"/>
-              </a:spcAft>
-              <a:buClrTx/>
-              <a:buSzTx/>
-              <a:buFontTx/>
-              <a:buNone/>
-              <a:tabLst/>
-            </a:pPr>
-            <a:endParaRPr kumimoji="0" lang="en-US" sz="1800" b="0" i="0" u="none" strike="noStrike" cap="none" normalizeH="0" baseline="0" smtClean="0">
-              <a:ln>
-                <a:noFill/>
-              </a:ln>
-              <a:solidFill>
-                <a:schemeClr val="tx1"/>
-              </a:solidFill>
-              <a:effectLst/>
-              <a:latin typeface="Arial" pitchFamily="34" charset="0"/>
-            </a:endParaRPr>
-          </a:p>
-        </p:txBody>
-      </p:sp>
-      <p:sp>
-        <p:nvSpPr>
-          <p:cNvPr id="48" name="Rectangle 47"/>
-          <p:cNvSpPr/>
-          <p:nvPr/>
-        </p:nvSpPr>
-        <p:spPr bwMode="auto">
-          <a:xfrm>
-            <a:off x="425825" y="4970929"/>
-            <a:ext cx="1945340" cy="1536192"/>
-          </a:xfrm>
-          <a:prstGeom prst="rect">
-            <a:avLst/>
-          </a:prstGeom>
-          <a:noFill/>
-          <a:ln w="63500" cap="flat" cmpd="sng" algn="ctr">
-            <a:solidFill>
-              <a:srgbClr val="FFFF00"/>
-            </a:solidFill>
-            <a:prstDash val="solid"/>
-            <a:round/>
-            <a:headEnd type="none" w="med" len="med"/>
-            <a:tailEnd type="none" w="med" len="med"/>
-          </a:ln>
-          <a:effectLst/>
-        </p:spPr>
-        <p:txBody>
-          <a:bodyPr vert="horz" wrap="square" lIns="91440" tIns="45720" rIns="91440" bIns="45720" numCol="1" rtlCol="0" anchor="t" anchorCtr="0" compatLnSpc="1">
-            <a:prstTxWarp prst="textNoShape">
-              <a:avLst/>
-            </a:prstTxWarp>
-          </a:bodyPr>
-          <a:lstStyle/>
-          <a:p>
-            <a:pPr marL="0" marR="0" indent="0" algn="l" defTabSz="914400" rtl="0" eaLnBrk="0" fontAlgn="base" latinLnBrk="0" hangingPunct="0">
-              <a:lnSpc>
-                <a:spcPct val="100000"/>
-              </a:lnSpc>
-              <a:spcBef>
-                <a:spcPct val="0"/>
-              </a:spcBef>
-              <a:spcAft>
-                <a:spcPct val="0"/>
-              </a:spcAft>
-              <a:buClrTx/>
-              <a:buSzTx/>
-              <a:buFontTx/>
-              <a:buNone/>
-              <a:tabLst/>
-            </a:pPr>
-            <a:endParaRPr kumimoji="0" lang="en-US" sz="1800" b="0" i="0" u="none" strike="noStrike" cap="none" normalizeH="0" baseline="0" smtClean="0">
-              <a:ln>
-                <a:noFill/>
-              </a:ln>
-              <a:solidFill>
-                <a:schemeClr val="tx1"/>
-              </a:solidFill>
-              <a:effectLst/>
-              <a:latin typeface="Arial" pitchFamily="34" charset="0"/>
-            </a:endParaRPr>
-          </a:p>
-        </p:txBody>
-      </p:sp>
-      <p:sp>
-        <p:nvSpPr>
-          <p:cNvPr id="49" name="Rectangle 48"/>
-          <p:cNvSpPr/>
-          <p:nvPr/>
-        </p:nvSpPr>
-        <p:spPr bwMode="auto">
-          <a:xfrm>
-            <a:off x="430305" y="923366"/>
-            <a:ext cx="1945340" cy="1563624"/>
-          </a:xfrm>
-          <a:prstGeom prst="rect">
-            <a:avLst/>
-          </a:prstGeom>
-          <a:noFill/>
-          <a:ln w="63500" cap="flat" cmpd="sng" algn="ctr">
-            <a:solidFill>
-              <a:srgbClr val="FFFF00"/>
-            </a:solidFill>
-            <a:prstDash val="solid"/>
-            <a:round/>
-            <a:headEnd type="none" w="med" len="med"/>
-            <a:tailEnd type="none" w="med" len="med"/>
-          </a:ln>
-          <a:effectLst/>
-        </p:spPr>
-        <p:txBody>
-          <a:bodyPr vert="horz" wrap="square" lIns="91440" tIns="45720" rIns="91440" bIns="45720" numCol="1" rtlCol="0" anchor="t" anchorCtr="0" compatLnSpc="1">
-            <a:prstTxWarp prst="textNoShape">
-              <a:avLst/>
-            </a:prstTxWarp>
-          </a:bodyPr>
-          <a:lstStyle/>
-          <a:p>
-            <a:pPr marL="0" marR="0" indent="0" algn="l" defTabSz="914400" rtl="0" eaLnBrk="0" fontAlgn="base" latinLnBrk="0" hangingPunct="0">
-              <a:lnSpc>
-                <a:spcPct val="100000"/>
-              </a:lnSpc>
-              <a:spcBef>
-                <a:spcPct val="0"/>
-              </a:spcBef>
-              <a:spcAft>
-                <a:spcPct val="0"/>
-              </a:spcAft>
-              <a:buClrTx/>
-              <a:buSzTx/>
-              <a:buFontTx/>
-              <a:buNone/>
-              <a:tabLst/>
-            </a:pPr>
-            <a:endParaRPr kumimoji="0" lang="en-US" sz="1800" b="0" i="0" u="none" strike="noStrike" cap="none" normalizeH="0" baseline="0" smtClean="0">
-              <a:ln>
-                <a:noFill/>
-              </a:ln>
-              <a:solidFill>
-                <a:schemeClr val="tx1"/>
-              </a:solidFill>
-              <a:effectLst/>
-              <a:latin typeface="Arial" pitchFamily="34" charset="0"/>
-            </a:endParaRPr>
           </a:p>
         </p:txBody>
       </p:sp>
@@ -31757,69 +29697,6 @@
           </a:ln>
         </p:spPr>
       </p:cxnSp>
-      <p:sp>
-        <p:nvSpPr>
-          <p:cNvPr id="50" name="Rectangle 49"/>
-          <p:cNvSpPr/>
-          <p:nvPr/>
-        </p:nvSpPr>
-        <p:spPr bwMode="auto">
-          <a:xfrm>
-            <a:off x="3103580" y="950260"/>
-            <a:ext cx="1925620" cy="3021105"/>
-          </a:xfrm>
-          <a:prstGeom prst="rect">
-            <a:avLst/>
-          </a:prstGeom>
-          <a:noFill/>
-          <a:ln w="63500" cap="flat" cmpd="sng" algn="ctr">
-            <a:solidFill>
-              <a:srgbClr val="FFFF00"/>
-            </a:solidFill>
-            <a:prstDash val="solid"/>
-            <a:round/>
-            <a:headEnd type="none" w="med" len="med"/>
-            <a:tailEnd type="none" w="med" len="med"/>
-          </a:ln>
-          <a:effectLst/>
-        </p:spPr>
-        <p:txBody>
-          <a:bodyPr vert="horz" wrap="square" lIns="91440" tIns="45720" rIns="91440" bIns="45720" numCol="1" rtlCol="0" anchor="t" anchorCtr="0" compatLnSpc="1">
-            <a:prstTxWarp prst="textNoShape">
-              <a:avLst/>
-            </a:prstTxWarp>
-          </a:bodyPr>
-          <a:lstStyle/>
-          <a:p>
-            <a:pPr marL="0" marR="0" indent="0" algn="l" defTabSz="914400" rtl="0" eaLnBrk="0" fontAlgn="base" latinLnBrk="0" hangingPunct="0">
-              <a:lnSpc>
-                <a:spcPct val="100000"/>
-              </a:lnSpc>
-              <a:spcBef>
-                <a:spcPct val="0"/>
-              </a:spcBef>
-              <a:spcAft>
-                <a:spcPct val="0"/>
-              </a:spcAft>
-              <a:buClrTx/>
-              <a:buSzTx/>
-              <a:buFontTx/>
-              <a:buNone/>
-              <a:tabLst/>
-            </a:pPr>
-            <a:endParaRPr kumimoji="0" lang="en-US" sz="1800" b="0" i="0" u="none" strike="noStrike" cap="none" normalizeH="0" baseline="0" smtClean="0">
-              <a:ln>
-                <a:noFill/>
-              </a:ln>
-              <a:solidFill>
-                <a:schemeClr val="tx1"/>
-              </a:solidFill>
-              <a:effectLst/>
-              <a:latin typeface="Arial" pitchFamily="34" charset="0"/>
-            </a:endParaRPr>
-          </a:p>
-        </p:txBody>
-      </p:sp>
       <p:cxnSp>
         <p:nvCxnSpPr>
           <p:cNvPr id="3088" name="AutoShape 21"/>
@@ -31883,7 +29760,6 @@
           <p:cNvPr id="3096" name="AutoShape 42"/>
           <p:cNvCxnSpPr>
             <a:cxnSpLocks noChangeShapeType="1"/>
-            <a:stCxn id="50" idx="2"/>
             <a:endCxn id="3097" idx="0"/>
           </p:cNvCxnSpPr>
           <p:nvPr/>
@@ -31919,334 +29795,9 @@
   <p:timing>
     <p:tnLst>
       <p:par>
-        <p:cTn id="1" dur="indefinite" restart="never" nodeType="tmRoot">
-          <p:childTnLst>
-            <p:seq concurrent="1" nextAc="seek">
-              <p:cTn id="2" dur="indefinite" nodeType="mainSeq">
-                <p:childTnLst>
-                  <p:par>
-                    <p:cTn id="3" fill="hold">
-                      <p:stCondLst>
-                        <p:cond delay="indefinite"/>
-                      </p:stCondLst>
-                      <p:childTnLst>
-                        <p:par>
-                          <p:cTn id="4" fill="hold">
-                            <p:stCondLst>
-                              <p:cond delay="0"/>
-                            </p:stCondLst>
-                            <p:childTnLst>
-                              <p:par>
-                                <p:cTn id="5" presetID="10" presetClass="entr" presetSubtype="0" fill="hold" grpId="0" nodeType="clickEffect">
-                                  <p:stCondLst>
-                                    <p:cond delay="0"/>
-                                  </p:stCondLst>
-                                  <p:childTnLst>
-                                    <p:set>
-                                      <p:cBhvr>
-                                        <p:cTn id="6" dur="1" fill="hold">
-                                          <p:stCondLst>
-                                            <p:cond delay="0"/>
-                                          </p:stCondLst>
-                                        </p:cTn>
-                                        <p:tgtEl>
-                                          <p:spTgt spid="47"/>
-                                        </p:tgtEl>
-                                        <p:attrNameLst>
-                                          <p:attrName>style.visibility</p:attrName>
-                                        </p:attrNameLst>
-                                      </p:cBhvr>
-                                      <p:to>
-                                        <p:strVal val="visible"/>
-                                      </p:to>
-                                    </p:set>
-                                    <p:animEffect transition="in" filter="fade">
-                                      <p:cBhvr>
-                                        <p:cTn id="7" dur="1000"/>
-                                        <p:tgtEl>
-                                          <p:spTgt spid="47"/>
-                                        </p:tgtEl>
-                                      </p:cBhvr>
-                                    </p:animEffect>
-                                  </p:childTnLst>
-                                </p:cTn>
-                              </p:par>
-                            </p:childTnLst>
-                          </p:cTn>
-                        </p:par>
-                      </p:childTnLst>
-                    </p:cTn>
-                  </p:par>
-                  <p:par>
-                    <p:cTn id="8" fill="hold">
-                      <p:stCondLst>
-                        <p:cond delay="indefinite"/>
-                      </p:stCondLst>
-                      <p:childTnLst>
-                        <p:par>
-                          <p:cTn id="9" fill="hold">
-                            <p:stCondLst>
-                              <p:cond delay="0"/>
-                            </p:stCondLst>
-                            <p:childTnLst>
-                              <p:par>
-                                <p:cTn id="10" presetID="1" presetClass="exit" presetSubtype="0" fill="hold" grpId="1" nodeType="clickEffect">
-                                  <p:stCondLst>
-                                    <p:cond delay="0"/>
-                                  </p:stCondLst>
-                                  <p:childTnLst>
-                                    <p:set>
-                                      <p:cBhvr>
-                                        <p:cTn id="11" dur="1" fill="hold">
-                                          <p:stCondLst>
-                                            <p:cond delay="0"/>
-                                          </p:stCondLst>
-                                        </p:cTn>
-                                        <p:tgtEl>
-                                          <p:spTgt spid="47"/>
-                                        </p:tgtEl>
-                                        <p:attrNameLst>
-                                          <p:attrName>style.visibility</p:attrName>
-                                        </p:attrNameLst>
-                                      </p:cBhvr>
-                                      <p:to>
-                                        <p:strVal val="hidden"/>
-                                      </p:to>
-                                    </p:set>
-                                  </p:childTnLst>
-                                </p:cTn>
-                              </p:par>
-                              <p:par>
-                                <p:cTn id="12" presetID="10" presetClass="entr" presetSubtype="0" fill="hold" grpId="0" nodeType="withEffect">
-                                  <p:stCondLst>
-                                    <p:cond delay="0"/>
-                                  </p:stCondLst>
-                                  <p:childTnLst>
-                                    <p:set>
-                                      <p:cBhvr>
-                                        <p:cTn id="13" dur="1" fill="hold">
-                                          <p:stCondLst>
-                                            <p:cond delay="0"/>
-                                          </p:stCondLst>
-                                        </p:cTn>
-                                        <p:tgtEl>
-                                          <p:spTgt spid="48"/>
-                                        </p:tgtEl>
-                                        <p:attrNameLst>
-                                          <p:attrName>style.visibility</p:attrName>
-                                        </p:attrNameLst>
-                                      </p:cBhvr>
-                                      <p:to>
-                                        <p:strVal val="visible"/>
-                                      </p:to>
-                                    </p:set>
-                                    <p:animEffect transition="in" filter="fade">
-                                      <p:cBhvr>
-                                        <p:cTn id="14" dur="1000"/>
-                                        <p:tgtEl>
-                                          <p:spTgt spid="48"/>
-                                        </p:tgtEl>
-                                      </p:cBhvr>
-                                    </p:animEffect>
-                                  </p:childTnLst>
-                                </p:cTn>
-                              </p:par>
-                            </p:childTnLst>
-                          </p:cTn>
-                        </p:par>
-                      </p:childTnLst>
-                    </p:cTn>
-                  </p:par>
-                  <p:par>
-                    <p:cTn id="15" fill="hold">
-                      <p:stCondLst>
-                        <p:cond delay="indefinite"/>
-                      </p:stCondLst>
-                      <p:childTnLst>
-                        <p:par>
-                          <p:cTn id="16" fill="hold">
-                            <p:stCondLst>
-                              <p:cond delay="0"/>
-                            </p:stCondLst>
-                            <p:childTnLst>
-                              <p:par>
-                                <p:cTn id="17" presetID="1" presetClass="exit" presetSubtype="0" fill="hold" grpId="1" nodeType="clickEffect">
-                                  <p:stCondLst>
-                                    <p:cond delay="0"/>
-                                  </p:stCondLst>
-                                  <p:childTnLst>
-                                    <p:set>
-                                      <p:cBhvr>
-                                        <p:cTn id="18" dur="1" fill="hold">
-                                          <p:stCondLst>
-                                            <p:cond delay="0"/>
-                                          </p:stCondLst>
-                                        </p:cTn>
-                                        <p:tgtEl>
-                                          <p:spTgt spid="48"/>
-                                        </p:tgtEl>
-                                        <p:attrNameLst>
-                                          <p:attrName>style.visibility</p:attrName>
-                                        </p:attrNameLst>
-                                      </p:cBhvr>
-                                      <p:to>
-                                        <p:strVal val="hidden"/>
-                                      </p:to>
-                                    </p:set>
-                                  </p:childTnLst>
-                                </p:cTn>
-                              </p:par>
-                              <p:par>
-                                <p:cTn id="19" presetID="10" presetClass="entr" presetSubtype="0" fill="hold" grpId="0" nodeType="withEffect">
-                                  <p:stCondLst>
-                                    <p:cond delay="0"/>
-                                  </p:stCondLst>
-                                  <p:childTnLst>
-                                    <p:set>
-                                      <p:cBhvr>
-                                        <p:cTn id="20" dur="1" fill="hold">
-                                          <p:stCondLst>
-                                            <p:cond delay="0"/>
-                                          </p:stCondLst>
-                                        </p:cTn>
-                                        <p:tgtEl>
-                                          <p:spTgt spid="49"/>
-                                        </p:tgtEl>
-                                        <p:attrNameLst>
-                                          <p:attrName>style.visibility</p:attrName>
-                                        </p:attrNameLst>
-                                      </p:cBhvr>
-                                      <p:to>
-                                        <p:strVal val="visible"/>
-                                      </p:to>
-                                    </p:set>
-                                    <p:animEffect transition="in" filter="fade">
-                                      <p:cBhvr>
-                                        <p:cTn id="21" dur="1000"/>
-                                        <p:tgtEl>
-                                          <p:spTgt spid="49"/>
-                                        </p:tgtEl>
-                                      </p:cBhvr>
-                                    </p:animEffect>
-                                  </p:childTnLst>
-                                </p:cTn>
-                              </p:par>
-                            </p:childTnLst>
-                          </p:cTn>
-                        </p:par>
-                      </p:childTnLst>
-                    </p:cTn>
-                  </p:par>
-                  <p:par>
-                    <p:cTn id="22" fill="hold">
-                      <p:stCondLst>
-                        <p:cond delay="indefinite"/>
-                      </p:stCondLst>
-                      <p:childTnLst>
-                        <p:par>
-                          <p:cTn id="23" fill="hold">
-                            <p:stCondLst>
-                              <p:cond delay="0"/>
-                            </p:stCondLst>
-                            <p:childTnLst>
-                              <p:par>
-                                <p:cTn id="24" presetID="1" presetClass="exit" presetSubtype="0" fill="hold" grpId="1" nodeType="clickEffect">
-                                  <p:stCondLst>
-                                    <p:cond delay="0"/>
-                                  </p:stCondLst>
-                                  <p:childTnLst>
-                                    <p:set>
-                                      <p:cBhvr>
-                                        <p:cTn id="25" dur="1" fill="hold">
-                                          <p:stCondLst>
-                                            <p:cond delay="0"/>
-                                          </p:stCondLst>
-                                        </p:cTn>
-                                        <p:tgtEl>
-                                          <p:spTgt spid="49"/>
-                                        </p:tgtEl>
-                                        <p:attrNameLst>
-                                          <p:attrName>style.visibility</p:attrName>
-                                        </p:attrNameLst>
-                                      </p:cBhvr>
-                                      <p:to>
-                                        <p:strVal val="hidden"/>
-                                      </p:to>
-                                    </p:set>
-                                  </p:childTnLst>
-                                </p:cTn>
-                              </p:par>
-                              <p:par>
-                                <p:cTn id="26" presetID="10" presetClass="entr" presetSubtype="0" fill="hold" grpId="0" nodeType="withEffect">
-                                  <p:stCondLst>
-                                    <p:cond delay="0"/>
-                                  </p:stCondLst>
-                                  <p:childTnLst>
-                                    <p:set>
-                                      <p:cBhvr>
-                                        <p:cTn id="27" dur="1" fill="hold">
-                                          <p:stCondLst>
-                                            <p:cond delay="0"/>
-                                          </p:stCondLst>
-                                        </p:cTn>
-                                        <p:tgtEl>
-                                          <p:spTgt spid="50"/>
-                                        </p:tgtEl>
-                                        <p:attrNameLst>
-                                          <p:attrName>style.visibility</p:attrName>
-                                        </p:attrNameLst>
-                                      </p:cBhvr>
-                                      <p:to>
-                                        <p:strVal val="visible"/>
-                                      </p:to>
-                                    </p:set>
-                                    <p:animEffect transition="in" filter="fade">
-                                      <p:cBhvr>
-                                        <p:cTn id="28" dur="1000"/>
-                                        <p:tgtEl>
-                                          <p:spTgt spid="50"/>
-                                        </p:tgtEl>
-                                      </p:cBhvr>
-                                    </p:animEffect>
-                                  </p:childTnLst>
-                                </p:cTn>
-                              </p:par>
-                            </p:childTnLst>
-                          </p:cTn>
-                        </p:par>
-                      </p:childTnLst>
-                    </p:cTn>
-                  </p:par>
-                </p:childTnLst>
-              </p:cTn>
-              <p:prevCondLst>
-                <p:cond evt="onPrev" delay="0">
-                  <p:tgtEl>
-                    <p:sldTgt/>
-                  </p:tgtEl>
-                </p:cond>
-              </p:prevCondLst>
-              <p:nextCondLst>
-                <p:cond evt="onNext" delay="0">
-                  <p:tgtEl>
-                    <p:sldTgt/>
-                  </p:tgtEl>
-                </p:cond>
-              </p:nextCondLst>
-            </p:seq>
-          </p:childTnLst>
-        </p:cTn>
+        <p:cTn id="1" dur="indefinite" restart="never" nodeType="tmRoot"/>
       </p:par>
     </p:tnLst>
-    <p:bldLst>
-      <p:bldP spid="47" grpId="0" animBg="1"/>
-      <p:bldP spid="47" grpId="1" animBg="1"/>
-      <p:bldP spid="48" grpId="0" animBg="1"/>
-      <p:bldP spid="48" grpId="1" animBg="1"/>
-      <p:bldP spid="49" grpId="0" animBg="1"/>
-      <p:bldP spid="49" grpId="1" animBg="1"/>
-      <p:bldP spid="50" grpId="0" animBg="1"/>
-    </p:bldLst>
   </p:timing>
 </p:sld>
 </file>
@@ -32600,11 +30151,7 @@
         <p:nvGrpSpPr>
           <p:cNvPr id="58" name="Group 57"/>
           <p:cNvGrpSpPr/>
-          <p:nvPr>
-            <p:custDataLst>
-              <p:tags r:id="rId2"/>
-            </p:custDataLst>
-          </p:nvPr>
+          <p:nvPr/>
         </p:nvGrpSpPr>
         <p:grpSpPr>
           <a:xfrm>
@@ -37929,7 +35476,7 @@
       </p:grpSpPr>
       <p:sp>
         <p:nvSpPr>
-          <p:cNvPr id="10" name="TextBox 9"/>
+          <p:cNvPr id="6" name="TextBox 5"/>
           <p:cNvSpPr txBox="1"/>
           <p:nvPr/>
         </p:nvSpPr>
@@ -37967,7 +35514,7 @@
         </p:nvSpPr>
         <p:spPr>
           <a:xfrm>
-            <a:off x="609600" y="76200"/>
+            <a:off x="533400" y="76200"/>
             <a:ext cx="8229600" cy="762000"/>
           </a:xfrm>
         </p:spPr>
@@ -37987,8 +35534,8 @@
       </p:sp>
       <p:pic>
         <p:nvPicPr>
-          <p:cNvPr id="9" name="Picture 8" descr="Projects.jpg">
-            <a:hlinkClick r:id="rId5"/>
+          <p:cNvPr id="5" name="Picture 4" descr="Projects.jpg">
+            <a:hlinkClick r:id="rId4"/>
           </p:cNvPr>
           <p:cNvPicPr>
             <a:picLocks noChangeAspect="1"/>
@@ -38000,7 +35547,7 @@
           </p:nvPr>
         </p:nvPicPr>
         <p:blipFill>
-          <a:blip r:embed="rId6" cstate="print"/>
+          <a:blip r:embed="rId5" cstate="print"/>
           <a:stretch>
             <a:fillRect/>
           </a:stretch>
@@ -38050,6 +35597,38 @@
           <a:chExt cx="0" cy="0"/>
         </a:xfrm>
       </p:grpSpPr>
+      <p:pic>
+        <p:nvPicPr>
+          <p:cNvPr id="7170" name="Picture 2"/>
+          <p:cNvPicPr>
+            <a:picLocks noChangeAspect="1" noChangeArrowheads="1"/>
+          </p:cNvPicPr>
+          <p:nvPr/>
+        </p:nvPicPr>
+        <p:blipFill>
+          <a:blip r:embed="rId3" cstate="print"/>
+          <a:srcRect/>
+          <a:stretch>
+            <a:fillRect/>
+          </a:stretch>
+        </p:blipFill>
+        <p:spPr bwMode="auto">
+          <a:xfrm>
+            <a:off x="533400" y="914400"/>
+            <a:ext cx="8100757" cy="5562600"/>
+          </a:xfrm>
+          <a:prstGeom prst="rect">
+            <a:avLst/>
+          </a:prstGeom>
+          <a:noFill/>
+          <a:ln w="9525">
+            <a:noFill/>
+            <a:miter lim="800000"/>
+            <a:headEnd/>
+            <a:tailEnd/>
+          </a:ln>
+        </p:spPr>
+      </p:pic>
       <p:sp>
         <p:nvSpPr>
           <p:cNvPr id="4" name="Title 3"/>
@@ -38062,7 +35641,7 @@
         </p:nvSpPr>
         <p:spPr>
           <a:xfrm>
-            <a:off x="533400" y="76200"/>
+            <a:off x="533400" y="152400"/>
             <a:ext cx="8229600" cy="762000"/>
           </a:xfrm>
         </p:spPr>
@@ -38080,36 +35659,6 @@
           </a:p>
         </p:txBody>
       </p:sp>
-      <p:pic>
-        <p:nvPicPr>
-          <p:cNvPr id="9" name="Picture 8" descr="L_instructions.jpg">
-            <a:hlinkClick r:id="rId5"/>
-          </p:cNvPr>
-          <p:cNvPicPr>
-            <a:picLocks noChangeAspect="1"/>
-          </p:cNvPicPr>
-          <p:nvPr>
-            <p:custDataLst>
-              <p:tags r:id="rId2"/>
-            </p:custDataLst>
-          </p:nvPr>
-        </p:nvPicPr>
-        <p:blipFill>
-          <a:blip r:embed="rId6" cstate="print"/>
-          <a:stretch>
-            <a:fillRect/>
-          </a:stretch>
-        </p:blipFill>
-        <p:spPr>
-          <a:xfrm>
-            <a:off x="762000" y="921834"/>
-            <a:ext cx="7924800" cy="5511609"/>
-          </a:xfrm>
-          <a:prstGeom prst="rect">
-            <a:avLst/>
-          </a:prstGeom>
-        </p:spPr>
-      </p:pic>
     </p:spTree>
     <p:custDataLst>
       <p:tags r:id="rId1"/>
@@ -38200,28 +35749,22 @@
       </p:sp>
       <p:pic>
         <p:nvPicPr>
-          <p:cNvPr id="12" name="Picture 11" descr="M_instructions.jpg">
-            <a:hlinkClick r:id="rId5"/>
-          </p:cNvPr>
+          <p:cNvPr id="6" name="Picture 5" descr="M_Instructions.jpg"/>
           <p:cNvPicPr>
             <a:picLocks noChangeAspect="1"/>
           </p:cNvPicPr>
-          <p:nvPr>
-            <p:custDataLst>
-              <p:tags r:id="rId2"/>
-            </p:custDataLst>
-          </p:nvPr>
+          <p:nvPr/>
         </p:nvPicPr>
         <p:blipFill>
-          <a:blip r:embed="rId6" cstate="print"/>
+          <a:blip r:embed="rId3" cstate="print"/>
           <a:stretch>
             <a:fillRect/>
           </a:stretch>
         </p:blipFill>
         <p:spPr>
           <a:xfrm>
-            <a:off x="1219201" y="716878"/>
-            <a:ext cx="6934200" cy="6111386"/>
+            <a:off x="914400" y="667870"/>
+            <a:ext cx="7315200" cy="6178316"/>
           </a:xfrm>
           <a:prstGeom prst="rect">
             <a:avLst/>
@@ -38248,35 +35791,13 @@
 
 <file path=ppt/tags/tag1.xml><?xml version="1.0" encoding="utf-8"?>
 <p:tagLst xmlns:a="http://schemas.openxmlformats.org/drawingml/2006/main" xmlns:r="http://schemas.openxmlformats.org/officeDocument/2006/relationships" xmlns:p="http://schemas.openxmlformats.org/presentationml/2006/main">
+  <p:tag name="LMS_PUBLISH" val="No"/>
+  <p:tag name="ARTICULATE_TEMPLATE" val="Corporate Communications"/>
+  <p:tag name="PRESENTER_PREVIEW_MODE" val="0"/>
+  <p:tag name="ARTICULATE_AUDIO_TEMP" val="C:\Users\a0850458\AppData\Local\Temp\articulate\presenter\ae\audio\20120103111801\"/>
+  <p:tag name="ARTICULATE_PRESENTER_VERSION" val="6"/>
   <p:tag name="PRESENTATION_PLAYLIST_COUNT" val="0"/>
   <p:tag name="PRESENTATION_PRESENTER_SLIDE_LEVEL" val="0"/>
-  <p:tag name="ARTICULATE_REFERENCE_COUNT" val="3"/>
-  <p:tag name="ARTICULATE_REFERENCE_TYPE_1" val="1"/>
-  <p:tag name="ARTICULATE_REFERENCE_TITLE_1" val="C66x CorePac Training Slides"/>
-  <p:tag name="ARTICULATE_REFERENCE_1" val="C:\Data\Keystone Training\PPT\Intro to CorePac\C66x Corepac.pdf"/>
-  <p:tag name="ARTICULATE_REFERENCE_TYPE_2" val="0"/>
-  <p:tag name="ARTICULATE_REFERENCE_TITLE_2" val="C66x CPU and Instruction Set Reference Guide"/>
-  <p:tag name="ARTICULATE_REFERENCE_2" val="http://www.ti.com/litv/pdf/sprugh7"/>
-  <p:tag name="ARTICULATE_REFERENCE_TYPE_3" val="0"/>
-  <p:tag name="ARTICULATE_REFERENCE_TITLE_3" val="C66x CorePac User's Guide"/>
-  <p:tag name="ARTICULATE_REFERENCE_3" val="http://www.ti.com/litv/pdf/sprugw0b"/>
-  <p:tag name="ARTICULATE_AUDIO_TEMP" val="C:\Users\a0850458\AppData\Local\Temp\ae\audio\20120104174233\"/>
-  <p:tag name="ARTICULATE_PRESENTER_VERSION" val="6"/>
-  <p:tag name="PUBLISH_TITLE" val="C66x Corepac: Achieving High Performance"/>
-  <p:tag name="ARTICULATE_PUBLISH_PATH" val="C:\Data\Keystone Training\FINAL"/>
-  <p:tag name="ARTICULATE_LOGO" val="TI_logo_off_white_square.jpg"/>
-  <p:tag name="ARTICULATE_PRESENTER" val="(None selected)"/>
-  <p:tag name="ARTICULATE_PRESENTER_GUID" val="9869030842"/>
-  <p:tag name="ARTICULATE_LMS" val="0"/>
-  <p:tag name="ARTICULATE_TEMPLATE" val="TI Master White NEW"/>
-  <p:tag name="ARTICULATE_TEMPLATE_GUID" val="1eda84ce-4c15-46b4-8d4b-1eb30397a1c6"/>
-  <p:tag name="LMS_PUBLISH" val="No"/>
-  <p:tag name="PRESENTER_PREVIEW_MODE" val="0"/>
-  <p:tag name="PRESENTER_PREVIEW_START" val="1"/>
-  <p:tag name="PLAYERLOGOHEIGHT" val="476"/>
-  <p:tag name="PLAYERLOGOWIDTH" val="1357"/>
-  <p:tag name="LAUNCHINNEWWINDOW" val="1"/>
-  <p:tag name="LASTPUBLISHED" val="C:\Data\Keystone Training\FINAL\01 Introduction to Corepac\launcher.html"/>
   <p:tag name="ARTICULATE_PROJECT_OPEN" val="0"/>
 </p:tagLst>
 </file>
@@ -38310,33 +35831,30 @@
   <p:tag name="NO LOGOS" val="true"/>
   <p:tag name="COLORSCHEMEINDEX" val="6"/>
   <p:tag name="ELAPSEDTIME" val="119.848"/>
-  <p:tag name="ARTICULATE_SLIDE_GUID" val="10c72d79-d4e4-4e67-b2bf-ffe27c08228d"/>
   <p:tag name="ARTICULATE_SLIDE_PAUSE" val="0"/>
   <p:tag name="ARTICULATE_NAV_LEVEL" val="2"/>
   <p:tag name="ARTICULATE_PLAYLIST_ID" val="-1"/>
   <p:tag name="ARTICULATE_VIEW_MODE" val="1"/>
   <p:tag name="ARTICULATE_LOCK_SLIDE" val="0"/>
-  <p:tag name="ARTICULATE_SLIDE_NAV" val="5"/>
 </p:tagLst>
 </file>
 
 <file path=ppt/tags/tag15.xml><?xml version="1.0" encoding="utf-8"?>
 <p:tagLst xmlns:a="http://schemas.openxmlformats.org/drawingml/2006/main" xmlns:r="http://schemas.openxmlformats.org/officeDocument/2006/relationships" xmlns:p="http://schemas.openxmlformats.org/presentationml/2006/main">
-  <p:tag name="ARTICULATE_PUBLISH_MODE" val="2"/>
+  <p:tag name="ELAPSEDTIME" val="88.994"/>
+  <p:tag name="ARTICULATE_SLIDE_GUID" val="643f2483-42f1-4978-b8b0-97afb08d078a"/>
+  <p:tag name="TIMELINE" val="10.41/18.09/24.05/37.18/41.02/48.13/54.61/59.75/61.25"/>
+  <p:tag name="ARTICULATE_SLIDE_PAUSE" val="0"/>
+  <p:tag name="ARTICULATE_NAV_LEVEL" val="2"/>
+  <p:tag name="ARTICULATE_PLAYLIST_ID" val="-1"/>
+  <p:tag name="ARTICULATE_VIEW_MODE" val="1"/>
+  <p:tag name="ARTICULATE_LOCK_SLIDE" val="0"/>
 </p:tagLst>
 </file>
 
 <file path=ppt/tags/tag16.xml><?xml version="1.0" encoding="utf-8"?>
 <p:tagLst xmlns:a="http://schemas.openxmlformats.org/drawingml/2006/main" xmlns:r="http://schemas.openxmlformats.org/officeDocument/2006/relationships" xmlns:p="http://schemas.openxmlformats.org/presentationml/2006/main">
-  <p:tag name="ELAPSEDTIME" val="88.994"/>
-  <p:tag name="ARTICULATE_SLIDE_GUID" val="643f2483-42f1-4978-b8b0-97afb08d078a"/>
-  <p:tag name="ARTICULATE_SLIDE_PAUSE" val="0"/>
-  <p:tag name="ARTICULATE_NAV_LEVEL" val="2"/>
-  <p:tag name="ARTICULATE_PLAYLIST_ID" val="-1"/>
-  <p:tag name="ARTICULATE_VIEW_MODE" val="1"/>
-  <p:tag name="ARTICULATE_LOCK_SLIDE" val="0"/>
-  <p:tag name="TIMELINE" val="10.41/18.09/24.05/37.18/41.02/48.13/54.61/59.75/61.25"/>
-  <p:tag name="ARTICULATE_SLIDE_NAV" val="6"/>
+  <p:tag name="ARTICULATE_PUBLISH_MODE" val="2"/>
 </p:tagLst>
 </file>
 
@@ -38348,20 +35866,18 @@
 
 <file path=ppt/tags/tag18.xml><?xml version="1.0" encoding="utf-8"?>
 <p:tagLst xmlns:a="http://schemas.openxmlformats.org/drawingml/2006/main" xmlns:r="http://schemas.openxmlformats.org/officeDocument/2006/relationships" xmlns:p="http://schemas.openxmlformats.org/presentationml/2006/main">
-  <p:tag name="ARTICULATE_PUBLISH_MODE" val="2"/>
+  <p:tag name="ELAPSEDTIME" val="70.552"/>
+  <p:tag name="ARTICULATE_SLIDE_PAUSE" val="0"/>
+  <p:tag name="ARTICULATE_NAV_LEVEL" val="2"/>
+  <p:tag name="ARTICULATE_PLAYLIST_ID" val="-1"/>
+  <p:tag name="ARTICULATE_LOCK_SLIDE" val="0"/>
 </p:tagLst>
 </file>
 
 <file path=ppt/tags/tag19.xml><?xml version="1.0" encoding="utf-8"?>
 <p:tagLst xmlns:a="http://schemas.openxmlformats.org/drawingml/2006/main" xmlns:r="http://schemas.openxmlformats.org/officeDocument/2006/relationships" xmlns:p="http://schemas.openxmlformats.org/presentationml/2006/main">
-  <p:tag name="ELAPSEDTIME" val="70.552"/>
-  <p:tag name="ARTICULATE_SLIDE_GUID" val="cce54c87-c03d-4c18-9ca1-f4b2ee15baf0"/>
-  <p:tag name="ARTICULATE_SLIDE_PAUSE" val="0"/>
-  <p:tag name="ARTICULATE_NAV_LEVEL" val="2"/>
-  <p:tag name="ARTICULATE_PLAYLIST_ID" val="-1"/>
-  <p:tag name="ARTICULATE_VIEW_MODE" val="1"/>
-  <p:tag name="ARTICULATE_LOCK_SLIDE" val="0"/>
-  <p:tag name="ARTICULATE_SLIDE_NAV" val="7"/>
+  <p:tag name="ARTICULATE_PUBLISH_MODE" val="2"/>
+  <p:tag name="ARTICULATE_SOURCE_IMAGE" val="C:\Users\a0850458\AppData\Local\Temp\imgtemp\s4hGic1j_files\slide0001_image001.jpg"/>
 </p:tagLst>
 </file>
 
@@ -38374,104 +35890,103 @@
 
 <file path=ppt/tags/tag20.xml><?xml version="1.0" encoding="utf-8"?>
 <p:tagLst xmlns:a="http://schemas.openxmlformats.org/drawingml/2006/main" xmlns:r="http://schemas.openxmlformats.org/officeDocument/2006/relationships" xmlns:p="http://schemas.openxmlformats.org/presentationml/2006/main">
-  <p:tag name="ARTICULATE_PUBLISH_MODE" val="2"/>
-  <p:tag name="ARTICULATE_SOURCE_IMAGE" val="C:\Users\a0850458\AppData\Local\Temp\imgtemp\s4hGic1j_files\slide0001_image001.jpg"/>
+  <p:tag name="ELAPSEDTIME" val="36.463"/>
+  <p:tag name="ARTICULATE_SLIDE_PAUSE" val="0"/>
+  <p:tag name="ARTICULATE_NAV_LEVEL" val="2"/>
+  <p:tag name="ARTICULATE_PLAYLIST_ID" val="-1"/>
+  <p:tag name="ARTICULATE_LOCK_SLIDE" val="0"/>
 </p:tagLst>
 </file>
 
 <file path=ppt/tags/tag21.xml><?xml version="1.0" encoding="utf-8"?>
 <p:tagLst xmlns:a="http://schemas.openxmlformats.org/drawingml/2006/main" xmlns:r="http://schemas.openxmlformats.org/officeDocument/2006/relationships" xmlns:p="http://schemas.openxmlformats.org/presentationml/2006/main">
-  <p:tag name="ELAPSEDTIME" val="36.463"/>
-  <p:tag name="ARTICULATE_SLIDE_GUID" val="3efedcb6-032c-4808-a9d1-4f9f414e5408"/>
+  <p:tag name="ELAPSEDTIME" val="22.776"/>
+  <p:tag name="ARTICULATE_SLIDE_PAUSE" val="0"/>
+  <p:tag name="ARTICULATE_NAV_LEVEL" val="2"/>
+  <p:tag name="ARTICULATE_PLAYLIST_ID" val="-1"/>
+  <p:tag name="ARTICULATE_LOCK_SLIDE" val="0"/>
+</p:tagLst>
+</file>
+
+<file path=ppt/tags/tag22.xml><?xml version="1.0" encoding="utf-8"?>
+<p:tagLst xmlns:a="http://schemas.openxmlformats.org/drawingml/2006/main" xmlns:r="http://schemas.openxmlformats.org/officeDocument/2006/relationships" xmlns:p="http://schemas.openxmlformats.org/presentationml/2006/main">
+  <p:tag name="ELAPSEDTIME" val="38.656"/>
+  <p:tag name="ARTICULATE_SLIDE_PAUSE" val="0"/>
+  <p:tag name="ARTICULATE_NAV_LEVEL" val="2"/>
+  <p:tag name="ARTICULATE_PLAYLIST_ID" val="-1"/>
+  <p:tag name="ARTICULATE_LOCK_SLIDE" val="0"/>
+</p:tagLst>
+</file>
+
+<file path=ppt/tags/tag23.xml><?xml version="1.0" encoding="utf-8"?>
+<p:tagLst xmlns:a="http://schemas.openxmlformats.org/drawingml/2006/main" xmlns:r="http://schemas.openxmlformats.org/officeDocument/2006/relationships" xmlns:p="http://schemas.openxmlformats.org/presentationml/2006/main">
+  <p:tag name="ELAPSEDTIME" val="10.078"/>
+  <p:tag name="ARTICULATE_SLIDE_PAUSE" val="0"/>
+  <p:tag name="ARTICULATE_NAV_LEVEL" val="1"/>
+  <p:tag name="ARTICULATE_PLAYLIST_ID" val="-1"/>
+  <p:tag name="ARTICULATE_LOCK_SLIDE" val="0"/>
+</p:tagLst>
+</file>
+
+<file path=ppt/tags/tag24.xml><?xml version="1.0" encoding="utf-8"?>
+<p:tagLst xmlns:a="http://schemas.openxmlformats.org/drawingml/2006/main" xmlns:r="http://schemas.openxmlformats.org/officeDocument/2006/relationships" xmlns:p="http://schemas.openxmlformats.org/presentationml/2006/main">
+  <p:tag name="ELAPSEDTIME" val="172.406"/>
+  <p:tag name="ARTICULATE_SLIDE_PAUSE" val="0"/>
+  <p:tag name="ARTICULATE_NAV_LEVEL" val="2"/>
+  <p:tag name="ARTICULATE_PLAYLIST_ID" val="-1"/>
+  <p:tag name="ARTICULATE_LOCK_SLIDE" val="0"/>
+</p:tagLst>
+</file>
+
+<file path=ppt/tags/tag25.xml><?xml version="1.0" encoding="utf-8"?>
+<p:tagLst xmlns:a="http://schemas.openxmlformats.org/drawingml/2006/main" xmlns:r="http://schemas.openxmlformats.org/officeDocument/2006/relationships" xmlns:p="http://schemas.openxmlformats.org/presentationml/2006/main">
+  <p:tag name="ELAPSEDTIME" val="201.348"/>
+  <p:tag name="ARTICULATE_SLIDE_PAUSE" val="0"/>
+  <p:tag name="ARTICULATE_NAV_LEVEL" val="2"/>
+  <p:tag name="ARTICULATE_PLAYLIST_ID" val="-1"/>
+  <p:tag name="ARTICULATE_LOCK_SLIDE" val="0"/>
+</p:tagLst>
+</file>
+
+<file path=ppt/tags/tag26.xml><?xml version="1.0" encoding="utf-8"?>
+<p:tagLst xmlns:a="http://schemas.openxmlformats.org/drawingml/2006/main" xmlns:r="http://schemas.openxmlformats.org/officeDocument/2006/relationships" xmlns:p="http://schemas.openxmlformats.org/presentationml/2006/main">
+  <p:tag name="ELAPSEDTIME" val="82.572"/>
+  <p:tag name="ARTICULATE_SLIDE_PAUSE" val="0"/>
+  <p:tag name="ARTICULATE_NAV_LEVEL" val="2"/>
+  <p:tag name="ARTICULATE_PLAYLIST_ID" val="-1"/>
+  <p:tag name="ARTICULATE_LOCK_SLIDE" val="0"/>
+</p:tagLst>
+</file>
+
+<file path=ppt/tags/tag27.xml><?xml version="1.0" encoding="utf-8"?>
+<p:tagLst xmlns:a="http://schemas.openxmlformats.org/drawingml/2006/main" xmlns:r="http://schemas.openxmlformats.org/officeDocument/2006/relationships" xmlns:p="http://schemas.openxmlformats.org/presentationml/2006/main">
+  <p:tag name="ELAPSEDTIME" val="8.041"/>
+  <p:tag name="ARTICULATE_SLIDE_PAUSE" val="0"/>
+  <p:tag name="ARTICULATE_NAV_LEVEL" val="1"/>
+  <p:tag name="ARTICULATE_PLAYLIST_ID" val="-1"/>
+  <p:tag name="ARTICULATE_LOCK_SLIDE" val="0"/>
+</p:tagLst>
+</file>
+
+<file path=ppt/tags/tag28.xml><?xml version="1.0" encoding="utf-8"?>
+<p:tagLst xmlns:a="http://schemas.openxmlformats.org/drawingml/2006/main" xmlns:r="http://schemas.openxmlformats.org/officeDocument/2006/relationships" xmlns:p="http://schemas.openxmlformats.org/presentationml/2006/main">
+  <p:tag name="NO LOGOS" val="true"/>
+  <p:tag name="ELAPSEDTIME" val="92.13"/>
   <p:tag name="ARTICULATE_SLIDE_PAUSE" val="0"/>
   <p:tag name="ARTICULATE_NAV_LEVEL" val="2"/>
   <p:tag name="ARTICULATE_PLAYLIST_ID" val="-1"/>
   <p:tag name="ARTICULATE_VIEW_MODE" val="1"/>
   <p:tag name="ARTICULATE_LOCK_SLIDE" val="0"/>
-  <p:tag name="ARTICULATE_SLIDE_NAV" val="8"/>
-</p:tagLst>
-</file>
-
-<file path=ppt/tags/tag22.xml><?xml version="1.0" encoding="utf-8"?>
-<p:tagLst xmlns:a="http://schemas.openxmlformats.org/drawingml/2006/main" xmlns:r="http://schemas.openxmlformats.org/officeDocument/2006/relationships" xmlns:p="http://schemas.openxmlformats.org/presentationml/2006/main">
-  <p:tag name="ARTICULATE_PUBLISH_MODE" val="2"/>
-  <p:tag name="ARTICULATE_SOURCE_IMAGE" val="C:\Users\a0850458\AppData\Local\Temp\imgtemp\6cq39P0F_files\slide0001_image001.jpg"/>
-</p:tagLst>
-</file>
-
-<file path=ppt/tags/tag23.xml><?xml version="1.0" encoding="utf-8"?>
-<p:tagLst xmlns:a="http://schemas.openxmlformats.org/drawingml/2006/main" xmlns:r="http://schemas.openxmlformats.org/officeDocument/2006/relationships" xmlns:p="http://schemas.openxmlformats.org/presentationml/2006/main">
-  <p:tag name="ELAPSEDTIME" val="22.776"/>
-  <p:tag name="ARTICULATE_SLIDE_GUID" val="defac4ac-953d-4487-8edf-ed8ab15ff290"/>
-  <p:tag name="ARTICULATE_SLIDE_PAUSE" val="0"/>
-  <p:tag name="ARTICULATE_NAV_LEVEL" val="2"/>
-  <p:tag name="ARTICULATE_PLAYLIST_ID" val="-1"/>
-  <p:tag name="ARTICULATE_VIEW_MODE" val="1"/>
-  <p:tag name="ARTICULATE_LOCK_SLIDE" val="0"/>
-  <p:tag name="ARTICULATE_SLIDE_NAV" val="9"/>
-</p:tagLst>
-</file>
-
-<file path=ppt/tags/tag24.xml><?xml version="1.0" encoding="utf-8"?>
-<p:tagLst xmlns:a="http://schemas.openxmlformats.org/drawingml/2006/main" xmlns:r="http://schemas.openxmlformats.org/officeDocument/2006/relationships" xmlns:p="http://schemas.openxmlformats.org/presentationml/2006/main">
-  <p:tag name="ARTICULATE_PUBLISH_MODE" val="2"/>
-  <p:tag name="ARTICULATE_SOURCE_IMAGE" val="C:\Users\a0850458\AppData\Local\Temp\imgtemp\BdRmyVRA_files\slide0001_image001.jpg"/>
-</p:tagLst>
-</file>
-
-<file path=ppt/tags/tag25.xml><?xml version="1.0" encoding="utf-8"?>
-<p:tagLst xmlns:a="http://schemas.openxmlformats.org/drawingml/2006/main" xmlns:r="http://schemas.openxmlformats.org/officeDocument/2006/relationships" xmlns:p="http://schemas.openxmlformats.org/presentationml/2006/main">
-  <p:tag name="ELAPSEDTIME" val="38.656"/>
-  <p:tag name="ARTICULATE_SLIDE_GUID" val="34c9094e-255a-48be-b173-f41ce7a707bc"/>
-  <p:tag name="ARTICULATE_SLIDE_PAUSE" val="0"/>
-  <p:tag name="ARTICULATE_NAV_LEVEL" val="2"/>
-  <p:tag name="ARTICULATE_PLAYLIST_ID" val="-1"/>
-  <p:tag name="ARTICULATE_VIEW_MODE" val="1"/>
-  <p:tag name="ARTICULATE_LOCK_SLIDE" val="0"/>
-  <p:tag name="ARTICULATE_SLIDE_NAV" val="10"/>
-</p:tagLst>
-</file>
-
-<file path=ppt/tags/tag26.xml><?xml version="1.0" encoding="utf-8"?>
-<p:tagLst xmlns:a="http://schemas.openxmlformats.org/drawingml/2006/main" xmlns:r="http://schemas.openxmlformats.org/officeDocument/2006/relationships" xmlns:p="http://schemas.openxmlformats.org/presentationml/2006/main">
-  <p:tag name="ARTICULATE_PUBLISH_MODE" val="2"/>
-  <p:tag name="ARTICULATE_SOURCE_IMAGE" val="C:\Users\a0850458\AppData\Local\Temp\imgtemp\jz0nJmLv_files\slide0001_image001.jpg"/>
-</p:tagLst>
-</file>
-
-<file path=ppt/tags/tag27.xml><?xml version="1.0" encoding="utf-8"?>
-<p:tagLst xmlns:a="http://schemas.openxmlformats.org/drawingml/2006/main" xmlns:r="http://schemas.openxmlformats.org/officeDocument/2006/relationships" xmlns:p="http://schemas.openxmlformats.org/presentationml/2006/main">
-  <p:tag name="ELAPSEDTIME" val="10.078"/>
-  <p:tag name="ARTICULATE_SLIDE_GUID" val="5b28307a-a310-4750-b202-718537a45654"/>
-  <p:tag name="ARTICULATE_SLIDE_PAUSE" val="0"/>
-  <p:tag name="ARTICULATE_NAV_LEVEL" val="1"/>
-  <p:tag name="ARTICULATE_PLAYLIST_ID" val="-1"/>
-  <p:tag name="ARTICULATE_LOCK_SLIDE" val="0"/>
-  <p:tag name="ARTICULATE_SLIDE_NAV" val="11"/>
-</p:tagLst>
-</file>
-
-<file path=ppt/tags/tag28.xml><?xml version="1.0" encoding="utf-8"?>
-<p:tagLst xmlns:a="http://schemas.openxmlformats.org/drawingml/2006/main" xmlns:r="http://schemas.openxmlformats.org/officeDocument/2006/relationships" xmlns:p="http://schemas.openxmlformats.org/presentationml/2006/main">
-  <p:tag name="ELAPSEDTIME" val="172.406"/>
-  <p:tag name="ARTICULATE_SLIDE_GUID" val="1e8c3b55-fb83-426e-acbb-00b12e70cf07"/>
-  <p:tag name="ARTICULATE_SLIDE_PAUSE" val="0"/>
-  <p:tag name="ARTICULATE_NAV_LEVEL" val="2"/>
-  <p:tag name="ARTICULATE_PLAYLIST_ID" val="-1"/>
-  <p:tag name="ARTICULATE_LOCK_SLIDE" val="0"/>
-  <p:tag name="ARTICULATE_SLIDE_NAV" val="12"/>
 </p:tagLst>
 </file>
 
 <file path=ppt/tags/tag29.xml><?xml version="1.0" encoding="utf-8"?>
 <p:tagLst xmlns:a="http://schemas.openxmlformats.org/drawingml/2006/main" xmlns:r="http://schemas.openxmlformats.org/officeDocument/2006/relationships" xmlns:p="http://schemas.openxmlformats.org/presentationml/2006/main">
-  <p:tag name="ARTICULATE_SLIDE_GUID" val="43f337f7-7c85-41fb-813d-908193b82b27"/>
+  <p:tag name="ELAPSEDTIME" val="5.406"/>
   <p:tag name="ARTICULATE_SLIDE_PAUSE" val="0"/>
-  <p:tag name="ARTICULATE_NAV_LEVEL" val="2"/>
+  <p:tag name="ARTICULATE_NAV_LEVEL" val="1"/>
   <p:tag name="ARTICULATE_PLAYLIST_ID" val="-1"/>
   <p:tag name="ARTICULATE_LOCK_SLIDE" val="0"/>
-  <p:tag name="ELAPSEDTIME" val="184.552"/>
-  <p:tag name="ARTICULATE_SLIDE_NAV" val="13"/>
 </p:tagLst>
 </file>
 
@@ -38484,39 +35999,25 @@
 
 <file path=ppt/tags/tag30.xml><?xml version="1.0" encoding="utf-8"?>
 <p:tagLst xmlns:a="http://schemas.openxmlformats.org/drawingml/2006/main" xmlns:r="http://schemas.openxmlformats.org/officeDocument/2006/relationships" xmlns:p="http://schemas.openxmlformats.org/presentationml/2006/main">
-  <p:tag name="ARTICULATE_SLIDE_GUID" val="6bd91623-67e8-4c2c-a229-f22717961f26"/>
+  <p:tag name="ARTICULATE_SLIDE_GUID" val="3de3ef57-34fa-40fc-a2df-4249a84acb4f"/>
+  <p:tag name="ELAPSEDTIME" val="139.02"/>
+  <p:tag name="TIMELINE" val="28.78/46.49/54.93/57.96/64.80/70.53/70.53/82.26/82.60/99.64/130.51"/>
   <p:tag name="ARTICULATE_SLIDE_PAUSE" val="0"/>
   <p:tag name="ARTICULATE_NAV_LEVEL" val="2"/>
   <p:tag name="ARTICULATE_PLAYLIST_ID" val="-1"/>
   <p:tag name="ARTICULATE_LOCK_SLIDE" val="0"/>
-  <p:tag name="ELAPSEDTIME" val="82.515"/>
-  <p:tag name="ARTICULATE_SLIDE_NAV" val="14"/>
 </p:tagLst>
 </file>
 
 <file path=ppt/tags/tag31.xml><?xml version="1.0" encoding="utf-8"?>
 <p:tagLst xmlns:a="http://schemas.openxmlformats.org/drawingml/2006/main" xmlns:r="http://schemas.openxmlformats.org/officeDocument/2006/relationships" xmlns:p="http://schemas.openxmlformats.org/presentationml/2006/main">
-  <p:tag name="ARTICULATE_SLIDE_GUID" val="3b675713-11e2-4443-9535-851fa01b6405"/>
-  <p:tag name="ARTICULATE_SLIDE_PAUSE" val="0"/>
-  <p:tag name="ARTICULATE_NAV_LEVEL" val="1"/>
-  <p:tag name="ARTICULATE_PLAYLIST_ID" val="-1"/>
-  <p:tag name="ARTICULATE_LOCK_SLIDE" val="0"/>
-  <p:tag name="ELAPSEDTIME" val="7.989"/>
-  <p:tag name="ARTICULATE_SLIDE_NAV" val="15"/>
+  <p:tag name="ARTICULATE_PUBLISH_MODE" val="2"/>
 </p:tagLst>
 </file>
 
 <file path=ppt/tags/tag32.xml><?xml version="1.0" encoding="utf-8"?>
 <p:tagLst xmlns:a="http://schemas.openxmlformats.org/drawingml/2006/main" xmlns:r="http://schemas.openxmlformats.org/officeDocument/2006/relationships" xmlns:p="http://schemas.openxmlformats.org/presentationml/2006/main">
-  <p:tag name="NO LOGOS" val="true"/>
-  <p:tag name="ARTICULATE_SLIDE_GUID" val="1e5a03f6-f794-4d52-9048-deeabc2c6342"/>
-  <p:tag name="ARTICULATE_SLIDE_PAUSE" val="0"/>
-  <p:tag name="ARTICULATE_NAV_LEVEL" val="2"/>
-  <p:tag name="ARTICULATE_PLAYLIST_ID" val="-1"/>
-  <p:tag name="ARTICULATE_VIEW_MODE" val="1"/>
-  <p:tag name="ARTICULATE_LOCK_SLIDE" val="0"/>
-  <p:tag name="ELAPSEDTIME" val="92.078"/>
-  <p:tag name="ARTICULATE_SLIDE_NAV" val="16"/>
+  <p:tag name="ARTICULATE_PUBLISH_MODE" val="2"/>
 </p:tagLst>
 </file>
 
@@ -38528,44 +36029,50 @@
 
 <file path=ppt/tags/tag34.xml><?xml version="1.0" encoding="utf-8"?>
 <p:tagLst xmlns:a="http://schemas.openxmlformats.org/drawingml/2006/main" xmlns:r="http://schemas.openxmlformats.org/officeDocument/2006/relationships" xmlns:p="http://schemas.openxmlformats.org/presentationml/2006/main">
-  <p:tag name="ARTICULATE_PUBLISH_MODE" val="2"/>
+  <p:tag name="ELAPSEDTIME" val="46.781"/>
+  <p:tag name="ARTICULATE_SLIDE_GUID" val="6a587c2e-6aaf-4284-9ec1-99ce38bf20cc"/>
+  <p:tag name="TIMELINE" val="7.88/21.47/29.06/39.80"/>
+  <p:tag name="ARTICULATE_SLIDE_PAUSE" val="0"/>
+  <p:tag name="ARTICULATE_NAV_LEVEL" val="2"/>
+  <p:tag name="ARTICULATE_PLAYLIST_ID" val="-1"/>
+  <p:tag name="ARTICULATE_LOCK_SLIDE" val="0"/>
 </p:tagLst>
 </file>
 
 <file path=ppt/tags/tag35.xml><?xml version="1.0" encoding="utf-8"?>
 <p:tagLst xmlns:a="http://schemas.openxmlformats.org/drawingml/2006/main" xmlns:r="http://schemas.openxmlformats.org/officeDocument/2006/relationships" xmlns:p="http://schemas.openxmlformats.org/presentationml/2006/main">
-  <p:tag name="ARTICULATE_SLIDE_GUID" val="a947f073-85c5-4009-beaa-63bc1d413637"/>
-  <p:tag name="ARTICULATE_SLIDE_PAUSE" val="0"/>
-  <p:tag name="ARTICULATE_NAV_LEVEL" val="1"/>
-  <p:tag name="ARTICULATE_PLAYLIST_ID" val="-1"/>
-  <p:tag name="ARTICULATE_LOCK_SLIDE" val="0"/>
-  <p:tag name="ELAPSEDTIME" val="5.354"/>
-  <p:tag name="ARTICULATE_SLIDE_NAV" val="17"/>
+  <p:tag name="ARTICULATE_PUBLISH_MODE" val="2"/>
 </p:tagLst>
 </file>
 
 <file path=ppt/tags/tag36.xml><?xml version="1.0" encoding="utf-8"?>
 <p:tagLst xmlns:a="http://schemas.openxmlformats.org/drawingml/2006/main" xmlns:r="http://schemas.openxmlformats.org/officeDocument/2006/relationships" xmlns:p="http://schemas.openxmlformats.org/presentationml/2006/main">
-  <p:tag name="ARTICULATE_SLIDE_GUID" val="3de3ef57-34fa-40fc-a2df-4249a84acb4f"/>
-  <p:tag name="ARTICULATE_SLIDE_PAUSE" val="0"/>
-  <p:tag name="ARTICULATE_NAV_LEVEL" val="2"/>
-  <p:tag name="ARTICULATE_PLAYLIST_ID" val="-1"/>
-  <p:tag name="ARTICULATE_LOCK_SLIDE" val="0"/>
-  <p:tag name="TIMELINE" val="28.78/46.49/54.93/57.96/64.80/70.53/70.53/82.26/82.60/99.64/130.51"/>
-  <p:tag name="ELAPSEDTIME" val="137.531"/>
-  <p:tag name="ARTICULATE_SLIDE_NAV" val="18"/>
+  <p:tag name="ARTICULATE_PUBLISH_MODE" val="2"/>
 </p:tagLst>
 </file>
 
 <file path=ppt/tags/tag37.xml><?xml version="1.0" encoding="utf-8"?>
 <p:tagLst xmlns:a="http://schemas.openxmlformats.org/drawingml/2006/main" xmlns:r="http://schemas.openxmlformats.org/officeDocument/2006/relationships" xmlns:p="http://schemas.openxmlformats.org/presentationml/2006/main">
-  <p:tag name="ARTICULATE_PUBLISH_MODE" val="2"/>
+  <p:tag name="ARTICULATE_SLIDE_GUID" val="08a8f498-51e8-415f-bb9d-287c9666ec27"/>
+  <p:tag name="ELAPSEDTIME" val="56.421"/>
+  <p:tag name="ARTICULATE_TITLE_TAG" val="Pipeline Phases w/ Fetch"/>
+  <p:tag name="TIMELINE" val="2.37/46.73"/>
+  <p:tag name="ARTICULATE_SLIDE_PAUSE" val="0"/>
+  <p:tag name="ARTICULATE_NAV_LEVEL" val="2"/>
+  <p:tag name="ARTICULATE_PLAYLIST_ID" val="-1"/>
+  <p:tag name="ARTICULATE_LOCK_SLIDE" val="0"/>
 </p:tagLst>
 </file>
 
 <file path=ppt/tags/tag38.xml><?xml version="1.0" encoding="utf-8"?>
 <p:tagLst xmlns:a="http://schemas.openxmlformats.org/drawingml/2006/main" xmlns:r="http://schemas.openxmlformats.org/officeDocument/2006/relationships" xmlns:p="http://schemas.openxmlformats.org/presentationml/2006/main">
-  <p:tag name="ARTICULATE_PUBLISH_MODE" val="2"/>
+  <p:tag name="ARTICULATE_SLIDE_GUID" val="5e6f515b-b544-4c11-99f1-1dad6d9dee7f"/>
+  <p:tag name="ELAPSEDTIME" val="43.671"/>
+  <p:tag name="TIMELINE" val="7.92/33.95"/>
+  <p:tag name="ARTICULATE_SLIDE_PAUSE" val="0"/>
+  <p:tag name="ARTICULATE_NAV_LEVEL" val="2"/>
+  <p:tag name="ARTICULATE_PLAYLIST_ID" val="-1"/>
+  <p:tag name="ARTICULATE_LOCK_SLIDE" val="0"/>
 </p:tagLst>
 </file>
 
@@ -38578,32 +36085,31 @@
 <file path=ppt/tags/tag4.xml><?xml version="1.0" encoding="utf-8"?>
 <p:tagLst xmlns:a="http://schemas.openxmlformats.org/drawingml/2006/main" xmlns:r="http://schemas.openxmlformats.org/officeDocument/2006/relationships" xmlns:p="http://schemas.openxmlformats.org/presentationml/2006/main">
   <p:tag name="ARTICULATE_SLIDE_GUID" val="729f5771-939f-459c-a799-aec7698a9bca"/>
+  <p:tag name="ARTICULATE_SLIDE_NAV" val="1"/>
   <p:tag name="ELAPSEDTIME" val="23.453"/>
-  <p:tag name="ARTICULATE_TITLE_TAG" val="C66x CorePac: Achieving High Performance"/>
   <p:tag name="ARTICULATE_SLIDE_PAUSE" val="0"/>
   <p:tag name="ARTICULATE_NAV_LEVEL" val="1"/>
   <p:tag name="ARTICULATE_PLAYLIST_ID" val="-1"/>
   <p:tag name="ARTICULATE_LOCK_SLIDE" val="0"/>
-  <p:tag name="ARTICULATE_SLIDE_NAV" val="1"/>
 </p:tagLst>
 </file>
 
 <file path=ppt/tags/tag40.xml><?xml version="1.0" encoding="utf-8"?>
 <p:tagLst xmlns:a="http://schemas.openxmlformats.org/drawingml/2006/main" xmlns:r="http://schemas.openxmlformats.org/officeDocument/2006/relationships" xmlns:p="http://schemas.openxmlformats.org/presentationml/2006/main">
-  <p:tag name="ARTICULATE_SLIDE_GUID" val="6a587c2e-6aaf-4284-9ec1-99ce38bf20cc"/>
-  <p:tag name="ARTICULATE_SLIDE_PAUSE" val="0"/>
-  <p:tag name="ARTICULATE_NAV_LEVEL" val="2"/>
-  <p:tag name="ARTICULATE_PLAYLIST_ID" val="-1"/>
-  <p:tag name="ARTICULATE_LOCK_SLIDE" val="0"/>
-  <p:tag name="TIMELINE" val="7.88/21.47/29.06/39.80"/>
-  <p:tag name="ELAPSEDTIME" val="46.729"/>
-  <p:tag name="ARTICULATE_SLIDE_NAV" val="19"/>
+  <p:tag name="ARTICULATE_PUBLISH_MODE" val="2"/>
 </p:tagLst>
 </file>
 
 <file path=ppt/tags/tag41.xml><?xml version="1.0" encoding="utf-8"?>
 <p:tagLst xmlns:a="http://schemas.openxmlformats.org/drawingml/2006/main" xmlns:r="http://schemas.openxmlformats.org/officeDocument/2006/relationships" xmlns:p="http://schemas.openxmlformats.org/presentationml/2006/main">
-  <p:tag name="ARTICULATE_PUBLISH_MODE" val="2"/>
+  <p:tag name="ELAPSEDTIME" val="32.208"/>
+  <p:tag name="ARTICULATE_SLIDE_GUID" val="86f04d38-8ea2-4c20-8ab0-3994611fb984"/>
+  <p:tag name="ARTICULATE_TITLE_TAG" val="Pipeline Phases w/ Fetch &amp; Decode"/>
+  <p:tag name="TIMELINE" val="0.74/14.88/23.57"/>
+  <p:tag name="ARTICULATE_SLIDE_PAUSE" val="0"/>
+  <p:tag name="ARTICULATE_NAV_LEVEL" val="2"/>
+  <p:tag name="ARTICULATE_PLAYLIST_ID" val="-1"/>
+  <p:tag name="ARTICULATE_LOCK_SLIDE" val="0"/>
 </p:tagLst>
 </file>
 
@@ -38615,60 +36121,71 @@
 
 <file path=ppt/tags/tag43.xml><?xml version="1.0" encoding="utf-8"?>
 <p:tagLst xmlns:a="http://schemas.openxmlformats.org/drawingml/2006/main" xmlns:r="http://schemas.openxmlformats.org/officeDocument/2006/relationships" xmlns:p="http://schemas.openxmlformats.org/presentationml/2006/main">
-  <p:tag name="ARTICULATE_SLIDE_GUID" val="08a8f498-51e8-415f-bb9d-287c9666ec27"/>
-  <p:tag name="ARTICULATE_TITLE_TAG" val="Pipeline Phases w/ Fetch"/>
-  <p:tag name="ARTICULATE_SLIDE_PAUSE" val="0"/>
-  <p:tag name="ARTICULATE_NAV_LEVEL" val="2"/>
-  <p:tag name="ARTICULATE_PLAYLIST_ID" val="-1"/>
-  <p:tag name="ARTICULATE_LOCK_SLIDE" val="0"/>
-  <p:tag name="TIMELINE" val="2.37/46.73"/>
-  <p:tag name="ELAPSEDTIME" val="56.369"/>
-  <p:tag name="ARTICULATE_SLIDE_NAV" val="20"/>
+  <p:tag name="ARTICULATE_PUBLISH_MODE" val="2"/>
 </p:tagLst>
 </file>
 
 <file path=ppt/tags/tag44.xml><?xml version="1.0" encoding="utf-8"?>
 <p:tagLst xmlns:a="http://schemas.openxmlformats.org/drawingml/2006/main" xmlns:r="http://schemas.openxmlformats.org/officeDocument/2006/relationships" xmlns:p="http://schemas.openxmlformats.org/presentationml/2006/main">
-  <p:tag name="ARTICULATE_SLIDE_GUID" val="5e6f515b-b544-4c11-99f1-1dad6d9dee7f"/>
+  <p:tag name="ELAPSEDTIME" val="79.463"/>
+  <p:tag name="TIMELINE" val="14.90/21.60/46.63/60.92/74.23"/>
   <p:tag name="ARTICULATE_SLIDE_PAUSE" val="0"/>
   <p:tag name="ARTICULATE_NAV_LEVEL" val="2"/>
   <p:tag name="ARTICULATE_PLAYLIST_ID" val="-1"/>
   <p:tag name="ARTICULATE_LOCK_SLIDE" val="0"/>
-  <p:tag name="TIMELINE" val="7.92/33.95"/>
-  <p:tag name="ELAPSEDTIME" val="43.619"/>
-  <p:tag name="ARTICULATE_SLIDE_NAV" val="21"/>
 </p:tagLst>
 </file>
 
 <file path=ppt/tags/tag45.xml><?xml version="1.0" encoding="utf-8"?>
 <p:tagLst xmlns:a="http://schemas.openxmlformats.org/drawingml/2006/main" xmlns:r="http://schemas.openxmlformats.org/officeDocument/2006/relationships" xmlns:p="http://schemas.openxmlformats.org/presentationml/2006/main">
-  <p:tag name="ARTICULATE_PUBLISH_MODE" val="2"/>
+  <p:tag name="NO LOGOS" val="true"/>
+  <p:tag name="COLORSCHEMEINDEX" val="5"/>
+  <p:tag name="ELAPSEDTIME" val="33.723"/>
+  <p:tag name="ARTICULATE_SLIDE_PAUSE" val="0"/>
+  <p:tag name="ARTICULATE_NAV_LEVEL" val="2"/>
+  <p:tag name="ARTICULATE_PLAYLIST_ID" val="-1"/>
+  <p:tag name="ARTICULATE_LOCK_SLIDE" val="0"/>
 </p:tagLst>
 </file>
 
 <file path=ppt/tags/tag46.xml><?xml version="1.0" encoding="utf-8"?>
 <p:tagLst xmlns:a="http://schemas.openxmlformats.org/drawingml/2006/main" xmlns:r="http://schemas.openxmlformats.org/officeDocument/2006/relationships" xmlns:p="http://schemas.openxmlformats.org/presentationml/2006/main">
-  <p:tag name="ARTICULATE_PUBLISH_MODE" val="2"/>
+  <p:tag name="NO LOGOS" val="true"/>
+  <p:tag name="COLORSCHEMEINDEX" val="5"/>
+  <p:tag name="ELAPSEDTIME" val="36.906"/>
+  <p:tag name="ARTICULATE_SLIDE_PAUSE" val="0"/>
+  <p:tag name="ARTICULATE_NAV_LEVEL" val="2"/>
+  <p:tag name="ARTICULATE_PLAYLIST_ID" val="-1"/>
+  <p:tag name="ARTICULATE_LOCK_SLIDE" val="0"/>
 </p:tagLst>
 </file>
 
 <file path=ppt/tags/tag47.xml><?xml version="1.0" encoding="utf-8"?>
 <p:tagLst xmlns:a="http://schemas.openxmlformats.org/drawingml/2006/main" xmlns:r="http://schemas.openxmlformats.org/officeDocument/2006/relationships" xmlns:p="http://schemas.openxmlformats.org/presentationml/2006/main">
-  <p:tag name="ARTICULATE_SLIDE_GUID" val="86f04d38-8ea2-4c20-8ab0-3994611fb984"/>
-  <p:tag name="ARTICULATE_TITLE_TAG" val="Pipeline Phases w/ Fetch &amp; Decode"/>
+  <p:tag name="COLORSCHEMEINDEX" val="5"/>
+  <p:tag name="ELAPSEDTIME" val="51.666"/>
+  <p:tag name="ARTICULATE_TITLE_TAG" val="Non-Pipelined Code Flow"/>
+  <p:tag name="TIMELINE" val="5.61/10.85/14.53/19.12/36.37"/>
   <p:tag name="ARTICULATE_SLIDE_PAUSE" val="0"/>
   <p:tag name="ARTICULATE_NAV_LEVEL" val="2"/>
   <p:tag name="ARTICULATE_PLAYLIST_ID" val="-1"/>
+  <p:tag name="ARTICULATE_VIEW_MODE" val="1"/>
   <p:tag name="ARTICULATE_LOCK_SLIDE" val="0"/>
-  <p:tag name="TIMELINE" val="0.74/14.88/23.57"/>
-  <p:tag name="ELAPSEDTIME" val="32.156"/>
-  <p:tag name="ARTICULATE_SLIDE_NAV" val="22"/>
 </p:tagLst>
 </file>
 
 <file path=ppt/tags/tag48.xml><?xml version="1.0" encoding="utf-8"?>
 <p:tagLst xmlns:a="http://schemas.openxmlformats.org/drawingml/2006/main" xmlns:r="http://schemas.openxmlformats.org/officeDocument/2006/relationships" xmlns:p="http://schemas.openxmlformats.org/presentationml/2006/main">
-  <p:tag name="ARTICULATE_PUBLISH_MODE" val="2"/>
+  <p:tag name="COLORSCHEMEINDEX" val="5"/>
+  <p:tag name="ELAPSEDTIME" val="94.666"/>
+  <p:tag name="ARTICULATE_TITLE_TAG" val="Pipelined Code Flow"/>
+  <p:tag name="ARTICULATE_SLIDE_GUID" val="d371eae8-dc67-47e3-b5f4-8ee868740c91"/>
+  <p:tag name="TIMELINE" val="9.29/16.53/24.21/31.20/46.94/49.21/51.68/72.06/80.42"/>
+  <p:tag name="ARTICULATE_SLIDE_PAUSE" val="0"/>
+  <p:tag name="ARTICULATE_NAV_LEVEL" val="2"/>
+  <p:tag name="ARTICULATE_PLAYLIST_ID" val="-1"/>
+  <p:tag name="ARTICULATE_VIEW_MODE" val="1"/>
+  <p:tag name="ARTICULATE_LOCK_SLIDE" val="0"/>
 </p:tagLst>
 </file>
 
@@ -38681,75 +36198,40 @@
 <file path=ppt/tags/tag5.xml><?xml version="1.0" encoding="utf-8"?>
 <p:tagLst xmlns:a="http://schemas.openxmlformats.org/drawingml/2006/main" xmlns:r="http://schemas.openxmlformats.org/officeDocument/2006/relationships" xmlns:p="http://schemas.openxmlformats.org/presentationml/2006/main">
   <p:tag name="ELAPSEDTIME" val="27.921"/>
-  <p:tag name="ARTICULATE_SLIDE_GUID" val="b009a8cc-79de-47d0-bebf-9f651eae3054"/>
   <p:tag name="ARTICULATE_SLIDE_PAUSE" val="0"/>
   <p:tag name="ARTICULATE_NAV_LEVEL" val="1"/>
   <p:tag name="ARTICULATE_PLAYLIST_ID" val="-1"/>
   <p:tag name="ARTICULATE_LOCK_SLIDE" val="0"/>
-  <p:tag name="ARTICULATE_SLIDE_NAV" val="2"/>
 </p:tagLst>
 </file>
 
 <file path=ppt/tags/tag50.xml><?xml version="1.0" encoding="utf-8"?>
 <p:tagLst xmlns:a="http://schemas.openxmlformats.org/drawingml/2006/main" xmlns:r="http://schemas.openxmlformats.org/officeDocument/2006/relationships" xmlns:p="http://schemas.openxmlformats.org/presentationml/2006/main">
-  <p:tag name="ARTICULATE_SLIDE_GUID" val="4032d7a5-8a30-4a8a-839f-7ac0cf332e69"/>
-  <p:tag name="ARTICULATE_SLIDE_PAUSE" val="0"/>
-  <p:tag name="ARTICULATE_NAV_LEVEL" val="2"/>
-  <p:tag name="ARTICULATE_PLAYLIST_ID" val="-1"/>
-  <p:tag name="ARTICULATE_LOCK_SLIDE" val="0"/>
-  <p:tag name="TIMELINE" val="14.90/21.60/46.63/60.92/74.23"/>
-  <p:tag name="ELAPSEDTIME" val="79.411"/>
-  <p:tag name="ARTICULATE_SLIDE_NAV" val="23"/>
+  <p:tag name="ARTICULATE_PUBLISH_MODE" val="2"/>
 </p:tagLst>
 </file>
 
 <file path=ppt/tags/tag51.xml><?xml version="1.0" encoding="utf-8"?>
 <p:tagLst xmlns:a="http://schemas.openxmlformats.org/drawingml/2006/main" xmlns:r="http://schemas.openxmlformats.org/officeDocument/2006/relationships" xmlns:p="http://schemas.openxmlformats.org/presentationml/2006/main">
-  <p:tag name="NO LOGOS" val="true"/>
-  <p:tag name="COLORSCHEMEINDEX" val="5"/>
-  <p:tag name="ARTICULATE_SLIDE_GUID" val="75977bf5-81a2-4f10-a739-08f74aa3769e"/>
-  <p:tag name="ARTICULATE_SLIDE_PAUSE" val="0"/>
-  <p:tag name="ARTICULATE_NAV_LEVEL" val="2"/>
-  <p:tag name="ARTICULATE_PLAYLIST_ID" val="-1"/>
-  <p:tag name="ARTICULATE_LOCK_SLIDE" val="0"/>
-  <p:tag name="ELAPSEDTIME" val="33.666"/>
-  <p:tag name="ARTICULATE_SLIDE_NAV" val="24"/>
+  <p:tag name="ARTICULATE_PUBLISH_MODE" val="2"/>
 </p:tagLst>
 </file>
 
 <file path=ppt/tags/tag52.xml><?xml version="1.0" encoding="utf-8"?>
 <p:tagLst xmlns:a="http://schemas.openxmlformats.org/drawingml/2006/main" xmlns:r="http://schemas.openxmlformats.org/officeDocument/2006/relationships" xmlns:p="http://schemas.openxmlformats.org/presentationml/2006/main">
-  <p:tag name="NO LOGOS" val="true"/>
-  <p:tag name="COLORSCHEMEINDEX" val="5"/>
-  <p:tag name="ARTICULATE_SLIDE_GUID" val="3d07b721-0b8b-4d9e-a677-8ff26ffd06a0"/>
-  <p:tag name="ARTICULATE_SLIDE_PAUSE" val="0"/>
-  <p:tag name="ARTICULATE_NAV_LEVEL" val="2"/>
-  <p:tag name="ARTICULATE_PLAYLIST_ID" val="-1"/>
-  <p:tag name="ARTICULATE_LOCK_SLIDE" val="0"/>
-  <p:tag name="ELAPSEDTIME" val="36.854"/>
-  <p:tag name="ARTICULATE_SLIDE_NAV" val="25"/>
+  <p:tag name="ARTICULATE_PUBLISH_MODE" val="2"/>
 </p:tagLst>
 </file>
 
 <file path=ppt/tags/tag53.xml><?xml version="1.0" encoding="utf-8"?>
 <p:tagLst xmlns:a="http://schemas.openxmlformats.org/drawingml/2006/main" xmlns:r="http://schemas.openxmlformats.org/officeDocument/2006/relationships" xmlns:p="http://schemas.openxmlformats.org/presentationml/2006/main">
-  <p:tag name="COLORSCHEMEINDEX" val="5"/>
-  <p:tag name="ARTICULATE_TITLE_TAG" val="Non-Pipelined Code Flow"/>
-  <p:tag name="ARTICULATE_SLIDE_GUID" val="f16edc18-3a3b-4df7-84c2-948637927da7"/>
-  <p:tag name="ARTICULATE_SLIDE_PAUSE" val="0"/>
-  <p:tag name="ARTICULATE_NAV_LEVEL" val="2"/>
-  <p:tag name="ARTICULATE_PLAYLIST_ID" val="-1"/>
-  <p:tag name="ARTICULATE_VIEW_MODE" val="1"/>
-  <p:tag name="ARTICULATE_LOCK_SLIDE" val="0"/>
-  <p:tag name="TIMELINE" val="5.61/10.85/14.53/19.12/36.37"/>
-  <p:tag name="ELAPSEDTIME" val="51.614"/>
-  <p:tag name="ARTICULATE_SLIDE_NAV" val="26"/>
+  <p:tag name="ARTICULATE_PUBLISH_MODE" val="2"/>
 </p:tagLst>
 </file>
 
 <file path=ppt/tags/tag54.xml><?xml version="1.0" encoding="utf-8"?>
 <p:tagLst xmlns:a="http://schemas.openxmlformats.org/drawingml/2006/main" xmlns:r="http://schemas.openxmlformats.org/officeDocument/2006/relationships" xmlns:p="http://schemas.openxmlformats.org/presentationml/2006/main">
-  <p:tag name="ARTICULATE_PUBLISH_MODE" val="1"/>
+  <p:tag name="ARTICULATE_PUBLISH_MODE" val="2"/>
 </p:tagLst>
 </file>
 
@@ -38779,89 +36261,31 @@
 
 <file path=ppt/tags/tag59.xml><?xml version="1.0" encoding="utf-8"?>
 <p:tagLst xmlns:a="http://schemas.openxmlformats.org/drawingml/2006/main" xmlns:r="http://schemas.openxmlformats.org/officeDocument/2006/relationships" xmlns:p="http://schemas.openxmlformats.org/presentationml/2006/main">
-  <p:tag name="ARTICULATE_PUBLISH_MODE" val="2"/>
+  <p:tag name="ELAPSEDTIME" val="109.713"/>
+  <p:tag name="ARTICULATE_SLIDE_PAUSE" val="0"/>
+  <p:tag name="ARTICULATE_NAV_LEVEL" val="2"/>
+  <p:tag name="ARTICULATE_PLAYLIST_ID" val="-1"/>
+  <p:tag name="ARTICULATE_LOCK_SLIDE" val="0"/>
 </p:tagLst>
 </file>
 
 <file path=ppt/tags/tag6.xml><?xml version="1.0" encoding="utf-8"?>
 <p:tagLst xmlns:a="http://schemas.openxmlformats.org/drawingml/2006/main" xmlns:r="http://schemas.openxmlformats.org/officeDocument/2006/relationships" xmlns:p="http://schemas.openxmlformats.org/presentationml/2006/main">
   <p:tag name="ELAPSEDTIME" val="3.552"/>
-  <p:tag name="ARTICULATE_SLIDE_GUID" val="635c00c5-9ab3-4ee3-bad5-11887c967ec9"/>
   <p:tag name="ARTICULATE_SLIDE_PAUSE" val="0"/>
   <p:tag name="ARTICULATE_NAV_LEVEL" val="1"/>
   <p:tag name="ARTICULATE_PLAYLIST_ID" val="-1"/>
   <p:tag name="ARTICULATE_LOCK_SLIDE" val="0"/>
-  <p:tag name="ARTICULATE_SLIDE_NAV" val="3"/>
 </p:tagLst>
 </file>
 
 <file path=ppt/tags/tag60.xml><?xml version="1.0" encoding="utf-8"?>
 <p:tagLst xmlns:a="http://schemas.openxmlformats.org/drawingml/2006/main" xmlns:r="http://schemas.openxmlformats.org/officeDocument/2006/relationships" xmlns:p="http://schemas.openxmlformats.org/presentationml/2006/main">
-  <p:tag name="COLORSCHEMEINDEX" val="5"/>
-  <p:tag name="ARTICULATE_TITLE_TAG" val="Pipelined Code Flow"/>
-  <p:tag name="ARTICULATE_SLIDE_GUID" val="d371eae8-dc67-47e3-b5f4-8ee868740c91"/>
+  <p:tag name="ELAPSEDTIME" val="2761.739"/>
   <p:tag name="ARTICULATE_SLIDE_PAUSE" val="0"/>
-  <p:tag name="ARTICULATE_NAV_LEVEL" val="2"/>
+  <p:tag name="ARTICULATE_NAV_LEVEL" val="1"/>
   <p:tag name="ARTICULATE_PLAYLIST_ID" val="-1"/>
-  <p:tag name="ARTICULATE_VIEW_MODE" val="1"/>
   <p:tag name="ARTICULATE_LOCK_SLIDE" val="0"/>
-  <p:tag name="TIMELINE" val="9.29/16.53/24.21/31.20/46.94/49.21/51.68/72.06/80.42"/>
-  <p:tag name="ELAPSEDTIME" val="94.614"/>
-  <p:tag name="ARTICULATE_SLIDE_NAV" val="27"/>
-</p:tagLst>
-</file>
-
-<file path=ppt/tags/tag61.xml><?xml version="1.0" encoding="utf-8"?>
-<p:tagLst xmlns:a="http://schemas.openxmlformats.org/drawingml/2006/main" xmlns:r="http://schemas.openxmlformats.org/officeDocument/2006/relationships" xmlns:p="http://schemas.openxmlformats.org/presentationml/2006/main">
-  <p:tag name="ARTICULATE_PUBLISH_MODE" val="2"/>
-</p:tagLst>
-</file>
-
-<file path=ppt/tags/tag62.xml><?xml version="1.0" encoding="utf-8"?>
-<p:tagLst xmlns:a="http://schemas.openxmlformats.org/drawingml/2006/main" xmlns:r="http://schemas.openxmlformats.org/officeDocument/2006/relationships" xmlns:p="http://schemas.openxmlformats.org/presentationml/2006/main">
-  <p:tag name="ARTICULATE_PUBLISH_MODE" val="2"/>
-</p:tagLst>
-</file>
-
-<file path=ppt/tags/tag63.xml><?xml version="1.0" encoding="utf-8"?>
-<p:tagLst xmlns:a="http://schemas.openxmlformats.org/drawingml/2006/main" xmlns:r="http://schemas.openxmlformats.org/officeDocument/2006/relationships" xmlns:p="http://schemas.openxmlformats.org/presentationml/2006/main">
-  <p:tag name="ARTICULATE_PUBLISH_MODE" val="2"/>
-</p:tagLst>
-</file>
-
-<file path=ppt/tags/tag64.xml><?xml version="1.0" encoding="utf-8"?>
-<p:tagLst xmlns:a="http://schemas.openxmlformats.org/drawingml/2006/main" xmlns:r="http://schemas.openxmlformats.org/officeDocument/2006/relationships" xmlns:p="http://schemas.openxmlformats.org/presentationml/2006/main">
-  <p:tag name="ARTICULATE_PUBLISH_MODE" val="2"/>
-</p:tagLst>
-</file>
-
-<file path=ppt/tags/tag65.xml><?xml version="1.0" encoding="utf-8"?>
-<p:tagLst xmlns:a="http://schemas.openxmlformats.org/drawingml/2006/main" xmlns:r="http://schemas.openxmlformats.org/officeDocument/2006/relationships" xmlns:p="http://schemas.openxmlformats.org/presentationml/2006/main">
-  <p:tag name="ARTICULATE_PUBLISH_MODE" val="2"/>
-</p:tagLst>
-</file>
-
-<file path=ppt/tags/tag66.xml><?xml version="1.0" encoding="utf-8"?>
-<p:tagLst xmlns:a="http://schemas.openxmlformats.org/drawingml/2006/main" xmlns:r="http://schemas.openxmlformats.org/officeDocument/2006/relationships" xmlns:p="http://schemas.openxmlformats.org/presentationml/2006/main">
-  <p:tag name="ARTICULATE_PUBLISH_MODE" val="2"/>
-</p:tagLst>
-</file>
-
-<file path=ppt/tags/tag67.xml><?xml version="1.0" encoding="utf-8"?>
-<p:tagLst xmlns:a="http://schemas.openxmlformats.org/drawingml/2006/main" xmlns:r="http://schemas.openxmlformats.org/officeDocument/2006/relationships" xmlns:p="http://schemas.openxmlformats.org/presentationml/2006/main">
-  <p:tag name="ARTICULATE_PUBLISH_MODE" val="2"/>
-</p:tagLst>
-</file>
-
-<file path=ppt/tags/tag68.xml><?xml version="1.0" encoding="utf-8"?>
-<p:tagLst xmlns:a="http://schemas.openxmlformats.org/drawingml/2006/main" xmlns:r="http://schemas.openxmlformats.org/officeDocument/2006/relationships" xmlns:p="http://schemas.openxmlformats.org/presentationml/2006/main">
-  <p:tag name="ARTICULATE_PUBLISH_MODE" val="2"/>
-</p:tagLst>
-</file>
-
-<file path=ppt/tags/tag69.xml><?xml version="1.0" encoding="utf-8"?>
-<p:tagLst xmlns:a="http://schemas.openxmlformats.org/drawingml/2006/main" xmlns:r="http://schemas.openxmlformats.org/officeDocument/2006/relationships" xmlns:p="http://schemas.openxmlformats.org/presentationml/2006/main">
-  <p:tag name="ARTICULATE_PUBLISH_MODE" val="2"/>
 </p:tagLst>
 </file>
 
@@ -38869,43 +36293,12 @@
 <p:tagLst xmlns:a="http://schemas.openxmlformats.org/drawingml/2006/main" xmlns:r="http://schemas.openxmlformats.org/officeDocument/2006/relationships" xmlns:p="http://schemas.openxmlformats.org/presentationml/2006/main">
   <p:tag name="ELAPSEDTIME" val="122.588"/>
   <p:tag name="ARTICULATE_SLIDE_GUID" val="f63357b2-8a1b-4c55-9126-951da9cde8bb"/>
+  <p:tag name="TIMELINE" val="6.42/42.10/68.00/92.61"/>
   <p:tag name="ARTICULATE_SLIDE_PAUSE" val="0"/>
   <p:tag name="ARTICULATE_NAV_LEVEL" val="2"/>
   <p:tag name="ARTICULATE_PLAYLIST_ID" val="-1"/>
   <p:tag name="ARTICULATE_VIEW_MODE" val="1"/>
   <p:tag name="ARTICULATE_LOCK_SLIDE" val="0"/>
-  <p:tag name="TIMELINE" val="6.42/42.10/68.00/92.61"/>
-  <p:tag name="ARTICULATE_SLIDE_NAV" val="4"/>
-</p:tagLst>
-</file>
-
-<file path=ppt/tags/tag70.xml><?xml version="1.0" encoding="utf-8"?>
-<p:tagLst xmlns:a="http://schemas.openxmlformats.org/drawingml/2006/main" xmlns:r="http://schemas.openxmlformats.org/officeDocument/2006/relationships" xmlns:p="http://schemas.openxmlformats.org/presentationml/2006/main">
-  <p:tag name="ARTICULATE_PUBLISH_MODE" val="2"/>
-</p:tagLst>
-</file>
-
-<file path=ppt/tags/tag71.xml><?xml version="1.0" encoding="utf-8"?>
-<p:tagLst xmlns:a="http://schemas.openxmlformats.org/drawingml/2006/main" xmlns:r="http://schemas.openxmlformats.org/officeDocument/2006/relationships" xmlns:p="http://schemas.openxmlformats.org/presentationml/2006/main">
-  <p:tag name="ARTICULATE_SLIDE_GUID" val="63b108f9-8a56-46ee-9844-10825dcf127f"/>
-  <p:tag name="ARTICULATE_SLIDE_PAUSE" val="0"/>
-  <p:tag name="ARTICULATE_NAV_LEVEL" val="2"/>
-  <p:tag name="ARTICULATE_PLAYLIST_ID" val="-1"/>
-  <p:tag name="ARTICULATE_LOCK_SLIDE" val="0"/>
-  <p:tag name="ELAPSEDTIME" val="107.489"/>
-  <p:tag name="ARTICULATE_SLIDE_NAV" val="28"/>
-</p:tagLst>
-</file>
-
-<file path=ppt/tags/tag72.xml><?xml version="1.0" encoding="utf-8"?>
-<p:tagLst xmlns:a="http://schemas.openxmlformats.org/drawingml/2006/main" xmlns:r="http://schemas.openxmlformats.org/officeDocument/2006/relationships" xmlns:p="http://schemas.openxmlformats.org/presentationml/2006/main">
-  <p:tag name="ARTICULATE_SLIDE_GUID" val="395925bc-f85d-48ea-8387-9891b770d94c"/>
-  <p:tag name="ARTICULATE_SLIDE_PAUSE" val="0"/>
-  <p:tag name="ARTICULATE_NAV_LEVEL" val="1"/>
-  <p:tag name="ARTICULATE_PLAYLIST_ID" val="-1"/>
-  <p:tag name="ARTICULATE_LOCK_SLIDE" val="0"/>
-  <p:tag name="ELAPSEDTIME" val="31.447"/>
-  <p:tag name="ARTICULATE_SLIDE_NAV" val="29"/>
 </p:tagLst>
 </file>
 

--- a/slides/Corepac Performance.pptx
+++ b/slides/Corepac Performance.pptx
@@ -39,7 +39,7 @@
     <p:sldId id="293" r:id="rId30"/>
   </p:sldIdLst>
   <p:sldSz cx="9144000" cy="6858000" type="screen4x3"/>
-  <p:notesSz cx="7010400" cy="9296400"/>
+  <p:notesSz cx="7315200" cy="9601200"/>
   <p:custDataLst>
     <p:tags r:id="rId32"/>
   </p:custDataLst>
@@ -206,14 +206,14 @@
         <p:spPr>
           <a:xfrm>
             <a:off x="0" y="0"/>
-            <a:ext cx="3038475" cy="465138"/>
+            <a:ext cx="3170583" cy="480388"/>
           </a:xfrm>
           <a:prstGeom prst="rect">
             <a:avLst/>
           </a:prstGeom>
         </p:spPr>
         <p:txBody>
-          <a:bodyPr vert="horz" lIns="93177" tIns="46589" rIns="93177" bIns="46589" rtlCol="0"/>
+          <a:bodyPr vert="horz" lIns="96653" tIns="48327" rIns="96653" bIns="48327" rtlCol="0"/>
           <a:lstStyle>
             <a:lvl1pPr algn="l" fontAlgn="auto">
               <a:spcBef>
@@ -247,15 +247,15 @@
         </p:nvSpPr>
         <p:spPr>
           <a:xfrm>
-            <a:off x="3970338" y="0"/>
-            <a:ext cx="3038475" cy="465138"/>
+            <a:off x="4142962" y="0"/>
+            <a:ext cx="3170583" cy="480388"/>
           </a:xfrm>
           <a:prstGeom prst="rect">
             <a:avLst/>
           </a:prstGeom>
         </p:spPr>
         <p:txBody>
-          <a:bodyPr vert="horz" lIns="93177" tIns="46589" rIns="93177" bIns="46589" rtlCol="0"/>
+          <a:bodyPr vert="horz" lIns="96653" tIns="48327" rIns="96653" bIns="48327" rtlCol="0"/>
           <a:lstStyle>
             <a:lvl1pPr algn="r" fontAlgn="auto">
               <a:spcBef>
@@ -278,7 +278,7 @@
               <a:pPr>
                 <a:defRPr/>
               </a:pPr>
-              <a:t>4/30/2012</a:t>
+              <a:t>1/17/2012</a:t>
             </a:fld>
             <a:endParaRPr lang="en-US" dirty="0"/>
           </a:p>
@@ -296,8 +296,8 @@
         </p:nvSpPr>
         <p:spPr>
           <a:xfrm>
-            <a:off x="1181100" y="696913"/>
-            <a:ext cx="4648200" cy="3486150"/>
+            <a:off x="1257300" y="719138"/>
+            <a:ext cx="4800600" cy="3600450"/>
           </a:xfrm>
           <a:prstGeom prst="rect">
             <a:avLst/>
@@ -310,7 +310,7 @@
           </a:ln>
         </p:spPr>
         <p:txBody>
-          <a:bodyPr vert="horz" lIns="93177" tIns="46589" rIns="93177" bIns="46589" rtlCol="0" anchor="ctr"/>
+          <a:bodyPr vert="horz" lIns="96653" tIns="48327" rIns="96653" bIns="48327" rtlCol="0" anchor="ctr"/>
           <a:lstStyle/>
           <a:p>
             <a:pPr lvl="0"/>
@@ -330,15 +330,15 @@
         </p:nvSpPr>
         <p:spPr>
           <a:xfrm>
-            <a:off x="701675" y="4416425"/>
-            <a:ext cx="5607050" cy="4183063"/>
+            <a:off x="732183" y="4561226"/>
+            <a:ext cx="5850835" cy="4320213"/>
           </a:xfrm>
           <a:prstGeom prst="rect">
             <a:avLst/>
           </a:prstGeom>
         </p:spPr>
         <p:txBody>
-          <a:bodyPr vert="horz" lIns="93177" tIns="46589" rIns="93177" bIns="46589" rtlCol="0">
+          <a:bodyPr vert="horz" lIns="96653" tIns="48327" rIns="96653" bIns="48327" rtlCol="0">
             <a:normAutofit/>
           </a:bodyPr>
           <a:lstStyle/>
@@ -391,15 +391,15 @@
         </p:nvSpPr>
         <p:spPr>
           <a:xfrm>
-            <a:off x="0" y="8829675"/>
-            <a:ext cx="3038475" cy="465138"/>
+            <a:off x="0" y="9119173"/>
+            <a:ext cx="3170583" cy="480388"/>
           </a:xfrm>
           <a:prstGeom prst="rect">
             <a:avLst/>
           </a:prstGeom>
         </p:spPr>
         <p:txBody>
-          <a:bodyPr vert="horz" lIns="93177" tIns="46589" rIns="93177" bIns="46589" rtlCol="0" anchor="b"/>
+          <a:bodyPr vert="horz" lIns="96653" tIns="48327" rIns="96653" bIns="48327" rtlCol="0" anchor="b"/>
           <a:lstStyle>
             <a:lvl1pPr algn="l" fontAlgn="auto">
               <a:spcBef>
@@ -433,15 +433,15 @@
         </p:nvSpPr>
         <p:spPr>
           <a:xfrm>
-            <a:off x="3970338" y="8829675"/>
-            <a:ext cx="3038475" cy="465138"/>
+            <a:off x="4142962" y="9119173"/>
+            <a:ext cx="3170583" cy="480388"/>
           </a:xfrm>
           <a:prstGeom prst="rect">
             <a:avLst/>
           </a:prstGeom>
         </p:spPr>
         <p:txBody>
-          <a:bodyPr vert="horz" lIns="93177" tIns="46589" rIns="93177" bIns="46589" rtlCol="0" anchor="b"/>
+          <a:bodyPr vert="horz" lIns="96653" tIns="48327" rIns="96653" bIns="48327" rtlCol="0" anchor="b"/>
           <a:lstStyle>
             <a:lvl1pPr algn="r" fontAlgn="auto">
               <a:spcBef>
@@ -625,8 +625,8 @@
         </p:nvSpPr>
         <p:spPr bwMode="auto">
           <a:xfrm>
-            <a:off x="3970734" y="8829121"/>
-            <a:ext cx="3038145" cy="465743"/>
+            <a:off x="4143375" y="9118601"/>
+            <a:ext cx="3170238" cy="481013"/>
           </a:xfrm>
           <a:prstGeom prst="rect">
             <a:avLst/>
@@ -640,17 +640,17 @@
           </a:ln>
         </p:spPr>
         <p:txBody>
-          <a:bodyPr lIns="92269" tIns="46134" rIns="92269" bIns="46134" anchor="b"/>
+          <a:bodyPr lIns="95711" tIns="47855" rIns="95711" bIns="47855" anchor="b"/>
           <a:lstStyle/>
           <a:p>
-            <a:pPr defTabSz="921175"/>
+            <a:pPr defTabSz="955535"/>
             <a:fld id="{730B64B5-317C-48D6-B403-17D10F6A2C5F}" type="slidenum">
               <a:rPr lang="en-US" sz="1200">
                 <a:solidFill>
                   <a:srgbClr val="000000"/>
                 </a:solidFill>
               </a:rPr>
-              <a:pPr defTabSz="921175"/>
+              <a:pPr defTabSz="955535"/>
               <a:t>1</a:t>
             </a:fld>
             <a:endParaRPr lang="en-US" sz="1200" dirty="0">
@@ -690,7 +690,7 @@
           <a:ln/>
         </p:spPr>
         <p:txBody>
-          <a:bodyPr lIns="92269" tIns="46134" rIns="92269" bIns="46134"/>
+          <a:bodyPr lIns="95711" tIns="47855" rIns="95711" bIns="47855"/>
           <a:lstStyle/>
           <a:p>
             <a:pPr eaLnBrk="1" hangingPunct="1"/>
@@ -714,6 +714,1382 @@
 </file>
 
 <file path=ppt/notesSlides/notesSlide10.xml><?xml version="1.0" encoding="utf-8"?>
+<p:notes xmlns:a="http://schemas.openxmlformats.org/drawingml/2006/main" xmlns:r="http://schemas.openxmlformats.org/officeDocument/2006/relationships" xmlns:p="http://schemas.openxmlformats.org/presentationml/2006/main">
+  <p:cSld>
+    <p:spTree>
+      <p:nvGrpSpPr>
+        <p:cNvPr id="1" name=""/>
+        <p:cNvGrpSpPr/>
+        <p:nvPr/>
+      </p:nvGrpSpPr>
+      <p:grpSpPr>
+        <a:xfrm>
+          <a:off x="0" y="0"/>
+          <a:ext cx="0" cy="0"/>
+          <a:chOff x="0" y="0"/>
+          <a:chExt cx="0" cy="0"/>
+        </a:xfrm>
+      </p:grpSpPr>
+      <p:sp>
+        <p:nvSpPr>
+          <p:cNvPr id="2" name="Slide Image Placeholder 1"/>
+          <p:cNvSpPr>
+            <a:spLocks noGrp="1" noRot="1" noChangeAspect="1"/>
+          </p:cNvSpPr>
+          <p:nvPr>
+            <p:ph type="sldImg"/>
+          </p:nvPr>
+        </p:nvSpPr>
+        <p:spPr/>
+      </p:sp>
+      <p:sp>
+        <p:nvSpPr>
+          <p:cNvPr id="3" name="Notes Placeholder 2"/>
+          <p:cNvSpPr>
+            <a:spLocks noGrp="1"/>
+          </p:cNvSpPr>
+          <p:nvPr>
+            <p:ph type="body" idx="1"/>
+          </p:nvPr>
+        </p:nvSpPr>
+        <p:spPr/>
+        <p:txBody>
+          <a:bodyPr>
+            <a:normAutofit/>
+          </a:bodyPr>
+          <a:lstStyle/>
+          <a:p>
+            <a:endParaRPr lang="en-US"/>
+          </a:p>
+        </p:txBody>
+      </p:sp>
+      <p:sp>
+        <p:nvSpPr>
+          <p:cNvPr id="4" name="Slide Number Placeholder 3"/>
+          <p:cNvSpPr>
+            <a:spLocks noGrp="1"/>
+          </p:cNvSpPr>
+          <p:nvPr>
+            <p:ph type="sldNum" sz="quarter" idx="10"/>
+          </p:nvPr>
+        </p:nvSpPr>
+        <p:spPr/>
+        <p:txBody>
+          <a:bodyPr/>
+          <a:lstStyle/>
+          <a:p>
+            <a:pPr>
+              <a:defRPr/>
+            </a:pPr>
+            <a:fld id="{5703B4A2-C126-47DB-8BAB-ECD4F18747C5}" type="slidenum">
+              <a:rPr lang="en-US" smtClean="0"/>
+              <a:pPr>
+                <a:defRPr/>
+              </a:pPr>
+              <a:t>10</a:t>
+            </a:fld>
+            <a:endParaRPr lang="en-US" dirty="0"/>
+          </a:p>
+        </p:txBody>
+      </p:sp>
+    </p:spTree>
+  </p:cSld>
+  <p:clrMapOvr>
+    <a:masterClrMapping/>
+  </p:clrMapOvr>
+</p:notes>
+</file>
+
+<file path=ppt/notesSlides/notesSlide11.xml><?xml version="1.0" encoding="utf-8"?>
+<p:notes xmlns:a="http://schemas.openxmlformats.org/drawingml/2006/main" xmlns:r="http://schemas.openxmlformats.org/officeDocument/2006/relationships" xmlns:p="http://schemas.openxmlformats.org/presentationml/2006/main">
+  <p:cSld>
+    <p:spTree>
+      <p:nvGrpSpPr>
+        <p:cNvPr id="1" name=""/>
+        <p:cNvGrpSpPr/>
+        <p:nvPr/>
+      </p:nvGrpSpPr>
+      <p:grpSpPr>
+        <a:xfrm>
+          <a:off x="0" y="0"/>
+          <a:ext cx="0" cy="0"/>
+          <a:chOff x="0" y="0"/>
+          <a:chExt cx="0" cy="0"/>
+        </a:xfrm>
+      </p:grpSpPr>
+      <p:sp>
+        <p:nvSpPr>
+          <p:cNvPr id="2" name="Slide Image Placeholder 1"/>
+          <p:cNvSpPr>
+            <a:spLocks noGrp="1" noRot="1" noChangeAspect="1"/>
+          </p:cNvSpPr>
+          <p:nvPr>
+            <p:ph type="sldImg"/>
+          </p:nvPr>
+        </p:nvSpPr>
+        <p:spPr/>
+      </p:sp>
+      <p:sp>
+        <p:nvSpPr>
+          <p:cNvPr id="3" name="Notes Placeholder 2"/>
+          <p:cNvSpPr>
+            <a:spLocks noGrp="1"/>
+          </p:cNvSpPr>
+          <p:nvPr>
+            <p:ph type="body" idx="1"/>
+          </p:nvPr>
+        </p:nvSpPr>
+        <p:spPr/>
+        <p:txBody>
+          <a:bodyPr>
+            <a:normAutofit/>
+          </a:bodyPr>
+          <a:lstStyle/>
+          <a:p>
+            <a:endParaRPr lang="en-US"/>
+          </a:p>
+        </p:txBody>
+      </p:sp>
+      <p:sp>
+        <p:nvSpPr>
+          <p:cNvPr id="4" name="Slide Number Placeholder 3"/>
+          <p:cNvSpPr>
+            <a:spLocks noGrp="1"/>
+          </p:cNvSpPr>
+          <p:nvPr>
+            <p:ph type="sldNum" sz="quarter" idx="10"/>
+          </p:nvPr>
+        </p:nvSpPr>
+        <p:spPr/>
+        <p:txBody>
+          <a:bodyPr/>
+          <a:lstStyle/>
+          <a:p>
+            <a:pPr>
+              <a:defRPr/>
+            </a:pPr>
+            <a:fld id="{5703B4A2-C126-47DB-8BAB-ECD4F18747C5}" type="slidenum">
+              <a:rPr lang="en-US" smtClean="0"/>
+              <a:pPr>
+                <a:defRPr/>
+              </a:pPr>
+              <a:t>11</a:t>
+            </a:fld>
+            <a:endParaRPr lang="en-US" dirty="0"/>
+          </a:p>
+        </p:txBody>
+      </p:sp>
+    </p:spTree>
+  </p:cSld>
+  <p:clrMapOvr>
+    <a:masterClrMapping/>
+  </p:clrMapOvr>
+</p:notes>
+</file>
+
+<file path=ppt/notesSlides/notesSlide12.xml><?xml version="1.0" encoding="utf-8"?>
+<p:notes xmlns:a="http://schemas.openxmlformats.org/drawingml/2006/main" xmlns:r="http://schemas.openxmlformats.org/officeDocument/2006/relationships" xmlns:p="http://schemas.openxmlformats.org/presentationml/2006/main">
+  <p:cSld>
+    <p:spTree>
+      <p:nvGrpSpPr>
+        <p:cNvPr id="1" name=""/>
+        <p:cNvGrpSpPr/>
+        <p:nvPr/>
+      </p:nvGrpSpPr>
+      <p:grpSpPr>
+        <a:xfrm>
+          <a:off x="0" y="0"/>
+          <a:ext cx="0" cy="0"/>
+          <a:chOff x="0" y="0"/>
+          <a:chExt cx="0" cy="0"/>
+        </a:xfrm>
+      </p:grpSpPr>
+      <p:sp>
+        <p:nvSpPr>
+          <p:cNvPr id="2" name="Slide Image Placeholder 1"/>
+          <p:cNvSpPr>
+            <a:spLocks noGrp="1" noRot="1" noChangeAspect="1"/>
+          </p:cNvSpPr>
+          <p:nvPr>
+            <p:ph type="sldImg"/>
+          </p:nvPr>
+        </p:nvSpPr>
+        <p:spPr/>
+      </p:sp>
+      <p:sp>
+        <p:nvSpPr>
+          <p:cNvPr id="3" name="Notes Placeholder 2"/>
+          <p:cNvSpPr>
+            <a:spLocks noGrp="1"/>
+          </p:cNvSpPr>
+          <p:nvPr>
+            <p:ph type="body" idx="1"/>
+          </p:nvPr>
+        </p:nvSpPr>
+        <p:spPr/>
+        <p:txBody>
+          <a:bodyPr>
+            <a:normAutofit/>
+          </a:bodyPr>
+          <a:lstStyle/>
+          <a:p>
+            <a:endParaRPr lang="en-US"/>
+          </a:p>
+        </p:txBody>
+      </p:sp>
+      <p:sp>
+        <p:nvSpPr>
+          <p:cNvPr id="4" name="Slide Number Placeholder 3"/>
+          <p:cNvSpPr>
+            <a:spLocks noGrp="1"/>
+          </p:cNvSpPr>
+          <p:nvPr>
+            <p:ph type="sldNum" sz="quarter" idx="10"/>
+          </p:nvPr>
+        </p:nvSpPr>
+        <p:spPr/>
+        <p:txBody>
+          <a:bodyPr/>
+          <a:lstStyle/>
+          <a:p>
+            <a:pPr>
+              <a:defRPr/>
+            </a:pPr>
+            <a:fld id="{5703B4A2-C126-47DB-8BAB-ECD4F18747C5}" type="slidenum">
+              <a:rPr lang="en-US" smtClean="0"/>
+              <a:pPr>
+                <a:defRPr/>
+              </a:pPr>
+              <a:t>12</a:t>
+            </a:fld>
+            <a:endParaRPr lang="en-US" dirty="0"/>
+          </a:p>
+        </p:txBody>
+      </p:sp>
+    </p:spTree>
+  </p:cSld>
+  <p:clrMapOvr>
+    <a:masterClrMapping/>
+  </p:clrMapOvr>
+</p:notes>
+</file>
+
+<file path=ppt/notesSlides/notesSlide13.xml><?xml version="1.0" encoding="utf-8"?>
+<p:notes xmlns:a="http://schemas.openxmlformats.org/drawingml/2006/main" xmlns:r="http://schemas.openxmlformats.org/officeDocument/2006/relationships" xmlns:p="http://schemas.openxmlformats.org/presentationml/2006/main">
+  <p:cSld>
+    <p:spTree>
+      <p:nvGrpSpPr>
+        <p:cNvPr id="1" name=""/>
+        <p:cNvGrpSpPr/>
+        <p:nvPr/>
+      </p:nvGrpSpPr>
+      <p:grpSpPr>
+        <a:xfrm>
+          <a:off x="0" y="0"/>
+          <a:ext cx="0" cy="0"/>
+          <a:chOff x="0" y="0"/>
+          <a:chExt cx="0" cy="0"/>
+        </a:xfrm>
+      </p:grpSpPr>
+      <p:sp>
+        <p:nvSpPr>
+          <p:cNvPr id="2" name="Slide Image Placeholder 1"/>
+          <p:cNvSpPr>
+            <a:spLocks noGrp="1" noRot="1" noChangeAspect="1"/>
+          </p:cNvSpPr>
+          <p:nvPr>
+            <p:ph type="sldImg"/>
+          </p:nvPr>
+        </p:nvSpPr>
+        <p:spPr/>
+      </p:sp>
+      <p:sp>
+        <p:nvSpPr>
+          <p:cNvPr id="3" name="Notes Placeholder 2"/>
+          <p:cNvSpPr>
+            <a:spLocks noGrp="1"/>
+          </p:cNvSpPr>
+          <p:nvPr>
+            <p:ph type="body" idx="1"/>
+          </p:nvPr>
+        </p:nvSpPr>
+        <p:spPr/>
+        <p:txBody>
+          <a:bodyPr>
+            <a:normAutofit/>
+          </a:bodyPr>
+          <a:lstStyle/>
+          <a:p>
+            <a:endParaRPr lang="en-US"/>
+          </a:p>
+        </p:txBody>
+      </p:sp>
+      <p:sp>
+        <p:nvSpPr>
+          <p:cNvPr id="4" name="Slide Number Placeholder 3"/>
+          <p:cNvSpPr>
+            <a:spLocks noGrp="1"/>
+          </p:cNvSpPr>
+          <p:nvPr>
+            <p:ph type="sldNum" sz="quarter" idx="10"/>
+          </p:nvPr>
+        </p:nvSpPr>
+        <p:spPr/>
+        <p:txBody>
+          <a:bodyPr/>
+          <a:lstStyle/>
+          <a:p>
+            <a:pPr>
+              <a:defRPr/>
+            </a:pPr>
+            <a:fld id="{5703B4A2-C126-47DB-8BAB-ECD4F18747C5}" type="slidenum">
+              <a:rPr lang="en-US" smtClean="0"/>
+              <a:pPr>
+                <a:defRPr/>
+              </a:pPr>
+              <a:t>13</a:t>
+            </a:fld>
+            <a:endParaRPr lang="en-US" dirty="0"/>
+          </a:p>
+        </p:txBody>
+      </p:sp>
+    </p:spTree>
+  </p:cSld>
+  <p:clrMapOvr>
+    <a:masterClrMapping/>
+  </p:clrMapOvr>
+</p:notes>
+</file>
+
+<file path=ppt/notesSlides/notesSlide14.xml><?xml version="1.0" encoding="utf-8"?>
+<p:notes xmlns:a="http://schemas.openxmlformats.org/drawingml/2006/main" xmlns:r="http://schemas.openxmlformats.org/officeDocument/2006/relationships" xmlns:p="http://schemas.openxmlformats.org/presentationml/2006/main">
+  <p:cSld>
+    <p:spTree>
+      <p:nvGrpSpPr>
+        <p:cNvPr id="1" name=""/>
+        <p:cNvGrpSpPr/>
+        <p:nvPr/>
+      </p:nvGrpSpPr>
+      <p:grpSpPr>
+        <a:xfrm>
+          <a:off x="0" y="0"/>
+          <a:ext cx="0" cy="0"/>
+          <a:chOff x="0" y="0"/>
+          <a:chExt cx="0" cy="0"/>
+        </a:xfrm>
+      </p:grpSpPr>
+      <p:sp>
+        <p:nvSpPr>
+          <p:cNvPr id="2" name="Slide Image Placeholder 1"/>
+          <p:cNvSpPr>
+            <a:spLocks noGrp="1" noRot="1" noChangeAspect="1"/>
+          </p:cNvSpPr>
+          <p:nvPr>
+            <p:ph type="sldImg"/>
+          </p:nvPr>
+        </p:nvSpPr>
+        <p:spPr/>
+      </p:sp>
+      <p:sp>
+        <p:nvSpPr>
+          <p:cNvPr id="3" name="Notes Placeholder 2"/>
+          <p:cNvSpPr>
+            <a:spLocks noGrp="1"/>
+          </p:cNvSpPr>
+          <p:nvPr>
+            <p:ph type="body" idx="1"/>
+          </p:nvPr>
+        </p:nvSpPr>
+        <p:spPr/>
+        <p:txBody>
+          <a:bodyPr>
+            <a:normAutofit/>
+          </a:bodyPr>
+          <a:lstStyle/>
+          <a:p>
+            <a:endParaRPr lang="en-US"/>
+          </a:p>
+        </p:txBody>
+      </p:sp>
+      <p:sp>
+        <p:nvSpPr>
+          <p:cNvPr id="4" name="Slide Number Placeholder 3"/>
+          <p:cNvSpPr>
+            <a:spLocks noGrp="1"/>
+          </p:cNvSpPr>
+          <p:nvPr>
+            <p:ph type="sldNum" sz="quarter" idx="10"/>
+          </p:nvPr>
+        </p:nvSpPr>
+        <p:spPr/>
+        <p:txBody>
+          <a:bodyPr/>
+          <a:lstStyle/>
+          <a:p>
+            <a:pPr>
+              <a:defRPr/>
+            </a:pPr>
+            <a:fld id="{5703B4A2-C126-47DB-8BAB-ECD4F18747C5}" type="slidenum">
+              <a:rPr lang="en-US" smtClean="0"/>
+              <a:pPr>
+                <a:defRPr/>
+              </a:pPr>
+              <a:t>14</a:t>
+            </a:fld>
+            <a:endParaRPr lang="en-US" dirty="0"/>
+          </a:p>
+        </p:txBody>
+      </p:sp>
+    </p:spTree>
+  </p:cSld>
+  <p:clrMapOvr>
+    <a:masterClrMapping/>
+  </p:clrMapOvr>
+</p:notes>
+</file>
+
+<file path=ppt/notesSlides/notesSlide15.xml><?xml version="1.0" encoding="utf-8"?>
+<p:notes xmlns:a="http://schemas.openxmlformats.org/drawingml/2006/main" xmlns:r="http://schemas.openxmlformats.org/officeDocument/2006/relationships" xmlns:p="http://schemas.openxmlformats.org/presentationml/2006/main">
+  <p:cSld>
+    <p:spTree>
+      <p:nvGrpSpPr>
+        <p:cNvPr id="1" name=""/>
+        <p:cNvGrpSpPr/>
+        <p:nvPr/>
+      </p:nvGrpSpPr>
+      <p:grpSpPr>
+        <a:xfrm>
+          <a:off x="0" y="0"/>
+          <a:ext cx="0" cy="0"/>
+          <a:chOff x="0" y="0"/>
+          <a:chExt cx="0" cy="0"/>
+        </a:xfrm>
+      </p:grpSpPr>
+      <p:sp>
+        <p:nvSpPr>
+          <p:cNvPr id="2" name="Slide Image Placeholder 1"/>
+          <p:cNvSpPr>
+            <a:spLocks noGrp="1" noRot="1" noChangeAspect="1"/>
+          </p:cNvSpPr>
+          <p:nvPr>
+            <p:ph type="sldImg"/>
+          </p:nvPr>
+        </p:nvSpPr>
+        <p:spPr/>
+      </p:sp>
+      <p:sp>
+        <p:nvSpPr>
+          <p:cNvPr id="3" name="Notes Placeholder 2"/>
+          <p:cNvSpPr>
+            <a:spLocks noGrp="1"/>
+          </p:cNvSpPr>
+          <p:nvPr>
+            <p:ph type="body" idx="1"/>
+          </p:nvPr>
+        </p:nvSpPr>
+        <p:spPr/>
+        <p:txBody>
+          <a:bodyPr>
+            <a:normAutofit/>
+          </a:bodyPr>
+          <a:lstStyle/>
+          <a:p>
+            <a:endParaRPr lang="en-US"/>
+          </a:p>
+        </p:txBody>
+      </p:sp>
+      <p:sp>
+        <p:nvSpPr>
+          <p:cNvPr id="4" name="Slide Number Placeholder 3"/>
+          <p:cNvSpPr>
+            <a:spLocks noGrp="1"/>
+          </p:cNvSpPr>
+          <p:nvPr>
+            <p:ph type="sldNum" sz="quarter" idx="10"/>
+          </p:nvPr>
+        </p:nvSpPr>
+        <p:spPr/>
+        <p:txBody>
+          <a:bodyPr/>
+          <a:lstStyle/>
+          <a:p>
+            <a:pPr>
+              <a:defRPr/>
+            </a:pPr>
+            <a:fld id="{5703B4A2-C126-47DB-8BAB-ECD4F18747C5}" type="slidenum">
+              <a:rPr lang="en-US" smtClean="0"/>
+              <a:pPr>
+                <a:defRPr/>
+              </a:pPr>
+              <a:t>15</a:t>
+            </a:fld>
+            <a:endParaRPr lang="en-US" dirty="0"/>
+          </a:p>
+        </p:txBody>
+      </p:sp>
+    </p:spTree>
+  </p:cSld>
+  <p:clrMapOvr>
+    <a:masterClrMapping/>
+  </p:clrMapOvr>
+</p:notes>
+</file>
+
+<file path=ppt/notesSlides/notesSlide16.xml><?xml version="1.0" encoding="utf-8"?>
+<p:notes xmlns:a="http://schemas.openxmlformats.org/drawingml/2006/main" xmlns:r="http://schemas.openxmlformats.org/officeDocument/2006/relationships" xmlns:p="http://schemas.openxmlformats.org/presentationml/2006/main">
+  <p:cSld>
+    <p:spTree>
+      <p:nvGrpSpPr>
+        <p:cNvPr id="1" name=""/>
+        <p:cNvGrpSpPr/>
+        <p:nvPr/>
+      </p:nvGrpSpPr>
+      <p:grpSpPr>
+        <a:xfrm>
+          <a:off x="0" y="0"/>
+          <a:ext cx="0" cy="0"/>
+          <a:chOff x="0" y="0"/>
+          <a:chExt cx="0" cy="0"/>
+        </a:xfrm>
+      </p:grpSpPr>
+      <p:sp>
+        <p:nvSpPr>
+          <p:cNvPr id="34818" name="Rectangle 5"/>
+          <p:cNvSpPr>
+            <a:spLocks noGrp="1" noChangeArrowheads="1"/>
+          </p:cNvSpPr>
+          <p:nvPr>
+            <p:ph type="sldNum" sz="quarter" idx="5"/>
+          </p:nvPr>
+        </p:nvSpPr>
+        <p:spPr bwMode="auto">
+          <a:ln>
+            <a:miter lim="800000"/>
+            <a:headEnd/>
+            <a:tailEnd/>
+          </a:ln>
+        </p:spPr>
+        <p:txBody>
+          <a:bodyPr wrap="square" numCol="1" anchorCtr="0" compatLnSpc="1">
+            <a:prstTxWarp prst="textNoShape">
+              <a:avLst/>
+            </a:prstTxWarp>
+          </a:bodyPr>
+          <a:lstStyle/>
+          <a:p>
+            <a:pPr fontAlgn="base">
+              <a:spcBef>
+                <a:spcPct val="0"/>
+              </a:spcBef>
+              <a:spcAft>
+                <a:spcPct val="0"/>
+              </a:spcAft>
+              <a:defRPr/>
+            </a:pPr>
+            <a:fld id="{E887EC15-0CB4-4158-B18A-F07C15A4E490}" type="slidenum">
+              <a:rPr lang="en-US" smtClean="0"/>
+              <a:pPr fontAlgn="base">
+                <a:spcBef>
+                  <a:spcPct val="0"/>
+                </a:spcBef>
+                <a:spcAft>
+                  <a:spcPct val="0"/>
+                </a:spcAft>
+                <a:defRPr/>
+              </a:pPr>
+              <a:t>16</a:t>
+            </a:fld>
+            <a:endParaRPr lang="en-US" smtClean="0"/>
+          </a:p>
+        </p:txBody>
+      </p:sp>
+      <p:sp>
+        <p:nvSpPr>
+          <p:cNvPr id="35843" name="Rectangle 2"/>
+          <p:cNvSpPr>
+            <a:spLocks noGrp="1" noRot="1" noChangeAspect="1" noChangeArrowheads="1" noTextEdit="1"/>
+          </p:cNvSpPr>
+          <p:nvPr>
+            <p:ph type="sldImg"/>
+          </p:nvPr>
+        </p:nvSpPr>
+        <p:spPr bwMode="auto">
+          <a:xfrm>
+            <a:off x="1271588" y="733425"/>
+            <a:ext cx="4772025" cy="3579813"/>
+          </a:xfrm>
+          <a:noFill/>
+          <a:ln>
+            <a:solidFill>
+              <a:srgbClr val="000000"/>
+            </a:solidFill>
+            <a:miter lim="800000"/>
+            <a:headEnd/>
+            <a:tailEnd/>
+          </a:ln>
+        </p:spPr>
+      </p:sp>
+      <p:sp>
+        <p:nvSpPr>
+          <p:cNvPr id="35844" name="Rectangle 3"/>
+          <p:cNvSpPr>
+            <a:spLocks noGrp="1" noChangeArrowheads="1"/>
+          </p:cNvSpPr>
+          <p:nvPr>
+            <p:ph type="body" idx="1"/>
+          </p:nvPr>
+        </p:nvSpPr>
+        <p:spPr bwMode="auto">
+          <a:xfrm>
+            <a:off x="977348" y="4559587"/>
+            <a:ext cx="5360504" cy="4320212"/>
+          </a:xfrm>
+          <a:noFill/>
+        </p:spPr>
+        <p:txBody>
+          <a:bodyPr wrap="square" lIns="97266" tIns="48633" rIns="97266" bIns="48633" numCol="1" anchor="t" anchorCtr="0" compatLnSpc="1">
+            <a:prstTxWarp prst="textNoShape">
+              <a:avLst/>
+            </a:prstTxWarp>
+          </a:bodyPr>
+          <a:lstStyle/>
+          <a:p>
+            <a:pPr marL="187725" indent="-187725" eaLnBrk="1" hangingPunct="1">
+              <a:spcBef>
+                <a:spcPct val="0"/>
+              </a:spcBef>
+            </a:pPr>
+            <a:endParaRPr lang="en-US" dirty="0" smtClean="0"/>
+          </a:p>
+        </p:txBody>
+      </p:sp>
+    </p:spTree>
+  </p:cSld>
+  <p:clrMapOvr>
+    <a:masterClrMapping/>
+  </p:clrMapOvr>
+</p:notes>
+</file>
+
+<file path=ppt/notesSlides/notesSlide17.xml><?xml version="1.0" encoding="utf-8"?>
+<p:notes xmlns:a="http://schemas.openxmlformats.org/drawingml/2006/main" xmlns:r="http://schemas.openxmlformats.org/officeDocument/2006/relationships" xmlns:p="http://schemas.openxmlformats.org/presentationml/2006/main">
+  <p:cSld>
+    <p:spTree>
+      <p:nvGrpSpPr>
+        <p:cNvPr id="1" name=""/>
+        <p:cNvGrpSpPr/>
+        <p:nvPr/>
+      </p:nvGrpSpPr>
+      <p:grpSpPr>
+        <a:xfrm>
+          <a:off x="0" y="0"/>
+          <a:ext cx="0" cy="0"/>
+          <a:chOff x="0" y="0"/>
+          <a:chExt cx="0" cy="0"/>
+        </a:xfrm>
+      </p:grpSpPr>
+      <p:sp>
+        <p:nvSpPr>
+          <p:cNvPr id="2" name="Slide Image Placeholder 1"/>
+          <p:cNvSpPr>
+            <a:spLocks noGrp="1" noRot="1" noChangeAspect="1"/>
+          </p:cNvSpPr>
+          <p:nvPr>
+            <p:ph type="sldImg"/>
+          </p:nvPr>
+        </p:nvSpPr>
+        <p:spPr/>
+      </p:sp>
+      <p:sp>
+        <p:nvSpPr>
+          <p:cNvPr id="3" name="Notes Placeholder 2"/>
+          <p:cNvSpPr>
+            <a:spLocks noGrp="1"/>
+          </p:cNvSpPr>
+          <p:nvPr>
+            <p:ph type="body" idx="1"/>
+          </p:nvPr>
+        </p:nvSpPr>
+        <p:spPr/>
+        <p:txBody>
+          <a:bodyPr>
+            <a:normAutofit/>
+          </a:bodyPr>
+          <a:lstStyle/>
+          <a:p>
+            <a:endParaRPr lang="en-US"/>
+          </a:p>
+        </p:txBody>
+      </p:sp>
+      <p:sp>
+        <p:nvSpPr>
+          <p:cNvPr id="4" name="Slide Number Placeholder 3"/>
+          <p:cNvSpPr>
+            <a:spLocks noGrp="1"/>
+          </p:cNvSpPr>
+          <p:nvPr>
+            <p:ph type="sldNum" sz="quarter" idx="10"/>
+          </p:nvPr>
+        </p:nvSpPr>
+        <p:spPr/>
+        <p:txBody>
+          <a:bodyPr/>
+          <a:lstStyle/>
+          <a:p>
+            <a:pPr>
+              <a:defRPr/>
+            </a:pPr>
+            <a:fld id="{5703B4A2-C126-47DB-8BAB-ECD4F18747C5}" type="slidenum">
+              <a:rPr lang="en-US" smtClean="0"/>
+              <a:pPr>
+                <a:defRPr/>
+              </a:pPr>
+              <a:t>17</a:t>
+            </a:fld>
+            <a:endParaRPr lang="en-US" dirty="0"/>
+          </a:p>
+        </p:txBody>
+      </p:sp>
+    </p:spTree>
+  </p:cSld>
+  <p:clrMapOvr>
+    <a:masterClrMapping/>
+  </p:clrMapOvr>
+</p:notes>
+</file>
+
+<file path=ppt/notesSlides/notesSlide18.xml><?xml version="1.0" encoding="utf-8"?>
+<p:notes xmlns:a="http://schemas.openxmlformats.org/drawingml/2006/main" xmlns:r="http://schemas.openxmlformats.org/officeDocument/2006/relationships" xmlns:p="http://schemas.openxmlformats.org/presentationml/2006/main">
+  <p:cSld>
+    <p:spTree>
+      <p:nvGrpSpPr>
+        <p:cNvPr id="1" name=""/>
+        <p:cNvGrpSpPr/>
+        <p:nvPr/>
+      </p:nvGrpSpPr>
+      <p:grpSpPr>
+        <a:xfrm>
+          <a:off x="0" y="0"/>
+          <a:ext cx="0" cy="0"/>
+          <a:chOff x="0" y="0"/>
+          <a:chExt cx="0" cy="0"/>
+        </a:xfrm>
+      </p:grpSpPr>
+      <p:sp>
+        <p:nvSpPr>
+          <p:cNvPr id="35842" name="Rectangle 5"/>
+          <p:cNvSpPr>
+            <a:spLocks noGrp="1" noChangeArrowheads="1"/>
+          </p:cNvSpPr>
+          <p:nvPr>
+            <p:ph type="sldNum" sz="quarter" idx="5"/>
+          </p:nvPr>
+        </p:nvSpPr>
+        <p:spPr bwMode="auto">
+          <a:ln>
+            <a:miter lim="800000"/>
+            <a:headEnd/>
+            <a:tailEnd/>
+          </a:ln>
+        </p:spPr>
+        <p:txBody>
+          <a:bodyPr wrap="square" numCol="1" anchorCtr="0" compatLnSpc="1">
+            <a:prstTxWarp prst="textNoShape">
+              <a:avLst/>
+            </a:prstTxWarp>
+          </a:bodyPr>
+          <a:lstStyle/>
+          <a:p>
+            <a:pPr fontAlgn="base">
+              <a:spcBef>
+                <a:spcPct val="0"/>
+              </a:spcBef>
+              <a:spcAft>
+                <a:spcPct val="0"/>
+              </a:spcAft>
+              <a:defRPr/>
+            </a:pPr>
+            <a:fld id="{628C5B2A-4867-4A22-A8AA-EF690E038E58}" type="slidenum">
+              <a:rPr lang="en-US" smtClean="0"/>
+              <a:pPr fontAlgn="base">
+                <a:spcBef>
+                  <a:spcPct val="0"/>
+                </a:spcBef>
+                <a:spcAft>
+                  <a:spcPct val="0"/>
+                </a:spcAft>
+                <a:defRPr/>
+              </a:pPr>
+              <a:t>18</a:t>
+            </a:fld>
+            <a:endParaRPr lang="en-US" smtClean="0"/>
+          </a:p>
+        </p:txBody>
+      </p:sp>
+      <p:sp>
+        <p:nvSpPr>
+          <p:cNvPr id="36867" name="Rectangle 2"/>
+          <p:cNvSpPr>
+            <a:spLocks noGrp="1" noRot="1" noChangeAspect="1" noChangeArrowheads="1" noTextEdit="1"/>
+          </p:cNvSpPr>
+          <p:nvPr>
+            <p:ph type="sldImg"/>
+          </p:nvPr>
+        </p:nvSpPr>
+        <p:spPr bwMode="auto">
+          <a:xfrm>
+            <a:off x="1270000" y="733425"/>
+            <a:ext cx="4776788" cy="3581400"/>
+          </a:xfrm>
+          <a:noFill/>
+          <a:ln>
+            <a:solidFill>
+              <a:srgbClr val="000000"/>
+            </a:solidFill>
+            <a:miter lim="800000"/>
+            <a:headEnd/>
+            <a:tailEnd/>
+          </a:ln>
+        </p:spPr>
+      </p:sp>
+      <p:sp>
+        <p:nvSpPr>
+          <p:cNvPr id="36868" name="Rectangle 3"/>
+          <p:cNvSpPr>
+            <a:spLocks noGrp="1" noChangeArrowheads="1"/>
+          </p:cNvSpPr>
+          <p:nvPr>
+            <p:ph type="body" idx="1"/>
+          </p:nvPr>
+        </p:nvSpPr>
+        <p:spPr bwMode="auto">
+          <a:xfrm>
+            <a:off x="977348" y="4559587"/>
+            <a:ext cx="5360504" cy="4320212"/>
+          </a:xfrm>
+          <a:noFill/>
+        </p:spPr>
+        <p:txBody>
+          <a:bodyPr wrap="square" lIns="97278" tIns="48639" rIns="97278" bIns="48639" numCol="1" anchor="t" anchorCtr="0" compatLnSpc="1">
+            <a:prstTxWarp prst="textNoShape">
+              <a:avLst/>
+            </a:prstTxWarp>
+          </a:bodyPr>
+          <a:lstStyle/>
+          <a:p>
+            <a:pPr eaLnBrk="1" hangingPunct="1">
+              <a:spcBef>
+                <a:spcPct val="0"/>
+              </a:spcBef>
+            </a:pPr>
+            <a:endParaRPr lang="en-US" smtClean="0"/>
+          </a:p>
+        </p:txBody>
+      </p:sp>
+    </p:spTree>
+  </p:cSld>
+  <p:clrMapOvr>
+    <a:masterClrMapping/>
+  </p:clrMapOvr>
+</p:notes>
+</file>
+
+<file path=ppt/notesSlides/notesSlide19.xml><?xml version="1.0" encoding="utf-8"?>
+<p:notes xmlns:a="http://schemas.openxmlformats.org/drawingml/2006/main" xmlns:r="http://schemas.openxmlformats.org/officeDocument/2006/relationships" xmlns:p="http://schemas.openxmlformats.org/presentationml/2006/main">
+  <p:cSld>
+    <p:spTree>
+      <p:nvGrpSpPr>
+        <p:cNvPr id="1" name=""/>
+        <p:cNvGrpSpPr/>
+        <p:nvPr/>
+      </p:nvGrpSpPr>
+      <p:grpSpPr>
+        <a:xfrm>
+          <a:off x="0" y="0"/>
+          <a:ext cx="0" cy="0"/>
+          <a:chOff x="0" y="0"/>
+          <a:chExt cx="0" cy="0"/>
+        </a:xfrm>
+      </p:grpSpPr>
+      <p:sp>
+        <p:nvSpPr>
+          <p:cNvPr id="37890" name="Rectangle 5"/>
+          <p:cNvSpPr>
+            <a:spLocks noGrp="1" noChangeArrowheads="1"/>
+          </p:cNvSpPr>
+          <p:nvPr>
+            <p:ph type="sldNum" sz="quarter" idx="5"/>
+          </p:nvPr>
+        </p:nvSpPr>
+        <p:spPr bwMode="auto">
+          <a:ln>
+            <a:miter lim="800000"/>
+            <a:headEnd/>
+            <a:tailEnd/>
+          </a:ln>
+        </p:spPr>
+        <p:txBody>
+          <a:bodyPr wrap="square" numCol="1" anchorCtr="0" compatLnSpc="1">
+            <a:prstTxWarp prst="textNoShape">
+              <a:avLst/>
+            </a:prstTxWarp>
+          </a:bodyPr>
+          <a:lstStyle/>
+          <a:p>
+            <a:pPr fontAlgn="base">
+              <a:spcBef>
+                <a:spcPct val="0"/>
+              </a:spcBef>
+              <a:spcAft>
+                <a:spcPct val="0"/>
+              </a:spcAft>
+              <a:defRPr/>
+            </a:pPr>
+            <a:fld id="{ACD24D8B-6FC8-414B-A0AB-8553BFA876F3}" type="slidenum">
+              <a:rPr lang="en-US" smtClean="0"/>
+              <a:pPr fontAlgn="base">
+                <a:spcBef>
+                  <a:spcPct val="0"/>
+                </a:spcBef>
+                <a:spcAft>
+                  <a:spcPct val="0"/>
+                </a:spcAft>
+                <a:defRPr/>
+              </a:pPr>
+              <a:t>19</a:t>
+            </a:fld>
+            <a:endParaRPr lang="en-US" smtClean="0"/>
+          </a:p>
+        </p:txBody>
+      </p:sp>
+      <p:sp>
+        <p:nvSpPr>
+          <p:cNvPr id="38915" name="Rectangle 2"/>
+          <p:cNvSpPr>
+            <a:spLocks noGrp="1" noRot="1" noChangeAspect="1" noChangeArrowheads="1" noTextEdit="1"/>
+          </p:cNvSpPr>
+          <p:nvPr>
+            <p:ph type="sldImg"/>
+          </p:nvPr>
+        </p:nvSpPr>
+        <p:spPr bwMode="auto">
+          <a:xfrm>
+            <a:off x="1270000" y="733425"/>
+            <a:ext cx="4776788" cy="3581400"/>
+          </a:xfrm>
+          <a:noFill/>
+          <a:ln>
+            <a:solidFill>
+              <a:srgbClr val="000000"/>
+            </a:solidFill>
+            <a:miter lim="800000"/>
+            <a:headEnd/>
+            <a:tailEnd/>
+          </a:ln>
+        </p:spPr>
+      </p:sp>
+      <p:sp>
+        <p:nvSpPr>
+          <p:cNvPr id="38916" name="Rectangle 3"/>
+          <p:cNvSpPr>
+            <a:spLocks noGrp="1" noChangeArrowheads="1"/>
+          </p:cNvSpPr>
+          <p:nvPr>
+            <p:ph type="body" idx="1"/>
+          </p:nvPr>
+        </p:nvSpPr>
+        <p:spPr bwMode="auto">
+          <a:xfrm>
+            <a:off x="977348" y="4559587"/>
+            <a:ext cx="5360504" cy="4320212"/>
+          </a:xfrm>
+          <a:noFill/>
+        </p:spPr>
+        <p:txBody>
+          <a:bodyPr wrap="square" lIns="97278" tIns="48639" rIns="97278" bIns="48639" numCol="1" anchor="t" anchorCtr="0" compatLnSpc="1">
+            <a:prstTxWarp prst="textNoShape">
+              <a:avLst/>
+            </a:prstTxWarp>
+          </a:bodyPr>
+          <a:lstStyle/>
+          <a:p>
+            <a:pPr eaLnBrk="1" hangingPunct="1">
+              <a:spcBef>
+                <a:spcPct val="0"/>
+              </a:spcBef>
+            </a:pPr>
+            <a:endParaRPr lang="en-US" smtClean="0"/>
+          </a:p>
+        </p:txBody>
+      </p:sp>
+    </p:spTree>
+  </p:cSld>
+  <p:clrMapOvr>
+    <a:masterClrMapping/>
+  </p:clrMapOvr>
+</p:notes>
+</file>
+
+<file path=ppt/notesSlides/notesSlide2.xml><?xml version="1.0" encoding="utf-8"?>
+<p:notes xmlns:a="http://schemas.openxmlformats.org/drawingml/2006/main" xmlns:r="http://schemas.openxmlformats.org/officeDocument/2006/relationships" xmlns:p="http://schemas.openxmlformats.org/presentationml/2006/main">
+  <p:cSld>
+    <p:spTree>
+      <p:nvGrpSpPr>
+        <p:cNvPr id="1" name=""/>
+        <p:cNvGrpSpPr/>
+        <p:nvPr/>
+      </p:nvGrpSpPr>
+      <p:grpSpPr>
+        <a:xfrm>
+          <a:off x="0" y="0"/>
+          <a:ext cx="0" cy="0"/>
+          <a:chOff x="0" y="0"/>
+          <a:chExt cx="0" cy="0"/>
+        </a:xfrm>
+      </p:grpSpPr>
+      <p:sp>
+        <p:nvSpPr>
+          <p:cNvPr id="2" name="Slide Image Placeholder 1"/>
+          <p:cNvSpPr>
+            <a:spLocks noGrp="1" noRot="1" noChangeAspect="1"/>
+          </p:cNvSpPr>
+          <p:nvPr>
+            <p:ph type="sldImg"/>
+          </p:nvPr>
+        </p:nvSpPr>
+        <p:spPr/>
+      </p:sp>
+      <p:sp>
+        <p:nvSpPr>
+          <p:cNvPr id="3" name="Notes Placeholder 2"/>
+          <p:cNvSpPr>
+            <a:spLocks noGrp="1"/>
+          </p:cNvSpPr>
+          <p:nvPr>
+            <p:ph type="body" idx="1"/>
+          </p:nvPr>
+        </p:nvSpPr>
+        <p:spPr/>
+        <p:txBody>
+          <a:bodyPr>
+            <a:normAutofit/>
+          </a:bodyPr>
+          <a:lstStyle/>
+          <a:p>
+            <a:endParaRPr lang="en-US"/>
+          </a:p>
+        </p:txBody>
+      </p:sp>
+      <p:sp>
+        <p:nvSpPr>
+          <p:cNvPr id="4" name="Slide Number Placeholder 3"/>
+          <p:cNvSpPr>
+            <a:spLocks noGrp="1"/>
+          </p:cNvSpPr>
+          <p:nvPr>
+            <p:ph type="sldNum" sz="quarter" idx="10"/>
+          </p:nvPr>
+        </p:nvSpPr>
+        <p:spPr/>
+        <p:txBody>
+          <a:bodyPr/>
+          <a:lstStyle/>
+          <a:p>
+            <a:pPr>
+              <a:defRPr/>
+            </a:pPr>
+            <a:fld id="{5703B4A2-C126-47DB-8BAB-ECD4F18747C5}" type="slidenum">
+              <a:rPr lang="en-US" smtClean="0"/>
+              <a:pPr>
+                <a:defRPr/>
+              </a:pPr>
+              <a:t>2</a:t>
+            </a:fld>
+            <a:endParaRPr lang="en-US" dirty="0"/>
+          </a:p>
+        </p:txBody>
+      </p:sp>
+    </p:spTree>
+  </p:cSld>
+  <p:clrMapOvr>
+    <a:masterClrMapping/>
+  </p:clrMapOvr>
+</p:notes>
+</file>
+
+<file path=ppt/notesSlides/notesSlide20.xml><?xml version="1.0" encoding="utf-8"?>
+<p:notes xmlns:a="http://schemas.openxmlformats.org/drawingml/2006/main" xmlns:r="http://schemas.openxmlformats.org/officeDocument/2006/relationships" xmlns:p="http://schemas.openxmlformats.org/presentationml/2006/main">
+  <p:cSld>
+    <p:spTree>
+      <p:nvGrpSpPr>
+        <p:cNvPr id="1" name=""/>
+        <p:cNvGrpSpPr/>
+        <p:nvPr/>
+      </p:nvGrpSpPr>
+      <p:grpSpPr>
+        <a:xfrm>
+          <a:off x="0" y="0"/>
+          <a:ext cx="0" cy="0"/>
+          <a:chOff x="0" y="0"/>
+          <a:chExt cx="0" cy="0"/>
+        </a:xfrm>
+      </p:grpSpPr>
+      <p:sp>
+        <p:nvSpPr>
+          <p:cNvPr id="38914" name="Rectangle 5"/>
+          <p:cNvSpPr>
+            <a:spLocks noGrp="1" noChangeArrowheads="1"/>
+          </p:cNvSpPr>
+          <p:nvPr>
+            <p:ph type="sldNum" sz="quarter" idx="5"/>
+          </p:nvPr>
+        </p:nvSpPr>
+        <p:spPr bwMode="auto">
+          <a:ln>
+            <a:miter lim="800000"/>
+            <a:headEnd/>
+            <a:tailEnd/>
+          </a:ln>
+        </p:spPr>
+        <p:txBody>
+          <a:bodyPr wrap="square" numCol="1" anchorCtr="0" compatLnSpc="1">
+            <a:prstTxWarp prst="textNoShape">
+              <a:avLst/>
+            </a:prstTxWarp>
+          </a:bodyPr>
+          <a:lstStyle/>
+          <a:p>
+            <a:pPr fontAlgn="base">
+              <a:spcBef>
+                <a:spcPct val="0"/>
+              </a:spcBef>
+              <a:spcAft>
+                <a:spcPct val="0"/>
+              </a:spcAft>
+              <a:defRPr/>
+            </a:pPr>
+            <a:fld id="{5070DA82-A62E-44C7-BCBF-9761B2390FC0}" type="slidenum">
+              <a:rPr lang="en-US" smtClean="0"/>
+              <a:pPr fontAlgn="base">
+                <a:spcBef>
+                  <a:spcPct val="0"/>
+                </a:spcBef>
+                <a:spcAft>
+                  <a:spcPct val="0"/>
+                </a:spcAft>
+                <a:defRPr/>
+              </a:pPr>
+              <a:t>20</a:t>
+            </a:fld>
+            <a:endParaRPr lang="en-US" smtClean="0"/>
+          </a:p>
+        </p:txBody>
+      </p:sp>
+      <p:sp>
+        <p:nvSpPr>
+          <p:cNvPr id="39939" name="Rectangle 2"/>
+          <p:cNvSpPr>
+            <a:spLocks noGrp="1" noRot="1" noChangeAspect="1" noChangeArrowheads="1" noTextEdit="1"/>
+          </p:cNvSpPr>
+          <p:nvPr>
+            <p:ph type="sldImg"/>
+          </p:nvPr>
+        </p:nvSpPr>
+        <p:spPr bwMode="auto">
+          <a:xfrm>
+            <a:off x="1270000" y="733425"/>
+            <a:ext cx="4776788" cy="3581400"/>
+          </a:xfrm>
+          <a:noFill/>
+          <a:ln>
+            <a:solidFill>
+              <a:srgbClr val="000000"/>
+            </a:solidFill>
+            <a:miter lim="800000"/>
+            <a:headEnd/>
+            <a:tailEnd/>
+          </a:ln>
+        </p:spPr>
+      </p:sp>
+      <p:sp>
+        <p:nvSpPr>
+          <p:cNvPr id="39940" name="Rectangle 3"/>
+          <p:cNvSpPr>
+            <a:spLocks noGrp="1" noChangeArrowheads="1"/>
+          </p:cNvSpPr>
+          <p:nvPr>
+            <p:ph type="body" idx="1"/>
+          </p:nvPr>
+        </p:nvSpPr>
+        <p:spPr bwMode="auto">
+          <a:xfrm>
+            <a:off x="977348" y="4559587"/>
+            <a:ext cx="5360504" cy="4320212"/>
+          </a:xfrm>
+          <a:noFill/>
+        </p:spPr>
+        <p:txBody>
+          <a:bodyPr wrap="square" lIns="97278" tIns="48639" rIns="97278" bIns="48639" numCol="1" anchor="t" anchorCtr="0" compatLnSpc="1">
+            <a:prstTxWarp prst="textNoShape">
+              <a:avLst/>
+            </a:prstTxWarp>
+          </a:bodyPr>
+          <a:lstStyle/>
+          <a:p>
+            <a:pPr eaLnBrk="1" hangingPunct="1">
+              <a:spcBef>
+                <a:spcPct val="0"/>
+              </a:spcBef>
+            </a:pPr>
+            <a:endParaRPr lang="en-US" smtClean="0"/>
+          </a:p>
+        </p:txBody>
+      </p:sp>
+    </p:spTree>
+  </p:cSld>
+  <p:clrMapOvr>
+    <a:masterClrMapping/>
+  </p:clrMapOvr>
+</p:notes>
+</file>
+
+<file path=ppt/notesSlides/notesSlide21.xml><?xml version="1.0" encoding="utf-8"?>
+<p:notes xmlns:a="http://schemas.openxmlformats.org/drawingml/2006/main" xmlns:r="http://schemas.openxmlformats.org/officeDocument/2006/relationships" xmlns:p="http://schemas.openxmlformats.org/presentationml/2006/main">
+  <p:cSld>
+    <p:spTree>
+      <p:nvGrpSpPr>
+        <p:cNvPr id="1" name=""/>
+        <p:cNvGrpSpPr/>
+        <p:nvPr/>
+      </p:nvGrpSpPr>
+      <p:grpSpPr>
+        <a:xfrm>
+          <a:off x="0" y="0"/>
+          <a:ext cx="0" cy="0"/>
+          <a:chOff x="0" y="0"/>
+          <a:chExt cx="0" cy="0"/>
+        </a:xfrm>
+      </p:grpSpPr>
+      <p:sp>
+        <p:nvSpPr>
+          <p:cNvPr id="39938" name="Rectangle 5"/>
+          <p:cNvSpPr>
+            <a:spLocks noGrp="1" noChangeArrowheads="1"/>
+          </p:cNvSpPr>
+          <p:nvPr>
+            <p:ph type="sldNum" sz="quarter" idx="5"/>
+          </p:nvPr>
+        </p:nvSpPr>
+        <p:spPr bwMode="auto">
+          <a:ln>
+            <a:miter lim="800000"/>
+            <a:headEnd/>
+            <a:tailEnd/>
+          </a:ln>
+        </p:spPr>
+        <p:txBody>
+          <a:bodyPr wrap="square" numCol="1" anchorCtr="0" compatLnSpc="1">
+            <a:prstTxWarp prst="textNoShape">
+              <a:avLst/>
+            </a:prstTxWarp>
+          </a:bodyPr>
+          <a:lstStyle/>
+          <a:p>
+            <a:pPr fontAlgn="base">
+              <a:spcBef>
+                <a:spcPct val="0"/>
+              </a:spcBef>
+              <a:spcAft>
+                <a:spcPct val="0"/>
+              </a:spcAft>
+              <a:defRPr/>
+            </a:pPr>
+            <a:fld id="{581E89B5-50EC-4037-A00C-5882DAB9C0A6}" type="slidenum">
+              <a:rPr lang="en-US" smtClean="0"/>
+              <a:pPr fontAlgn="base">
+                <a:spcBef>
+                  <a:spcPct val="0"/>
+                </a:spcBef>
+                <a:spcAft>
+                  <a:spcPct val="0"/>
+                </a:spcAft>
+                <a:defRPr/>
+              </a:pPr>
+              <a:t>21</a:t>
+            </a:fld>
+            <a:endParaRPr lang="en-US" smtClean="0"/>
+          </a:p>
+        </p:txBody>
+      </p:sp>
+      <p:sp>
+        <p:nvSpPr>
+          <p:cNvPr id="40963" name="Rectangle 2"/>
+          <p:cNvSpPr>
+            <a:spLocks noGrp="1" noRot="1" noChangeAspect="1" noChangeArrowheads="1" noTextEdit="1"/>
+          </p:cNvSpPr>
+          <p:nvPr>
+            <p:ph type="sldImg"/>
+          </p:nvPr>
+        </p:nvSpPr>
+        <p:spPr bwMode="auto">
+          <a:xfrm>
+            <a:off x="1270000" y="733425"/>
+            <a:ext cx="4776788" cy="3581400"/>
+          </a:xfrm>
+          <a:noFill/>
+          <a:ln>
+            <a:solidFill>
+              <a:srgbClr val="000000"/>
+            </a:solidFill>
+            <a:miter lim="800000"/>
+            <a:headEnd/>
+            <a:tailEnd/>
+          </a:ln>
+        </p:spPr>
+      </p:sp>
+      <p:sp>
+        <p:nvSpPr>
+          <p:cNvPr id="40964" name="Rectangle 3"/>
+          <p:cNvSpPr>
+            <a:spLocks noGrp="1" noChangeArrowheads="1"/>
+          </p:cNvSpPr>
+          <p:nvPr>
+            <p:ph type="body" idx="1"/>
+          </p:nvPr>
+        </p:nvSpPr>
+        <p:spPr bwMode="auto">
+          <a:xfrm>
+            <a:off x="977348" y="4559587"/>
+            <a:ext cx="5360504" cy="4320212"/>
+          </a:xfrm>
+          <a:noFill/>
+        </p:spPr>
+        <p:txBody>
+          <a:bodyPr wrap="square" lIns="97278" tIns="48639" rIns="97278" bIns="48639" numCol="1" anchor="t" anchorCtr="0" compatLnSpc="1">
+            <a:prstTxWarp prst="textNoShape">
+              <a:avLst/>
+            </a:prstTxWarp>
+          </a:bodyPr>
+          <a:lstStyle/>
+          <a:p>
+            <a:pPr eaLnBrk="1" hangingPunct="1">
+              <a:spcBef>
+                <a:spcPct val="0"/>
+              </a:spcBef>
+            </a:pPr>
+            <a:endParaRPr lang="en-US" smtClean="0"/>
+          </a:p>
+        </p:txBody>
+      </p:sp>
+    </p:spTree>
+  </p:cSld>
+  <p:clrMapOvr>
+    <a:masterClrMapping/>
+  </p:clrMapOvr>
+</p:notes>
+</file>
+
+<file path=ppt/notesSlides/notesSlide22.xml><?xml version="1.0" encoding="utf-8"?>
 <p:notes xmlns:a="http://schemas.openxmlformats.org/drawingml/2006/main" xmlns:r="http://schemas.openxmlformats.org/officeDocument/2006/relationships" xmlns:p="http://schemas.openxmlformats.org/presentationml/2006/main">
   <p:cSld>
     <p:spTree>
@@ -793,8 +2169,8 @@
         </p:nvSpPr>
         <p:spPr bwMode="auto">
           <a:xfrm>
-            <a:off x="1193800" y="709613"/>
-            <a:ext cx="4624388" cy="3468687"/>
+            <a:off x="1270000" y="733425"/>
+            <a:ext cx="4776788" cy="3581400"/>
           </a:xfrm>
           <a:noFill/>
           <a:ln>
@@ -819,13 +2195,13 @@
         </p:nvSpPr>
         <p:spPr bwMode="auto">
           <a:xfrm>
-            <a:off x="936625" y="4414838"/>
-            <a:ext cx="5137150" cy="4183062"/>
+            <a:off x="977348" y="4559587"/>
+            <a:ext cx="5360504" cy="4320212"/>
           </a:xfrm>
           <a:noFill/>
         </p:spPr>
         <p:txBody>
-          <a:bodyPr wrap="square" lIns="93780" tIns="46890" rIns="93780" bIns="46890" numCol="1" anchor="t" anchorCtr="0" compatLnSpc="1">
+          <a:bodyPr wrap="square" lIns="97278" tIns="48639" rIns="97278" bIns="48639" numCol="1" anchor="t" anchorCtr="0" compatLnSpc="1">
             <a:prstTxWarp prst="textNoShape">
               <a:avLst/>
             </a:prstTxWarp>
@@ -849,7 +2225,7 @@
 </p:notes>
 </file>
 
-<file path=ppt/notesSlides/notesSlide11.xml><?xml version="1.0" encoding="utf-8"?>
+<file path=ppt/notesSlides/notesSlide23.xml><?xml version="1.0" encoding="utf-8"?>
 <p:notes xmlns:a="http://schemas.openxmlformats.org/drawingml/2006/main" xmlns:r="http://schemas.openxmlformats.org/officeDocument/2006/relationships" xmlns:p="http://schemas.openxmlformats.org/presentationml/2006/main">
   <p:cSld>
     <p:spTree>
@@ -929,8 +2305,8 @@
         </p:nvSpPr>
         <p:spPr bwMode="auto">
           <a:xfrm>
-            <a:off x="1193800" y="709613"/>
-            <a:ext cx="4624388" cy="3468687"/>
+            <a:off x="1270000" y="733425"/>
+            <a:ext cx="4776788" cy="3581400"/>
           </a:xfrm>
           <a:noFill/>
           <a:ln>
@@ -955,13 +2331,13 @@
         </p:nvSpPr>
         <p:spPr bwMode="auto">
           <a:xfrm>
-            <a:off x="936625" y="4414838"/>
-            <a:ext cx="5137150" cy="4183062"/>
+            <a:off x="977348" y="4559587"/>
+            <a:ext cx="5360504" cy="4320212"/>
           </a:xfrm>
           <a:noFill/>
         </p:spPr>
         <p:txBody>
-          <a:bodyPr wrap="square" lIns="93780" tIns="46890" rIns="93780" bIns="46890" numCol="1" anchor="t" anchorCtr="0" compatLnSpc="1">
+          <a:bodyPr wrap="square" lIns="97278" tIns="48639" rIns="97278" bIns="48639" numCol="1" anchor="t" anchorCtr="0" compatLnSpc="1">
             <a:prstTxWarp prst="textNoShape">
               <a:avLst/>
             </a:prstTxWarp>
@@ -985,7 +2361,268 @@
 </p:notes>
 </file>
 
-<file path=ppt/notesSlides/notesSlide12.xml><?xml version="1.0" encoding="utf-8"?>
+<file path=ppt/notesSlides/notesSlide24.xml><?xml version="1.0" encoding="utf-8"?>
+<p:notes xmlns:a="http://schemas.openxmlformats.org/drawingml/2006/main" xmlns:r="http://schemas.openxmlformats.org/officeDocument/2006/relationships" xmlns:p="http://schemas.openxmlformats.org/presentationml/2006/main">
+  <p:cSld>
+    <p:spTree>
+      <p:nvGrpSpPr>
+        <p:cNvPr id="1" name=""/>
+        <p:cNvGrpSpPr/>
+        <p:nvPr/>
+      </p:nvGrpSpPr>
+      <p:grpSpPr>
+        <a:xfrm>
+          <a:off x="0" y="0"/>
+          <a:ext cx="0" cy="0"/>
+          <a:chOff x="0" y="0"/>
+          <a:chExt cx="0" cy="0"/>
+        </a:xfrm>
+      </p:grpSpPr>
+      <p:sp>
+        <p:nvSpPr>
+          <p:cNvPr id="2" name="Slide Image Placeholder 1"/>
+          <p:cNvSpPr>
+            <a:spLocks noGrp="1" noRot="1" noChangeAspect="1"/>
+          </p:cNvSpPr>
+          <p:nvPr>
+            <p:ph type="sldImg"/>
+          </p:nvPr>
+        </p:nvSpPr>
+        <p:spPr/>
+      </p:sp>
+      <p:sp>
+        <p:nvSpPr>
+          <p:cNvPr id="3" name="Notes Placeholder 2"/>
+          <p:cNvSpPr>
+            <a:spLocks noGrp="1"/>
+          </p:cNvSpPr>
+          <p:nvPr>
+            <p:ph type="body" idx="1"/>
+          </p:nvPr>
+        </p:nvSpPr>
+        <p:spPr/>
+        <p:txBody>
+          <a:bodyPr>
+            <a:normAutofit/>
+          </a:bodyPr>
+          <a:lstStyle/>
+          <a:p>
+            <a:endParaRPr lang="en-US"/>
+          </a:p>
+        </p:txBody>
+      </p:sp>
+      <p:sp>
+        <p:nvSpPr>
+          <p:cNvPr id="4" name="Slide Number Placeholder 3"/>
+          <p:cNvSpPr>
+            <a:spLocks noGrp="1"/>
+          </p:cNvSpPr>
+          <p:nvPr>
+            <p:ph type="sldNum" sz="quarter" idx="10"/>
+          </p:nvPr>
+        </p:nvSpPr>
+        <p:spPr/>
+        <p:txBody>
+          <a:bodyPr/>
+          <a:lstStyle/>
+          <a:p>
+            <a:pPr>
+              <a:defRPr/>
+            </a:pPr>
+            <a:fld id="{5703B4A2-C126-47DB-8BAB-ECD4F18747C5}" type="slidenum">
+              <a:rPr lang="en-US" smtClean="0"/>
+              <a:pPr>
+                <a:defRPr/>
+              </a:pPr>
+              <a:t>24</a:t>
+            </a:fld>
+            <a:endParaRPr lang="en-US" dirty="0"/>
+          </a:p>
+        </p:txBody>
+      </p:sp>
+    </p:spTree>
+  </p:cSld>
+  <p:clrMapOvr>
+    <a:masterClrMapping/>
+  </p:clrMapOvr>
+</p:notes>
+</file>
+
+<file path=ppt/notesSlides/notesSlide25.xml><?xml version="1.0" encoding="utf-8"?>
+<p:notes xmlns:a="http://schemas.openxmlformats.org/drawingml/2006/main" xmlns:r="http://schemas.openxmlformats.org/officeDocument/2006/relationships" xmlns:p="http://schemas.openxmlformats.org/presentationml/2006/main">
+  <p:cSld>
+    <p:spTree>
+      <p:nvGrpSpPr>
+        <p:cNvPr id="1" name=""/>
+        <p:cNvGrpSpPr/>
+        <p:nvPr/>
+      </p:nvGrpSpPr>
+      <p:grpSpPr>
+        <a:xfrm>
+          <a:off x="0" y="0"/>
+          <a:ext cx="0" cy="0"/>
+          <a:chOff x="0" y="0"/>
+          <a:chExt cx="0" cy="0"/>
+        </a:xfrm>
+      </p:grpSpPr>
+      <p:sp>
+        <p:nvSpPr>
+          <p:cNvPr id="2" name="Slide Image Placeholder 1"/>
+          <p:cNvSpPr>
+            <a:spLocks noGrp="1" noRot="1" noChangeAspect="1"/>
+          </p:cNvSpPr>
+          <p:nvPr>
+            <p:ph type="sldImg"/>
+          </p:nvPr>
+        </p:nvSpPr>
+        <p:spPr/>
+      </p:sp>
+      <p:sp>
+        <p:nvSpPr>
+          <p:cNvPr id="3" name="Notes Placeholder 2"/>
+          <p:cNvSpPr>
+            <a:spLocks noGrp="1"/>
+          </p:cNvSpPr>
+          <p:nvPr>
+            <p:ph type="body" idx="1"/>
+          </p:nvPr>
+        </p:nvSpPr>
+        <p:spPr/>
+        <p:txBody>
+          <a:bodyPr>
+            <a:normAutofit/>
+          </a:bodyPr>
+          <a:lstStyle/>
+          <a:p>
+            <a:endParaRPr lang="en-US"/>
+          </a:p>
+        </p:txBody>
+      </p:sp>
+      <p:sp>
+        <p:nvSpPr>
+          <p:cNvPr id="4" name="Slide Number Placeholder 3"/>
+          <p:cNvSpPr>
+            <a:spLocks noGrp="1"/>
+          </p:cNvSpPr>
+          <p:nvPr>
+            <p:ph type="sldNum" sz="quarter" idx="10"/>
+          </p:nvPr>
+        </p:nvSpPr>
+        <p:spPr/>
+        <p:txBody>
+          <a:bodyPr/>
+          <a:lstStyle/>
+          <a:p>
+            <a:pPr>
+              <a:defRPr/>
+            </a:pPr>
+            <a:fld id="{5703B4A2-C126-47DB-8BAB-ECD4F18747C5}" type="slidenum">
+              <a:rPr lang="en-US" smtClean="0"/>
+              <a:pPr>
+                <a:defRPr/>
+              </a:pPr>
+              <a:t>25</a:t>
+            </a:fld>
+            <a:endParaRPr lang="en-US" dirty="0"/>
+          </a:p>
+        </p:txBody>
+      </p:sp>
+    </p:spTree>
+  </p:cSld>
+  <p:clrMapOvr>
+    <a:masterClrMapping/>
+  </p:clrMapOvr>
+</p:notes>
+</file>
+
+<file path=ppt/notesSlides/notesSlide26.xml><?xml version="1.0" encoding="utf-8"?>
+<p:notes xmlns:a="http://schemas.openxmlformats.org/drawingml/2006/main" xmlns:r="http://schemas.openxmlformats.org/officeDocument/2006/relationships" xmlns:p="http://schemas.openxmlformats.org/presentationml/2006/main">
+  <p:cSld>
+    <p:spTree>
+      <p:nvGrpSpPr>
+        <p:cNvPr id="1" name=""/>
+        <p:cNvGrpSpPr/>
+        <p:nvPr/>
+      </p:nvGrpSpPr>
+      <p:grpSpPr>
+        <a:xfrm>
+          <a:off x="0" y="0"/>
+          <a:ext cx="0" cy="0"/>
+          <a:chOff x="0" y="0"/>
+          <a:chExt cx="0" cy="0"/>
+        </a:xfrm>
+      </p:grpSpPr>
+      <p:sp>
+        <p:nvSpPr>
+          <p:cNvPr id="2" name="Slide Image Placeholder 1"/>
+          <p:cNvSpPr>
+            <a:spLocks noGrp="1" noRot="1" noChangeAspect="1"/>
+          </p:cNvSpPr>
+          <p:nvPr>
+            <p:ph type="sldImg"/>
+          </p:nvPr>
+        </p:nvSpPr>
+        <p:spPr/>
+      </p:sp>
+      <p:sp>
+        <p:nvSpPr>
+          <p:cNvPr id="3" name="Notes Placeholder 2"/>
+          <p:cNvSpPr>
+            <a:spLocks noGrp="1"/>
+          </p:cNvSpPr>
+          <p:nvPr>
+            <p:ph type="body" idx="1"/>
+          </p:nvPr>
+        </p:nvSpPr>
+        <p:spPr/>
+        <p:txBody>
+          <a:bodyPr>
+            <a:normAutofit/>
+          </a:bodyPr>
+          <a:lstStyle/>
+          <a:p>
+            <a:endParaRPr lang="en-US"/>
+          </a:p>
+        </p:txBody>
+      </p:sp>
+      <p:sp>
+        <p:nvSpPr>
+          <p:cNvPr id="4" name="Slide Number Placeholder 3"/>
+          <p:cNvSpPr>
+            <a:spLocks noGrp="1"/>
+          </p:cNvSpPr>
+          <p:nvPr>
+            <p:ph type="sldNum" sz="quarter" idx="10"/>
+          </p:nvPr>
+        </p:nvSpPr>
+        <p:spPr/>
+        <p:txBody>
+          <a:bodyPr/>
+          <a:lstStyle/>
+          <a:p>
+            <a:pPr>
+              <a:defRPr/>
+            </a:pPr>
+            <a:fld id="{5703B4A2-C126-47DB-8BAB-ECD4F18747C5}" type="slidenum">
+              <a:rPr lang="en-US" smtClean="0"/>
+              <a:pPr>
+                <a:defRPr/>
+              </a:pPr>
+              <a:t>26</a:t>
+            </a:fld>
+            <a:endParaRPr lang="en-US" dirty="0"/>
+          </a:p>
+        </p:txBody>
+      </p:sp>
+    </p:spTree>
+  </p:cSld>
+  <p:clrMapOvr>
+    <a:masterClrMapping/>
+  </p:clrMapOvr>
+</p:notes>
+</file>
+
+<file path=ppt/notesSlides/notesSlide27.xml><?xml version="1.0" encoding="utf-8"?>
 <p:notes xmlns:a="http://schemas.openxmlformats.org/drawingml/2006/main" xmlns:r="http://schemas.openxmlformats.org/officeDocument/2006/relationships" xmlns:p="http://schemas.openxmlformats.org/presentationml/2006/main">
   <p:cSld>
     <p:spTree>
@@ -1072,7 +2709,268 @@
 </p:notes>
 </file>
 
-<file path=ppt/notesSlides/notesSlide2.xml><?xml version="1.0" encoding="utf-8"?>
+<file path=ppt/notesSlides/notesSlide28.xml><?xml version="1.0" encoding="utf-8"?>
+<p:notes xmlns:a="http://schemas.openxmlformats.org/drawingml/2006/main" xmlns:r="http://schemas.openxmlformats.org/officeDocument/2006/relationships" xmlns:p="http://schemas.openxmlformats.org/presentationml/2006/main">
+  <p:cSld>
+    <p:spTree>
+      <p:nvGrpSpPr>
+        <p:cNvPr id="1" name=""/>
+        <p:cNvGrpSpPr/>
+        <p:nvPr/>
+      </p:nvGrpSpPr>
+      <p:grpSpPr>
+        <a:xfrm>
+          <a:off x="0" y="0"/>
+          <a:ext cx="0" cy="0"/>
+          <a:chOff x="0" y="0"/>
+          <a:chExt cx="0" cy="0"/>
+        </a:xfrm>
+      </p:grpSpPr>
+      <p:sp>
+        <p:nvSpPr>
+          <p:cNvPr id="2" name="Slide Image Placeholder 1"/>
+          <p:cNvSpPr>
+            <a:spLocks noGrp="1" noRot="1" noChangeAspect="1"/>
+          </p:cNvSpPr>
+          <p:nvPr>
+            <p:ph type="sldImg"/>
+          </p:nvPr>
+        </p:nvSpPr>
+        <p:spPr/>
+      </p:sp>
+      <p:sp>
+        <p:nvSpPr>
+          <p:cNvPr id="3" name="Notes Placeholder 2"/>
+          <p:cNvSpPr>
+            <a:spLocks noGrp="1"/>
+          </p:cNvSpPr>
+          <p:nvPr>
+            <p:ph type="body" idx="1"/>
+          </p:nvPr>
+        </p:nvSpPr>
+        <p:spPr/>
+        <p:txBody>
+          <a:bodyPr>
+            <a:normAutofit/>
+          </a:bodyPr>
+          <a:lstStyle/>
+          <a:p>
+            <a:endParaRPr lang="en-US"/>
+          </a:p>
+        </p:txBody>
+      </p:sp>
+      <p:sp>
+        <p:nvSpPr>
+          <p:cNvPr id="4" name="Slide Number Placeholder 3"/>
+          <p:cNvSpPr>
+            <a:spLocks noGrp="1"/>
+          </p:cNvSpPr>
+          <p:nvPr>
+            <p:ph type="sldNum" sz="quarter" idx="10"/>
+          </p:nvPr>
+        </p:nvSpPr>
+        <p:spPr/>
+        <p:txBody>
+          <a:bodyPr/>
+          <a:lstStyle/>
+          <a:p>
+            <a:pPr>
+              <a:defRPr/>
+            </a:pPr>
+            <a:fld id="{5703B4A2-C126-47DB-8BAB-ECD4F18747C5}" type="slidenum">
+              <a:rPr lang="en-US" smtClean="0"/>
+              <a:pPr>
+                <a:defRPr/>
+              </a:pPr>
+              <a:t>28</a:t>
+            </a:fld>
+            <a:endParaRPr lang="en-US" dirty="0"/>
+          </a:p>
+        </p:txBody>
+      </p:sp>
+    </p:spTree>
+  </p:cSld>
+  <p:clrMapOvr>
+    <a:masterClrMapping/>
+  </p:clrMapOvr>
+</p:notes>
+</file>
+
+<file path=ppt/notesSlides/notesSlide29.xml><?xml version="1.0" encoding="utf-8"?>
+<p:notes xmlns:a="http://schemas.openxmlformats.org/drawingml/2006/main" xmlns:r="http://schemas.openxmlformats.org/officeDocument/2006/relationships" xmlns:p="http://schemas.openxmlformats.org/presentationml/2006/main">
+  <p:cSld>
+    <p:spTree>
+      <p:nvGrpSpPr>
+        <p:cNvPr id="1" name=""/>
+        <p:cNvGrpSpPr/>
+        <p:nvPr/>
+      </p:nvGrpSpPr>
+      <p:grpSpPr>
+        <a:xfrm>
+          <a:off x="0" y="0"/>
+          <a:ext cx="0" cy="0"/>
+          <a:chOff x="0" y="0"/>
+          <a:chExt cx="0" cy="0"/>
+        </a:xfrm>
+      </p:grpSpPr>
+      <p:sp>
+        <p:nvSpPr>
+          <p:cNvPr id="2" name="Slide Image Placeholder 1"/>
+          <p:cNvSpPr>
+            <a:spLocks noGrp="1" noRot="1" noChangeAspect="1"/>
+          </p:cNvSpPr>
+          <p:nvPr>
+            <p:ph type="sldImg"/>
+          </p:nvPr>
+        </p:nvSpPr>
+        <p:spPr/>
+      </p:sp>
+      <p:sp>
+        <p:nvSpPr>
+          <p:cNvPr id="3" name="Notes Placeholder 2"/>
+          <p:cNvSpPr>
+            <a:spLocks noGrp="1"/>
+          </p:cNvSpPr>
+          <p:nvPr>
+            <p:ph type="body" idx="1"/>
+          </p:nvPr>
+        </p:nvSpPr>
+        <p:spPr/>
+        <p:txBody>
+          <a:bodyPr>
+            <a:normAutofit/>
+          </a:bodyPr>
+          <a:lstStyle/>
+          <a:p>
+            <a:endParaRPr lang="en-US"/>
+          </a:p>
+        </p:txBody>
+      </p:sp>
+      <p:sp>
+        <p:nvSpPr>
+          <p:cNvPr id="4" name="Slide Number Placeholder 3"/>
+          <p:cNvSpPr>
+            <a:spLocks noGrp="1"/>
+          </p:cNvSpPr>
+          <p:nvPr>
+            <p:ph type="sldNum" sz="quarter" idx="10"/>
+          </p:nvPr>
+        </p:nvSpPr>
+        <p:spPr/>
+        <p:txBody>
+          <a:bodyPr/>
+          <a:lstStyle/>
+          <a:p>
+            <a:pPr>
+              <a:defRPr/>
+            </a:pPr>
+            <a:fld id="{5703B4A2-C126-47DB-8BAB-ECD4F18747C5}" type="slidenum">
+              <a:rPr lang="en-US" smtClean="0"/>
+              <a:pPr>
+                <a:defRPr/>
+              </a:pPr>
+              <a:t>29</a:t>
+            </a:fld>
+            <a:endParaRPr lang="en-US" dirty="0"/>
+          </a:p>
+        </p:txBody>
+      </p:sp>
+    </p:spTree>
+  </p:cSld>
+  <p:clrMapOvr>
+    <a:masterClrMapping/>
+  </p:clrMapOvr>
+</p:notes>
+</file>
+
+<file path=ppt/notesSlides/notesSlide3.xml><?xml version="1.0" encoding="utf-8"?>
+<p:notes xmlns:a="http://schemas.openxmlformats.org/drawingml/2006/main" xmlns:r="http://schemas.openxmlformats.org/officeDocument/2006/relationships" xmlns:p="http://schemas.openxmlformats.org/presentationml/2006/main">
+  <p:cSld>
+    <p:spTree>
+      <p:nvGrpSpPr>
+        <p:cNvPr id="1" name=""/>
+        <p:cNvGrpSpPr/>
+        <p:nvPr/>
+      </p:nvGrpSpPr>
+      <p:grpSpPr>
+        <a:xfrm>
+          <a:off x="0" y="0"/>
+          <a:ext cx="0" cy="0"/>
+          <a:chOff x="0" y="0"/>
+          <a:chExt cx="0" cy="0"/>
+        </a:xfrm>
+      </p:grpSpPr>
+      <p:sp>
+        <p:nvSpPr>
+          <p:cNvPr id="2" name="Slide Image Placeholder 1"/>
+          <p:cNvSpPr>
+            <a:spLocks noGrp="1" noRot="1" noChangeAspect="1"/>
+          </p:cNvSpPr>
+          <p:nvPr>
+            <p:ph type="sldImg"/>
+          </p:nvPr>
+        </p:nvSpPr>
+        <p:spPr/>
+      </p:sp>
+      <p:sp>
+        <p:nvSpPr>
+          <p:cNvPr id="3" name="Notes Placeholder 2"/>
+          <p:cNvSpPr>
+            <a:spLocks noGrp="1"/>
+          </p:cNvSpPr>
+          <p:nvPr>
+            <p:ph type="body" idx="1"/>
+          </p:nvPr>
+        </p:nvSpPr>
+        <p:spPr/>
+        <p:txBody>
+          <a:bodyPr>
+            <a:normAutofit/>
+          </a:bodyPr>
+          <a:lstStyle/>
+          <a:p>
+            <a:endParaRPr lang="en-US"/>
+          </a:p>
+        </p:txBody>
+      </p:sp>
+      <p:sp>
+        <p:nvSpPr>
+          <p:cNvPr id="4" name="Slide Number Placeholder 3"/>
+          <p:cNvSpPr>
+            <a:spLocks noGrp="1"/>
+          </p:cNvSpPr>
+          <p:nvPr>
+            <p:ph type="sldNum" sz="quarter" idx="10"/>
+          </p:nvPr>
+        </p:nvSpPr>
+        <p:spPr/>
+        <p:txBody>
+          <a:bodyPr/>
+          <a:lstStyle/>
+          <a:p>
+            <a:pPr>
+              <a:defRPr/>
+            </a:pPr>
+            <a:fld id="{5703B4A2-C126-47DB-8BAB-ECD4F18747C5}" type="slidenum">
+              <a:rPr lang="en-US" smtClean="0"/>
+              <a:pPr>
+                <a:defRPr/>
+              </a:pPr>
+              <a:t>3</a:t>
+            </a:fld>
+            <a:endParaRPr lang="en-US" dirty="0"/>
+          </a:p>
+        </p:txBody>
+      </p:sp>
+    </p:spTree>
+  </p:cSld>
+  <p:clrMapOvr>
+    <a:masterClrMapping/>
+  </p:clrMapOvr>
+</p:notes>
+</file>
+
+<file path=ppt/notesSlides/notesSlide4.xml><?xml version="1.0" encoding="utf-8"?>
 <p:notes xmlns:a="http://schemas.openxmlformats.org/drawingml/2006/main" xmlns:r="http://schemas.openxmlformats.org/officeDocument/2006/relationships" xmlns:p="http://schemas.openxmlformats.org/presentationml/2006/main">
   <p:cSld>
     <p:spTree>
@@ -1152,8 +3050,8 @@
         </p:nvSpPr>
         <p:spPr bwMode="auto">
           <a:xfrm>
-            <a:off x="1193800" y="709613"/>
-            <a:ext cx="4622800" cy="3467100"/>
+            <a:off x="1271588" y="733425"/>
+            <a:ext cx="4772025" cy="3579813"/>
           </a:xfrm>
           <a:noFill/>
           <a:ln>
@@ -1178,8 +3076,8 @@
         </p:nvSpPr>
         <p:spPr bwMode="auto">
           <a:xfrm>
-            <a:off x="936625" y="4414838"/>
-            <a:ext cx="5137150" cy="4183062"/>
+            <a:off x="977348" y="4559587"/>
+            <a:ext cx="5360504" cy="4320212"/>
           </a:xfrm>
           <a:noFill/>
         </p:spPr>
@@ -1208,7 +3106,7 @@
 </p:notes>
 </file>
 
-<file path=ppt/notesSlides/notesSlide3.xml><?xml version="1.0" encoding="utf-8"?>
+<file path=ppt/notesSlides/notesSlide5.xml><?xml version="1.0" encoding="utf-8"?>
 <p:notes xmlns:a="http://schemas.openxmlformats.org/drawingml/2006/main" xmlns:r="http://schemas.openxmlformats.org/officeDocument/2006/relationships" xmlns:p="http://schemas.openxmlformats.org/presentationml/2006/main">
   <p:cSld>
     <p:spTree>
@@ -1288,8 +3186,8 @@
         </p:nvSpPr>
         <p:spPr bwMode="auto">
           <a:xfrm>
-            <a:off x="1189038" y="703263"/>
-            <a:ext cx="4632325" cy="3473450"/>
+            <a:off x="1266825" y="727075"/>
+            <a:ext cx="4781550" cy="3586163"/>
           </a:xfrm>
           <a:noFill/>
           <a:ln>
@@ -1314,13 +3212,13 @@
         </p:nvSpPr>
         <p:spPr bwMode="auto">
           <a:xfrm>
-            <a:off x="457200" y="4495800"/>
-            <a:ext cx="6324600" cy="4419600"/>
+            <a:off x="477078" y="4643203"/>
+            <a:ext cx="6599583" cy="4564505"/>
           </a:xfrm>
           <a:noFill/>
         </p:spPr>
         <p:txBody>
-          <a:bodyPr wrap="square" lIns="91435" tIns="45717" rIns="91435" bIns="45717" numCol="1" anchor="t" anchorCtr="0" compatLnSpc="1">
+          <a:bodyPr wrap="square" lIns="94846" tIns="47422" rIns="94846" bIns="47422" numCol="1" anchor="t" anchorCtr="0" compatLnSpc="1">
             <a:prstTxWarp prst="textNoShape">
               <a:avLst/>
             </a:prstTxWarp>
@@ -1344,7 +3242,7 @@
 </p:notes>
 </file>
 
-<file path=ppt/notesSlides/notesSlide4.xml><?xml version="1.0" encoding="utf-8"?>
+<file path=ppt/notesSlides/notesSlide6.xml><?xml version="1.0" encoding="utf-8"?>
 <p:notes xmlns:a="http://schemas.openxmlformats.org/drawingml/2006/main" xmlns:r="http://schemas.openxmlformats.org/officeDocument/2006/relationships" xmlns:p="http://schemas.openxmlformats.org/presentationml/2006/main">
   <p:cSld>
     <p:spTree>
@@ -1424,8 +3322,8 @@
         </p:nvSpPr>
         <p:spPr bwMode="auto">
           <a:xfrm>
-            <a:off x="1193800" y="709613"/>
-            <a:ext cx="4622800" cy="3467100"/>
+            <a:off x="1271588" y="733425"/>
+            <a:ext cx="4772025" cy="3579813"/>
           </a:xfrm>
           <a:noFill/>
           <a:ln>
@@ -1450,285 +3348,13 @@
         </p:nvSpPr>
         <p:spPr bwMode="auto">
           <a:xfrm>
-            <a:off x="936625" y="4414838"/>
-            <a:ext cx="5137150" cy="4183062"/>
+            <a:off x="977348" y="4559587"/>
+            <a:ext cx="5360504" cy="4320212"/>
           </a:xfrm>
           <a:noFill/>
         </p:spPr>
         <p:txBody>
-          <a:bodyPr wrap="square" lIns="93768" tIns="46884" rIns="93768" bIns="46884" numCol="1" anchor="t" anchorCtr="0" compatLnSpc="1">
-            <a:prstTxWarp prst="textNoShape">
-              <a:avLst/>
-            </a:prstTxWarp>
-          </a:bodyPr>
-          <a:lstStyle/>
-          <a:p>
-            <a:pPr eaLnBrk="1" hangingPunct="1">
-              <a:spcBef>
-                <a:spcPct val="0"/>
-              </a:spcBef>
-            </a:pPr>
-            <a:endParaRPr lang="en-US" smtClean="0"/>
-          </a:p>
-        </p:txBody>
-      </p:sp>
-    </p:spTree>
-  </p:cSld>
-  <p:clrMapOvr>
-    <a:masterClrMapping/>
-  </p:clrMapOvr>
-</p:notes>
-</file>
-
-<file path=ppt/notesSlides/notesSlide5.xml><?xml version="1.0" encoding="utf-8"?>
-<p:notes xmlns:a="http://schemas.openxmlformats.org/drawingml/2006/main" xmlns:r="http://schemas.openxmlformats.org/officeDocument/2006/relationships" xmlns:p="http://schemas.openxmlformats.org/presentationml/2006/main">
-  <p:cSld>
-    <p:spTree>
-      <p:nvGrpSpPr>
-        <p:cNvPr id="1" name=""/>
-        <p:cNvGrpSpPr/>
-        <p:nvPr/>
-      </p:nvGrpSpPr>
-      <p:grpSpPr>
-        <a:xfrm>
-          <a:off x="0" y="0"/>
-          <a:ext cx="0" cy="0"/>
-          <a:chOff x="0" y="0"/>
-          <a:chExt cx="0" cy="0"/>
-        </a:xfrm>
-      </p:grpSpPr>
-      <p:sp>
-        <p:nvSpPr>
-          <p:cNvPr id="34818" name="Rectangle 5"/>
-          <p:cNvSpPr>
-            <a:spLocks noGrp="1" noChangeArrowheads="1"/>
-          </p:cNvSpPr>
-          <p:nvPr>
-            <p:ph type="sldNum" sz="quarter" idx="5"/>
-          </p:nvPr>
-        </p:nvSpPr>
-        <p:spPr bwMode="auto">
-          <a:ln>
-            <a:miter lim="800000"/>
-            <a:headEnd/>
-            <a:tailEnd/>
-          </a:ln>
-        </p:spPr>
-        <p:txBody>
-          <a:bodyPr wrap="square" numCol="1" anchorCtr="0" compatLnSpc="1">
-            <a:prstTxWarp prst="textNoShape">
-              <a:avLst/>
-            </a:prstTxWarp>
-          </a:bodyPr>
-          <a:lstStyle/>
-          <a:p>
-            <a:pPr fontAlgn="base">
-              <a:spcBef>
-                <a:spcPct val="0"/>
-              </a:spcBef>
-              <a:spcAft>
-                <a:spcPct val="0"/>
-              </a:spcAft>
-              <a:defRPr/>
-            </a:pPr>
-            <a:fld id="{E887EC15-0CB4-4158-B18A-F07C15A4E490}" type="slidenum">
-              <a:rPr lang="en-US" smtClean="0"/>
-              <a:pPr fontAlgn="base">
-                <a:spcBef>
-                  <a:spcPct val="0"/>
-                </a:spcBef>
-                <a:spcAft>
-                  <a:spcPct val="0"/>
-                </a:spcAft>
-                <a:defRPr/>
-              </a:pPr>
-              <a:t>16</a:t>
-            </a:fld>
-            <a:endParaRPr lang="en-US" smtClean="0"/>
-          </a:p>
-        </p:txBody>
-      </p:sp>
-      <p:sp>
-        <p:nvSpPr>
-          <p:cNvPr id="35843" name="Rectangle 2"/>
-          <p:cNvSpPr>
-            <a:spLocks noGrp="1" noRot="1" noChangeAspect="1" noChangeArrowheads="1" noTextEdit="1"/>
-          </p:cNvSpPr>
-          <p:nvPr>
-            <p:ph type="sldImg"/>
-          </p:nvPr>
-        </p:nvSpPr>
-        <p:spPr bwMode="auto">
-          <a:xfrm>
-            <a:off x="1193800" y="709613"/>
-            <a:ext cx="4622800" cy="3467100"/>
-          </a:xfrm>
-          <a:noFill/>
-          <a:ln>
-            <a:solidFill>
-              <a:srgbClr val="000000"/>
-            </a:solidFill>
-            <a:miter lim="800000"/>
-            <a:headEnd/>
-            <a:tailEnd/>
-          </a:ln>
-        </p:spPr>
-      </p:sp>
-      <p:sp>
-        <p:nvSpPr>
-          <p:cNvPr id="35844" name="Rectangle 3"/>
-          <p:cNvSpPr>
-            <a:spLocks noGrp="1" noChangeArrowheads="1"/>
-          </p:cNvSpPr>
-          <p:nvPr>
-            <p:ph type="body" idx="1"/>
-          </p:nvPr>
-        </p:nvSpPr>
-        <p:spPr bwMode="auto">
-          <a:xfrm>
-            <a:off x="936625" y="4414838"/>
-            <a:ext cx="5137150" cy="4183062"/>
-          </a:xfrm>
-          <a:noFill/>
-        </p:spPr>
-        <p:txBody>
-          <a:bodyPr wrap="square" lIns="93768" tIns="46884" rIns="93768" bIns="46884" numCol="1" anchor="t" anchorCtr="0" compatLnSpc="1">
-            <a:prstTxWarp prst="textNoShape">
-              <a:avLst/>
-            </a:prstTxWarp>
-          </a:bodyPr>
-          <a:lstStyle/>
-          <a:p>
-            <a:pPr marL="180975" indent="-180975" eaLnBrk="1" hangingPunct="1">
-              <a:spcBef>
-                <a:spcPct val="0"/>
-              </a:spcBef>
-            </a:pPr>
-            <a:endParaRPr lang="en-US" smtClean="0"/>
-          </a:p>
-        </p:txBody>
-      </p:sp>
-    </p:spTree>
-  </p:cSld>
-  <p:clrMapOvr>
-    <a:masterClrMapping/>
-  </p:clrMapOvr>
-</p:notes>
-</file>
-
-<file path=ppt/notesSlides/notesSlide6.xml><?xml version="1.0" encoding="utf-8"?>
-<p:notes xmlns:a="http://schemas.openxmlformats.org/drawingml/2006/main" xmlns:r="http://schemas.openxmlformats.org/officeDocument/2006/relationships" xmlns:p="http://schemas.openxmlformats.org/presentationml/2006/main">
-  <p:cSld>
-    <p:spTree>
-      <p:nvGrpSpPr>
-        <p:cNvPr id="1" name=""/>
-        <p:cNvGrpSpPr/>
-        <p:nvPr/>
-      </p:nvGrpSpPr>
-      <p:grpSpPr>
-        <a:xfrm>
-          <a:off x="0" y="0"/>
-          <a:ext cx="0" cy="0"/>
-          <a:chOff x="0" y="0"/>
-          <a:chExt cx="0" cy="0"/>
-        </a:xfrm>
-      </p:grpSpPr>
-      <p:sp>
-        <p:nvSpPr>
-          <p:cNvPr id="35842" name="Rectangle 5"/>
-          <p:cNvSpPr>
-            <a:spLocks noGrp="1" noChangeArrowheads="1"/>
-          </p:cNvSpPr>
-          <p:nvPr>
-            <p:ph type="sldNum" sz="quarter" idx="5"/>
-          </p:nvPr>
-        </p:nvSpPr>
-        <p:spPr bwMode="auto">
-          <a:ln>
-            <a:miter lim="800000"/>
-            <a:headEnd/>
-            <a:tailEnd/>
-          </a:ln>
-        </p:spPr>
-        <p:txBody>
-          <a:bodyPr wrap="square" numCol="1" anchorCtr="0" compatLnSpc="1">
-            <a:prstTxWarp prst="textNoShape">
-              <a:avLst/>
-            </a:prstTxWarp>
-          </a:bodyPr>
-          <a:lstStyle/>
-          <a:p>
-            <a:pPr fontAlgn="base">
-              <a:spcBef>
-                <a:spcPct val="0"/>
-              </a:spcBef>
-              <a:spcAft>
-                <a:spcPct val="0"/>
-              </a:spcAft>
-              <a:defRPr/>
-            </a:pPr>
-            <a:fld id="{628C5B2A-4867-4A22-A8AA-EF690E038E58}" type="slidenum">
-              <a:rPr lang="en-US" smtClean="0"/>
-              <a:pPr fontAlgn="base">
-                <a:spcBef>
-                  <a:spcPct val="0"/>
-                </a:spcBef>
-                <a:spcAft>
-                  <a:spcPct val="0"/>
-                </a:spcAft>
-                <a:defRPr/>
-              </a:pPr>
-              <a:t>18</a:t>
-            </a:fld>
-            <a:endParaRPr lang="en-US" smtClean="0"/>
-          </a:p>
-        </p:txBody>
-      </p:sp>
-      <p:sp>
-        <p:nvSpPr>
-          <p:cNvPr id="36867" name="Rectangle 2"/>
-          <p:cNvSpPr>
-            <a:spLocks noGrp="1" noRot="1" noChangeAspect="1" noChangeArrowheads="1" noTextEdit="1"/>
-          </p:cNvSpPr>
-          <p:nvPr>
-            <p:ph type="sldImg"/>
-          </p:nvPr>
-        </p:nvSpPr>
-        <p:spPr bwMode="auto">
-          <a:xfrm>
-            <a:off x="1193800" y="709613"/>
-            <a:ext cx="4624388" cy="3468687"/>
-          </a:xfrm>
-          <a:noFill/>
-          <a:ln>
-            <a:solidFill>
-              <a:srgbClr val="000000"/>
-            </a:solidFill>
-            <a:miter lim="800000"/>
-            <a:headEnd/>
-            <a:tailEnd/>
-          </a:ln>
-        </p:spPr>
-      </p:sp>
-      <p:sp>
-        <p:nvSpPr>
-          <p:cNvPr id="36868" name="Rectangle 3"/>
-          <p:cNvSpPr>
-            <a:spLocks noGrp="1" noChangeArrowheads="1"/>
-          </p:cNvSpPr>
-          <p:nvPr>
-            <p:ph type="body" idx="1"/>
-          </p:nvPr>
-        </p:nvSpPr>
-        <p:spPr bwMode="auto">
-          <a:xfrm>
-            <a:off x="936625" y="4414838"/>
-            <a:ext cx="5137150" cy="4183062"/>
-          </a:xfrm>
-          <a:noFill/>
-        </p:spPr>
-        <p:txBody>
-          <a:bodyPr wrap="square" lIns="93780" tIns="46890" rIns="93780" bIns="46890" numCol="1" anchor="t" anchorCtr="0" compatLnSpc="1">
+          <a:bodyPr wrap="square" lIns="97266" tIns="48633" rIns="97266" bIns="48633" numCol="1" anchor="t" anchorCtr="0" compatLnSpc="1">
             <a:prstTxWarp prst="textNoShape">
               <a:avLst/>
             </a:prstTxWarp>
@@ -1771,112 +3397,63 @@
       </p:grpSpPr>
       <p:sp>
         <p:nvSpPr>
-          <p:cNvPr id="37890" name="Rectangle 5"/>
+          <p:cNvPr id="2" name="Slide Image Placeholder 1"/>
           <p:cNvSpPr>
-            <a:spLocks noGrp="1" noChangeArrowheads="1"/>
+            <a:spLocks noGrp="1" noRot="1" noChangeAspect="1"/>
           </p:cNvSpPr>
           <p:nvPr>
-            <p:ph type="sldNum" sz="quarter" idx="5"/>
+            <p:ph type="sldImg"/>
           </p:nvPr>
         </p:nvSpPr>
-        <p:spPr bwMode="auto">
-          <a:ln>
-            <a:miter lim="800000"/>
-            <a:headEnd/>
-            <a:tailEnd/>
-          </a:ln>
-        </p:spPr>
+        <p:spPr/>
+      </p:sp>
+      <p:sp>
+        <p:nvSpPr>
+          <p:cNvPr id="3" name="Notes Placeholder 2"/>
+          <p:cNvSpPr>
+            <a:spLocks noGrp="1"/>
+          </p:cNvSpPr>
+          <p:nvPr>
+            <p:ph type="body" idx="1"/>
+          </p:nvPr>
+        </p:nvSpPr>
+        <p:spPr/>
         <p:txBody>
-          <a:bodyPr wrap="square" numCol="1" anchorCtr="0" compatLnSpc="1">
-            <a:prstTxWarp prst="textNoShape">
-              <a:avLst/>
-            </a:prstTxWarp>
+          <a:bodyPr>
+            <a:normAutofit/>
           </a:bodyPr>
           <a:lstStyle/>
           <a:p>
-            <a:pPr fontAlgn="base">
-              <a:spcBef>
-                <a:spcPct val="0"/>
-              </a:spcBef>
-              <a:spcAft>
-                <a:spcPct val="0"/>
-              </a:spcAft>
-              <a:defRPr/>
-            </a:pPr>
-            <a:fld id="{ACD24D8B-6FC8-414B-A0AB-8553BFA876F3}" type="slidenum">
-              <a:rPr lang="en-US" smtClean="0"/>
-              <a:pPr fontAlgn="base">
-                <a:spcBef>
-                  <a:spcPct val="0"/>
-                </a:spcBef>
-                <a:spcAft>
-                  <a:spcPct val="0"/>
-                </a:spcAft>
-                <a:defRPr/>
-              </a:pPr>
-              <a:t>19</a:t>
-            </a:fld>
-            <a:endParaRPr lang="en-US" smtClean="0"/>
+            <a:endParaRPr lang="en-US"/>
           </a:p>
         </p:txBody>
       </p:sp>
       <p:sp>
         <p:nvSpPr>
-          <p:cNvPr id="38915" name="Rectangle 2"/>
+          <p:cNvPr id="4" name="Slide Number Placeholder 3"/>
           <p:cNvSpPr>
-            <a:spLocks noGrp="1" noRot="1" noChangeAspect="1" noChangeArrowheads="1" noTextEdit="1"/>
+            <a:spLocks noGrp="1"/>
           </p:cNvSpPr>
           <p:nvPr>
-            <p:ph type="sldImg"/>
+            <p:ph type="sldNum" sz="quarter" idx="10"/>
           </p:nvPr>
         </p:nvSpPr>
-        <p:spPr bwMode="auto">
-          <a:xfrm>
-            <a:off x="1193800" y="709613"/>
-            <a:ext cx="4624388" cy="3468687"/>
-          </a:xfrm>
-          <a:noFill/>
-          <a:ln>
-            <a:solidFill>
-              <a:srgbClr val="000000"/>
-            </a:solidFill>
-            <a:miter lim="800000"/>
-            <a:headEnd/>
-            <a:tailEnd/>
-          </a:ln>
-        </p:spPr>
-      </p:sp>
-      <p:sp>
-        <p:nvSpPr>
-          <p:cNvPr id="38916" name="Rectangle 3"/>
-          <p:cNvSpPr>
-            <a:spLocks noGrp="1" noChangeArrowheads="1"/>
-          </p:cNvSpPr>
-          <p:nvPr>
-            <p:ph type="body" idx="1"/>
-          </p:nvPr>
-        </p:nvSpPr>
-        <p:spPr bwMode="auto">
-          <a:xfrm>
-            <a:off x="936625" y="4414838"/>
-            <a:ext cx="5137150" cy="4183062"/>
-          </a:xfrm>
-          <a:noFill/>
-        </p:spPr>
+        <p:spPr/>
         <p:txBody>
-          <a:bodyPr wrap="square" lIns="93780" tIns="46890" rIns="93780" bIns="46890" numCol="1" anchor="t" anchorCtr="0" compatLnSpc="1">
-            <a:prstTxWarp prst="textNoShape">
-              <a:avLst/>
-            </a:prstTxWarp>
-          </a:bodyPr>
+          <a:bodyPr/>
           <a:lstStyle/>
           <a:p>
-            <a:pPr eaLnBrk="1" hangingPunct="1">
-              <a:spcBef>
-                <a:spcPct val="0"/>
-              </a:spcBef>
+            <a:pPr>
+              <a:defRPr/>
             </a:pPr>
-            <a:endParaRPr lang="en-US" smtClean="0"/>
+            <a:fld id="{5703B4A2-C126-47DB-8BAB-ECD4F18747C5}" type="slidenum">
+              <a:rPr lang="en-US" smtClean="0"/>
+              <a:pPr>
+                <a:defRPr/>
+              </a:pPr>
+              <a:t>7</a:t>
+            </a:fld>
+            <a:endParaRPr lang="en-US" dirty="0"/>
           </a:p>
         </p:txBody>
       </p:sp>
@@ -1907,112 +3484,63 @@
       </p:grpSpPr>
       <p:sp>
         <p:nvSpPr>
-          <p:cNvPr id="38914" name="Rectangle 5"/>
+          <p:cNvPr id="2" name="Slide Image Placeholder 1"/>
           <p:cNvSpPr>
-            <a:spLocks noGrp="1" noChangeArrowheads="1"/>
+            <a:spLocks noGrp="1" noRot="1" noChangeAspect="1"/>
           </p:cNvSpPr>
           <p:nvPr>
-            <p:ph type="sldNum" sz="quarter" idx="5"/>
+            <p:ph type="sldImg"/>
           </p:nvPr>
         </p:nvSpPr>
-        <p:spPr bwMode="auto">
-          <a:ln>
-            <a:miter lim="800000"/>
-            <a:headEnd/>
-            <a:tailEnd/>
-          </a:ln>
-        </p:spPr>
+        <p:spPr/>
+      </p:sp>
+      <p:sp>
+        <p:nvSpPr>
+          <p:cNvPr id="3" name="Notes Placeholder 2"/>
+          <p:cNvSpPr>
+            <a:spLocks noGrp="1"/>
+          </p:cNvSpPr>
+          <p:nvPr>
+            <p:ph type="body" idx="1"/>
+          </p:nvPr>
+        </p:nvSpPr>
+        <p:spPr/>
         <p:txBody>
-          <a:bodyPr wrap="square" numCol="1" anchorCtr="0" compatLnSpc="1">
-            <a:prstTxWarp prst="textNoShape">
-              <a:avLst/>
-            </a:prstTxWarp>
+          <a:bodyPr>
+            <a:normAutofit/>
           </a:bodyPr>
           <a:lstStyle/>
           <a:p>
-            <a:pPr fontAlgn="base">
-              <a:spcBef>
-                <a:spcPct val="0"/>
-              </a:spcBef>
-              <a:spcAft>
-                <a:spcPct val="0"/>
-              </a:spcAft>
-              <a:defRPr/>
-            </a:pPr>
-            <a:fld id="{5070DA82-A62E-44C7-BCBF-9761B2390FC0}" type="slidenum">
-              <a:rPr lang="en-US" smtClean="0"/>
-              <a:pPr fontAlgn="base">
-                <a:spcBef>
-                  <a:spcPct val="0"/>
-                </a:spcBef>
-                <a:spcAft>
-                  <a:spcPct val="0"/>
-                </a:spcAft>
-                <a:defRPr/>
-              </a:pPr>
-              <a:t>20</a:t>
-            </a:fld>
-            <a:endParaRPr lang="en-US" smtClean="0"/>
+            <a:endParaRPr lang="en-US"/>
           </a:p>
         </p:txBody>
       </p:sp>
       <p:sp>
         <p:nvSpPr>
-          <p:cNvPr id="39939" name="Rectangle 2"/>
+          <p:cNvPr id="4" name="Slide Number Placeholder 3"/>
           <p:cNvSpPr>
-            <a:spLocks noGrp="1" noRot="1" noChangeAspect="1" noChangeArrowheads="1" noTextEdit="1"/>
+            <a:spLocks noGrp="1"/>
           </p:cNvSpPr>
           <p:nvPr>
-            <p:ph type="sldImg"/>
+            <p:ph type="sldNum" sz="quarter" idx="10"/>
           </p:nvPr>
         </p:nvSpPr>
-        <p:spPr bwMode="auto">
-          <a:xfrm>
-            <a:off x="1193800" y="709613"/>
-            <a:ext cx="4624388" cy="3468687"/>
-          </a:xfrm>
-          <a:noFill/>
-          <a:ln>
-            <a:solidFill>
-              <a:srgbClr val="000000"/>
-            </a:solidFill>
-            <a:miter lim="800000"/>
-            <a:headEnd/>
-            <a:tailEnd/>
-          </a:ln>
-        </p:spPr>
-      </p:sp>
-      <p:sp>
-        <p:nvSpPr>
-          <p:cNvPr id="39940" name="Rectangle 3"/>
-          <p:cNvSpPr>
-            <a:spLocks noGrp="1" noChangeArrowheads="1"/>
-          </p:cNvSpPr>
-          <p:nvPr>
-            <p:ph type="body" idx="1"/>
-          </p:nvPr>
-        </p:nvSpPr>
-        <p:spPr bwMode="auto">
-          <a:xfrm>
-            <a:off x="936625" y="4414838"/>
-            <a:ext cx="5137150" cy="4183062"/>
-          </a:xfrm>
-          <a:noFill/>
-        </p:spPr>
+        <p:spPr/>
         <p:txBody>
-          <a:bodyPr wrap="square" lIns="93780" tIns="46890" rIns="93780" bIns="46890" numCol="1" anchor="t" anchorCtr="0" compatLnSpc="1">
-            <a:prstTxWarp prst="textNoShape">
-              <a:avLst/>
-            </a:prstTxWarp>
-          </a:bodyPr>
+          <a:bodyPr/>
           <a:lstStyle/>
           <a:p>
-            <a:pPr eaLnBrk="1" hangingPunct="1">
-              <a:spcBef>
-                <a:spcPct val="0"/>
-              </a:spcBef>
+            <a:pPr>
+              <a:defRPr/>
             </a:pPr>
-            <a:endParaRPr lang="en-US" smtClean="0"/>
+            <a:fld id="{5703B4A2-C126-47DB-8BAB-ECD4F18747C5}" type="slidenum">
+              <a:rPr lang="en-US" smtClean="0"/>
+              <a:pPr>
+                <a:defRPr/>
+              </a:pPr>
+              <a:t>8</a:t>
+            </a:fld>
+            <a:endParaRPr lang="en-US" dirty="0"/>
           </a:p>
         </p:txBody>
       </p:sp>
@@ -2043,112 +3571,63 @@
       </p:grpSpPr>
       <p:sp>
         <p:nvSpPr>
-          <p:cNvPr id="39938" name="Rectangle 5"/>
+          <p:cNvPr id="2" name="Slide Image Placeholder 1"/>
           <p:cNvSpPr>
-            <a:spLocks noGrp="1" noChangeArrowheads="1"/>
+            <a:spLocks noGrp="1" noRot="1" noChangeAspect="1"/>
           </p:cNvSpPr>
           <p:nvPr>
-            <p:ph type="sldNum" sz="quarter" idx="5"/>
+            <p:ph type="sldImg"/>
           </p:nvPr>
         </p:nvSpPr>
-        <p:spPr bwMode="auto">
-          <a:ln>
-            <a:miter lim="800000"/>
-            <a:headEnd/>
-            <a:tailEnd/>
-          </a:ln>
-        </p:spPr>
+        <p:spPr/>
+      </p:sp>
+      <p:sp>
+        <p:nvSpPr>
+          <p:cNvPr id="3" name="Notes Placeholder 2"/>
+          <p:cNvSpPr>
+            <a:spLocks noGrp="1"/>
+          </p:cNvSpPr>
+          <p:nvPr>
+            <p:ph type="body" idx="1"/>
+          </p:nvPr>
+        </p:nvSpPr>
+        <p:spPr/>
         <p:txBody>
-          <a:bodyPr wrap="square" numCol="1" anchorCtr="0" compatLnSpc="1">
-            <a:prstTxWarp prst="textNoShape">
-              <a:avLst/>
-            </a:prstTxWarp>
+          <a:bodyPr>
+            <a:normAutofit/>
           </a:bodyPr>
           <a:lstStyle/>
           <a:p>
-            <a:pPr fontAlgn="base">
-              <a:spcBef>
-                <a:spcPct val="0"/>
-              </a:spcBef>
-              <a:spcAft>
-                <a:spcPct val="0"/>
-              </a:spcAft>
-              <a:defRPr/>
-            </a:pPr>
-            <a:fld id="{581E89B5-50EC-4037-A00C-5882DAB9C0A6}" type="slidenum">
-              <a:rPr lang="en-US" smtClean="0"/>
-              <a:pPr fontAlgn="base">
-                <a:spcBef>
-                  <a:spcPct val="0"/>
-                </a:spcBef>
-                <a:spcAft>
-                  <a:spcPct val="0"/>
-                </a:spcAft>
-                <a:defRPr/>
-              </a:pPr>
-              <a:t>21</a:t>
-            </a:fld>
-            <a:endParaRPr lang="en-US" smtClean="0"/>
+            <a:endParaRPr lang="en-US"/>
           </a:p>
         </p:txBody>
       </p:sp>
       <p:sp>
         <p:nvSpPr>
-          <p:cNvPr id="40963" name="Rectangle 2"/>
+          <p:cNvPr id="4" name="Slide Number Placeholder 3"/>
           <p:cNvSpPr>
-            <a:spLocks noGrp="1" noRot="1" noChangeAspect="1" noChangeArrowheads="1" noTextEdit="1"/>
+            <a:spLocks noGrp="1"/>
           </p:cNvSpPr>
           <p:nvPr>
-            <p:ph type="sldImg"/>
+            <p:ph type="sldNum" sz="quarter" idx="10"/>
           </p:nvPr>
         </p:nvSpPr>
-        <p:spPr bwMode="auto">
-          <a:xfrm>
-            <a:off x="1193800" y="709613"/>
-            <a:ext cx="4624388" cy="3468687"/>
-          </a:xfrm>
-          <a:noFill/>
-          <a:ln>
-            <a:solidFill>
-              <a:srgbClr val="000000"/>
-            </a:solidFill>
-            <a:miter lim="800000"/>
-            <a:headEnd/>
-            <a:tailEnd/>
-          </a:ln>
-        </p:spPr>
-      </p:sp>
-      <p:sp>
-        <p:nvSpPr>
-          <p:cNvPr id="40964" name="Rectangle 3"/>
-          <p:cNvSpPr>
-            <a:spLocks noGrp="1" noChangeArrowheads="1"/>
-          </p:cNvSpPr>
-          <p:nvPr>
-            <p:ph type="body" idx="1"/>
-          </p:nvPr>
-        </p:nvSpPr>
-        <p:spPr bwMode="auto">
-          <a:xfrm>
-            <a:off x="936625" y="4414838"/>
-            <a:ext cx="5137150" cy="4183062"/>
-          </a:xfrm>
-          <a:noFill/>
-        </p:spPr>
+        <p:spPr/>
         <p:txBody>
-          <a:bodyPr wrap="square" lIns="93780" tIns="46890" rIns="93780" bIns="46890" numCol="1" anchor="t" anchorCtr="0" compatLnSpc="1">
-            <a:prstTxWarp prst="textNoShape">
-              <a:avLst/>
-            </a:prstTxWarp>
-          </a:bodyPr>
+          <a:bodyPr/>
           <a:lstStyle/>
           <a:p>
-            <a:pPr eaLnBrk="1" hangingPunct="1">
-              <a:spcBef>
-                <a:spcPct val="0"/>
-              </a:spcBef>
+            <a:pPr>
+              <a:defRPr/>
             </a:pPr>
-            <a:endParaRPr lang="en-US" smtClean="0"/>
+            <a:fld id="{5703B4A2-C126-47DB-8BAB-ECD4F18747C5}" type="slidenum">
+              <a:rPr lang="en-US" smtClean="0"/>
+              <a:pPr>
+                <a:defRPr/>
+              </a:pPr>
+              <a:t>9</a:t>
+            </a:fld>
+            <a:endParaRPr lang="en-US" dirty="0"/>
           </a:p>
         </p:txBody>
       </p:sp>
@@ -2282,13 +3761,6 @@
   <p:clrMapOvr>
     <a:masterClrMapping/>
   </p:clrMapOvr>
-  <p:timing>
-    <p:tnLst>
-      <p:par>
-        <p:cTn id="1" dur="indefinite" restart="never" nodeType="tmRoot"/>
-      </p:par>
-    </p:tnLst>
-  </p:timing>
 </p:sldLayout>
 </file>
 
@@ -2395,35 +3867,35 @@
           <a:p>
             <a:pPr lvl="0"/>
             <a:r>
-              <a:rPr lang="en-US" dirty="0" smtClean="0"/>
+              <a:rPr lang="en-US" smtClean="0"/>
               <a:t>Click to edit Master text styles</a:t>
             </a:r>
           </a:p>
           <a:p>
             <a:pPr lvl="1"/>
             <a:r>
-              <a:rPr lang="en-US" dirty="0" smtClean="0"/>
+              <a:rPr lang="en-US" smtClean="0"/>
               <a:t>Second level</a:t>
             </a:r>
           </a:p>
           <a:p>
             <a:pPr lvl="2"/>
             <a:r>
-              <a:rPr lang="en-US" dirty="0" smtClean="0"/>
+              <a:rPr lang="en-US" smtClean="0"/>
               <a:t>Third level</a:t>
             </a:r>
           </a:p>
           <a:p>
             <a:pPr lvl="3"/>
             <a:r>
-              <a:rPr lang="en-US" dirty="0" smtClean="0"/>
+              <a:rPr lang="en-US" smtClean="0"/>
               <a:t>Fourth level</a:t>
             </a:r>
           </a:p>
           <a:p>
             <a:pPr lvl="4"/>
             <a:r>
-              <a:rPr lang="en-US" dirty="0" smtClean="0"/>
+              <a:rPr lang="en-US" smtClean="0"/>
               <a:t>Fifth level</a:t>
             </a:r>
           </a:p>
@@ -2527,8 +3999,8 @@
         </p:nvSpPr>
         <p:spPr>
           <a:xfrm>
-            <a:off x="7425271" y="6498264"/>
-            <a:ext cx="1357103" cy="276999"/>
+            <a:off x="7930120" y="6498264"/>
+            <a:ext cx="856260" cy="276999"/>
           </a:xfrm>
           <a:prstGeom prst="rect">
             <a:avLst/>
@@ -2553,26 +4025,6 @@
               <a:defRPr/>
             </a:pPr>
             <a:r>
-              <a:rPr lang="en-US" sz="1200" b="1" dirty="0" smtClean="0">
-                <a:ln w="10541" cmpd="sng">
-                  <a:solidFill>
-                    <a:srgbClr val="7D7D7D">
-                      <a:tint val="100000"/>
-                      <a:shade val="100000"/>
-                      <a:satMod val="110000"/>
-                    </a:srgbClr>
-                  </a:solidFill>
-                  <a:prstDash val="solid"/>
-                </a:ln>
-                <a:solidFill>
-                  <a:srgbClr val="000000"/>
-                </a:solidFill>
-                <a:latin typeface="Calibri"/>
-                <a:cs typeface="Arial" charset="0"/>
-              </a:rPr>
-              <a:t>Multicore </a:t>
-            </a:r>
-            <a:r>
               <a:rPr lang="en-US" sz="1200" b="1" dirty="0">
                 <a:ln w="10541" cmpd="sng">
                   <a:solidFill>
@@ -2590,7 +4042,7 @@
                 <a:latin typeface="Calibri"/>
                 <a:cs typeface="Arial" charset="0"/>
               </a:rPr>
-              <a:t>Training</a:t>
+              <a:t>CI Training</a:t>
             </a:r>
           </a:p>
         </p:txBody>
@@ -3020,15 +4472,7 @@
             <a:pPr eaLnBrk="1" hangingPunct="1"/>
             <a:r>
               <a:rPr lang="en-US" b="0" dirty="0" smtClean="0"/>
-              <a:t>C66x </a:t>
-            </a:r>
-            <a:r>
-              <a:rPr lang="en-US" b="0" dirty="0" err="1" smtClean="0"/>
-              <a:t>CorePac</a:t>
-            </a:r>
-            <a:r>
-              <a:rPr lang="en-US" b="0" dirty="0" smtClean="0"/>
-              <a:t>: Achieving</a:t>
+              <a:t>C66x CorePac: Achieving </a:t>
             </a:r>
             <a:br>
               <a:rPr lang="en-US" b="0" dirty="0" smtClean="0"/>
@@ -3131,34 +4575,32 @@
       </p:sp>
       <p:pic>
         <p:nvPicPr>
-          <p:cNvPr id="9218" name="Picture 2"/>
+          <p:cNvPr id="12" name="Picture 11" descr="S_instructions.jpg">
+            <a:hlinkClick r:id="rId5"/>
+          </p:cNvPr>
           <p:cNvPicPr>
-            <a:picLocks noChangeAspect="1" noChangeArrowheads="1"/>
+            <a:picLocks noChangeAspect="1"/>
           </p:cNvPicPr>
-          <p:nvPr/>
+          <p:nvPr>
+            <p:custDataLst>
+              <p:tags r:id="rId2"/>
+            </p:custDataLst>
+          </p:nvPr>
         </p:nvPicPr>
         <p:blipFill>
-          <a:blip r:embed="rId3" cstate="print"/>
-          <a:srcRect b="1765"/>
+          <a:blip r:embed="rId6" cstate="print"/>
           <a:stretch>
             <a:fillRect/>
           </a:stretch>
         </p:blipFill>
-        <p:spPr bwMode="auto">
+        <p:spPr>
           <a:xfrm>
-            <a:off x="204787" y="838200"/>
-            <a:ext cx="8024813" cy="5915118"/>
+            <a:off x="990600" y="762000"/>
+            <a:ext cx="7157356" cy="6095999"/>
           </a:xfrm>
           <a:prstGeom prst="rect">
             <a:avLst/>
           </a:prstGeom>
-          <a:noFill/>
-          <a:ln w="9525">
-            <a:noFill/>
-            <a:miter lim="800000"/>
-            <a:headEnd/>
-            <a:tailEnd/>
-          </a:ln>
         </p:spPr>
       </p:pic>
     </p:spTree>
@@ -3214,9 +4656,7 @@
             <a:srgbClr val="FFFF00"/>
           </a:solidFill>
           <a:ln w="9525" cap="flat" cmpd="sng" algn="ctr">
-            <a:solidFill>
-              <a:schemeClr val="tx1"/>
-            </a:solidFill>
+            <a:noFill/>
             <a:prstDash val="solid"/>
             <a:round/>
             <a:headEnd type="none" w="med" len="med"/>
@@ -3509,23 +4949,7 @@
             </a:pPr>
             <a:r>
               <a:rPr lang="en-US" sz="2000" dirty="0" smtClean="0"/>
-              <a:t>Performs </a:t>
-            </a:r>
-            <a:r>
-              <a:rPr lang="en-US" sz="2000" dirty="0" smtClean="0"/>
-              <a:t>four </a:t>
-            </a:r>
-            <a:r>
-              <a:rPr lang="en-US" sz="2000" dirty="0" smtClean="0"/>
-              <a:t>additions of two sets of </a:t>
-            </a:r>
-            <a:r>
-              <a:rPr lang="en-US" sz="2000" dirty="0" smtClean="0"/>
-              <a:t>four </a:t>
-            </a:r>
-            <a:r>
-              <a:rPr lang="en-US" sz="2000" dirty="0" smtClean="0"/>
-              <a:t>16-bit numbers packed into 64-bit registers.</a:t>
+              <a:t>Performs 4 additions of two sets of 4 16-bit numbers packed into 64-bit registers.</a:t>
             </a:r>
           </a:p>
           <a:p>
@@ -3537,27 +4961,7 @@
             </a:pPr>
             <a:r>
               <a:rPr lang="en-US" sz="2000" dirty="0" smtClean="0"/>
-              <a:t>The </a:t>
-            </a:r>
-            <a:r>
-              <a:rPr lang="en-US" sz="2000" dirty="0" smtClean="0"/>
-              <a:t>four </a:t>
-            </a:r>
-            <a:r>
-              <a:rPr lang="en-US" sz="2000" dirty="0" smtClean="0"/>
-              <a:t>results are rounded to </a:t>
-            </a:r>
-            <a:r>
-              <a:rPr lang="en-US" sz="2000" dirty="0" smtClean="0"/>
-              <a:t>four </a:t>
-            </a:r>
-            <a:r>
-              <a:rPr lang="en-US" sz="2000" dirty="0" smtClean="0"/>
-              <a:t>packed 16-bit </a:t>
-            </a:r>
-            <a:r>
-              <a:rPr lang="en-US" sz="2000" dirty="0" smtClean="0"/>
-              <a:t>values</a:t>
+              <a:t>The 4 results are rounded to 4 packed 16-bit values</a:t>
             </a:r>
           </a:p>
           <a:p>
@@ -3570,10 +4974,6 @@
             <a:r>
               <a:rPr lang="en-US" sz="2000" dirty="0" smtClean="0"/>
               <a:t>unit = .L1, .L2, .S1, .S2 </a:t>
-            </a:r>
-            <a:r>
-              <a:rPr lang="en-US" sz="2000" dirty="0" smtClean="0"/>
-              <a:t/>
             </a:r>
             <a:br>
               <a:rPr lang="en-US" sz="2000" dirty="0" smtClean="0"/>
@@ -3613,23 +5013,7 @@
             </a:pPr>
             <a:r>
               <a:rPr lang="en-US" sz="2000" dirty="0" smtClean="0"/>
-              <a:t>Performs </a:t>
-            </a:r>
-            <a:r>
-              <a:rPr lang="en-US" sz="2000" dirty="0" smtClean="0"/>
-              <a:t>four </a:t>
-            </a:r>
-            <a:r>
-              <a:rPr lang="en-US" sz="2000" dirty="0" smtClean="0"/>
-              <a:t>multiplications of two sets of </a:t>
-            </a:r>
-            <a:r>
-              <a:rPr lang="en-US" sz="2000" dirty="0" smtClean="0"/>
-              <a:t>four </a:t>
-            </a:r>
-            <a:r>
-              <a:rPr lang="en-US" sz="2000" dirty="0" smtClean="0"/>
-              <a:t>32-bit numbers packed into 128-bit registers.</a:t>
+              <a:t>Performs 4 multiplications of two sets of 4 32-bit numbers packed into 128-bit registers.</a:t>
             </a:r>
           </a:p>
           <a:p>
@@ -3641,15 +5025,7 @@
             </a:pPr>
             <a:r>
               <a:rPr lang="en-US" sz="2000" dirty="0" smtClean="0"/>
-              <a:t>The </a:t>
-            </a:r>
-            <a:r>
-              <a:rPr lang="en-US" sz="2000" dirty="0" smtClean="0"/>
-              <a:t>four </a:t>
-            </a:r>
-            <a:r>
-              <a:rPr lang="en-US" sz="2000" dirty="0" smtClean="0"/>
-              <a:t>results are packed 32-bit values.</a:t>
+              <a:t>The 4 results are packed 32-bit values.</a:t>
             </a:r>
           </a:p>
           <a:p>
@@ -3661,13 +5037,24 @@
             </a:pPr>
             <a:r>
               <a:rPr lang="en-US" sz="2000" dirty="0" smtClean="0"/>
-              <a:t>unit = .M1 or .</a:t>
+              <a:t>unit = .M1 or .M2</a:t>
             </a:r>
-            <a:r>
-              <a:rPr lang="en-US" sz="2000" dirty="0" smtClean="0"/>
-              <a:t>M2</a:t>
-            </a:r>
-            <a:endParaRPr lang="en-US" sz="2000" dirty="0" smtClean="0"/>
+          </a:p>
+          <a:p>
+            <a:pPr marL="514350" indent="-514350" algn="l" eaLnBrk="1" fontAlgn="auto" hangingPunct="1">
+              <a:spcAft>
+                <a:spcPts val="0"/>
+              </a:spcAft>
+              <a:buFont typeface="Arial" pitchFamily="34" charset="0"/>
+              <a:buNone/>
+              <a:defRPr/>
+            </a:pPr>
+            <a:endParaRPr lang="en-US" sz="2400" b="1" dirty="0" smtClean="0">
+              <a:solidFill>
+                <a:schemeClr val="tx1"/>
+              </a:solidFill>
+              <a:latin typeface="+mj-lt"/>
+            </a:endParaRPr>
           </a:p>
         </p:txBody>
       </p:sp>
@@ -3866,19 +5253,7 @@
               <a:rPr lang="en-US" sz="2400" dirty="0" smtClean="0">
                 <a:latin typeface="+mj-lt"/>
               </a:rPr>
-              <a:t>Results in </a:t>
-            </a:r>
-            <a:r>
-              <a:rPr lang="en-US" sz="2400" dirty="0" smtClean="0">
-                <a:latin typeface="+mj-lt"/>
-              </a:rPr>
-              <a:t>2x1 </a:t>
-            </a:r>
-            <a:r>
-              <a:rPr lang="en-US" sz="2400" dirty="0" smtClean="0">
-                <a:latin typeface="+mj-lt"/>
-              </a:rPr>
-              <a:t>signed complex vector.</a:t>
+              <a:t>Results in 1x2 signed complex vector.</a:t>
             </a:r>
           </a:p>
           <a:p>
@@ -3892,13 +5267,7 @@
               <a:rPr lang="en-US" sz="2400" dirty="0" smtClean="0">
                 <a:latin typeface="+mj-lt"/>
               </a:rPr>
-              <a:t>All values are 16-bit (16-bit real/16-bit Imaginary</a:t>
-            </a:r>
-            <a:r>
-              <a:rPr lang="en-US" sz="2400" dirty="0" smtClean="0">
-                <a:latin typeface="+mj-lt"/>
-              </a:rPr>
-              <a:t>)</a:t>
+              <a:t>All values are 16-bit (16-bit real/16-bit Imaginary)</a:t>
             </a:r>
           </a:p>
           <a:p>
@@ -3909,16 +5278,11 @@
               <a:defRPr/>
             </a:pPr>
             <a:r>
-              <a:rPr lang="en-US" sz="2400" dirty="0" smtClean="0"/>
-              <a:t>unit = .M1 or .</a:t>
+              <a:rPr lang="en-US" sz="2400" dirty="0" smtClean="0">
+                <a:latin typeface="+mj-lt"/>
+              </a:rPr>
+              <a:t>unit = .M1 or .M2</a:t>
             </a:r>
-            <a:r>
-              <a:rPr lang="en-US" sz="2400" dirty="0" smtClean="0"/>
-              <a:t>M2</a:t>
-            </a:r>
-            <a:endParaRPr lang="en-US" sz="2400" dirty="0" smtClean="0">
-              <a:latin typeface="+mj-lt"/>
-            </a:endParaRPr>
           </a:p>
           <a:p>
             <a:pPr marL="514350" indent="-514350" algn="l" eaLnBrk="1" fontAlgn="auto" hangingPunct="1">
@@ -3950,7 +5314,7 @@
                 </a:solidFill>
                 <a:latin typeface="+mj-lt"/>
               </a:rPr>
-              <a:t>How many multiplications are complex multiplication, where each complex multiplication has the following:</a:t>
+              <a:t>How many multiplications are complex multiplication, where each complex multiplication has the following?</a:t>
             </a:r>
           </a:p>
           <a:p>
@@ -3961,7 +5325,9 @@
               <a:defRPr/>
             </a:pPr>
             <a:r>
-              <a:rPr lang="en-US" sz="2400" dirty="0" smtClean="0"/>
+              <a:rPr lang="en-US" sz="2400" dirty="0" smtClean="0">
+                <a:latin typeface="+mj-lt"/>
+              </a:rPr>
               <a:t>4 complex multiplications (4 real multiplications each)</a:t>
             </a:r>
           </a:p>
@@ -3973,7 +5339,9 @@
               <a:defRPr/>
             </a:pPr>
             <a:r>
-              <a:rPr lang="en-US" sz="2400" dirty="0" smtClean="0"/>
+              <a:rPr lang="en-US" sz="2400" dirty="0" smtClean="0">
+                <a:latin typeface="+mj-lt"/>
+              </a:rPr>
               <a:t>Two M units (16 multiplications each) = 32 multiplications</a:t>
             </a:r>
           </a:p>
@@ -3985,8 +5353,20 @@
               <a:defRPr/>
             </a:pPr>
             <a:r>
+              <a:rPr lang="en-US" sz="2400" dirty="0" smtClean="0">
+                <a:latin typeface="+mj-lt"/>
+              </a:rPr>
+              <a:t>Core cycles per second (1.25 </a:t>
+            </a:r>
+            <a:r>
               <a:rPr lang="en-US" sz="2400" dirty="0" smtClean="0"/>
-              <a:t>Core cycles per second (1.25 G)</a:t>
+              <a:t>G</a:t>
+            </a:r>
+            <a:r>
+              <a:rPr lang="en-US" sz="2400" dirty="0" smtClean="0">
+                <a:latin typeface="+mj-lt"/>
+              </a:rPr>
+              <a:t>)</a:t>
             </a:r>
           </a:p>
           <a:p>
@@ -3997,9 +5377,18 @@
               <a:defRPr/>
             </a:pPr>
             <a:r>
+              <a:rPr lang="en-US" sz="2400" dirty="0" smtClean="0">
+                <a:latin typeface="+mj-lt"/>
+              </a:rPr>
+              <a:t>Total multiplications per second = 40 </a:t>
+            </a:r>
+            <a:r>
               <a:rPr lang="en-US" sz="2400" dirty="0" smtClean="0"/>
-              <a:t>Total multiplications per second = 40 G multiplications</a:t>
+              <a:t>G multiplications</a:t>
             </a:r>
+            <a:endParaRPr lang="en-US" sz="2400" dirty="0" smtClean="0">
+              <a:latin typeface="+mj-lt"/>
+            </a:endParaRPr>
           </a:p>
           <a:p>
             <a:pPr marL="811213" lvl="1" indent="-514350" eaLnBrk="1" fontAlgn="auto" hangingPunct="1">
@@ -4009,7 +5398,12 @@
               <a:defRPr/>
             </a:pPr>
             <a:r>
-              <a:rPr lang="en-US" sz="2400" dirty="0" smtClean="0"/>
+              <a:rPr lang="en-US" sz="2400" dirty="0" smtClean="0">
+                <a:solidFill>
+                  <a:schemeClr val="tx1"/>
+                </a:solidFill>
+                <a:latin typeface="+mj-lt"/>
+              </a:rPr>
               <a:t>8 cores = 320 G multiplications</a:t>
             </a:r>
           </a:p>
@@ -4269,14 +5663,27 @@
               <a:defRPr/>
             </a:pPr>
             <a:r>
-              <a:rPr lang="en-US" sz="2000" dirty="0" smtClean="0"/>
-              <a:t>Software pipeline enables efficient instruction scheduling to maximize functional unit throughput</a:t>
+              <a:rPr lang="en-US" sz="2000" dirty="0" smtClean="0">
+                <a:latin typeface="+mj-lt"/>
+              </a:rPr>
+              <a:t>Efficient instruction scheduling maximizes functional unit throughput.</a:t>
             </a:r>
-            <a:r>
-              <a:rPr lang="en-US" sz="2000" dirty="0" smtClean="0"/>
-              <a:t>.</a:t>
-            </a:r>
-            <a:endParaRPr lang="en-US" sz="2000" dirty="0" smtClean="0"/>
+          </a:p>
+          <a:p>
+            <a:pPr marL="514350" indent="-514350" algn="l" eaLnBrk="1" fontAlgn="auto" hangingPunct="1">
+              <a:spcAft>
+                <a:spcPts val="0"/>
+              </a:spcAft>
+              <a:buFont typeface="Arial" pitchFamily="34" charset="0"/>
+              <a:buChar char="•"/>
+              <a:defRPr/>
+            </a:pPr>
+            <a:endParaRPr lang="en-US" sz="2400" b="1" dirty="0" smtClean="0">
+              <a:solidFill>
+                <a:schemeClr val="tx1"/>
+              </a:solidFill>
+              <a:latin typeface="+mj-lt"/>
+            </a:endParaRPr>
           </a:p>
         </p:txBody>
       </p:sp>
@@ -4333,9 +5740,7 @@
             <a:srgbClr val="FFFF00"/>
           </a:solidFill>
           <a:ln w="9525" cap="flat" cmpd="sng" algn="ctr">
-            <a:solidFill>
-              <a:schemeClr val="tx1"/>
-            </a:solidFill>
+            <a:noFill/>
             <a:prstDash val="solid"/>
             <a:round/>
             <a:headEnd type="none" w="med" len="med"/>
@@ -4866,7 +6271,11 @@
         <p:nvGrpSpPr>
           <p:cNvPr id="46" name="Group 45"/>
           <p:cNvGrpSpPr/>
-          <p:nvPr/>
+          <p:nvPr>
+            <p:custDataLst>
+              <p:tags r:id="rId2"/>
+            </p:custDataLst>
+          </p:nvPr>
         </p:nvGrpSpPr>
         <p:grpSpPr>
           <a:xfrm>
@@ -5643,7 +7052,11 @@
         <p:nvGrpSpPr>
           <p:cNvPr id="47" name="Group 46"/>
           <p:cNvGrpSpPr/>
-          <p:nvPr/>
+          <p:nvPr>
+            <p:custDataLst>
+              <p:tags r:id="rId3"/>
+            </p:custDataLst>
+          </p:nvPr>
         </p:nvGrpSpPr>
         <p:grpSpPr>
           <a:xfrm>
@@ -6419,7 +7832,7 @@
       </p:sp>
       <p:sp>
         <p:nvSpPr>
-          <p:cNvPr id="44" name="Rectangle 6"/>
+          <p:cNvPr id="44" name="PPTShape_0"/>
           <p:cNvSpPr>
             <a:spLocks noChangeArrowheads="1"/>
           </p:cNvSpPr>
@@ -6484,7 +7897,7 @@
       </p:sp>
       <p:sp>
         <p:nvSpPr>
-          <p:cNvPr id="45" name="Line 7"/>
+          <p:cNvPr id="45" name="PPTShape_1"/>
           <p:cNvSpPr>
             <a:spLocks noChangeShapeType="1"/>
           </p:cNvSpPr>
@@ -6570,9 +7983,7 @@
             <a:srgbClr val="FFFF00"/>
           </a:solidFill>
           <a:ln w="9525" cap="flat" cmpd="sng" algn="ctr">
-            <a:solidFill>
-              <a:schemeClr val="tx1"/>
-            </a:solidFill>
+            <a:noFill/>
             <a:prstDash val="solid"/>
             <a:round/>
             <a:headEnd type="none" w="med" len="med"/>
@@ -10473,6 +11884,214 @@
       </p:sp>
       <p:sp>
         <p:nvSpPr>
+          <p:cNvPr id="20484" name="Rectangle 175"/>
+          <p:cNvSpPr>
+            <a:spLocks noChangeArrowheads="1"/>
+          </p:cNvSpPr>
+          <p:nvPr/>
+        </p:nvSpPr>
+        <p:spPr bwMode="auto">
+          <a:xfrm>
+            <a:off x="1873250" y="2130425"/>
+            <a:ext cx="6495368" cy="1939635"/>
+          </a:xfrm>
+          <a:prstGeom prst="rect">
+            <a:avLst/>
+          </a:prstGeom>
+          <a:noFill/>
+          <a:ln w="9525">
+            <a:noFill/>
+            <a:miter lim="800000"/>
+            <a:headEnd/>
+            <a:tailEnd/>
+          </a:ln>
+        </p:spPr>
+        <p:txBody>
+          <a:bodyPr wrap="square" lIns="92075" tIns="46038" rIns="92075" bIns="46038">
+            <a:spAutoFit/>
+          </a:bodyPr>
+          <a:lstStyle/>
+          <a:p>
+            <a:pPr>
+              <a:tabLst>
+                <a:tab pos="744538" algn="ctr"/>
+                <a:tab pos="1371600" algn="ctr"/>
+                <a:tab pos="1998663" algn="ctr"/>
+                <a:tab pos="2573338" algn="ctr"/>
+                <a:tab pos="3200400" algn="ctr"/>
+                <a:tab pos="3775075" algn="ctr"/>
+                <a:tab pos="4349750" algn="ctr"/>
+                <a:tab pos="4911725" algn="ctr"/>
+              </a:tabLst>
+            </a:pPr>
+            <a:r>
+              <a:rPr lang="en-US" sz="2000" dirty="0">
+                <a:solidFill>
+                  <a:schemeClr val="tx2"/>
+                </a:solidFill>
+                <a:latin typeface="Courier New" pitchFamily="49" charset="0"/>
+              </a:rPr>
+              <a:t>PG	PS	PW	PR</a:t>
+            </a:r>
+            <a:r>
+              <a:rPr lang="en-US" sz="2000" dirty="0">
+                <a:latin typeface="Courier New" pitchFamily="49" charset="0"/>
+              </a:rPr>
+              <a:t>	D	E</a:t>
+            </a:r>
+          </a:p>
+          <a:p>
+            <a:pPr>
+              <a:tabLst>
+                <a:tab pos="744538" algn="ctr"/>
+                <a:tab pos="1371600" algn="ctr"/>
+                <a:tab pos="1998663" algn="ctr"/>
+                <a:tab pos="2573338" algn="ctr"/>
+                <a:tab pos="3200400" algn="ctr"/>
+                <a:tab pos="3775075" algn="ctr"/>
+                <a:tab pos="4349750" algn="ctr"/>
+                <a:tab pos="4911725" algn="ctr"/>
+              </a:tabLst>
+            </a:pPr>
+            <a:r>
+              <a:rPr lang="en-US" sz="2000" dirty="0">
+                <a:solidFill>
+                  <a:srgbClr val="4D4D4D"/>
+                </a:solidFill>
+                <a:latin typeface="Courier New" pitchFamily="49" charset="0"/>
+              </a:rPr>
+              <a:t>	PG	PS	PW	PR	D</a:t>
+            </a:r>
+            <a:r>
+              <a:rPr lang="en-US" sz="2000">
+                <a:solidFill>
+                  <a:srgbClr val="4D4D4D"/>
+                </a:solidFill>
+                <a:latin typeface="Courier New" pitchFamily="49" charset="0"/>
+              </a:rPr>
+              <a:t>	</a:t>
+            </a:r>
+            <a:r>
+              <a:rPr lang="en-US" sz="2000" smtClean="0">
+                <a:solidFill>
+                  <a:srgbClr val="4D4D4D"/>
+                </a:solidFill>
+                <a:latin typeface="Courier New" pitchFamily="49" charset="0"/>
+              </a:rPr>
+              <a:t>E    </a:t>
+            </a:r>
+            <a:endParaRPr lang="en-US" sz="2000" dirty="0">
+              <a:solidFill>
+                <a:srgbClr val="4D4D4D"/>
+              </a:solidFill>
+              <a:latin typeface="Courier New" pitchFamily="49" charset="0"/>
+            </a:endParaRPr>
+          </a:p>
+          <a:p>
+            <a:pPr>
+              <a:tabLst>
+                <a:tab pos="744538" algn="ctr"/>
+                <a:tab pos="1371600" algn="ctr"/>
+                <a:tab pos="1998663" algn="ctr"/>
+                <a:tab pos="2573338" algn="ctr"/>
+                <a:tab pos="3200400" algn="ctr"/>
+                <a:tab pos="3775075" algn="ctr"/>
+                <a:tab pos="4349750" algn="ctr"/>
+                <a:tab pos="4911725" algn="ctr"/>
+              </a:tabLst>
+            </a:pPr>
+            <a:r>
+              <a:rPr lang="en-US" sz="2000" dirty="0">
+                <a:solidFill>
+                  <a:srgbClr val="4D4D4D"/>
+                </a:solidFill>
+                <a:latin typeface="Courier New" pitchFamily="49" charset="0"/>
+              </a:rPr>
+              <a:t>		PG	PS	PW	PR	D	E</a:t>
+            </a:r>
+          </a:p>
+          <a:p>
+            <a:pPr>
+              <a:tabLst>
+                <a:tab pos="744538" algn="ctr"/>
+                <a:tab pos="1371600" algn="ctr"/>
+                <a:tab pos="1998663" algn="ctr"/>
+                <a:tab pos="2573338" algn="ctr"/>
+                <a:tab pos="3200400" algn="ctr"/>
+                <a:tab pos="3775075" algn="ctr"/>
+                <a:tab pos="4349750" algn="ctr"/>
+                <a:tab pos="4911725" algn="ctr"/>
+              </a:tabLst>
+            </a:pPr>
+            <a:r>
+              <a:rPr lang="en-US" sz="2000" dirty="0">
+                <a:solidFill>
+                  <a:srgbClr val="4D4D4D"/>
+                </a:solidFill>
+                <a:latin typeface="Courier New" pitchFamily="49" charset="0"/>
+              </a:rPr>
+              <a:t>			PG	PS	PW	PR	D	</a:t>
+            </a:r>
+            <a:r>
+              <a:rPr lang="en-US" sz="2000" dirty="0" smtClean="0">
+                <a:solidFill>
+                  <a:srgbClr val="4D4D4D"/>
+                </a:solidFill>
+                <a:latin typeface="Courier New" pitchFamily="49" charset="0"/>
+              </a:rPr>
+              <a:t>E</a:t>
+            </a:r>
+          </a:p>
+          <a:p>
+            <a:pPr>
+              <a:tabLst>
+                <a:tab pos="744538" algn="ctr"/>
+                <a:tab pos="1371600" algn="ctr"/>
+                <a:tab pos="1998663" algn="ctr"/>
+                <a:tab pos="2573338" algn="ctr"/>
+                <a:tab pos="3200400" algn="ctr"/>
+                <a:tab pos="3775075" algn="ctr"/>
+                <a:tab pos="4349750" algn="ctr"/>
+                <a:tab pos="4911725" algn="ctr"/>
+              </a:tabLst>
+            </a:pPr>
+            <a:r>
+              <a:rPr lang="en-US" sz="2000" dirty="0" smtClean="0">
+                <a:solidFill>
+                  <a:srgbClr val="4D4D4D"/>
+                </a:solidFill>
+                <a:latin typeface="Courier New" pitchFamily="49" charset="0"/>
+              </a:rPr>
+              <a:t>      			PG	PS	PW	PR	D	E</a:t>
+            </a:r>
+          </a:p>
+          <a:p>
+            <a:pPr>
+              <a:tabLst>
+                <a:tab pos="744538" algn="ctr"/>
+                <a:tab pos="1371600" algn="ctr"/>
+                <a:tab pos="1998663" algn="ctr"/>
+                <a:tab pos="2573338" algn="ctr"/>
+                <a:tab pos="3200400" algn="ctr"/>
+                <a:tab pos="3775075" algn="ctr"/>
+                <a:tab pos="4349750" algn="ctr"/>
+                <a:tab pos="4911725" algn="ctr"/>
+              </a:tabLst>
+            </a:pPr>
+            <a:r>
+              <a:rPr lang="en-US" sz="2000" dirty="0" smtClean="0">
+                <a:solidFill>
+                  <a:srgbClr val="4D4D4D"/>
+                </a:solidFill>
+                <a:latin typeface="Courier New" pitchFamily="49" charset="0"/>
+              </a:rPr>
+              <a:t>		 			PG	PS	PW	PR	D   E</a:t>
+            </a:r>
+          </a:p>
+        </p:txBody>
+      </p:sp>
+      <p:sp>
+        <p:nvSpPr>
           <p:cNvPr id="20485" name="Rectangle 176"/>
           <p:cNvSpPr>
             <a:spLocks noChangeArrowheads="1"/>
@@ -11109,205 +12728,6 @@
           </a:p>
         </p:txBody>
       </p:sp>
-      <p:sp>
-        <p:nvSpPr>
-          <p:cNvPr id="22" name="Rectangle 175"/>
-          <p:cNvSpPr>
-            <a:spLocks noChangeArrowheads="1"/>
-          </p:cNvSpPr>
-          <p:nvPr/>
-        </p:nvSpPr>
-        <p:spPr bwMode="auto">
-          <a:xfrm>
-            <a:off x="1873250" y="2130425"/>
-            <a:ext cx="6495368" cy="1939635"/>
-          </a:xfrm>
-          <a:prstGeom prst="rect">
-            <a:avLst/>
-          </a:prstGeom>
-          <a:noFill/>
-          <a:ln w="9525">
-            <a:noFill/>
-            <a:miter lim="800000"/>
-            <a:headEnd/>
-            <a:tailEnd/>
-          </a:ln>
-        </p:spPr>
-        <p:txBody>
-          <a:bodyPr wrap="square" lIns="92075" tIns="46038" rIns="92075" bIns="46038">
-            <a:spAutoFit/>
-          </a:bodyPr>
-          <a:lstStyle/>
-          <a:p>
-            <a:pPr>
-              <a:tabLst>
-                <a:tab pos="744538" algn="ctr"/>
-                <a:tab pos="1371600" algn="ctr"/>
-                <a:tab pos="1998663" algn="ctr"/>
-                <a:tab pos="2573338" algn="ctr"/>
-                <a:tab pos="3200400" algn="ctr"/>
-                <a:tab pos="3775075" algn="ctr"/>
-                <a:tab pos="4349750" algn="ctr"/>
-                <a:tab pos="4911725" algn="ctr"/>
-              </a:tabLst>
-            </a:pPr>
-            <a:r>
-              <a:rPr lang="en-US" sz="2000" dirty="0">
-                <a:solidFill>
-                  <a:schemeClr val="tx2"/>
-                </a:solidFill>
-                <a:latin typeface="Courier New" pitchFamily="49" charset="0"/>
-              </a:rPr>
-              <a:t>PG	PS	PW	PR</a:t>
-            </a:r>
-            <a:r>
-              <a:rPr lang="en-US" sz="2000" dirty="0">
-                <a:latin typeface="Courier New" pitchFamily="49" charset="0"/>
-              </a:rPr>
-              <a:t>	D	E</a:t>
-            </a:r>
-          </a:p>
-          <a:p>
-            <a:pPr>
-              <a:tabLst>
-                <a:tab pos="744538" algn="ctr"/>
-                <a:tab pos="1371600" algn="ctr"/>
-                <a:tab pos="1998663" algn="ctr"/>
-                <a:tab pos="2573338" algn="ctr"/>
-                <a:tab pos="3200400" algn="ctr"/>
-                <a:tab pos="3775075" algn="ctr"/>
-                <a:tab pos="4349750" algn="ctr"/>
-                <a:tab pos="4911725" algn="ctr"/>
-              </a:tabLst>
-            </a:pPr>
-            <a:r>
-              <a:rPr lang="en-US" sz="2000" dirty="0">
-                <a:solidFill>
-                  <a:srgbClr val="4D4D4D"/>
-                </a:solidFill>
-                <a:latin typeface="Courier New" pitchFamily="49" charset="0"/>
-              </a:rPr>
-              <a:t>	PG	PS	PW	PR	D	</a:t>
-            </a:r>
-            <a:r>
-              <a:rPr lang="en-US" sz="2000" dirty="0" smtClean="0">
-                <a:solidFill>
-                  <a:srgbClr val="4D4D4D"/>
-                </a:solidFill>
-                <a:latin typeface="Courier New" pitchFamily="49" charset="0"/>
-              </a:rPr>
-              <a:t>E    </a:t>
-            </a:r>
-            <a:endParaRPr lang="en-US" sz="2000" dirty="0">
-              <a:solidFill>
-                <a:srgbClr val="4D4D4D"/>
-              </a:solidFill>
-              <a:latin typeface="Courier New" pitchFamily="49" charset="0"/>
-            </a:endParaRPr>
-          </a:p>
-          <a:p>
-            <a:pPr>
-              <a:tabLst>
-                <a:tab pos="744538" algn="ctr"/>
-                <a:tab pos="1371600" algn="ctr"/>
-                <a:tab pos="1998663" algn="ctr"/>
-                <a:tab pos="2573338" algn="ctr"/>
-                <a:tab pos="3200400" algn="ctr"/>
-                <a:tab pos="3775075" algn="ctr"/>
-                <a:tab pos="4349750" algn="ctr"/>
-                <a:tab pos="4911725" algn="ctr"/>
-              </a:tabLst>
-            </a:pPr>
-            <a:r>
-              <a:rPr lang="en-US" sz="2000" dirty="0">
-                <a:solidFill>
-                  <a:srgbClr val="4D4D4D"/>
-                </a:solidFill>
-                <a:latin typeface="Courier New" pitchFamily="49" charset="0"/>
-              </a:rPr>
-              <a:t>		PG	PS	PW	PR	D	E</a:t>
-            </a:r>
-          </a:p>
-          <a:p>
-            <a:pPr>
-              <a:tabLst>
-                <a:tab pos="744538" algn="ctr"/>
-                <a:tab pos="1371600" algn="ctr"/>
-                <a:tab pos="1998663" algn="ctr"/>
-                <a:tab pos="2573338" algn="ctr"/>
-                <a:tab pos="3200400" algn="ctr"/>
-                <a:tab pos="3775075" algn="ctr"/>
-                <a:tab pos="4349750" algn="ctr"/>
-                <a:tab pos="4911725" algn="ctr"/>
-              </a:tabLst>
-            </a:pPr>
-            <a:r>
-              <a:rPr lang="en-US" sz="2000" dirty="0">
-                <a:solidFill>
-                  <a:srgbClr val="4D4D4D"/>
-                </a:solidFill>
-                <a:latin typeface="Courier New" pitchFamily="49" charset="0"/>
-              </a:rPr>
-              <a:t>			PG	PS	PW	PR	D	</a:t>
-            </a:r>
-            <a:r>
-              <a:rPr lang="en-US" sz="2000" dirty="0" smtClean="0">
-                <a:solidFill>
-                  <a:srgbClr val="4D4D4D"/>
-                </a:solidFill>
-                <a:latin typeface="Courier New" pitchFamily="49" charset="0"/>
-              </a:rPr>
-              <a:t>E</a:t>
-            </a:r>
-          </a:p>
-          <a:p>
-            <a:pPr>
-              <a:tabLst>
-                <a:tab pos="744538" algn="ctr"/>
-                <a:tab pos="1371600" algn="ctr"/>
-                <a:tab pos="1998663" algn="ctr"/>
-                <a:tab pos="2573338" algn="ctr"/>
-                <a:tab pos="3200400" algn="ctr"/>
-                <a:tab pos="3775075" algn="ctr"/>
-                <a:tab pos="4349750" algn="ctr"/>
-                <a:tab pos="4911725" algn="ctr"/>
-              </a:tabLst>
-            </a:pPr>
-            <a:r>
-              <a:rPr lang="en-US" sz="2000" dirty="0" smtClean="0">
-                <a:solidFill>
-                  <a:srgbClr val="4D4D4D"/>
-                </a:solidFill>
-                <a:latin typeface="Courier New" pitchFamily="49" charset="0"/>
-              </a:rPr>
-              <a:t>      			PG	PS	PW	PR	D	E</a:t>
-            </a:r>
-          </a:p>
-          <a:p>
-            <a:pPr>
-              <a:tabLst>
-                <a:tab pos="744538" algn="ctr"/>
-                <a:tab pos="1371600" algn="ctr"/>
-                <a:tab pos="1998663" algn="ctr"/>
-                <a:tab pos="2573338" algn="ctr"/>
-                <a:tab pos="3200400" algn="ctr"/>
-                <a:tab pos="3775075" algn="ctr"/>
-                <a:tab pos="4349750" algn="ctr"/>
-                <a:tab pos="4911725" algn="ctr"/>
-              </a:tabLst>
-            </a:pPr>
-            <a:r>
-              <a:rPr lang="en-US" sz="2000" dirty="0" smtClean="0">
-                <a:solidFill>
-                  <a:srgbClr val="4D4D4D"/>
-                </a:solidFill>
-                <a:latin typeface="Courier New" pitchFamily="49" charset="0"/>
-              </a:rPr>
-              <a:t>		 			PG	PS	PW	PR	D   E</a:t>
-            </a:r>
-          </a:p>
-        </p:txBody>
-      </p:sp>
     </p:spTree>
     <p:custDataLst>
       <p:tags r:id="rId1"/>
@@ -11350,7 +12770,7 @@
                                           </p:stCondLst>
                                         </p:cTn>
                                         <p:tgtEl>
-                                          <p:spTgt spid="22"/>
+                                          <p:spTgt spid="20484"/>
                                         </p:tgtEl>
                                         <p:attrNameLst>
                                           <p:attrName>style.visibility</p:attrName>
@@ -11364,7 +12784,7 @@
                                       <p:cBhvr>
                                         <p:cTn id="7" dur="1000"/>
                                         <p:tgtEl>
-                                          <p:spTgt spid="22"/>
+                                          <p:spTgt spid="20484"/>
                                         </p:tgtEl>
                                       </p:cBhvr>
                                     </p:animEffect>
@@ -11444,8 +12864,8 @@
       </p:par>
     </p:tnLst>
     <p:bldLst>
+      <p:bldP spid="20484" grpId="0"/>
       <p:bldP spid="32962" grpId="0" autoUpdateAnimBg="0"/>
-      <p:bldP spid="22" grpId="0"/>
     </p:bldLst>
   </p:timing>
 </p:sld>
@@ -13250,7 +14670,7 @@
                             </p:stCondLst>
                             <p:childTnLst>
                               <p:par>
-                                <p:cTn id="5" presetID="10" presetClass="entr" presetSubtype="0" fill="hold" nodeType="clickEffect">
+                                <p:cTn id="5" presetID="22" presetClass="entr" presetSubtype="8" fill="hold" grpId="0" nodeType="clickEffect">
                                   <p:stCondLst>
                                     <p:cond delay="0"/>
                                   </p:stCondLst>
@@ -13263,7 +14683,7 @@
                                           </p:stCondLst>
                                         </p:cTn>
                                         <p:tgtEl>
-                                          <p:spTgt spid="23554"/>
+                                          <p:spTgt spid="23555"/>
                                         </p:tgtEl>
                                         <p:attrNameLst>
                                           <p:attrName>style.visibility</p:attrName>
@@ -13273,11 +14693,11 @@
                                         <p:strVal val="visible"/>
                                       </p:to>
                                     </p:set>
-                                    <p:animEffect transition="in" filter="fade">
+                                    <p:animEffect transition="in" filter="wipe(left)">
                                       <p:cBhvr>
-                                        <p:cTn id="7" dur="1000"/>
+                                        <p:cTn id="7" dur="2000"/>
                                         <p:tgtEl>
-                                          <p:spTgt spid="23554"/>
+                                          <p:spTgt spid="23555"/>
                                         </p:tgtEl>
                                       </p:cBhvr>
                                     </p:animEffect>
@@ -13303,7 +14723,7 @@
                             </p:stCondLst>
                             <p:childTnLst>
                               <p:par>
-                                <p:cTn id="10" presetID="1" presetClass="entr" presetSubtype="0" fill="hold" grpId="0" nodeType="clickEffect">
+                                <p:cTn id="10" presetID="10" presetClass="entr" presetSubtype="0" fill="hold" nodeType="clickEffect">
                                   <p:stCondLst>
                                     <p:cond delay="0"/>
                                   </p:stCondLst>
@@ -13311,6 +14731,59 @@
                                     <p:set>
                                       <p:cBhvr>
                                         <p:cTn id="11" dur="1" fill="hold">
+                                          <p:stCondLst>
+                                            <p:cond delay="0"/>
+                                          </p:stCondLst>
+                                        </p:cTn>
+                                        <p:tgtEl>
+                                          <p:spTgt spid="23554"/>
+                                        </p:tgtEl>
+                                        <p:attrNameLst>
+                                          <p:attrName>style.visibility</p:attrName>
+                                        </p:attrNameLst>
+                                      </p:cBhvr>
+                                      <p:to>
+                                        <p:strVal val="visible"/>
+                                      </p:to>
+                                    </p:set>
+                                    <p:animEffect transition="in" filter="fade">
+                                      <p:cBhvr>
+                                        <p:cTn id="12" dur="1000"/>
+                                        <p:tgtEl>
+                                          <p:spTgt spid="23554"/>
+                                        </p:tgtEl>
+                                      </p:cBhvr>
+                                    </p:animEffect>
+                                  </p:childTnLst>
+                                </p:cTn>
+                              </p:par>
+                            </p:childTnLst>
+                          </p:cTn>
+                        </p:par>
+                      </p:childTnLst>
+                    </p:cTn>
+                  </p:par>
+                  <p:par>
+                    <p:cTn id="13" fill="hold">
+                      <p:stCondLst>
+                        <p:cond delay="indefinite"/>
+                      </p:stCondLst>
+                      <p:childTnLst>
+                        <p:par>
+                          <p:cTn id="14" fill="hold">
+                            <p:stCondLst>
+                              <p:cond delay="0"/>
+                            </p:stCondLst>
+                            <p:childTnLst>
+                              <p:par>
+                                <p:cTn id="15" presetID="1" presetClass="entr" presetSubtype="0" fill="hold" grpId="0" nodeType="clickEffect">
+                                  <p:stCondLst>
+                                    <p:cond delay="0"/>
+                                  </p:stCondLst>
+                                  <p:childTnLst>
+                                    <p:set>
+                                      <p:cBhvr>
+                                        <p:cTn id="16" dur="1" fill="hold">
                                           <p:stCondLst>
                                             <p:cond delay="499"/>
                                           </p:stCondLst>
@@ -13357,6 +14830,7 @@
       </p:par>
     </p:tnLst>
     <p:bldLst>
+      <p:bldP spid="23555" grpId="0"/>
       <p:bldP spid="39081" grpId="0" autoUpdateAnimBg="0"/>
     </p:bldLst>
   </p:timing>
@@ -14095,14 +15569,14 @@
                         </a:spcAft>
                       </a:pPr>
                       <a:r>
-                        <a:rPr lang="en-US" sz="1800" dirty="0">
+                        <a:rPr lang="en-US" sz="1800">
                           <a:latin typeface="Calibri"/>
                           <a:ea typeface="Calibri"/>
                           <a:cs typeface="Times New Roman"/>
                         </a:rPr>
                         <a:t>Single Cycle</a:t>
                       </a:r>
-                      <a:endParaRPr lang="en-US" sz="900" dirty="0">
+                      <a:endParaRPr lang="en-US" sz="900">
                         <a:latin typeface="Calibri"/>
                         <a:ea typeface="Calibri"/>
                         <a:cs typeface="Times New Roman"/>
@@ -14146,9 +15620,6 @@
                       <a:headEnd type="none" w="med" len="med"/>
                       <a:tailEnd type="none" w="med" len="med"/>
                     </a:lnB>
-                    <a:solidFill>
-                      <a:schemeClr val="bg1"/>
-                    </a:solidFill>
                   </a:tcPr>
                 </a:tc>
                 <a:tc>
@@ -14235,9 +15706,6 @@
                       <a:headEnd type="none" w="med" len="med"/>
                       <a:tailEnd type="none" w="med" len="med"/>
                     </a:lnB>
-                    <a:solidFill>
-                      <a:schemeClr val="bg1"/>
-                    </a:solidFill>
                   </a:tcPr>
                 </a:tc>
                 <a:tc>
@@ -14308,9 +15776,6 @@
                       <a:headEnd type="none" w="med" len="med"/>
                       <a:tailEnd type="none" w="med" len="med"/>
                     </a:lnB>
-                    <a:solidFill>
-                      <a:schemeClr val="bg1"/>
-                    </a:solidFill>
                   </a:tcPr>
                 </a:tc>
               </a:tr>
@@ -14415,9 +15880,6 @@
                       <a:headEnd type="none" w="med" len="med"/>
                       <a:tailEnd type="none" w="med" len="med"/>
                     </a:lnB>
-                    <a:solidFill>
-                      <a:schemeClr val="bg1"/>
-                    </a:solidFill>
                   </a:tcPr>
                 </a:tc>
                 <a:tc>
@@ -14488,9 +15950,6 @@
                       <a:headEnd type="none" w="med" len="med"/>
                       <a:tailEnd type="none" w="med" len="med"/>
                     </a:lnB>
-                    <a:solidFill>
-                      <a:schemeClr val="bg1"/>
-                    </a:solidFill>
                   </a:tcPr>
                 </a:tc>
                 <a:tc>
@@ -14561,9 +16020,6 @@
                       <a:headEnd type="none" w="med" len="med"/>
                       <a:tailEnd type="none" w="med" len="med"/>
                     </a:lnB>
-                    <a:solidFill>
-                      <a:schemeClr val="bg1"/>
-                    </a:solidFill>
                   </a:tcPr>
                 </a:tc>
               </a:tr>
@@ -14585,14 +16041,14 @@
                         </a:spcAft>
                       </a:pPr>
                       <a:r>
-                        <a:rPr lang="en-US" sz="1800" dirty="0">
+                        <a:rPr lang="en-US" sz="1800">
                           <a:latin typeface="Calibri"/>
                           <a:ea typeface="Calibri"/>
                           <a:cs typeface="Times New Roman"/>
                         </a:rPr>
                         <a:t>Legacy floating point multiplication</a:t>
                       </a:r>
-                      <a:endParaRPr lang="en-US" sz="900" dirty="0">
+                      <a:endParaRPr lang="en-US" sz="900">
                         <a:latin typeface="Calibri"/>
                         <a:ea typeface="Calibri"/>
                         <a:cs typeface="Times New Roman"/>
@@ -14636,9 +16092,6 @@
                       <a:headEnd type="none" w="med" len="med"/>
                       <a:tailEnd type="none" w="med" len="med"/>
                     </a:lnB>
-                    <a:solidFill>
-                      <a:schemeClr val="bg1"/>
-                    </a:solidFill>
                   </a:tcPr>
                 </a:tc>
                 <a:tc>
@@ -14658,14 +16111,14 @@
                         </a:spcAft>
                       </a:pPr>
                       <a:r>
-                        <a:rPr lang="en-US" sz="1800" dirty="0">
+                        <a:rPr lang="en-US" sz="1800">
                           <a:latin typeface="Calibri"/>
                           <a:ea typeface="Calibri"/>
                           <a:cs typeface="Times New Roman"/>
                         </a:rPr>
                         <a:t>MPYSP</a:t>
                       </a:r>
-                      <a:endParaRPr lang="en-US" sz="900" dirty="0">
+                      <a:endParaRPr lang="en-US" sz="900">
                         <a:latin typeface="Calibri"/>
                         <a:ea typeface="Calibri"/>
                         <a:cs typeface="Times New Roman"/>
@@ -14709,9 +16162,6 @@
                       <a:headEnd type="none" w="med" len="med"/>
                       <a:tailEnd type="none" w="med" len="med"/>
                     </a:lnB>
-                    <a:solidFill>
-                      <a:schemeClr val="bg1"/>
-                    </a:solidFill>
                   </a:tcPr>
                 </a:tc>
                 <a:tc>
@@ -14782,9 +16232,6 @@
                       <a:headEnd type="none" w="med" len="med"/>
                       <a:tailEnd type="none" w="med" len="med"/>
                     </a:lnB>
-                    <a:solidFill>
-                      <a:schemeClr val="bg1"/>
-                    </a:solidFill>
                   </a:tcPr>
                 </a:tc>
               </a:tr>
@@ -14857,9 +16304,6 @@
                       <a:headEnd type="none" w="med" len="med"/>
                       <a:tailEnd type="none" w="med" len="med"/>
                     </a:lnB>
-                    <a:solidFill>
-                      <a:schemeClr val="bg1"/>
-                    </a:solidFill>
                   </a:tcPr>
                 </a:tc>
                 <a:tc>
@@ -14879,14 +16323,14 @@
                         </a:spcAft>
                       </a:pPr>
                       <a:r>
-                        <a:rPr lang="en-US" sz="1800" dirty="0">
+                        <a:rPr lang="en-US" sz="1800">
                           <a:latin typeface="Calibri"/>
                           <a:ea typeface="Calibri"/>
                           <a:cs typeface="Times New Roman"/>
                         </a:rPr>
                         <a:t>LDW </a:t>
                       </a:r>
-                      <a:endParaRPr lang="en-US" sz="900" dirty="0">
+                      <a:endParaRPr lang="en-US" sz="900">
                         <a:latin typeface="Calibri"/>
                         <a:ea typeface="Calibri"/>
                         <a:cs typeface="Times New Roman"/>
@@ -14930,9 +16374,6 @@
                       <a:headEnd type="none" w="med" len="med"/>
                       <a:tailEnd type="none" w="med" len="med"/>
                     </a:lnB>
-                    <a:solidFill>
-                      <a:schemeClr val="bg1"/>
-                    </a:solidFill>
                   </a:tcPr>
                 </a:tc>
                 <a:tc>
@@ -15003,9 +16444,6 @@
                       <a:headEnd type="none" w="med" len="med"/>
                       <a:tailEnd type="none" w="med" len="med"/>
                     </a:lnB>
-                    <a:solidFill>
-                      <a:schemeClr val="bg1"/>
-                    </a:solidFill>
                   </a:tcPr>
                 </a:tc>
               </a:tr>
@@ -15078,9 +16516,6 @@
                       <a:headEnd type="none" w="med" len="med"/>
                       <a:tailEnd type="none" w="med" len="med"/>
                     </a:lnB>
-                    <a:solidFill>
-                      <a:schemeClr val="bg1"/>
-                    </a:solidFill>
                   </a:tcPr>
                 </a:tc>
                 <a:tc>
@@ -15151,9 +16586,6 @@
                       <a:headEnd type="none" w="med" len="med"/>
                       <a:tailEnd type="none" w="med" len="med"/>
                     </a:lnB>
-                    <a:solidFill>
-                      <a:schemeClr val="bg1"/>
-                    </a:solidFill>
                   </a:tcPr>
                 </a:tc>
                 <a:tc>
@@ -15224,9 +16656,6 @@
                       <a:headEnd type="none" w="med" len="med"/>
                       <a:tailEnd type="none" w="med" len="med"/>
                     </a:lnB>
-                    <a:solidFill>
-                      <a:schemeClr val="bg1"/>
-                    </a:solidFill>
                   </a:tcPr>
                 </a:tc>
               </a:tr>
@@ -15280,9 +16709,416 @@
   <p:timing>
     <p:tnLst>
       <p:par>
-        <p:cTn id="1" dur="indefinite" restart="never" nodeType="tmRoot"/>
+        <p:cTn id="1" dur="indefinite" restart="never" nodeType="tmRoot">
+          <p:childTnLst>
+            <p:seq concurrent="1" nextAc="seek">
+              <p:cTn id="2" dur="indefinite" nodeType="mainSeq">
+                <p:childTnLst>
+                  <p:par>
+                    <p:cTn id="3" fill="hold">
+                      <p:stCondLst>
+                        <p:cond delay="indefinite"/>
+                      </p:stCondLst>
+                      <p:childTnLst>
+                        <p:par>
+                          <p:cTn id="4" fill="hold">
+                            <p:stCondLst>
+                              <p:cond delay="0"/>
+                            </p:stCondLst>
+                            <p:childTnLst>
+                              <p:par>
+                                <p:cTn id="5" presetID="10" presetClass="entr" presetSubtype="0" fill="hold" grpId="0" nodeType="clickEffect">
+                                  <p:stCondLst>
+                                    <p:cond delay="0"/>
+                                  </p:stCondLst>
+                                  <p:childTnLst>
+                                    <p:set>
+                                      <p:cBhvr>
+                                        <p:cTn id="6" dur="1" fill="hold">
+                                          <p:stCondLst>
+                                            <p:cond delay="0"/>
+                                          </p:stCondLst>
+                                        </p:cTn>
+                                        <p:tgtEl>
+                                          <p:spTgt spid="6"/>
+                                        </p:tgtEl>
+                                        <p:attrNameLst>
+                                          <p:attrName>style.visibility</p:attrName>
+                                        </p:attrNameLst>
+                                      </p:cBhvr>
+                                      <p:to>
+                                        <p:strVal val="visible"/>
+                                      </p:to>
+                                    </p:set>
+                                    <p:animEffect transition="in" filter="fade">
+                                      <p:cBhvr>
+                                        <p:cTn id="7" dur="1000"/>
+                                        <p:tgtEl>
+                                          <p:spTgt spid="6"/>
+                                        </p:tgtEl>
+                                      </p:cBhvr>
+                                    </p:animEffect>
+                                  </p:childTnLst>
+                                </p:cTn>
+                              </p:par>
+                            </p:childTnLst>
+                          </p:cTn>
+                        </p:par>
+                      </p:childTnLst>
+                    </p:cTn>
+                  </p:par>
+                  <p:par>
+                    <p:cTn id="8" fill="hold">
+                      <p:stCondLst>
+                        <p:cond delay="indefinite"/>
+                      </p:stCondLst>
+                      <p:childTnLst>
+                        <p:par>
+                          <p:cTn id="9" fill="hold">
+                            <p:stCondLst>
+                              <p:cond delay="0"/>
+                            </p:stCondLst>
+                            <p:childTnLst>
+                              <p:par>
+                                <p:cTn id="10" presetID="1" presetClass="exit" presetSubtype="0" fill="hold" grpId="1" nodeType="clickEffect">
+                                  <p:stCondLst>
+                                    <p:cond delay="0"/>
+                                  </p:stCondLst>
+                                  <p:childTnLst>
+                                    <p:set>
+                                      <p:cBhvr>
+                                        <p:cTn id="11" dur="1" fill="hold">
+                                          <p:stCondLst>
+                                            <p:cond delay="0"/>
+                                          </p:stCondLst>
+                                        </p:cTn>
+                                        <p:tgtEl>
+                                          <p:spTgt spid="6"/>
+                                        </p:tgtEl>
+                                        <p:attrNameLst>
+                                          <p:attrName>style.visibility</p:attrName>
+                                        </p:attrNameLst>
+                                      </p:cBhvr>
+                                      <p:to>
+                                        <p:strVal val="hidden"/>
+                                      </p:to>
+                                    </p:set>
+                                  </p:childTnLst>
+                                </p:cTn>
+                              </p:par>
+                              <p:par>
+                                <p:cTn id="12" presetID="10" presetClass="entr" presetSubtype="0" fill="hold" grpId="0" nodeType="withEffect">
+                                  <p:stCondLst>
+                                    <p:cond delay="0"/>
+                                  </p:stCondLst>
+                                  <p:childTnLst>
+                                    <p:set>
+                                      <p:cBhvr>
+                                        <p:cTn id="13" dur="1" fill="hold">
+                                          <p:stCondLst>
+                                            <p:cond delay="0"/>
+                                          </p:stCondLst>
+                                        </p:cTn>
+                                        <p:tgtEl>
+                                          <p:spTgt spid="7"/>
+                                        </p:tgtEl>
+                                        <p:attrNameLst>
+                                          <p:attrName>style.visibility</p:attrName>
+                                        </p:attrNameLst>
+                                      </p:cBhvr>
+                                      <p:to>
+                                        <p:strVal val="visible"/>
+                                      </p:to>
+                                    </p:set>
+                                    <p:animEffect transition="in" filter="fade">
+                                      <p:cBhvr>
+                                        <p:cTn id="14" dur="1000"/>
+                                        <p:tgtEl>
+                                          <p:spTgt spid="7"/>
+                                        </p:tgtEl>
+                                      </p:cBhvr>
+                                    </p:animEffect>
+                                  </p:childTnLst>
+                                </p:cTn>
+                              </p:par>
+                            </p:childTnLst>
+                          </p:cTn>
+                        </p:par>
+                      </p:childTnLst>
+                    </p:cTn>
+                  </p:par>
+                  <p:par>
+                    <p:cTn id="15" fill="hold">
+                      <p:stCondLst>
+                        <p:cond delay="indefinite"/>
+                      </p:stCondLst>
+                      <p:childTnLst>
+                        <p:par>
+                          <p:cTn id="16" fill="hold">
+                            <p:stCondLst>
+                              <p:cond delay="0"/>
+                            </p:stCondLst>
+                            <p:childTnLst>
+                              <p:par>
+                                <p:cTn id="17" presetID="1" presetClass="exit" presetSubtype="0" fill="hold" grpId="1" nodeType="clickEffect">
+                                  <p:stCondLst>
+                                    <p:cond delay="0"/>
+                                  </p:stCondLst>
+                                  <p:childTnLst>
+                                    <p:set>
+                                      <p:cBhvr>
+                                        <p:cTn id="18" dur="1" fill="hold">
+                                          <p:stCondLst>
+                                            <p:cond delay="0"/>
+                                          </p:stCondLst>
+                                        </p:cTn>
+                                        <p:tgtEl>
+                                          <p:spTgt spid="7"/>
+                                        </p:tgtEl>
+                                        <p:attrNameLst>
+                                          <p:attrName>style.visibility</p:attrName>
+                                        </p:attrNameLst>
+                                      </p:cBhvr>
+                                      <p:to>
+                                        <p:strVal val="hidden"/>
+                                      </p:to>
+                                    </p:set>
+                                  </p:childTnLst>
+                                </p:cTn>
+                              </p:par>
+                              <p:par>
+                                <p:cTn id="19" presetID="10" presetClass="entr" presetSubtype="0" fill="hold" grpId="0" nodeType="withEffect">
+                                  <p:stCondLst>
+                                    <p:cond delay="0"/>
+                                  </p:stCondLst>
+                                  <p:childTnLst>
+                                    <p:set>
+                                      <p:cBhvr>
+                                        <p:cTn id="20" dur="1" fill="hold">
+                                          <p:stCondLst>
+                                            <p:cond delay="0"/>
+                                          </p:stCondLst>
+                                        </p:cTn>
+                                        <p:tgtEl>
+                                          <p:spTgt spid="8"/>
+                                        </p:tgtEl>
+                                        <p:attrNameLst>
+                                          <p:attrName>style.visibility</p:attrName>
+                                        </p:attrNameLst>
+                                      </p:cBhvr>
+                                      <p:to>
+                                        <p:strVal val="visible"/>
+                                      </p:to>
+                                    </p:set>
+                                    <p:animEffect transition="in" filter="fade">
+                                      <p:cBhvr>
+                                        <p:cTn id="21" dur="1000"/>
+                                        <p:tgtEl>
+                                          <p:spTgt spid="8"/>
+                                        </p:tgtEl>
+                                      </p:cBhvr>
+                                    </p:animEffect>
+                                  </p:childTnLst>
+                                </p:cTn>
+                              </p:par>
+                            </p:childTnLst>
+                          </p:cTn>
+                        </p:par>
+                      </p:childTnLst>
+                    </p:cTn>
+                  </p:par>
+                  <p:par>
+                    <p:cTn id="22" fill="hold">
+                      <p:stCondLst>
+                        <p:cond delay="indefinite"/>
+                      </p:stCondLst>
+                      <p:childTnLst>
+                        <p:par>
+                          <p:cTn id="23" fill="hold">
+                            <p:stCondLst>
+                              <p:cond delay="0"/>
+                            </p:stCondLst>
+                            <p:childTnLst>
+                              <p:par>
+                                <p:cTn id="24" presetID="1" presetClass="exit" presetSubtype="0" fill="hold" grpId="1" nodeType="clickEffect">
+                                  <p:stCondLst>
+                                    <p:cond delay="0"/>
+                                  </p:stCondLst>
+                                  <p:childTnLst>
+                                    <p:set>
+                                      <p:cBhvr>
+                                        <p:cTn id="25" dur="1" fill="hold">
+                                          <p:stCondLst>
+                                            <p:cond delay="0"/>
+                                          </p:stCondLst>
+                                        </p:cTn>
+                                        <p:tgtEl>
+                                          <p:spTgt spid="8"/>
+                                        </p:tgtEl>
+                                        <p:attrNameLst>
+                                          <p:attrName>style.visibility</p:attrName>
+                                        </p:attrNameLst>
+                                      </p:cBhvr>
+                                      <p:to>
+                                        <p:strVal val="hidden"/>
+                                      </p:to>
+                                    </p:set>
+                                  </p:childTnLst>
+                                </p:cTn>
+                              </p:par>
+                              <p:par>
+                                <p:cTn id="26" presetID="10" presetClass="entr" presetSubtype="0" fill="hold" grpId="0" nodeType="withEffect">
+                                  <p:stCondLst>
+                                    <p:cond delay="0"/>
+                                  </p:stCondLst>
+                                  <p:childTnLst>
+                                    <p:set>
+                                      <p:cBhvr>
+                                        <p:cTn id="27" dur="1" fill="hold">
+                                          <p:stCondLst>
+                                            <p:cond delay="0"/>
+                                          </p:stCondLst>
+                                        </p:cTn>
+                                        <p:tgtEl>
+                                          <p:spTgt spid="9"/>
+                                        </p:tgtEl>
+                                        <p:attrNameLst>
+                                          <p:attrName>style.visibility</p:attrName>
+                                        </p:attrNameLst>
+                                      </p:cBhvr>
+                                      <p:to>
+                                        <p:strVal val="visible"/>
+                                      </p:to>
+                                    </p:set>
+                                    <p:animEffect transition="in" filter="fade">
+                                      <p:cBhvr>
+                                        <p:cTn id="28" dur="1000"/>
+                                        <p:tgtEl>
+                                          <p:spTgt spid="9"/>
+                                        </p:tgtEl>
+                                      </p:cBhvr>
+                                    </p:animEffect>
+                                  </p:childTnLst>
+                                </p:cTn>
+                              </p:par>
+                            </p:childTnLst>
+                          </p:cTn>
+                        </p:par>
+                      </p:childTnLst>
+                    </p:cTn>
+                  </p:par>
+                  <p:par>
+                    <p:cTn id="29" fill="hold">
+                      <p:stCondLst>
+                        <p:cond delay="indefinite"/>
+                      </p:stCondLst>
+                      <p:childTnLst>
+                        <p:par>
+                          <p:cTn id="30" fill="hold">
+                            <p:stCondLst>
+                              <p:cond delay="0"/>
+                            </p:stCondLst>
+                            <p:childTnLst>
+                              <p:par>
+                                <p:cTn id="31" presetID="1" presetClass="exit" presetSubtype="0" fill="hold" grpId="1" nodeType="clickEffect">
+                                  <p:stCondLst>
+                                    <p:cond delay="0"/>
+                                  </p:stCondLst>
+                                  <p:childTnLst>
+                                    <p:set>
+                                      <p:cBhvr>
+                                        <p:cTn id="32" dur="1" fill="hold">
+                                          <p:stCondLst>
+                                            <p:cond delay="0"/>
+                                          </p:stCondLst>
+                                        </p:cTn>
+                                        <p:tgtEl>
+                                          <p:spTgt spid="9"/>
+                                        </p:tgtEl>
+                                        <p:attrNameLst>
+                                          <p:attrName>style.visibility</p:attrName>
+                                        </p:attrNameLst>
+                                      </p:cBhvr>
+                                      <p:to>
+                                        <p:strVal val="hidden"/>
+                                      </p:to>
+                                    </p:set>
+                                  </p:childTnLst>
+                                </p:cTn>
+                              </p:par>
+                              <p:par>
+                                <p:cTn id="33" presetID="10" presetClass="entr" presetSubtype="0" fill="hold" grpId="0" nodeType="withEffect">
+                                  <p:stCondLst>
+                                    <p:cond delay="0"/>
+                                  </p:stCondLst>
+                                  <p:childTnLst>
+                                    <p:set>
+                                      <p:cBhvr>
+                                        <p:cTn id="34" dur="1" fill="hold">
+                                          <p:stCondLst>
+                                            <p:cond delay="0"/>
+                                          </p:stCondLst>
+                                        </p:cTn>
+                                        <p:tgtEl>
+                                          <p:spTgt spid="10"/>
+                                        </p:tgtEl>
+                                        <p:attrNameLst>
+                                          <p:attrName>style.visibility</p:attrName>
+                                        </p:attrNameLst>
+                                      </p:cBhvr>
+                                      <p:to>
+                                        <p:strVal val="visible"/>
+                                      </p:to>
+                                    </p:set>
+                                    <p:animEffect transition="in" filter="fade">
+                                      <p:cBhvr>
+                                        <p:cTn id="35" dur="1000"/>
+                                        <p:tgtEl>
+                                          <p:spTgt spid="10"/>
+                                        </p:tgtEl>
+                                      </p:cBhvr>
+                                    </p:animEffect>
+                                  </p:childTnLst>
+                                </p:cTn>
+                              </p:par>
+                            </p:childTnLst>
+                          </p:cTn>
+                        </p:par>
+                      </p:childTnLst>
+                    </p:cTn>
+                  </p:par>
+                </p:childTnLst>
+              </p:cTn>
+              <p:prevCondLst>
+                <p:cond evt="onPrev" delay="0">
+                  <p:tgtEl>
+                    <p:sldTgt/>
+                  </p:tgtEl>
+                </p:cond>
+              </p:prevCondLst>
+              <p:nextCondLst>
+                <p:cond evt="onNext" delay="0">
+                  <p:tgtEl>
+                    <p:sldTgt/>
+                  </p:tgtEl>
+                </p:cond>
+              </p:nextCondLst>
+            </p:seq>
+          </p:childTnLst>
+        </p:cTn>
       </p:par>
     </p:tnLst>
+    <p:bldLst>
+      <p:bldP spid="6" grpId="0" animBg="1"/>
+      <p:bldP spid="6" grpId="1" animBg="1"/>
+      <p:bldP spid="7" grpId="0" animBg="1"/>
+      <p:bldP spid="7" grpId="1" animBg="1"/>
+      <p:bldP spid="8" grpId="0" animBg="1"/>
+      <p:bldP spid="8" grpId="1" animBg="1"/>
+      <p:bldP spid="9" grpId="0" animBg="1"/>
+      <p:bldP spid="9" grpId="1" animBg="1"/>
+      <p:bldP spid="10" grpId="0" animBg="1"/>
+    </p:bldLst>
   </p:timing>
 </p:sld>
 </file>
@@ -15589,7 +17425,7 @@
       </p:sp>
       <p:sp>
         <p:nvSpPr>
-          <p:cNvPr id="5" name="Rectangle 2"/>
+          <p:cNvPr id="5" name="PPTShape_0"/>
           <p:cNvSpPr txBox="1">
             <a:spLocks noChangeArrowheads="1"/>
           </p:cNvSpPr>
@@ -15617,10 +17453,40 @@
               <a:defRPr/>
             </a:pPr>
             <a:r>
-              <a:rPr lang="en-US" sz="2400" dirty="0" smtClean="0"/>
-              <a:t>Dot product; A typical DSP MAC operation.</a:t>
+              <a:rPr lang="en-US" sz="2400" dirty="0" smtClean="0">
+                <a:latin typeface="+mj-lt"/>
+              </a:rPr>
+              <a:t>Dot product; </a:t>
             </a:r>
-            <a:endParaRPr lang="en-US" sz="2400" dirty="0"/>
+            <a:r>
+              <a:rPr lang="en-US" sz="2400" dirty="0" smtClean="0">
+                <a:latin typeface="+mj-lt"/>
+                <a:ea typeface="+mj-ea"/>
+                <a:cs typeface="+mj-cs"/>
+              </a:rPr>
+              <a:t>A </a:t>
+            </a:r>
+            <a:r>
+              <a:rPr lang="en-US" sz="2400" dirty="0">
+                <a:latin typeface="+mj-lt"/>
+                <a:ea typeface="+mj-ea"/>
+                <a:cs typeface="+mj-cs"/>
+              </a:rPr>
+              <a:t>typical DSP MAC </a:t>
+            </a:r>
+            <a:r>
+              <a:rPr lang="en-US" sz="2400" dirty="0" smtClean="0">
+                <a:latin typeface="+mj-lt"/>
+                <a:ea typeface="+mj-ea"/>
+                <a:cs typeface="+mj-cs"/>
+              </a:rPr>
+              <a:t>operation.</a:t>
+            </a:r>
+            <a:endParaRPr lang="en-US" sz="2400" dirty="0">
+              <a:latin typeface="+mj-lt"/>
+              <a:ea typeface="+mj-ea"/>
+              <a:cs typeface="+mj-cs"/>
+            </a:endParaRPr>
           </a:p>
         </p:txBody>
       </p:sp>
@@ -15868,74 +17734,50 @@
           <a:lstStyle/>
           <a:p>
             <a:r>
-              <a:rPr lang="en-US" sz="2800" dirty="0">
+              <a:rPr lang="en-US" sz="2800">
                 <a:latin typeface="Calibri" pitchFamily="34" charset="0"/>
               </a:rPr>
               <a:t>How many cycles would</a:t>
             </a:r>
             <a:br>
-              <a:rPr lang="en-US" sz="2800" dirty="0">
+              <a:rPr lang="en-US" sz="2800">
                 <a:latin typeface="Calibri" pitchFamily="34" charset="0"/>
               </a:rPr>
             </a:br>
             <a:r>
-              <a:rPr lang="en-US" sz="2800" dirty="0">
+              <a:rPr lang="en-US" sz="2800">
                 <a:latin typeface="Calibri" pitchFamily="34" charset="0"/>
               </a:rPr>
               <a:t>it take to perform this</a:t>
             </a:r>
             <a:br>
-              <a:rPr lang="en-US" sz="2800" dirty="0">
+              <a:rPr lang="en-US" sz="2800">
                 <a:latin typeface="Calibri" pitchFamily="34" charset="0"/>
               </a:rPr>
             </a:br>
             <a:r>
-              <a:rPr lang="en-US" sz="2800" dirty="0">
+              <a:rPr lang="en-US" sz="2800">
                 <a:latin typeface="Calibri" pitchFamily="34" charset="0"/>
               </a:rPr>
-              <a:t>loop </a:t>
-            </a:r>
-            <a:r>
-              <a:rPr lang="en-US" sz="2800" dirty="0" smtClean="0">
-                <a:latin typeface="Calibri" pitchFamily="34" charset="0"/>
-              </a:rPr>
-              <a:t>five </a:t>
-            </a:r>
-            <a:r>
-              <a:rPr lang="en-US" sz="2800" dirty="0">
-                <a:latin typeface="Calibri" pitchFamily="34" charset="0"/>
-              </a:rPr>
-              <a:t>times?</a:t>
+              <a:t>loop 5 times?</a:t>
             </a:r>
           </a:p>
           <a:p>
             <a:r>
-              <a:rPr lang="en-US" sz="2800" dirty="0">
+              <a:rPr lang="en-US" sz="2800">
                 <a:latin typeface="Calibri" pitchFamily="34" charset="0"/>
               </a:rPr>
-              <a:t>(Disregard </a:t>
-            </a:r>
-            <a:r>
-              <a:rPr lang="en-US" sz="2800" dirty="0" smtClean="0">
-                <a:latin typeface="Calibri" pitchFamily="34" charset="0"/>
-              </a:rPr>
-              <a:t>delay slots</a:t>
-            </a:r>
-            <a:r>
-              <a:rPr lang="en-US" sz="2800" dirty="0">
-                <a:latin typeface="Calibri" pitchFamily="34" charset="0"/>
-              </a:rPr>
-              <a:t>).</a:t>
+              <a:t>(Disregard delay-slots).</a:t>
             </a:r>
           </a:p>
           <a:p>
-            <a:endParaRPr lang="en-US" sz="2800" dirty="0">
+            <a:endParaRPr lang="en-US" sz="2800">
               <a:latin typeface="Calibri" pitchFamily="34" charset="0"/>
             </a:endParaRPr>
           </a:p>
           <a:p>
             <a:r>
-              <a:rPr lang="en-US" sz="2800" dirty="0">
+              <a:rPr lang="en-US" sz="2800">
                 <a:latin typeface="Calibri" pitchFamily="34" charset="0"/>
               </a:rPr>
               <a:t>     5 x 3 = 15 cycles</a:t>
@@ -15945,7 +17787,7 @@
       </p:sp>
       <p:sp>
         <p:nvSpPr>
-          <p:cNvPr id="5" name="Rectangle 2"/>
+          <p:cNvPr id="5" name="PPTShape_0"/>
           <p:cNvSpPr txBox="1">
             <a:spLocks noChangeArrowheads="1"/>
           </p:cNvSpPr>
@@ -15973,10 +17815,13 @@
               <a:defRPr/>
             </a:pPr>
             <a:r>
-              <a:rPr lang="en-US" sz="2400" dirty="0" smtClean="0"/>
-              <a:t>Dot product; A typical DSP MAC operation.</a:t>
+              <a:rPr lang="en-US" sz="2400" dirty="0">
+                <a:latin typeface="+mj-lt"/>
+                <a:ea typeface="+mj-ea"/>
+                <a:cs typeface="+mj-cs"/>
+              </a:rPr>
+              <a:t>A typical DSP MAC operation- dot product</a:t>
             </a:r>
-            <a:endParaRPr lang="en-US" sz="2400" dirty="0"/>
           </a:p>
         </p:txBody>
       </p:sp>
@@ -16045,7 +17890,11 @@
           <p:cNvGrpSpPr>
             <a:grpSpLocks/>
           </p:cNvGrpSpPr>
-          <p:nvPr/>
+          <p:nvPr>
+            <p:custDataLst>
+              <p:tags r:id="rId2"/>
+            </p:custDataLst>
+          </p:nvPr>
         </p:nvGrpSpPr>
         <p:grpSpPr bwMode="auto">
           <a:xfrm>
@@ -16382,7 +18231,11 @@
           <p:cNvGrpSpPr>
             <a:grpSpLocks/>
           </p:cNvGrpSpPr>
-          <p:nvPr/>
+          <p:nvPr>
+            <p:custDataLst>
+              <p:tags r:id="rId3"/>
+            </p:custDataLst>
+          </p:nvPr>
         </p:nvGrpSpPr>
         <p:grpSpPr bwMode="auto">
           <a:xfrm>
@@ -16598,7 +18451,11 @@
           <p:cNvGrpSpPr>
             <a:grpSpLocks/>
           </p:cNvGrpSpPr>
-          <p:nvPr/>
+          <p:nvPr>
+            <p:custDataLst>
+              <p:tags r:id="rId4"/>
+            </p:custDataLst>
+          </p:nvPr>
         </p:nvGrpSpPr>
         <p:grpSpPr bwMode="auto">
           <a:xfrm>
@@ -17121,7 +18978,11 @@
           <p:cNvGrpSpPr>
             <a:grpSpLocks/>
           </p:cNvGrpSpPr>
-          <p:nvPr/>
+          <p:nvPr>
+            <p:custDataLst>
+              <p:tags r:id="rId5"/>
+            </p:custDataLst>
+          </p:nvPr>
         </p:nvGrpSpPr>
         <p:grpSpPr bwMode="auto">
           <a:xfrm>
@@ -17641,7 +19502,11 @@
           <p:cNvGrpSpPr>
             <a:grpSpLocks/>
           </p:cNvGrpSpPr>
-          <p:nvPr/>
+          <p:nvPr>
+            <p:custDataLst>
+              <p:tags r:id="rId6"/>
+            </p:custDataLst>
+          </p:nvPr>
         </p:nvGrpSpPr>
         <p:grpSpPr bwMode="auto">
           <a:xfrm>
@@ -19301,7 +21166,11 @@
           <p:cNvGrpSpPr>
             <a:grpSpLocks/>
           </p:cNvGrpSpPr>
-          <p:nvPr/>
+          <p:nvPr>
+            <p:custDataLst>
+              <p:tags r:id="rId7"/>
+            </p:custDataLst>
+          </p:nvPr>
         </p:nvGrpSpPr>
         <p:grpSpPr bwMode="auto">
           <a:xfrm>
@@ -27084,34 +28953,14 @@
             </a:r>
           </a:p>
           <a:p>
-            <a:pPr marL="514350" indent="-514350" algn="l" eaLnBrk="1" fontAlgn="auto" hangingPunct="1">
+            <a:pPr marL="514350" indent="-514350" eaLnBrk="1" fontAlgn="auto" hangingPunct="1">
               <a:spcAft>
                 <a:spcPts val="0"/>
               </a:spcAft>
-              <a:buFont typeface="Arial" pitchFamily="34" charset="0"/>
-              <a:buChar char="•"/>
+              <a:buNone/>
               <a:defRPr/>
             </a:pPr>
-            <a:endParaRPr lang="en-US" sz="2400" b="1" dirty="0" smtClean="0">
-              <a:solidFill>
-                <a:schemeClr val="tx1"/>
-              </a:solidFill>
-              <a:latin typeface="+mj-lt"/>
-            </a:endParaRPr>
-          </a:p>
-          <a:p>
-            <a:pPr marL="514350" indent="-514350" algn="l" eaLnBrk="1" fontAlgn="auto" hangingPunct="1">
-              <a:spcAft>
-                <a:spcPts val="0"/>
-              </a:spcAft>
-              <a:buFont typeface="Arial" pitchFamily="34" charset="0"/>
-              <a:buChar char="•"/>
-              <a:defRPr/>
-            </a:pPr>
-            <a:endParaRPr lang="en-US" sz="2400" b="1" dirty="0" smtClean="0">
-              <a:solidFill>
-                <a:schemeClr val="tx1"/>
-              </a:solidFill>
+            <a:endParaRPr lang="en-US" sz="2400" dirty="0" smtClean="0">
               <a:latin typeface="+mj-lt"/>
             </a:endParaRPr>
           </a:p>
@@ -27120,9 +28969,24 @@
               <a:spcAft>
                 <a:spcPts val="0"/>
               </a:spcAft>
+              <a:buNone/>
               <a:defRPr/>
             </a:pPr>
-            <a:endParaRPr lang="en-US" sz="2400" dirty="0" smtClean="0"/>
+            <a:endParaRPr lang="en-US" sz="2400" dirty="0" smtClean="0">
+              <a:latin typeface="+mj-lt"/>
+            </a:endParaRPr>
+          </a:p>
+          <a:p>
+            <a:pPr marL="514350" indent="-514350" eaLnBrk="1" fontAlgn="auto" hangingPunct="1">
+              <a:spcAft>
+                <a:spcPts val="0"/>
+              </a:spcAft>
+              <a:buNone/>
+              <a:defRPr/>
+            </a:pPr>
+            <a:endParaRPr lang="en-US" sz="2400" dirty="0" smtClean="0">
+              <a:latin typeface="+mj-lt"/>
+            </a:endParaRPr>
           </a:p>
           <a:p>
             <a:pPr marL="514350" indent="-514350" eaLnBrk="1" fontAlgn="auto" hangingPunct="1">
@@ -27133,38 +28997,27 @@
               <a:defRPr/>
             </a:pPr>
             <a:r>
-              <a:rPr lang="en-US" sz="2400" dirty="0" smtClean="0"/>
-              <a:t>	</a:t>
-            </a:r>
-            <a:r>
-              <a:rPr lang="en-US" sz="2400" dirty="0" smtClean="0"/>
-              <a:t>NOTE</a:t>
-            </a:r>
-            <a:r>
-              <a:rPr lang="en-US" sz="2400" dirty="0" smtClean="0"/>
-              <a:t>: For more information on SPLOOP, refer to Chapter 8 of the </a:t>
+              <a:rPr lang="en-US" sz="2400" dirty="0" smtClean="0">
+                <a:latin typeface="+mj-lt"/>
+              </a:rPr>
+              <a:t>	NOTE: For more information on SPLOOP, refer to Chapter 8 of the </a:t>
             </a:r>
             <a:r>
               <a:rPr lang="en-US" sz="2400" dirty="0" smtClean="0">
-                <a:hlinkClick r:id="rId3"/>
+                <a:hlinkClick r:id="rId4"/>
               </a:rPr>
               <a:t>C66x CPU and Instruction Set Reference Guide</a:t>
             </a:r>
             <a:r>
               <a:rPr lang="en-US" sz="2400" dirty="0" smtClean="0"/>
-              <a:t>. </a:t>
+              <a:t>.</a:t>
             </a:r>
-            <a:endParaRPr lang="en-US" sz="2400" b="1" dirty="0" smtClean="0"/>
-          </a:p>
-          <a:p>
-            <a:pPr marL="514350" indent="-514350" algn="l" eaLnBrk="1" fontAlgn="auto" hangingPunct="1">
-              <a:spcAft>
-                <a:spcPts val="0"/>
-              </a:spcAft>
-              <a:buFont typeface="Arial" pitchFamily="34" charset="0"/>
-              <a:buChar char="•"/>
-              <a:defRPr/>
-            </a:pPr>
+            <a:r>
+              <a:rPr lang="en-US" sz="2400" dirty="0" smtClean="0">
+                <a:latin typeface="+mj-lt"/>
+              </a:rPr>
+              <a:t> </a:t>
+            </a:r>
             <a:endParaRPr lang="en-US" sz="2400" b="1" dirty="0" smtClean="0">
               <a:solidFill>
                 <a:schemeClr val="tx1"/>
@@ -27253,7 +29106,7 @@
             </a:r>
             <a:r>
               <a:rPr lang="en-US" dirty="0" smtClean="0">
-                <a:hlinkClick r:id="rId3"/>
+                <a:hlinkClick r:id="rId4"/>
               </a:rPr>
               <a:t>C66x CPU and Instruction Set Reference Guide</a:t>
             </a:r>
@@ -27265,18 +29118,14 @@
           <a:p>
             <a:r>
               <a:rPr lang="en-US" dirty="0" smtClean="0"/>
-              <a:t>For </a:t>
-            </a:r>
-            <a:r>
-              <a:rPr lang="en-US" dirty="0" smtClean="0"/>
-              <a:t>questions regarding topics covered in this training, visit the support forums at the</a:t>
+              <a:t>For questions regarding topics covered in this training, visit the support forums at the</a:t>
             </a:r>
             <a:br>
               <a:rPr lang="en-US" dirty="0" smtClean="0"/>
             </a:br>
             <a:r>
               <a:rPr lang="en-US" dirty="0" smtClean="0">
-                <a:hlinkClick r:id="rId4"/>
+                <a:hlinkClick r:id="rId5"/>
               </a:rPr>
               <a:t>TI E2E Community</a:t>
             </a:r>
@@ -27343,9 +29192,7 @@
             <a:srgbClr val="FFFF00"/>
           </a:solidFill>
           <a:ln w="9525" cap="flat" cmpd="sng" algn="ctr">
-            <a:solidFill>
-              <a:schemeClr val="tx1"/>
-            </a:solidFill>
+            <a:noFill/>
             <a:prstDash val="solid"/>
             <a:round/>
             <a:headEnd type="none" w="med" len="med"/>
@@ -28709,17 +30556,20 @@
                 <a:t> </a:t>
               </a:r>
               <a:r>
-                <a:rPr lang="en-US" dirty="0" err="1">
+                <a:rPr lang="en-US" sz="1400" dirty="0">
                   <a:latin typeface="+mj-lt"/>
                 </a:rPr>
-                <a:t>Reg</a:t>
+                <a:t>Reg </a:t>
               </a:r>
               <a:r>
-                <a:rPr lang="en-US" dirty="0">
+                <a:rPr lang="en-US" sz="1400" dirty="0" smtClean="0">
                   <a:latin typeface="+mj-lt"/>
                 </a:rPr>
-                <a:t> A</a:t>
+                <a:t>A [32]</a:t>
               </a:r>
+              <a:endParaRPr lang="en-US" sz="1400" dirty="0">
+                <a:latin typeface="+mj-lt"/>
+              </a:endParaRPr>
             </a:p>
           </p:txBody>
         </p:sp>
@@ -28763,23 +30613,20 @@
                 </a:lnSpc>
               </a:pPr>
               <a:r>
-                <a:rPr lang="en-US" dirty="0">
+                <a:rPr lang="en-US" sz="1400" dirty="0">
                   <a:latin typeface="+mj-lt"/>
                 </a:rPr>
-                <a:t> </a:t>
+                <a:t> Reg </a:t>
               </a:r>
               <a:r>
-                <a:rPr lang="en-US" dirty="0" err="1">
+                <a:rPr lang="en-US" sz="1400" dirty="0" smtClean="0">
                   <a:latin typeface="+mj-lt"/>
                 </a:rPr>
-                <a:t>Reg</a:t>
+                <a:t>B [32]</a:t>
               </a:r>
-              <a:r>
-                <a:rPr lang="en-US" dirty="0">
-                  <a:latin typeface="+mj-lt"/>
-                </a:rPr>
-                <a:t> B</a:t>
-              </a:r>
+              <a:endParaRPr lang="en-US" sz="1400" dirty="0">
+                <a:latin typeface="+mj-lt"/>
+              </a:endParaRPr>
             </a:p>
           </p:txBody>
         </p:sp>
@@ -29522,17 +31369,8 @@
               <a:rPr lang="en-US" dirty="0" smtClean="0">
                 <a:latin typeface="Arial Narrow" pitchFamily="34" charset="0"/>
               </a:rPr>
-              <a:t>Two </a:t>
+              <a:t>Two registers</a:t>
             </a:r>
-            <a:r>
-              <a:rPr lang="en-US" dirty="0" smtClean="0">
-                <a:latin typeface="Arial Narrow" pitchFamily="34" charset="0"/>
-              </a:rPr>
-              <a:t>register sets</a:t>
-            </a:r>
-            <a:endParaRPr lang="en-US" dirty="0" smtClean="0">
-              <a:latin typeface="Arial Narrow" pitchFamily="34" charset="0"/>
-            </a:endParaRPr>
           </a:p>
           <a:p>
             <a:pPr marL="800100" lvl="2" indent="-342900">
@@ -29613,6 +31451,195 @@
               </a:rPr>
               <a:t>L2 memory (Cache/RAM)</a:t>
             </a:r>
+          </a:p>
+        </p:txBody>
+      </p:sp>
+      <p:sp>
+        <p:nvSpPr>
+          <p:cNvPr id="47" name="Rectangle 46"/>
+          <p:cNvSpPr/>
+          <p:nvPr/>
+        </p:nvSpPr>
+        <p:spPr bwMode="auto">
+          <a:xfrm>
+            <a:off x="430305" y="2895600"/>
+            <a:ext cx="1920240" cy="1524000"/>
+          </a:xfrm>
+          <a:prstGeom prst="rect">
+            <a:avLst/>
+          </a:prstGeom>
+          <a:noFill/>
+          <a:ln w="63500" cap="flat" cmpd="sng" algn="ctr">
+            <a:solidFill>
+              <a:srgbClr val="FFFF00"/>
+            </a:solidFill>
+            <a:prstDash val="solid"/>
+            <a:round/>
+            <a:headEnd type="none" w="med" len="med"/>
+            <a:tailEnd type="none" w="med" len="med"/>
+          </a:ln>
+          <a:effectLst/>
+        </p:spPr>
+        <p:txBody>
+          <a:bodyPr vert="horz" wrap="square" lIns="91440" tIns="45720" rIns="91440" bIns="45720" numCol="1" rtlCol="0" anchor="t" anchorCtr="0" compatLnSpc="1">
+            <a:prstTxWarp prst="textNoShape">
+              <a:avLst/>
+            </a:prstTxWarp>
+          </a:bodyPr>
+          <a:lstStyle/>
+          <a:p>
+            <a:pPr marL="0" marR="0" indent="0" algn="l" defTabSz="914400" rtl="0" eaLnBrk="0" fontAlgn="base" latinLnBrk="0" hangingPunct="0">
+              <a:lnSpc>
+                <a:spcPct val="100000"/>
+              </a:lnSpc>
+              <a:spcBef>
+                <a:spcPct val="0"/>
+              </a:spcBef>
+              <a:spcAft>
+                <a:spcPct val="0"/>
+              </a:spcAft>
+              <a:buClrTx/>
+              <a:buSzTx/>
+              <a:buFontTx/>
+              <a:buNone/>
+              <a:tabLst/>
+            </a:pPr>
+            <a:endParaRPr kumimoji="0" lang="en-US" sz="1800" b="0" i="0" u="none" strike="noStrike" cap="none" normalizeH="0" baseline="0" smtClean="0">
+              <a:ln>
+                <a:noFill/>
+              </a:ln>
+              <a:solidFill>
+                <a:schemeClr val="tx1"/>
+              </a:solidFill>
+              <a:effectLst/>
+              <a:latin typeface="Arial" pitchFamily="34" charset="0"/>
+            </a:endParaRPr>
+          </a:p>
+        </p:txBody>
+      </p:sp>
+      <p:sp>
+        <p:nvSpPr>
+          <p:cNvPr id="48" name="Rectangle 47"/>
+          <p:cNvSpPr/>
+          <p:nvPr/>
+        </p:nvSpPr>
+        <p:spPr bwMode="auto">
+          <a:xfrm>
+            <a:off x="425825" y="4970929"/>
+            <a:ext cx="1945340" cy="1536192"/>
+          </a:xfrm>
+          <a:prstGeom prst="rect">
+            <a:avLst/>
+          </a:prstGeom>
+          <a:noFill/>
+          <a:ln w="63500" cap="flat" cmpd="sng" algn="ctr">
+            <a:solidFill>
+              <a:srgbClr val="FFFF00"/>
+            </a:solidFill>
+            <a:prstDash val="solid"/>
+            <a:round/>
+            <a:headEnd type="none" w="med" len="med"/>
+            <a:tailEnd type="none" w="med" len="med"/>
+          </a:ln>
+          <a:effectLst/>
+        </p:spPr>
+        <p:txBody>
+          <a:bodyPr vert="horz" wrap="square" lIns="91440" tIns="45720" rIns="91440" bIns="45720" numCol="1" rtlCol="0" anchor="t" anchorCtr="0" compatLnSpc="1">
+            <a:prstTxWarp prst="textNoShape">
+              <a:avLst/>
+            </a:prstTxWarp>
+          </a:bodyPr>
+          <a:lstStyle/>
+          <a:p>
+            <a:pPr marL="0" marR="0" indent="0" algn="l" defTabSz="914400" rtl="0" eaLnBrk="0" fontAlgn="base" latinLnBrk="0" hangingPunct="0">
+              <a:lnSpc>
+                <a:spcPct val="100000"/>
+              </a:lnSpc>
+              <a:spcBef>
+                <a:spcPct val="0"/>
+              </a:spcBef>
+              <a:spcAft>
+                <a:spcPct val="0"/>
+              </a:spcAft>
+              <a:buClrTx/>
+              <a:buSzTx/>
+              <a:buFontTx/>
+              <a:buNone/>
+              <a:tabLst/>
+            </a:pPr>
+            <a:endParaRPr kumimoji="0" lang="en-US" sz="1800" b="0" i="0" u="none" strike="noStrike" cap="none" normalizeH="0" baseline="0" smtClean="0">
+              <a:ln>
+                <a:noFill/>
+              </a:ln>
+              <a:solidFill>
+                <a:schemeClr val="tx1"/>
+              </a:solidFill>
+              <a:effectLst/>
+              <a:latin typeface="Arial" pitchFamily="34" charset="0"/>
+            </a:endParaRPr>
+          </a:p>
+        </p:txBody>
+      </p:sp>
+      <p:sp>
+        <p:nvSpPr>
+          <p:cNvPr id="49" name="Rectangle 48"/>
+          <p:cNvSpPr/>
+          <p:nvPr/>
+        </p:nvSpPr>
+        <p:spPr bwMode="auto">
+          <a:xfrm>
+            <a:off x="430305" y="923366"/>
+            <a:ext cx="1945340" cy="1563624"/>
+          </a:xfrm>
+          <a:prstGeom prst="rect">
+            <a:avLst/>
+          </a:prstGeom>
+          <a:noFill/>
+          <a:ln w="63500" cap="flat" cmpd="sng" algn="ctr">
+            <a:solidFill>
+              <a:srgbClr val="FFFF00"/>
+            </a:solidFill>
+            <a:prstDash val="solid"/>
+            <a:round/>
+            <a:headEnd type="none" w="med" len="med"/>
+            <a:tailEnd type="none" w="med" len="med"/>
+          </a:ln>
+          <a:effectLst/>
+        </p:spPr>
+        <p:txBody>
+          <a:bodyPr vert="horz" wrap="square" lIns="91440" tIns="45720" rIns="91440" bIns="45720" numCol="1" rtlCol="0" anchor="t" anchorCtr="0" compatLnSpc="1">
+            <a:prstTxWarp prst="textNoShape">
+              <a:avLst/>
+            </a:prstTxWarp>
+          </a:bodyPr>
+          <a:lstStyle/>
+          <a:p>
+            <a:pPr marL="0" marR="0" indent="0" algn="l" defTabSz="914400" rtl="0" eaLnBrk="0" fontAlgn="base" latinLnBrk="0" hangingPunct="0">
+              <a:lnSpc>
+                <a:spcPct val="100000"/>
+              </a:lnSpc>
+              <a:spcBef>
+                <a:spcPct val="0"/>
+              </a:spcBef>
+              <a:spcAft>
+                <a:spcPct val="0"/>
+              </a:spcAft>
+              <a:buClrTx/>
+              <a:buSzTx/>
+              <a:buFontTx/>
+              <a:buNone/>
+              <a:tabLst/>
+            </a:pPr>
+            <a:endParaRPr kumimoji="0" lang="en-US" sz="1800" b="0" i="0" u="none" strike="noStrike" cap="none" normalizeH="0" baseline="0" smtClean="0">
+              <a:ln>
+                <a:noFill/>
+              </a:ln>
+              <a:solidFill>
+                <a:schemeClr val="tx1"/>
+              </a:solidFill>
+              <a:effectLst/>
+              <a:latin typeface="Arial" pitchFamily="34" charset="0"/>
+            </a:endParaRPr>
           </a:p>
         </p:txBody>
       </p:sp>
@@ -29697,6 +31724,69 @@
           </a:ln>
         </p:spPr>
       </p:cxnSp>
+      <p:sp>
+        <p:nvSpPr>
+          <p:cNvPr id="50" name="Rectangle 49"/>
+          <p:cNvSpPr/>
+          <p:nvPr/>
+        </p:nvSpPr>
+        <p:spPr bwMode="auto">
+          <a:xfrm>
+            <a:off x="3103580" y="950260"/>
+            <a:ext cx="1925620" cy="3021105"/>
+          </a:xfrm>
+          <a:prstGeom prst="rect">
+            <a:avLst/>
+          </a:prstGeom>
+          <a:noFill/>
+          <a:ln w="63500" cap="flat" cmpd="sng" algn="ctr">
+            <a:solidFill>
+              <a:srgbClr val="FFFF00"/>
+            </a:solidFill>
+            <a:prstDash val="solid"/>
+            <a:round/>
+            <a:headEnd type="none" w="med" len="med"/>
+            <a:tailEnd type="none" w="med" len="med"/>
+          </a:ln>
+          <a:effectLst/>
+        </p:spPr>
+        <p:txBody>
+          <a:bodyPr vert="horz" wrap="square" lIns="91440" tIns="45720" rIns="91440" bIns="45720" numCol="1" rtlCol="0" anchor="t" anchorCtr="0" compatLnSpc="1">
+            <a:prstTxWarp prst="textNoShape">
+              <a:avLst/>
+            </a:prstTxWarp>
+          </a:bodyPr>
+          <a:lstStyle/>
+          <a:p>
+            <a:pPr marL="0" marR="0" indent="0" algn="l" defTabSz="914400" rtl="0" eaLnBrk="0" fontAlgn="base" latinLnBrk="0" hangingPunct="0">
+              <a:lnSpc>
+                <a:spcPct val="100000"/>
+              </a:lnSpc>
+              <a:spcBef>
+                <a:spcPct val="0"/>
+              </a:spcBef>
+              <a:spcAft>
+                <a:spcPct val="0"/>
+              </a:spcAft>
+              <a:buClrTx/>
+              <a:buSzTx/>
+              <a:buFontTx/>
+              <a:buNone/>
+              <a:tabLst/>
+            </a:pPr>
+            <a:endParaRPr kumimoji="0" lang="en-US" sz="1800" b="0" i="0" u="none" strike="noStrike" cap="none" normalizeH="0" baseline="0" smtClean="0">
+              <a:ln>
+                <a:noFill/>
+              </a:ln>
+              <a:solidFill>
+                <a:schemeClr val="tx1"/>
+              </a:solidFill>
+              <a:effectLst/>
+              <a:latin typeface="Arial" pitchFamily="34" charset="0"/>
+            </a:endParaRPr>
+          </a:p>
+        </p:txBody>
+      </p:sp>
       <p:cxnSp>
         <p:nvCxnSpPr>
           <p:cNvPr id="3088" name="AutoShape 21"/>
@@ -29760,6 +31850,7 @@
           <p:cNvPr id="3096" name="AutoShape 42"/>
           <p:cNvCxnSpPr>
             <a:cxnSpLocks noChangeShapeType="1"/>
+            <a:stCxn id="50" idx="2"/>
             <a:endCxn id="3097" idx="0"/>
           </p:cNvCxnSpPr>
           <p:nvPr/>
@@ -29795,9 +31886,334 @@
   <p:timing>
     <p:tnLst>
       <p:par>
-        <p:cTn id="1" dur="indefinite" restart="never" nodeType="tmRoot"/>
+        <p:cTn id="1" dur="indefinite" restart="never" nodeType="tmRoot">
+          <p:childTnLst>
+            <p:seq concurrent="1" nextAc="seek">
+              <p:cTn id="2" dur="indefinite" nodeType="mainSeq">
+                <p:childTnLst>
+                  <p:par>
+                    <p:cTn id="3" fill="hold">
+                      <p:stCondLst>
+                        <p:cond delay="indefinite"/>
+                      </p:stCondLst>
+                      <p:childTnLst>
+                        <p:par>
+                          <p:cTn id="4" fill="hold">
+                            <p:stCondLst>
+                              <p:cond delay="0"/>
+                            </p:stCondLst>
+                            <p:childTnLst>
+                              <p:par>
+                                <p:cTn id="5" presetID="10" presetClass="entr" presetSubtype="0" fill="hold" grpId="0" nodeType="clickEffect">
+                                  <p:stCondLst>
+                                    <p:cond delay="0"/>
+                                  </p:stCondLst>
+                                  <p:childTnLst>
+                                    <p:set>
+                                      <p:cBhvr>
+                                        <p:cTn id="6" dur="1" fill="hold">
+                                          <p:stCondLst>
+                                            <p:cond delay="0"/>
+                                          </p:stCondLst>
+                                        </p:cTn>
+                                        <p:tgtEl>
+                                          <p:spTgt spid="47"/>
+                                        </p:tgtEl>
+                                        <p:attrNameLst>
+                                          <p:attrName>style.visibility</p:attrName>
+                                        </p:attrNameLst>
+                                      </p:cBhvr>
+                                      <p:to>
+                                        <p:strVal val="visible"/>
+                                      </p:to>
+                                    </p:set>
+                                    <p:animEffect transition="in" filter="fade">
+                                      <p:cBhvr>
+                                        <p:cTn id="7" dur="1000"/>
+                                        <p:tgtEl>
+                                          <p:spTgt spid="47"/>
+                                        </p:tgtEl>
+                                      </p:cBhvr>
+                                    </p:animEffect>
+                                  </p:childTnLst>
+                                </p:cTn>
+                              </p:par>
+                            </p:childTnLst>
+                          </p:cTn>
+                        </p:par>
+                      </p:childTnLst>
+                    </p:cTn>
+                  </p:par>
+                  <p:par>
+                    <p:cTn id="8" fill="hold">
+                      <p:stCondLst>
+                        <p:cond delay="indefinite"/>
+                      </p:stCondLst>
+                      <p:childTnLst>
+                        <p:par>
+                          <p:cTn id="9" fill="hold">
+                            <p:stCondLst>
+                              <p:cond delay="0"/>
+                            </p:stCondLst>
+                            <p:childTnLst>
+                              <p:par>
+                                <p:cTn id="10" presetID="1" presetClass="exit" presetSubtype="0" fill="hold" grpId="1" nodeType="clickEffect">
+                                  <p:stCondLst>
+                                    <p:cond delay="0"/>
+                                  </p:stCondLst>
+                                  <p:childTnLst>
+                                    <p:set>
+                                      <p:cBhvr>
+                                        <p:cTn id="11" dur="1" fill="hold">
+                                          <p:stCondLst>
+                                            <p:cond delay="0"/>
+                                          </p:stCondLst>
+                                        </p:cTn>
+                                        <p:tgtEl>
+                                          <p:spTgt spid="47"/>
+                                        </p:tgtEl>
+                                        <p:attrNameLst>
+                                          <p:attrName>style.visibility</p:attrName>
+                                        </p:attrNameLst>
+                                      </p:cBhvr>
+                                      <p:to>
+                                        <p:strVal val="hidden"/>
+                                      </p:to>
+                                    </p:set>
+                                  </p:childTnLst>
+                                </p:cTn>
+                              </p:par>
+                              <p:par>
+                                <p:cTn id="12" presetID="10" presetClass="entr" presetSubtype="0" fill="hold" grpId="0" nodeType="withEffect">
+                                  <p:stCondLst>
+                                    <p:cond delay="0"/>
+                                  </p:stCondLst>
+                                  <p:childTnLst>
+                                    <p:set>
+                                      <p:cBhvr>
+                                        <p:cTn id="13" dur="1" fill="hold">
+                                          <p:stCondLst>
+                                            <p:cond delay="0"/>
+                                          </p:stCondLst>
+                                        </p:cTn>
+                                        <p:tgtEl>
+                                          <p:spTgt spid="48"/>
+                                        </p:tgtEl>
+                                        <p:attrNameLst>
+                                          <p:attrName>style.visibility</p:attrName>
+                                        </p:attrNameLst>
+                                      </p:cBhvr>
+                                      <p:to>
+                                        <p:strVal val="visible"/>
+                                      </p:to>
+                                    </p:set>
+                                    <p:animEffect transition="in" filter="fade">
+                                      <p:cBhvr>
+                                        <p:cTn id="14" dur="1000"/>
+                                        <p:tgtEl>
+                                          <p:spTgt spid="48"/>
+                                        </p:tgtEl>
+                                      </p:cBhvr>
+                                    </p:animEffect>
+                                  </p:childTnLst>
+                                </p:cTn>
+                              </p:par>
+                            </p:childTnLst>
+                          </p:cTn>
+                        </p:par>
+                      </p:childTnLst>
+                    </p:cTn>
+                  </p:par>
+                  <p:par>
+                    <p:cTn id="15" fill="hold">
+                      <p:stCondLst>
+                        <p:cond delay="indefinite"/>
+                      </p:stCondLst>
+                      <p:childTnLst>
+                        <p:par>
+                          <p:cTn id="16" fill="hold">
+                            <p:stCondLst>
+                              <p:cond delay="0"/>
+                            </p:stCondLst>
+                            <p:childTnLst>
+                              <p:par>
+                                <p:cTn id="17" presetID="1" presetClass="exit" presetSubtype="0" fill="hold" grpId="1" nodeType="clickEffect">
+                                  <p:stCondLst>
+                                    <p:cond delay="0"/>
+                                  </p:stCondLst>
+                                  <p:childTnLst>
+                                    <p:set>
+                                      <p:cBhvr>
+                                        <p:cTn id="18" dur="1" fill="hold">
+                                          <p:stCondLst>
+                                            <p:cond delay="0"/>
+                                          </p:stCondLst>
+                                        </p:cTn>
+                                        <p:tgtEl>
+                                          <p:spTgt spid="48"/>
+                                        </p:tgtEl>
+                                        <p:attrNameLst>
+                                          <p:attrName>style.visibility</p:attrName>
+                                        </p:attrNameLst>
+                                      </p:cBhvr>
+                                      <p:to>
+                                        <p:strVal val="hidden"/>
+                                      </p:to>
+                                    </p:set>
+                                  </p:childTnLst>
+                                </p:cTn>
+                              </p:par>
+                              <p:par>
+                                <p:cTn id="19" presetID="10" presetClass="entr" presetSubtype="0" fill="hold" grpId="0" nodeType="withEffect">
+                                  <p:stCondLst>
+                                    <p:cond delay="0"/>
+                                  </p:stCondLst>
+                                  <p:childTnLst>
+                                    <p:set>
+                                      <p:cBhvr>
+                                        <p:cTn id="20" dur="1" fill="hold">
+                                          <p:stCondLst>
+                                            <p:cond delay="0"/>
+                                          </p:stCondLst>
+                                        </p:cTn>
+                                        <p:tgtEl>
+                                          <p:spTgt spid="49"/>
+                                        </p:tgtEl>
+                                        <p:attrNameLst>
+                                          <p:attrName>style.visibility</p:attrName>
+                                        </p:attrNameLst>
+                                      </p:cBhvr>
+                                      <p:to>
+                                        <p:strVal val="visible"/>
+                                      </p:to>
+                                    </p:set>
+                                    <p:animEffect transition="in" filter="fade">
+                                      <p:cBhvr>
+                                        <p:cTn id="21" dur="1000"/>
+                                        <p:tgtEl>
+                                          <p:spTgt spid="49"/>
+                                        </p:tgtEl>
+                                      </p:cBhvr>
+                                    </p:animEffect>
+                                  </p:childTnLst>
+                                </p:cTn>
+                              </p:par>
+                            </p:childTnLst>
+                          </p:cTn>
+                        </p:par>
+                      </p:childTnLst>
+                    </p:cTn>
+                  </p:par>
+                  <p:par>
+                    <p:cTn id="22" fill="hold">
+                      <p:stCondLst>
+                        <p:cond delay="indefinite"/>
+                      </p:stCondLst>
+                      <p:childTnLst>
+                        <p:par>
+                          <p:cTn id="23" fill="hold">
+                            <p:stCondLst>
+                              <p:cond delay="0"/>
+                            </p:stCondLst>
+                            <p:childTnLst>
+                              <p:par>
+                                <p:cTn id="24" presetID="1" presetClass="exit" presetSubtype="0" fill="hold" grpId="1" nodeType="clickEffect">
+                                  <p:stCondLst>
+                                    <p:cond delay="0"/>
+                                  </p:stCondLst>
+                                  <p:childTnLst>
+                                    <p:set>
+                                      <p:cBhvr>
+                                        <p:cTn id="25" dur="1" fill="hold">
+                                          <p:stCondLst>
+                                            <p:cond delay="0"/>
+                                          </p:stCondLst>
+                                        </p:cTn>
+                                        <p:tgtEl>
+                                          <p:spTgt spid="49"/>
+                                        </p:tgtEl>
+                                        <p:attrNameLst>
+                                          <p:attrName>style.visibility</p:attrName>
+                                        </p:attrNameLst>
+                                      </p:cBhvr>
+                                      <p:to>
+                                        <p:strVal val="hidden"/>
+                                      </p:to>
+                                    </p:set>
+                                  </p:childTnLst>
+                                </p:cTn>
+                              </p:par>
+                              <p:par>
+                                <p:cTn id="26" presetID="10" presetClass="entr" presetSubtype="0" fill="hold" grpId="0" nodeType="withEffect">
+                                  <p:stCondLst>
+                                    <p:cond delay="0"/>
+                                  </p:stCondLst>
+                                  <p:childTnLst>
+                                    <p:set>
+                                      <p:cBhvr>
+                                        <p:cTn id="27" dur="1" fill="hold">
+                                          <p:stCondLst>
+                                            <p:cond delay="0"/>
+                                          </p:stCondLst>
+                                        </p:cTn>
+                                        <p:tgtEl>
+                                          <p:spTgt spid="50"/>
+                                        </p:tgtEl>
+                                        <p:attrNameLst>
+                                          <p:attrName>style.visibility</p:attrName>
+                                        </p:attrNameLst>
+                                      </p:cBhvr>
+                                      <p:to>
+                                        <p:strVal val="visible"/>
+                                      </p:to>
+                                    </p:set>
+                                    <p:animEffect transition="in" filter="fade">
+                                      <p:cBhvr>
+                                        <p:cTn id="28" dur="1000"/>
+                                        <p:tgtEl>
+                                          <p:spTgt spid="50"/>
+                                        </p:tgtEl>
+                                      </p:cBhvr>
+                                    </p:animEffect>
+                                  </p:childTnLst>
+                                </p:cTn>
+                              </p:par>
+                            </p:childTnLst>
+                          </p:cTn>
+                        </p:par>
+                      </p:childTnLst>
+                    </p:cTn>
+                  </p:par>
+                </p:childTnLst>
+              </p:cTn>
+              <p:prevCondLst>
+                <p:cond evt="onPrev" delay="0">
+                  <p:tgtEl>
+                    <p:sldTgt/>
+                  </p:tgtEl>
+                </p:cond>
+              </p:prevCondLst>
+              <p:nextCondLst>
+                <p:cond evt="onNext" delay="0">
+                  <p:tgtEl>
+                    <p:sldTgt/>
+                  </p:tgtEl>
+                </p:cond>
+              </p:nextCondLst>
+            </p:seq>
+          </p:childTnLst>
+        </p:cTn>
       </p:par>
     </p:tnLst>
+    <p:bldLst>
+      <p:bldP spid="47" grpId="0" animBg="1"/>
+      <p:bldP spid="47" grpId="1" animBg="1"/>
+      <p:bldP spid="48" grpId="0" animBg="1"/>
+      <p:bldP spid="48" grpId="1" animBg="1"/>
+      <p:bldP spid="49" grpId="0" animBg="1"/>
+      <p:bldP spid="49" grpId="1" animBg="1"/>
+      <p:bldP spid="50" grpId="0" animBg="1"/>
+    </p:bldLst>
   </p:timing>
 </p:sld>
 </file>
@@ -30151,7 +32567,11 @@
         <p:nvGrpSpPr>
           <p:cNvPr id="58" name="Group 57"/>
           <p:cNvGrpSpPr/>
-          <p:nvPr/>
+          <p:nvPr>
+            <p:custDataLst>
+              <p:tags r:id="rId2"/>
+            </p:custDataLst>
+          </p:nvPr>
         </p:nvGrpSpPr>
         <p:grpSpPr>
           <a:xfrm>
@@ -35476,7 +37896,7 @@
       </p:grpSpPr>
       <p:sp>
         <p:nvSpPr>
-          <p:cNvPr id="6" name="TextBox 5"/>
+          <p:cNvPr id="10" name="TextBox 9"/>
           <p:cNvSpPr txBox="1"/>
           <p:nvPr/>
         </p:nvSpPr>
@@ -35514,7 +37934,7 @@
         </p:nvSpPr>
         <p:spPr>
           <a:xfrm>
-            <a:off x="533400" y="76200"/>
+            <a:off x="609600" y="76200"/>
             <a:ext cx="8229600" cy="762000"/>
           </a:xfrm>
         </p:spPr>
@@ -35534,8 +37954,8 @@
       </p:sp>
       <p:pic>
         <p:nvPicPr>
-          <p:cNvPr id="5" name="Picture 4" descr="Projects.jpg">
-            <a:hlinkClick r:id="rId4"/>
+          <p:cNvPr id="9" name="Picture 8" descr="Projects.jpg">
+            <a:hlinkClick r:id="rId5"/>
           </p:cNvPr>
           <p:cNvPicPr>
             <a:picLocks noChangeAspect="1"/>
@@ -35547,7 +37967,7 @@
           </p:nvPr>
         </p:nvPicPr>
         <p:blipFill>
-          <a:blip r:embed="rId5" cstate="print"/>
+          <a:blip r:embed="rId6" cstate="print"/>
           <a:stretch>
             <a:fillRect/>
           </a:stretch>
@@ -35597,38 +38017,6 @@
           <a:chExt cx="0" cy="0"/>
         </a:xfrm>
       </p:grpSpPr>
-      <p:pic>
-        <p:nvPicPr>
-          <p:cNvPr id="7170" name="Picture 2"/>
-          <p:cNvPicPr>
-            <a:picLocks noChangeAspect="1" noChangeArrowheads="1"/>
-          </p:cNvPicPr>
-          <p:nvPr/>
-        </p:nvPicPr>
-        <p:blipFill>
-          <a:blip r:embed="rId3" cstate="print"/>
-          <a:srcRect/>
-          <a:stretch>
-            <a:fillRect/>
-          </a:stretch>
-        </p:blipFill>
-        <p:spPr bwMode="auto">
-          <a:xfrm>
-            <a:off x="533400" y="914400"/>
-            <a:ext cx="8100757" cy="5562600"/>
-          </a:xfrm>
-          <a:prstGeom prst="rect">
-            <a:avLst/>
-          </a:prstGeom>
-          <a:noFill/>
-          <a:ln w="9525">
-            <a:noFill/>
-            <a:miter lim="800000"/>
-            <a:headEnd/>
-            <a:tailEnd/>
-          </a:ln>
-        </p:spPr>
-      </p:pic>
       <p:sp>
         <p:nvSpPr>
           <p:cNvPr id="4" name="Title 3"/>
@@ -35641,7 +38029,7 @@
         </p:nvSpPr>
         <p:spPr>
           <a:xfrm>
-            <a:off x="533400" y="152400"/>
+            <a:off x="533400" y="76200"/>
             <a:ext cx="8229600" cy="762000"/>
           </a:xfrm>
         </p:spPr>
@@ -35659,6 +38047,36 @@
           </a:p>
         </p:txBody>
       </p:sp>
+      <p:pic>
+        <p:nvPicPr>
+          <p:cNvPr id="9" name="Picture 8" descr="L_instructions.jpg">
+            <a:hlinkClick r:id="rId5"/>
+          </p:cNvPr>
+          <p:cNvPicPr>
+            <a:picLocks noChangeAspect="1"/>
+          </p:cNvPicPr>
+          <p:nvPr>
+            <p:custDataLst>
+              <p:tags r:id="rId2"/>
+            </p:custDataLst>
+          </p:nvPr>
+        </p:nvPicPr>
+        <p:blipFill>
+          <a:blip r:embed="rId6" cstate="print"/>
+          <a:stretch>
+            <a:fillRect/>
+          </a:stretch>
+        </p:blipFill>
+        <p:spPr>
+          <a:xfrm>
+            <a:off x="762000" y="921834"/>
+            <a:ext cx="7924800" cy="5511609"/>
+          </a:xfrm>
+          <a:prstGeom prst="rect">
+            <a:avLst/>
+          </a:prstGeom>
+        </p:spPr>
+      </p:pic>
     </p:spTree>
     <p:custDataLst>
       <p:tags r:id="rId1"/>
@@ -35749,22 +38167,28 @@
       </p:sp>
       <p:pic>
         <p:nvPicPr>
-          <p:cNvPr id="6" name="Picture 5" descr="M_Instructions.jpg"/>
+          <p:cNvPr id="12" name="Picture 11" descr="M_instructions.jpg">
+            <a:hlinkClick r:id="rId5"/>
+          </p:cNvPr>
           <p:cNvPicPr>
             <a:picLocks noChangeAspect="1"/>
           </p:cNvPicPr>
-          <p:nvPr/>
+          <p:nvPr>
+            <p:custDataLst>
+              <p:tags r:id="rId2"/>
+            </p:custDataLst>
+          </p:nvPr>
         </p:nvPicPr>
         <p:blipFill>
-          <a:blip r:embed="rId3" cstate="print"/>
+          <a:blip r:embed="rId6" cstate="print"/>
           <a:stretch>
             <a:fillRect/>
           </a:stretch>
         </p:blipFill>
         <p:spPr>
           <a:xfrm>
-            <a:off x="914400" y="667870"/>
-            <a:ext cx="7315200" cy="6178316"/>
+            <a:off x="1219201" y="716878"/>
+            <a:ext cx="6934200" cy="6111386"/>
           </a:xfrm>
           <a:prstGeom prst="rect">
             <a:avLst/>
@@ -35791,13 +38215,35 @@
 
 <file path=ppt/tags/tag1.xml><?xml version="1.0" encoding="utf-8"?>
 <p:tagLst xmlns:a="http://schemas.openxmlformats.org/drawingml/2006/main" xmlns:r="http://schemas.openxmlformats.org/officeDocument/2006/relationships" xmlns:p="http://schemas.openxmlformats.org/presentationml/2006/main">
-  <p:tag name="LMS_PUBLISH" val="No"/>
-  <p:tag name="ARTICULATE_TEMPLATE" val="Corporate Communications"/>
-  <p:tag name="PRESENTER_PREVIEW_MODE" val="0"/>
-  <p:tag name="ARTICULATE_AUDIO_TEMP" val="C:\Users\a0850458\AppData\Local\Temp\articulate\presenter\ae\audio\20120103111801\"/>
-  <p:tag name="ARTICULATE_PRESENTER_VERSION" val="6"/>
   <p:tag name="PRESENTATION_PLAYLIST_COUNT" val="0"/>
   <p:tag name="PRESENTATION_PRESENTER_SLIDE_LEVEL" val="0"/>
+  <p:tag name="ARTICULATE_REFERENCE_COUNT" val="3"/>
+  <p:tag name="ARTICULATE_REFERENCE_TYPE_1" val="1"/>
+  <p:tag name="ARTICULATE_REFERENCE_TITLE_1" val="C66x CorePac Training Slides"/>
+  <p:tag name="ARTICULATE_REFERENCE_1" val="C:\Data\Keystone Training\PPT\Intro to CorePac\C66x Corepac.pdf"/>
+  <p:tag name="ARTICULATE_REFERENCE_TYPE_2" val="0"/>
+  <p:tag name="ARTICULATE_REFERENCE_TITLE_2" val="C66x CPU and Instruction Set Reference Guide"/>
+  <p:tag name="ARTICULATE_REFERENCE_2" val="http://www.ti.com/litv/pdf/sprugh7"/>
+  <p:tag name="ARTICULATE_REFERENCE_TYPE_3" val="0"/>
+  <p:tag name="ARTICULATE_REFERENCE_TITLE_3" val="C66x CorePac User's Guide"/>
+  <p:tag name="ARTICULATE_REFERENCE_3" val="http://www.ti.com/litv/pdf/sprugw0b"/>
+  <p:tag name="ARTICULATE_AUDIO_TEMP" val="C:\Users\a0850458\AppData\Local\Temp\ae\audio\20120104174233\"/>
+  <p:tag name="ARTICULATE_PRESENTER_VERSION" val="6"/>
+  <p:tag name="PUBLISH_TITLE" val="C66x Corepac: Achieving High Performance"/>
+  <p:tag name="ARTICULATE_PUBLISH_PATH" val="C:\Data\Keystone Training\FINAL"/>
+  <p:tag name="ARTICULATE_LOGO" val="TI_logo_off_white_square.jpg"/>
+  <p:tag name="ARTICULATE_PRESENTER" val="(None selected)"/>
+  <p:tag name="ARTICULATE_PRESENTER_GUID" val="9869030842"/>
+  <p:tag name="ARTICULATE_LMS" val="0"/>
+  <p:tag name="ARTICULATE_TEMPLATE" val="TI Master White NEW"/>
+  <p:tag name="ARTICULATE_TEMPLATE_GUID" val="1eda84ce-4c15-46b4-8d4b-1eb30397a1c6"/>
+  <p:tag name="LMS_PUBLISH" val="No"/>
+  <p:tag name="PRESENTER_PREVIEW_MODE" val="0"/>
+  <p:tag name="PRESENTER_PREVIEW_START" val="1"/>
+  <p:tag name="PLAYERLOGOHEIGHT" val="476"/>
+  <p:tag name="PLAYERLOGOWIDTH" val="1357"/>
+  <p:tag name="LAUNCHINNEWWINDOW" val="1"/>
+  <p:tag name="LASTPUBLISHED" val="C:\Data\Keystone Training\FINAL\01 Introduction to Corepac\launcher.html"/>
   <p:tag name="ARTICULATE_PROJECT_OPEN" val="0"/>
 </p:tagLst>
 </file>
@@ -35831,30 +38277,33 @@
   <p:tag name="NO LOGOS" val="true"/>
   <p:tag name="COLORSCHEMEINDEX" val="6"/>
   <p:tag name="ELAPSEDTIME" val="119.848"/>
+  <p:tag name="ARTICULATE_SLIDE_GUID" val="10c72d79-d4e4-4e67-b2bf-ffe27c08228d"/>
   <p:tag name="ARTICULATE_SLIDE_PAUSE" val="0"/>
   <p:tag name="ARTICULATE_NAV_LEVEL" val="2"/>
   <p:tag name="ARTICULATE_PLAYLIST_ID" val="-1"/>
   <p:tag name="ARTICULATE_VIEW_MODE" val="1"/>
   <p:tag name="ARTICULATE_LOCK_SLIDE" val="0"/>
+  <p:tag name="ARTICULATE_SLIDE_NAV" val="5"/>
 </p:tagLst>
 </file>
 
 <file path=ppt/tags/tag15.xml><?xml version="1.0" encoding="utf-8"?>
 <p:tagLst xmlns:a="http://schemas.openxmlformats.org/drawingml/2006/main" xmlns:r="http://schemas.openxmlformats.org/officeDocument/2006/relationships" xmlns:p="http://schemas.openxmlformats.org/presentationml/2006/main">
+  <p:tag name="ARTICULATE_PUBLISH_MODE" val="2"/>
+</p:tagLst>
+</file>
+
+<file path=ppt/tags/tag16.xml><?xml version="1.0" encoding="utf-8"?>
+<p:tagLst xmlns:a="http://schemas.openxmlformats.org/drawingml/2006/main" xmlns:r="http://schemas.openxmlformats.org/officeDocument/2006/relationships" xmlns:p="http://schemas.openxmlformats.org/presentationml/2006/main">
   <p:tag name="ELAPSEDTIME" val="88.994"/>
   <p:tag name="ARTICULATE_SLIDE_GUID" val="643f2483-42f1-4978-b8b0-97afb08d078a"/>
-  <p:tag name="TIMELINE" val="10.41/18.09/24.05/37.18/41.02/48.13/54.61/59.75/61.25"/>
   <p:tag name="ARTICULATE_SLIDE_PAUSE" val="0"/>
   <p:tag name="ARTICULATE_NAV_LEVEL" val="2"/>
   <p:tag name="ARTICULATE_PLAYLIST_ID" val="-1"/>
   <p:tag name="ARTICULATE_VIEW_MODE" val="1"/>
   <p:tag name="ARTICULATE_LOCK_SLIDE" val="0"/>
-</p:tagLst>
-</file>
-
-<file path=ppt/tags/tag16.xml><?xml version="1.0" encoding="utf-8"?>
-<p:tagLst xmlns:a="http://schemas.openxmlformats.org/drawingml/2006/main" xmlns:r="http://schemas.openxmlformats.org/officeDocument/2006/relationships" xmlns:p="http://schemas.openxmlformats.org/presentationml/2006/main">
-  <p:tag name="ARTICULATE_PUBLISH_MODE" val="2"/>
+  <p:tag name="TIMELINE" val="10.41/18.09/24.05/37.18/41.02/48.13/54.61/59.75/61.25"/>
+  <p:tag name="ARTICULATE_SLIDE_NAV" val="6"/>
 </p:tagLst>
 </file>
 
@@ -35866,18 +38315,20 @@
 
 <file path=ppt/tags/tag18.xml><?xml version="1.0" encoding="utf-8"?>
 <p:tagLst xmlns:a="http://schemas.openxmlformats.org/drawingml/2006/main" xmlns:r="http://schemas.openxmlformats.org/officeDocument/2006/relationships" xmlns:p="http://schemas.openxmlformats.org/presentationml/2006/main">
-  <p:tag name="ELAPSEDTIME" val="70.552"/>
-  <p:tag name="ARTICULATE_SLIDE_PAUSE" val="0"/>
-  <p:tag name="ARTICULATE_NAV_LEVEL" val="2"/>
-  <p:tag name="ARTICULATE_PLAYLIST_ID" val="-1"/>
-  <p:tag name="ARTICULATE_LOCK_SLIDE" val="0"/>
+  <p:tag name="ARTICULATE_PUBLISH_MODE" val="2"/>
 </p:tagLst>
 </file>
 
 <file path=ppt/tags/tag19.xml><?xml version="1.0" encoding="utf-8"?>
 <p:tagLst xmlns:a="http://schemas.openxmlformats.org/drawingml/2006/main" xmlns:r="http://schemas.openxmlformats.org/officeDocument/2006/relationships" xmlns:p="http://schemas.openxmlformats.org/presentationml/2006/main">
-  <p:tag name="ARTICULATE_PUBLISH_MODE" val="2"/>
-  <p:tag name="ARTICULATE_SOURCE_IMAGE" val="C:\Users\a0850458\AppData\Local\Temp\imgtemp\s4hGic1j_files\slide0001_image001.jpg"/>
+  <p:tag name="ELAPSEDTIME" val="70.552"/>
+  <p:tag name="ARTICULATE_SLIDE_GUID" val="cce54c87-c03d-4c18-9ca1-f4b2ee15baf0"/>
+  <p:tag name="ARTICULATE_SLIDE_PAUSE" val="0"/>
+  <p:tag name="ARTICULATE_NAV_LEVEL" val="2"/>
+  <p:tag name="ARTICULATE_PLAYLIST_ID" val="-1"/>
+  <p:tag name="ARTICULATE_VIEW_MODE" val="1"/>
+  <p:tag name="ARTICULATE_LOCK_SLIDE" val="0"/>
+  <p:tag name="ARTICULATE_SLIDE_NAV" val="7"/>
 </p:tagLst>
 </file>
 
@@ -35890,103 +38341,104 @@
 
 <file path=ppt/tags/tag20.xml><?xml version="1.0" encoding="utf-8"?>
 <p:tagLst xmlns:a="http://schemas.openxmlformats.org/drawingml/2006/main" xmlns:r="http://schemas.openxmlformats.org/officeDocument/2006/relationships" xmlns:p="http://schemas.openxmlformats.org/presentationml/2006/main">
-  <p:tag name="ELAPSEDTIME" val="36.463"/>
-  <p:tag name="ARTICULATE_SLIDE_PAUSE" val="0"/>
-  <p:tag name="ARTICULATE_NAV_LEVEL" val="2"/>
-  <p:tag name="ARTICULATE_PLAYLIST_ID" val="-1"/>
-  <p:tag name="ARTICULATE_LOCK_SLIDE" val="0"/>
+  <p:tag name="ARTICULATE_PUBLISH_MODE" val="2"/>
+  <p:tag name="ARTICULATE_SOURCE_IMAGE" val="C:\Users\a0850458\AppData\Local\Temp\imgtemp\s4hGic1j_files\slide0001_image001.jpg"/>
 </p:tagLst>
 </file>
 
 <file path=ppt/tags/tag21.xml><?xml version="1.0" encoding="utf-8"?>
 <p:tagLst xmlns:a="http://schemas.openxmlformats.org/drawingml/2006/main" xmlns:r="http://schemas.openxmlformats.org/officeDocument/2006/relationships" xmlns:p="http://schemas.openxmlformats.org/presentationml/2006/main">
-  <p:tag name="ELAPSEDTIME" val="22.776"/>
+  <p:tag name="ELAPSEDTIME" val="36.463"/>
+  <p:tag name="ARTICULATE_SLIDE_GUID" val="3efedcb6-032c-4808-a9d1-4f9f414e5408"/>
   <p:tag name="ARTICULATE_SLIDE_PAUSE" val="0"/>
   <p:tag name="ARTICULATE_NAV_LEVEL" val="2"/>
   <p:tag name="ARTICULATE_PLAYLIST_ID" val="-1"/>
+  <p:tag name="ARTICULATE_VIEW_MODE" val="1"/>
   <p:tag name="ARTICULATE_LOCK_SLIDE" val="0"/>
+  <p:tag name="ARTICULATE_SLIDE_NAV" val="8"/>
 </p:tagLst>
 </file>
 
 <file path=ppt/tags/tag22.xml><?xml version="1.0" encoding="utf-8"?>
 <p:tagLst xmlns:a="http://schemas.openxmlformats.org/drawingml/2006/main" xmlns:r="http://schemas.openxmlformats.org/officeDocument/2006/relationships" xmlns:p="http://schemas.openxmlformats.org/presentationml/2006/main">
-  <p:tag name="ELAPSEDTIME" val="38.656"/>
-  <p:tag name="ARTICULATE_SLIDE_PAUSE" val="0"/>
-  <p:tag name="ARTICULATE_NAV_LEVEL" val="2"/>
-  <p:tag name="ARTICULATE_PLAYLIST_ID" val="-1"/>
-  <p:tag name="ARTICULATE_LOCK_SLIDE" val="0"/>
+  <p:tag name="ARTICULATE_PUBLISH_MODE" val="2"/>
+  <p:tag name="ARTICULATE_SOURCE_IMAGE" val="C:\Users\a0850458\AppData\Local\Temp\imgtemp\6cq39P0F_files\slide0001_image001.jpg"/>
 </p:tagLst>
 </file>
 
 <file path=ppt/tags/tag23.xml><?xml version="1.0" encoding="utf-8"?>
 <p:tagLst xmlns:a="http://schemas.openxmlformats.org/drawingml/2006/main" xmlns:r="http://schemas.openxmlformats.org/officeDocument/2006/relationships" xmlns:p="http://schemas.openxmlformats.org/presentationml/2006/main">
-  <p:tag name="ELAPSEDTIME" val="10.078"/>
+  <p:tag name="ELAPSEDTIME" val="22.776"/>
+  <p:tag name="ARTICULATE_SLIDE_GUID" val="defac4ac-953d-4487-8edf-ed8ab15ff290"/>
   <p:tag name="ARTICULATE_SLIDE_PAUSE" val="0"/>
-  <p:tag name="ARTICULATE_NAV_LEVEL" val="1"/>
+  <p:tag name="ARTICULATE_NAV_LEVEL" val="2"/>
   <p:tag name="ARTICULATE_PLAYLIST_ID" val="-1"/>
+  <p:tag name="ARTICULATE_VIEW_MODE" val="1"/>
   <p:tag name="ARTICULATE_LOCK_SLIDE" val="0"/>
+  <p:tag name="ARTICULATE_SLIDE_NAV" val="9"/>
 </p:tagLst>
 </file>
 
 <file path=ppt/tags/tag24.xml><?xml version="1.0" encoding="utf-8"?>
 <p:tagLst xmlns:a="http://schemas.openxmlformats.org/drawingml/2006/main" xmlns:r="http://schemas.openxmlformats.org/officeDocument/2006/relationships" xmlns:p="http://schemas.openxmlformats.org/presentationml/2006/main">
-  <p:tag name="ELAPSEDTIME" val="172.406"/>
-  <p:tag name="ARTICULATE_SLIDE_PAUSE" val="0"/>
-  <p:tag name="ARTICULATE_NAV_LEVEL" val="2"/>
-  <p:tag name="ARTICULATE_PLAYLIST_ID" val="-1"/>
-  <p:tag name="ARTICULATE_LOCK_SLIDE" val="0"/>
+  <p:tag name="ARTICULATE_PUBLISH_MODE" val="2"/>
+  <p:tag name="ARTICULATE_SOURCE_IMAGE" val="C:\Users\a0850458\AppData\Local\Temp\imgtemp\BdRmyVRA_files\slide0001_image001.jpg"/>
 </p:tagLst>
 </file>
 
 <file path=ppt/tags/tag25.xml><?xml version="1.0" encoding="utf-8"?>
 <p:tagLst xmlns:a="http://schemas.openxmlformats.org/drawingml/2006/main" xmlns:r="http://schemas.openxmlformats.org/officeDocument/2006/relationships" xmlns:p="http://schemas.openxmlformats.org/presentationml/2006/main">
-  <p:tag name="ELAPSEDTIME" val="201.348"/>
+  <p:tag name="ELAPSEDTIME" val="38.656"/>
+  <p:tag name="ARTICULATE_SLIDE_GUID" val="34c9094e-255a-48be-b173-f41ce7a707bc"/>
   <p:tag name="ARTICULATE_SLIDE_PAUSE" val="0"/>
   <p:tag name="ARTICULATE_NAV_LEVEL" val="2"/>
   <p:tag name="ARTICULATE_PLAYLIST_ID" val="-1"/>
+  <p:tag name="ARTICULATE_VIEW_MODE" val="1"/>
   <p:tag name="ARTICULATE_LOCK_SLIDE" val="0"/>
+  <p:tag name="ARTICULATE_SLIDE_NAV" val="10"/>
 </p:tagLst>
 </file>
 
 <file path=ppt/tags/tag26.xml><?xml version="1.0" encoding="utf-8"?>
 <p:tagLst xmlns:a="http://schemas.openxmlformats.org/drawingml/2006/main" xmlns:r="http://schemas.openxmlformats.org/officeDocument/2006/relationships" xmlns:p="http://schemas.openxmlformats.org/presentationml/2006/main">
-  <p:tag name="ELAPSEDTIME" val="82.572"/>
-  <p:tag name="ARTICULATE_SLIDE_PAUSE" val="0"/>
-  <p:tag name="ARTICULATE_NAV_LEVEL" val="2"/>
-  <p:tag name="ARTICULATE_PLAYLIST_ID" val="-1"/>
-  <p:tag name="ARTICULATE_LOCK_SLIDE" val="0"/>
+  <p:tag name="ARTICULATE_PUBLISH_MODE" val="2"/>
+  <p:tag name="ARTICULATE_SOURCE_IMAGE" val="C:\Users\a0850458\AppData\Local\Temp\imgtemp\jz0nJmLv_files\slide0001_image001.jpg"/>
 </p:tagLst>
 </file>
 
 <file path=ppt/tags/tag27.xml><?xml version="1.0" encoding="utf-8"?>
 <p:tagLst xmlns:a="http://schemas.openxmlformats.org/drawingml/2006/main" xmlns:r="http://schemas.openxmlformats.org/officeDocument/2006/relationships" xmlns:p="http://schemas.openxmlformats.org/presentationml/2006/main">
-  <p:tag name="ELAPSEDTIME" val="8.041"/>
+  <p:tag name="ELAPSEDTIME" val="10.078"/>
+  <p:tag name="ARTICULATE_SLIDE_GUID" val="5b28307a-a310-4750-b202-718537a45654"/>
   <p:tag name="ARTICULATE_SLIDE_PAUSE" val="0"/>
   <p:tag name="ARTICULATE_NAV_LEVEL" val="1"/>
   <p:tag name="ARTICULATE_PLAYLIST_ID" val="-1"/>
   <p:tag name="ARTICULATE_LOCK_SLIDE" val="0"/>
+  <p:tag name="ARTICULATE_SLIDE_NAV" val="11"/>
 </p:tagLst>
 </file>
 
 <file path=ppt/tags/tag28.xml><?xml version="1.0" encoding="utf-8"?>
 <p:tagLst xmlns:a="http://schemas.openxmlformats.org/drawingml/2006/main" xmlns:r="http://schemas.openxmlformats.org/officeDocument/2006/relationships" xmlns:p="http://schemas.openxmlformats.org/presentationml/2006/main">
-  <p:tag name="NO LOGOS" val="true"/>
-  <p:tag name="ELAPSEDTIME" val="92.13"/>
+  <p:tag name="ELAPSEDTIME" val="172.406"/>
+  <p:tag name="ARTICULATE_SLIDE_GUID" val="1e8c3b55-fb83-426e-acbb-00b12e70cf07"/>
   <p:tag name="ARTICULATE_SLIDE_PAUSE" val="0"/>
   <p:tag name="ARTICULATE_NAV_LEVEL" val="2"/>
   <p:tag name="ARTICULATE_PLAYLIST_ID" val="-1"/>
-  <p:tag name="ARTICULATE_VIEW_MODE" val="1"/>
   <p:tag name="ARTICULATE_LOCK_SLIDE" val="0"/>
+  <p:tag name="ARTICULATE_SLIDE_NAV" val="12"/>
 </p:tagLst>
 </file>
 
 <file path=ppt/tags/tag29.xml><?xml version="1.0" encoding="utf-8"?>
 <p:tagLst xmlns:a="http://schemas.openxmlformats.org/drawingml/2006/main" xmlns:r="http://schemas.openxmlformats.org/officeDocument/2006/relationships" xmlns:p="http://schemas.openxmlformats.org/presentationml/2006/main">
-  <p:tag name="ELAPSEDTIME" val="5.406"/>
+  <p:tag name="ARTICULATE_SLIDE_GUID" val="43f337f7-7c85-41fb-813d-908193b82b27"/>
   <p:tag name="ARTICULATE_SLIDE_PAUSE" val="0"/>
-  <p:tag name="ARTICULATE_NAV_LEVEL" val="1"/>
+  <p:tag name="ARTICULATE_NAV_LEVEL" val="2"/>
   <p:tag name="ARTICULATE_PLAYLIST_ID" val="-1"/>
   <p:tag name="ARTICULATE_LOCK_SLIDE" val="0"/>
+  <p:tag name="ELAPSEDTIME" val="184.552"/>
+  <p:tag name="ARTICULATE_SLIDE_NAV" val="13"/>
 </p:tagLst>
 </file>
 
@@ -35999,25 +38451,39 @@
 
 <file path=ppt/tags/tag30.xml><?xml version="1.0" encoding="utf-8"?>
 <p:tagLst xmlns:a="http://schemas.openxmlformats.org/drawingml/2006/main" xmlns:r="http://schemas.openxmlformats.org/officeDocument/2006/relationships" xmlns:p="http://schemas.openxmlformats.org/presentationml/2006/main">
-  <p:tag name="ARTICULATE_SLIDE_GUID" val="3de3ef57-34fa-40fc-a2df-4249a84acb4f"/>
-  <p:tag name="ELAPSEDTIME" val="139.02"/>
-  <p:tag name="TIMELINE" val="28.78/46.49/54.93/57.96/64.80/70.53/70.53/82.26/82.60/99.64/130.51"/>
+  <p:tag name="ARTICULATE_SLIDE_GUID" val="6bd91623-67e8-4c2c-a229-f22717961f26"/>
   <p:tag name="ARTICULATE_SLIDE_PAUSE" val="0"/>
   <p:tag name="ARTICULATE_NAV_LEVEL" val="2"/>
   <p:tag name="ARTICULATE_PLAYLIST_ID" val="-1"/>
   <p:tag name="ARTICULATE_LOCK_SLIDE" val="0"/>
+  <p:tag name="ELAPSEDTIME" val="82.515"/>
+  <p:tag name="ARTICULATE_SLIDE_NAV" val="14"/>
 </p:tagLst>
 </file>
 
 <file path=ppt/tags/tag31.xml><?xml version="1.0" encoding="utf-8"?>
 <p:tagLst xmlns:a="http://schemas.openxmlformats.org/drawingml/2006/main" xmlns:r="http://schemas.openxmlformats.org/officeDocument/2006/relationships" xmlns:p="http://schemas.openxmlformats.org/presentationml/2006/main">
-  <p:tag name="ARTICULATE_PUBLISH_MODE" val="2"/>
+  <p:tag name="ARTICULATE_SLIDE_GUID" val="3b675713-11e2-4443-9535-851fa01b6405"/>
+  <p:tag name="ARTICULATE_SLIDE_PAUSE" val="0"/>
+  <p:tag name="ARTICULATE_NAV_LEVEL" val="1"/>
+  <p:tag name="ARTICULATE_PLAYLIST_ID" val="-1"/>
+  <p:tag name="ARTICULATE_LOCK_SLIDE" val="0"/>
+  <p:tag name="ELAPSEDTIME" val="7.989"/>
+  <p:tag name="ARTICULATE_SLIDE_NAV" val="15"/>
 </p:tagLst>
 </file>
 
 <file path=ppt/tags/tag32.xml><?xml version="1.0" encoding="utf-8"?>
 <p:tagLst xmlns:a="http://schemas.openxmlformats.org/drawingml/2006/main" xmlns:r="http://schemas.openxmlformats.org/officeDocument/2006/relationships" xmlns:p="http://schemas.openxmlformats.org/presentationml/2006/main">
-  <p:tag name="ARTICULATE_PUBLISH_MODE" val="2"/>
+  <p:tag name="NO LOGOS" val="true"/>
+  <p:tag name="ARTICULATE_SLIDE_GUID" val="1e5a03f6-f794-4d52-9048-deeabc2c6342"/>
+  <p:tag name="ARTICULATE_SLIDE_PAUSE" val="0"/>
+  <p:tag name="ARTICULATE_NAV_LEVEL" val="2"/>
+  <p:tag name="ARTICULATE_PLAYLIST_ID" val="-1"/>
+  <p:tag name="ARTICULATE_VIEW_MODE" val="1"/>
+  <p:tag name="ARTICULATE_LOCK_SLIDE" val="0"/>
+  <p:tag name="ELAPSEDTIME" val="92.078"/>
+  <p:tag name="ARTICULATE_SLIDE_NAV" val="16"/>
 </p:tagLst>
 </file>
 
@@ -36029,50 +38495,44 @@
 
 <file path=ppt/tags/tag34.xml><?xml version="1.0" encoding="utf-8"?>
 <p:tagLst xmlns:a="http://schemas.openxmlformats.org/drawingml/2006/main" xmlns:r="http://schemas.openxmlformats.org/officeDocument/2006/relationships" xmlns:p="http://schemas.openxmlformats.org/presentationml/2006/main">
-  <p:tag name="ELAPSEDTIME" val="46.781"/>
-  <p:tag name="ARTICULATE_SLIDE_GUID" val="6a587c2e-6aaf-4284-9ec1-99ce38bf20cc"/>
-  <p:tag name="TIMELINE" val="7.88/21.47/29.06/39.80"/>
-  <p:tag name="ARTICULATE_SLIDE_PAUSE" val="0"/>
-  <p:tag name="ARTICULATE_NAV_LEVEL" val="2"/>
-  <p:tag name="ARTICULATE_PLAYLIST_ID" val="-1"/>
-  <p:tag name="ARTICULATE_LOCK_SLIDE" val="0"/>
+  <p:tag name="ARTICULATE_PUBLISH_MODE" val="2"/>
 </p:tagLst>
 </file>
 
 <file path=ppt/tags/tag35.xml><?xml version="1.0" encoding="utf-8"?>
 <p:tagLst xmlns:a="http://schemas.openxmlformats.org/drawingml/2006/main" xmlns:r="http://schemas.openxmlformats.org/officeDocument/2006/relationships" xmlns:p="http://schemas.openxmlformats.org/presentationml/2006/main">
-  <p:tag name="ARTICULATE_PUBLISH_MODE" val="2"/>
+  <p:tag name="ARTICULATE_SLIDE_GUID" val="a947f073-85c5-4009-beaa-63bc1d413637"/>
+  <p:tag name="ARTICULATE_SLIDE_PAUSE" val="0"/>
+  <p:tag name="ARTICULATE_NAV_LEVEL" val="1"/>
+  <p:tag name="ARTICULATE_PLAYLIST_ID" val="-1"/>
+  <p:tag name="ARTICULATE_LOCK_SLIDE" val="0"/>
+  <p:tag name="ELAPSEDTIME" val="5.354"/>
+  <p:tag name="ARTICULATE_SLIDE_NAV" val="17"/>
 </p:tagLst>
 </file>
 
 <file path=ppt/tags/tag36.xml><?xml version="1.0" encoding="utf-8"?>
 <p:tagLst xmlns:a="http://schemas.openxmlformats.org/drawingml/2006/main" xmlns:r="http://schemas.openxmlformats.org/officeDocument/2006/relationships" xmlns:p="http://schemas.openxmlformats.org/presentationml/2006/main">
-  <p:tag name="ARTICULATE_PUBLISH_MODE" val="2"/>
+  <p:tag name="ARTICULATE_SLIDE_GUID" val="3de3ef57-34fa-40fc-a2df-4249a84acb4f"/>
+  <p:tag name="ARTICULATE_SLIDE_PAUSE" val="0"/>
+  <p:tag name="ARTICULATE_NAV_LEVEL" val="2"/>
+  <p:tag name="ARTICULATE_PLAYLIST_ID" val="-1"/>
+  <p:tag name="ARTICULATE_LOCK_SLIDE" val="0"/>
+  <p:tag name="TIMELINE" val="28.78/46.49/54.93/57.96/64.80/70.53/70.53/82.26/82.60/99.64/130.51"/>
+  <p:tag name="ELAPSEDTIME" val="137.531"/>
+  <p:tag name="ARTICULATE_SLIDE_NAV" val="18"/>
 </p:tagLst>
 </file>
 
 <file path=ppt/tags/tag37.xml><?xml version="1.0" encoding="utf-8"?>
 <p:tagLst xmlns:a="http://schemas.openxmlformats.org/drawingml/2006/main" xmlns:r="http://schemas.openxmlformats.org/officeDocument/2006/relationships" xmlns:p="http://schemas.openxmlformats.org/presentationml/2006/main">
-  <p:tag name="ARTICULATE_SLIDE_GUID" val="08a8f498-51e8-415f-bb9d-287c9666ec27"/>
-  <p:tag name="ELAPSEDTIME" val="56.421"/>
-  <p:tag name="ARTICULATE_TITLE_TAG" val="Pipeline Phases w/ Fetch"/>
-  <p:tag name="TIMELINE" val="2.37/46.73"/>
-  <p:tag name="ARTICULATE_SLIDE_PAUSE" val="0"/>
-  <p:tag name="ARTICULATE_NAV_LEVEL" val="2"/>
-  <p:tag name="ARTICULATE_PLAYLIST_ID" val="-1"/>
-  <p:tag name="ARTICULATE_LOCK_SLIDE" val="0"/>
+  <p:tag name="ARTICULATE_PUBLISH_MODE" val="2"/>
 </p:tagLst>
 </file>
 
 <file path=ppt/tags/tag38.xml><?xml version="1.0" encoding="utf-8"?>
 <p:tagLst xmlns:a="http://schemas.openxmlformats.org/drawingml/2006/main" xmlns:r="http://schemas.openxmlformats.org/officeDocument/2006/relationships" xmlns:p="http://schemas.openxmlformats.org/presentationml/2006/main">
-  <p:tag name="ARTICULATE_SLIDE_GUID" val="5e6f515b-b544-4c11-99f1-1dad6d9dee7f"/>
-  <p:tag name="ELAPSEDTIME" val="43.671"/>
-  <p:tag name="TIMELINE" val="7.92/33.95"/>
-  <p:tag name="ARTICULATE_SLIDE_PAUSE" val="0"/>
-  <p:tag name="ARTICULATE_NAV_LEVEL" val="2"/>
-  <p:tag name="ARTICULATE_PLAYLIST_ID" val="-1"/>
-  <p:tag name="ARTICULATE_LOCK_SLIDE" val="0"/>
+  <p:tag name="ARTICULATE_PUBLISH_MODE" val="2"/>
 </p:tagLst>
 </file>
 
@@ -36085,31 +38545,32 @@
 <file path=ppt/tags/tag4.xml><?xml version="1.0" encoding="utf-8"?>
 <p:tagLst xmlns:a="http://schemas.openxmlformats.org/drawingml/2006/main" xmlns:r="http://schemas.openxmlformats.org/officeDocument/2006/relationships" xmlns:p="http://schemas.openxmlformats.org/presentationml/2006/main">
   <p:tag name="ARTICULATE_SLIDE_GUID" val="729f5771-939f-459c-a799-aec7698a9bca"/>
-  <p:tag name="ARTICULATE_SLIDE_NAV" val="1"/>
   <p:tag name="ELAPSEDTIME" val="23.453"/>
+  <p:tag name="ARTICULATE_TITLE_TAG" val="C66x CorePac: Achieving High Performance"/>
   <p:tag name="ARTICULATE_SLIDE_PAUSE" val="0"/>
   <p:tag name="ARTICULATE_NAV_LEVEL" val="1"/>
   <p:tag name="ARTICULATE_PLAYLIST_ID" val="-1"/>
   <p:tag name="ARTICULATE_LOCK_SLIDE" val="0"/>
+  <p:tag name="ARTICULATE_SLIDE_NAV" val="1"/>
 </p:tagLst>
 </file>
 
 <file path=ppt/tags/tag40.xml><?xml version="1.0" encoding="utf-8"?>
 <p:tagLst xmlns:a="http://schemas.openxmlformats.org/drawingml/2006/main" xmlns:r="http://schemas.openxmlformats.org/officeDocument/2006/relationships" xmlns:p="http://schemas.openxmlformats.org/presentationml/2006/main">
-  <p:tag name="ARTICULATE_PUBLISH_MODE" val="2"/>
+  <p:tag name="ARTICULATE_SLIDE_GUID" val="6a587c2e-6aaf-4284-9ec1-99ce38bf20cc"/>
+  <p:tag name="ARTICULATE_SLIDE_PAUSE" val="0"/>
+  <p:tag name="ARTICULATE_NAV_LEVEL" val="2"/>
+  <p:tag name="ARTICULATE_PLAYLIST_ID" val="-1"/>
+  <p:tag name="ARTICULATE_LOCK_SLIDE" val="0"/>
+  <p:tag name="TIMELINE" val="7.88/21.47/29.06/39.80"/>
+  <p:tag name="ELAPSEDTIME" val="46.729"/>
+  <p:tag name="ARTICULATE_SLIDE_NAV" val="19"/>
 </p:tagLst>
 </file>
 
 <file path=ppt/tags/tag41.xml><?xml version="1.0" encoding="utf-8"?>
 <p:tagLst xmlns:a="http://schemas.openxmlformats.org/drawingml/2006/main" xmlns:r="http://schemas.openxmlformats.org/officeDocument/2006/relationships" xmlns:p="http://schemas.openxmlformats.org/presentationml/2006/main">
-  <p:tag name="ELAPSEDTIME" val="32.208"/>
-  <p:tag name="ARTICULATE_SLIDE_GUID" val="86f04d38-8ea2-4c20-8ab0-3994611fb984"/>
-  <p:tag name="ARTICULATE_TITLE_TAG" val="Pipeline Phases w/ Fetch &amp; Decode"/>
-  <p:tag name="TIMELINE" val="0.74/14.88/23.57"/>
-  <p:tag name="ARTICULATE_SLIDE_PAUSE" val="0"/>
-  <p:tag name="ARTICULATE_NAV_LEVEL" val="2"/>
-  <p:tag name="ARTICULATE_PLAYLIST_ID" val="-1"/>
-  <p:tag name="ARTICULATE_LOCK_SLIDE" val="0"/>
+  <p:tag name="ARTICULATE_PUBLISH_MODE" val="2"/>
 </p:tagLst>
 </file>
 
@@ -36121,71 +38582,60 @@
 
 <file path=ppt/tags/tag43.xml><?xml version="1.0" encoding="utf-8"?>
 <p:tagLst xmlns:a="http://schemas.openxmlformats.org/drawingml/2006/main" xmlns:r="http://schemas.openxmlformats.org/officeDocument/2006/relationships" xmlns:p="http://schemas.openxmlformats.org/presentationml/2006/main">
-  <p:tag name="ARTICULATE_PUBLISH_MODE" val="2"/>
+  <p:tag name="ARTICULATE_SLIDE_GUID" val="08a8f498-51e8-415f-bb9d-287c9666ec27"/>
+  <p:tag name="ARTICULATE_TITLE_TAG" val="Pipeline Phases w/ Fetch"/>
+  <p:tag name="ARTICULATE_SLIDE_PAUSE" val="0"/>
+  <p:tag name="ARTICULATE_NAV_LEVEL" val="2"/>
+  <p:tag name="ARTICULATE_PLAYLIST_ID" val="-1"/>
+  <p:tag name="ARTICULATE_LOCK_SLIDE" val="0"/>
+  <p:tag name="TIMELINE" val="2.37/46.73"/>
+  <p:tag name="ELAPSEDTIME" val="56.369"/>
+  <p:tag name="ARTICULATE_SLIDE_NAV" val="20"/>
 </p:tagLst>
 </file>
 
 <file path=ppt/tags/tag44.xml><?xml version="1.0" encoding="utf-8"?>
 <p:tagLst xmlns:a="http://schemas.openxmlformats.org/drawingml/2006/main" xmlns:r="http://schemas.openxmlformats.org/officeDocument/2006/relationships" xmlns:p="http://schemas.openxmlformats.org/presentationml/2006/main">
-  <p:tag name="ELAPSEDTIME" val="79.463"/>
-  <p:tag name="TIMELINE" val="14.90/21.60/46.63/60.92/74.23"/>
+  <p:tag name="ARTICULATE_SLIDE_GUID" val="5e6f515b-b544-4c11-99f1-1dad6d9dee7f"/>
   <p:tag name="ARTICULATE_SLIDE_PAUSE" val="0"/>
   <p:tag name="ARTICULATE_NAV_LEVEL" val="2"/>
   <p:tag name="ARTICULATE_PLAYLIST_ID" val="-1"/>
   <p:tag name="ARTICULATE_LOCK_SLIDE" val="0"/>
+  <p:tag name="TIMELINE" val="7.92/33.95"/>
+  <p:tag name="ELAPSEDTIME" val="43.619"/>
+  <p:tag name="ARTICULATE_SLIDE_NAV" val="21"/>
 </p:tagLst>
 </file>
 
 <file path=ppt/tags/tag45.xml><?xml version="1.0" encoding="utf-8"?>
 <p:tagLst xmlns:a="http://schemas.openxmlformats.org/drawingml/2006/main" xmlns:r="http://schemas.openxmlformats.org/officeDocument/2006/relationships" xmlns:p="http://schemas.openxmlformats.org/presentationml/2006/main">
-  <p:tag name="NO LOGOS" val="true"/>
-  <p:tag name="COLORSCHEMEINDEX" val="5"/>
-  <p:tag name="ELAPSEDTIME" val="33.723"/>
-  <p:tag name="ARTICULATE_SLIDE_PAUSE" val="0"/>
-  <p:tag name="ARTICULATE_NAV_LEVEL" val="2"/>
-  <p:tag name="ARTICULATE_PLAYLIST_ID" val="-1"/>
-  <p:tag name="ARTICULATE_LOCK_SLIDE" val="0"/>
+  <p:tag name="ARTICULATE_PUBLISH_MODE" val="2"/>
 </p:tagLst>
 </file>
 
 <file path=ppt/tags/tag46.xml><?xml version="1.0" encoding="utf-8"?>
 <p:tagLst xmlns:a="http://schemas.openxmlformats.org/drawingml/2006/main" xmlns:r="http://schemas.openxmlformats.org/officeDocument/2006/relationships" xmlns:p="http://schemas.openxmlformats.org/presentationml/2006/main">
-  <p:tag name="NO LOGOS" val="true"/>
-  <p:tag name="COLORSCHEMEINDEX" val="5"/>
-  <p:tag name="ELAPSEDTIME" val="36.906"/>
-  <p:tag name="ARTICULATE_SLIDE_PAUSE" val="0"/>
-  <p:tag name="ARTICULATE_NAV_LEVEL" val="2"/>
-  <p:tag name="ARTICULATE_PLAYLIST_ID" val="-1"/>
-  <p:tag name="ARTICULATE_LOCK_SLIDE" val="0"/>
+  <p:tag name="ARTICULATE_PUBLISH_MODE" val="2"/>
 </p:tagLst>
 </file>
 
 <file path=ppt/tags/tag47.xml><?xml version="1.0" encoding="utf-8"?>
 <p:tagLst xmlns:a="http://schemas.openxmlformats.org/drawingml/2006/main" xmlns:r="http://schemas.openxmlformats.org/officeDocument/2006/relationships" xmlns:p="http://schemas.openxmlformats.org/presentationml/2006/main">
-  <p:tag name="COLORSCHEMEINDEX" val="5"/>
-  <p:tag name="ELAPSEDTIME" val="51.666"/>
-  <p:tag name="ARTICULATE_TITLE_TAG" val="Non-Pipelined Code Flow"/>
-  <p:tag name="TIMELINE" val="5.61/10.85/14.53/19.12/36.37"/>
+  <p:tag name="ARTICULATE_SLIDE_GUID" val="86f04d38-8ea2-4c20-8ab0-3994611fb984"/>
+  <p:tag name="ARTICULATE_TITLE_TAG" val="Pipeline Phases w/ Fetch &amp; Decode"/>
   <p:tag name="ARTICULATE_SLIDE_PAUSE" val="0"/>
   <p:tag name="ARTICULATE_NAV_LEVEL" val="2"/>
   <p:tag name="ARTICULATE_PLAYLIST_ID" val="-1"/>
-  <p:tag name="ARTICULATE_VIEW_MODE" val="1"/>
   <p:tag name="ARTICULATE_LOCK_SLIDE" val="0"/>
+  <p:tag name="TIMELINE" val="0.74/14.88/23.57"/>
+  <p:tag name="ELAPSEDTIME" val="32.156"/>
+  <p:tag name="ARTICULATE_SLIDE_NAV" val="22"/>
 </p:tagLst>
 </file>
 
 <file path=ppt/tags/tag48.xml><?xml version="1.0" encoding="utf-8"?>
 <p:tagLst xmlns:a="http://schemas.openxmlformats.org/drawingml/2006/main" xmlns:r="http://schemas.openxmlformats.org/officeDocument/2006/relationships" xmlns:p="http://schemas.openxmlformats.org/presentationml/2006/main">
-  <p:tag name="COLORSCHEMEINDEX" val="5"/>
-  <p:tag name="ELAPSEDTIME" val="94.666"/>
-  <p:tag name="ARTICULATE_TITLE_TAG" val="Pipelined Code Flow"/>
-  <p:tag name="ARTICULATE_SLIDE_GUID" val="d371eae8-dc67-47e3-b5f4-8ee868740c91"/>
-  <p:tag name="TIMELINE" val="9.29/16.53/24.21/31.20/46.94/49.21/51.68/72.06/80.42"/>
-  <p:tag name="ARTICULATE_SLIDE_PAUSE" val="0"/>
-  <p:tag name="ARTICULATE_NAV_LEVEL" val="2"/>
-  <p:tag name="ARTICULATE_PLAYLIST_ID" val="-1"/>
-  <p:tag name="ARTICULATE_VIEW_MODE" val="1"/>
-  <p:tag name="ARTICULATE_LOCK_SLIDE" val="0"/>
+  <p:tag name="ARTICULATE_PUBLISH_MODE" val="2"/>
 </p:tagLst>
 </file>
 
@@ -36198,40 +38648,75 @@
 <file path=ppt/tags/tag5.xml><?xml version="1.0" encoding="utf-8"?>
 <p:tagLst xmlns:a="http://schemas.openxmlformats.org/drawingml/2006/main" xmlns:r="http://schemas.openxmlformats.org/officeDocument/2006/relationships" xmlns:p="http://schemas.openxmlformats.org/presentationml/2006/main">
   <p:tag name="ELAPSEDTIME" val="27.921"/>
+  <p:tag name="ARTICULATE_SLIDE_GUID" val="b009a8cc-79de-47d0-bebf-9f651eae3054"/>
   <p:tag name="ARTICULATE_SLIDE_PAUSE" val="0"/>
   <p:tag name="ARTICULATE_NAV_LEVEL" val="1"/>
   <p:tag name="ARTICULATE_PLAYLIST_ID" val="-1"/>
   <p:tag name="ARTICULATE_LOCK_SLIDE" val="0"/>
+  <p:tag name="ARTICULATE_SLIDE_NAV" val="2"/>
 </p:tagLst>
 </file>
 
 <file path=ppt/tags/tag50.xml><?xml version="1.0" encoding="utf-8"?>
 <p:tagLst xmlns:a="http://schemas.openxmlformats.org/drawingml/2006/main" xmlns:r="http://schemas.openxmlformats.org/officeDocument/2006/relationships" xmlns:p="http://schemas.openxmlformats.org/presentationml/2006/main">
-  <p:tag name="ARTICULATE_PUBLISH_MODE" val="2"/>
+  <p:tag name="ARTICULATE_SLIDE_GUID" val="4032d7a5-8a30-4a8a-839f-7ac0cf332e69"/>
+  <p:tag name="ARTICULATE_SLIDE_PAUSE" val="0"/>
+  <p:tag name="ARTICULATE_NAV_LEVEL" val="2"/>
+  <p:tag name="ARTICULATE_PLAYLIST_ID" val="-1"/>
+  <p:tag name="ARTICULATE_LOCK_SLIDE" val="0"/>
+  <p:tag name="TIMELINE" val="14.90/21.60/46.63/60.92/74.23"/>
+  <p:tag name="ELAPSEDTIME" val="79.411"/>
+  <p:tag name="ARTICULATE_SLIDE_NAV" val="23"/>
 </p:tagLst>
 </file>
 
 <file path=ppt/tags/tag51.xml><?xml version="1.0" encoding="utf-8"?>
 <p:tagLst xmlns:a="http://schemas.openxmlformats.org/drawingml/2006/main" xmlns:r="http://schemas.openxmlformats.org/officeDocument/2006/relationships" xmlns:p="http://schemas.openxmlformats.org/presentationml/2006/main">
-  <p:tag name="ARTICULATE_PUBLISH_MODE" val="2"/>
+  <p:tag name="NO LOGOS" val="true"/>
+  <p:tag name="COLORSCHEMEINDEX" val="5"/>
+  <p:tag name="ARTICULATE_SLIDE_GUID" val="75977bf5-81a2-4f10-a739-08f74aa3769e"/>
+  <p:tag name="ARTICULATE_SLIDE_PAUSE" val="0"/>
+  <p:tag name="ARTICULATE_NAV_LEVEL" val="2"/>
+  <p:tag name="ARTICULATE_PLAYLIST_ID" val="-1"/>
+  <p:tag name="ARTICULATE_LOCK_SLIDE" val="0"/>
+  <p:tag name="ELAPSEDTIME" val="33.666"/>
+  <p:tag name="ARTICULATE_SLIDE_NAV" val="24"/>
 </p:tagLst>
 </file>
 
 <file path=ppt/tags/tag52.xml><?xml version="1.0" encoding="utf-8"?>
 <p:tagLst xmlns:a="http://schemas.openxmlformats.org/drawingml/2006/main" xmlns:r="http://schemas.openxmlformats.org/officeDocument/2006/relationships" xmlns:p="http://schemas.openxmlformats.org/presentationml/2006/main">
-  <p:tag name="ARTICULATE_PUBLISH_MODE" val="2"/>
+  <p:tag name="NO LOGOS" val="true"/>
+  <p:tag name="COLORSCHEMEINDEX" val="5"/>
+  <p:tag name="ARTICULATE_SLIDE_GUID" val="3d07b721-0b8b-4d9e-a677-8ff26ffd06a0"/>
+  <p:tag name="ARTICULATE_SLIDE_PAUSE" val="0"/>
+  <p:tag name="ARTICULATE_NAV_LEVEL" val="2"/>
+  <p:tag name="ARTICULATE_PLAYLIST_ID" val="-1"/>
+  <p:tag name="ARTICULATE_LOCK_SLIDE" val="0"/>
+  <p:tag name="ELAPSEDTIME" val="36.854"/>
+  <p:tag name="ARTICULATE_SLIDE_NAV" val="25"/>
 </p:tagLst>
 </file>
 
 <file path=ppt/tags/tag53.xml><?xml version="1.0" encoding="utf-8"?>
 <p:tagLst xmlns:a="http://schemas.openxmlformats.org/drawingml/2006/main" xmlns:r="http://schemas.openxmlformats.org/officeDocument/2006/relationships" xmlns:p="http://schemas.openxmlformats.org/presentationml/2006/main">
-  <p:tag name="ARTICULATE_PUBLISH_MODE" val="2"/>
+  <p:tag name="COLORSCHEMEINDEX" val="5"/>
+  <p:tag name="ARTICULATE_TITLE_TAG" val="Non-Pipelined Code Flow"/>
+  <p:tag name="ARTICULATE_SLIDE_GUID" val="f16edc18-3a3b-4df7-84c2-948637927da7"/>
+  <p:tag name="ARTICULATE_SLIDE_PAUSE" val="0"/>
+  <p:tag name="ARTICULATE_NAV_LEVEL" val="2"/>
+  <p:tag name="ARTICULATE_PLAYLIST_ID" val="-1"/>
+  <p:tag name="ARTICULATE_VIEW_MODE" val="1"/>
+  <p:tag name="ARTICULATE_LOCK_SLIDE" val="0"/>
+  <p:tag name="TIMELINE" val="5.61/10.85/14.53/19.12/36.37"/>
+  <p:tag name="ELAPSEDTIME" val="51.614"/>
+  <p:tag name="ARTICULATE_SLIDE_NAV" val="26"/>
 </p:tagLst>
 </file>
 
 <file path=ppt/tags/tag54.xml><?xml version="1.0" encoding="utf-8"?>
 <p:tagLst xmlns:a="http://schemas.openxmlformats.org/drawingml/2006/main" xmlns:r="http://schemas.openxmlformats.org/officeDocument/2006/relationships" xmlns:p="http://schemas.openxmlformats.org/presentationml/2006/main">
-  <p:tag name="ARTICULATE_PUBLISH_MODE" val="2"/>
+  <p:tag name="ARTICULATE_PUBLISH_MODE" val="1"/>
 </p:tagLst>
 </file>
 
@@ -36261,31 +38746,89 @@
 
 <file path=ppt/tags/tag59.xml><?xml version="1.0" encoding="utf-8"?>
 <p:tagLst xmlns:a="http://schemas.openxmlformats.org/drawingml/2006/main" xmlns:r="http://schemas.openxmlformats.org/officeDocument/2006/relationships" xmlns:p="http://schemas.openxmlformats.org/presentationml/2006/main">
-  <p:tag name="ELAPSEDTIME" val="109.713"/>
-  <p:tag name="ARTICULATE_SLIDE_PAUSE" val="0"/>
-  <p:tag name="ARTICULATE_NAV_LEVEL" val="2"/>
-  <p:tag name="ARTICULATE_PLAYLIST_ID" val="-1"/>
-  <p:tag name="ARTICULATE_LOCK_SLIDE" val="0"/>
+  <p:tag name="ARTICULATE_PUBLISH_MODE" val="2"/>
 </p:tagLst>
 </file>
 
 <file path=ppt/tags/tag6.xml><?xml version="1.0" encoding="utf-8"?>
 <p:tagLst xmlns:a="http://schemas.openxmlformats.org/drawingml/2006/main" xmlns:r="http://schemas.openxmlformats.org/officeDocument/2006/relationships" xmlns:p="http://schemas.openxmlformats.org/presentationml/2006/main">
   <p:tag name="ELAPSEDTIME" val="3.552"/>
+  <p:tag name="ARTICULATE_SLIDE_GUID" val="635c00c5-9ab3-4ee3-bad5-11887c967ec9"/>
   <p:tag name="ARTICULATE_SLIDE_PAUSE" val="0"/>
   <p:tag name="ARTICULATE_NAV_LEVEL" val="1"/>
   <p:tag name="ARTICULATE_PLAYLIST_ID" val="-1"/>
   <p:tag name="ARTICULATE_LOCK_SLIDE" val="0"/>
+  <p:tag name="ARTICULATE_SLIDE_NAV" val="3"/>
 </p:tagLst>
 </file>
 
 <file path=ppt/tags/tag60.xml><?xml version="1.0" encoding="utf-8"?>
 <p:tagLst xmlns:a="http://schemas.openxmlformats.org/drawingml/2006/main" xmlns:r="http://schemas.openxmlformats.org/officeDocument/2006/relationships" xmlns:p="http://schemas.openxmlformats.org/presentationml/2006/main">
-  <p:tag name="ELAPSEDTIME" val="2761.739"/>
+  <p:tag name="COLORSCHEMEINDEX" val="5"/>
+  <p:tag name="ARTICULATE_TITLE_TAG" val="Pipelined Code Flow"/>
+  <p:tag name="ARTICULATE_SLIDE_GUID" val="d371eae8-dc67-47e3-b5f4-8ee868740c91"/>
   <p:tag name="ARTICULATE_SLIDE_PAUSE" val="0"/>
-  <p:tag name="ARTICULATE_NAV_LEVEL" val="1"/>
+  <p:tag name="ARTICULATE_NAV_LEVEL" val="2"/>
   <p:tag name="ARTICULATE_PLAYLIST_ID" val="-1"/>
+  <p:tag name="ARTICULATE_VIEW_MODE" val="1"/>
   <p:tag name="ARTICULATE_LOCK_SLIDE" val="0"/>
+  <p:tag name="TIMELINE" val="9.29/16.53/24.21/31.20/46.94/49.21/51.68/72.06/80.42"/>
+  <p:tag name="ELAPSEDTIME" val="94.614"/>
+  <p:tag name="ARTICULATE_SLIDE_NAV" val="27"/>
+</p:tagLst>
+</file>
+
+<file path=ppt/tags/tag61.xml><?xml version="1.0" encoding="utf-8"?>
+<p:tagLst xmlns:a="http://schemas.openxmlformats.org/drawingml/2006/main" xmlns:r="http://schemas.openxmlformats.org/officeDocument/2006/relationships" xmlns:p="http://schemas.openxmlformats.org/presentationml/2006/main">
+  <p:tag name="ARTICULATE_PUBLISH_MODE" val="2"/>
+</p:tagLst>
+</file>
+
+<file path=ppt/tags/tag62.xml><?xml version="1.0" encoding="utf-8"?>
+<p:tagLst xmlns:a="http://schemas.openxmlformats.org/drawingml/2006/main" xmlns:r="http://schemas.openxmlformats.org/officeDocument/2006/relationships" xmlns:p="http://schemas.openxmlformats.org/presentationml/2006/main">
+  <p:tag name="ARTICULATE_PUBLISH_MODE" val="2"/>
+</p:tagLst>
+</file>
+
+<file path=ppt/tags/tag63.xml><?xml version="1.0" encoding="utf-8"?>
+<p:tagLst xmlns:a="http://schemas.openxmlformats.org/drawingml/2006/main" xmlns:r="http://schemas.openxmlformats.org/officeDocument/2006/relationships" xmlns:p="http://schemas.openxmlformats.org/presentationml/2006/main">
+  <p:tag name="ARTICULATE_PUBLISH_MODE" val="2"/>
+</p:tagLst>
+</file>
+
+<file path=ppt/tags/tag64.xml><?xml version="1.0" encoding="utf-8"?>
+<p:tagLst xmlns:a="http://schemas.openxmlformats.org/drawingml/2006/main" xmlns:r="http://schemas.openxmlformats.org/officeDocument/2006/relationships" xmlns:p="http://schemas.openxmlformats.org/presentationml/2006/main">
+  <p:tag name="ARTICULATE_PUBLISH_MODE" val="2"/>
+</p:tagLst>
+</file>
+
+<file path=ppt/tags/tag65.xml><?xml version="1.0" encoding="utf-8"?>
+<p:tagLst xmlns:a="http://schemas.openxmlformats.org/drawingml/2006/main" xmlns:r="http://schemas.openxmlformats.org/officeDocument/2006/relationships" xmlns:p="http://schemas.openxmlformats.org/presentationml/2006/main">
+  <p:tag name="ARTICULATE_PUBLISH_MODE" val="2"/>
+</p:tagLst>
+</file>
+
+<file path=ppt/tags/tag66.xml><?xml version="1.0" encoding="utf-8"?>
+<p:tagLst xmlns:a="http://schemas.openxmlformats.org/drawingml/2006/main" xmlns:r="http://schemas.openxmlformats.org/officeDocument/2006/relationships" xmlns:p="http://schemas.openxmlformats.org/presentationml/2006/main">
+  <p:tag name="ARTICULATE_PUBLISH_MODE" val="2"/>
+</p:tagLst>
+</file>
+
+<file path=ppt/tags/tag67.xml><?xml version="1.0" encoding="utf-8"?>
+<p:tagLst xmlns:a="http://schemas.openxmlformats.org/drawingml/2006/main" xmlns:r="http://schemas.openxmlformats.org/officeDocument/2006/relationships" xmlns:p="http://schemas.openxmlformats.org/presentationml/2006/main">
+  <p:tag name="ARTICULATE_PUBLISH_MODE" val="2"/>
+</p:tagLst>
+</file>
+
+<file path=ppt/tags/tag68.xml><?xml version="1.0" encoding="utf-8"?>
+<p:tagLst xmlns:a="http://schemas.openxmlformats.org/drawingml/2006/main" xmlns:r="http://schemas.openxmlformats.org/officeDocument/2006/relationships" xmlns:p="http://schemas.openxmlformats.org/presentationml/2006/main">
+  <p:tag name="ARTICULATE_PUBLISH_MODE" val="2"/>
+</p:tagLst>
+</file>
+
+<file path=ppt/tags/tag69.xml><?xml version="1.0" encoding="utf-8"?>
+<p:tagLst xmlns:a="http://schemas.openxmlformats.org/drawingml/2006/main" xmlns:r="http://schemas.openxmlformats.org/officeDocument/2006/relationships" xmlns:p="http://schemas.openxmlformats.org/presentationml/2006/main">
+  <p:tag name="ARTICULATE_PUBLISH_MODE" val="2"/>
 </p:tagLst>
 </file>
 
@@ -36293,12 +38836,43 @@
 <p:tagLst xmlns:a="http://schemas.openxmlformats.org/drawingml/2006/main" xmlns:r="http://schemas.openxmlformats.org/officeDocument/2006/relationships" xmlns:p="http://schemas.openxmlformats.org/presentationml/2006/main">
   <p:tag name="ELAPSEDTIME" val="122.588"/>
   <p:tag name="ARTICULATE_SLIDE_GUID" val="f63357b2-8a1b-4c55-9126-951da9cde8bb"/>
-  <p:tag name="TIMELINE" val="6.42/42.10/68.00/92.61"/>
   <p:tag name="ARTICULATE_SLIDE_PAUSE" val="0"/>
   <p:tag name="ARTICULATE_NAV_LEVEL" val="2"/>
   <p:tag name="ARTICULATE_PLAYLIST_ID" val="-1"/>
   <p:tag name="ARTICULATE_VIEW_MODE" val="1"/>
   <p:tag name="ARTICULATE_LOCK_SLIDE" val="0"/>
+  <p:tag name="TIMELINE" val="6.42/42.10/68.00/92.61"/>
+  <p:tag name="ARTICULATE_SLIDE_NAV" val="4"/>
+</p:tagLst>
+</file>
+
+<file path=ppt/tags/tag70.xml><?xml version="1.0" encoding="utf-8"?>
+<p:tagLst xmlns:a="http://schemas.openxmlformats.org/drawingml/2006/main" xmlns:r="http://schemas.openxmlformats.org/officeDocument/2006/relationships" xmlns:p="http://schemas.openxmlformats.org/presentationml/2006/main">
+  <p:tag name="ARTICULATE_PUBLISH_MODE" val="2"/>
+</p:tagLst>
+</file>
+
+<file path=ppt/tags/tag71.xml><?xml version="1.0" encoding="utf-8"?>
+<p:tagLst xmlns:a="http://schemas.openxmlformats.org/drawingml/2006/main" xmlns:r="http://schemas.openxmlformats.org/officeDocument/2006/relationships" xmlns:p="http://schemas.openxmlformats.org/presentationml/2006/main">
+  <p:tag name="ARTICULATE_SLIDE_GUID" val="63b108f9-8a56-46ee-9844-10825dcf127f"/>
+  <p:tag name="ARTICULATE_SLIDE_PAUSE" val="0"/>
+  <p:tag name="ARTICULATE_NAV_LEVEL" val="2"/>
+  <p:tag name="ARTICULATE_PLAYLIST_ID" val="-1"/>
+  <p:tag name="ARTICULATE_LOCK_SLIDE" val="0"/>
+  <p:tag name="ELAPSEDTIME" val="107.489"/>
+  <p:tag name="ARTICULATE_SLIDE_NAV" val="28"/>
+</p:tagLst>
+</file>
+
+<file path=ppt/tags/tag72.xml><?xml version="1.0" encoding="utf-8"?>
+<p:tagLst xmlns:a="http://schemas.openxmlformats.org/drawingml/2006/main" xmlns:r="http://schemas.openxmlformats.org/officeDocument/2006/relationships" xmlns:p="http://schemas.openxmlformats.org/presentationml/2006/main">
+  <p:tag name="ARTICULATE_SLIDE_GUID" val="395925bc-f85d-48ea-8387-9891b770d94c"/>
+  <p:tag name="ARTICULATE_SLIDE_PAUSE" val="0"/>
+  <p:tag name="ARTICULATE_NAV_LEVEL" val="1"/>
+  <p:tag name="ARTICULATE_PLAYLIST_ID" val="-1"/>
+  <p:tag name="ARTICULATE_LOCK_SLIDE" val="0"/>
+  <p:tag name="ELAPSEDTIME" val="31.447"/>
+  <p:tag name="ARTICULATE_SLIDE_NAV" val="29"/>
 </p:tagLst>
 </file>
 
